--- a/Sprint Planning/Scrum meeting 4.pptx
+++ b/Sprint Planning/Scrum meeting 4.pptx
@@ -9,11 +9,12 @@
     <p:sldId id="258" r:id="rId3"/>
     <p:sldId id="265" r:id="rId4"/>
     <p:sldId id="266" r:id="rId5"/>
-    <p:sldId id="267" r:id="rId6"/>
-    <p:sldId id="268" r:id="rId7"/>
-    <p:sldId id="264" r:id="rId8"/>
-    <p:sldId id="269" r:id="rId9"/>
-    <p:sldId id="260" r:id="rId10"/>
+    <p:sldId id="270" r:id="rId6"/>
+    <p:sldId id="267" r:id="rId7"/>
+    <p:sldId id="268" r:id="rId8"/>
+    <p:sldId id="264" r:id="rId9"/>
+    <p:sldId id="269" r:id="rId10"/>
+    <p:sldId id="260" r:id="rId11"/>
   </p:sldIdLst>
   <p:sldSz cx="12192000" cy="6858000"/>
   <p:notesSz cx="6858000" cy="9144000"/>
@@ -118,6 +119,1878 @@
     </p:ext>
   </p:extLst>
 </p:presentation>
+</file>
+
+<file path=ppt/charts/chart1.xml><?xml version="1.0" encoding="utf-8"?>
+<c:chartSpace xmlns:c="http://schemas.openxmlformats.org/drawingml/2006/chart" xmlns:a="http://schemas.openxmlformats.org/drawingml/2006/main" xmlns:r="http://schemas.openxmlformats.org/officeDocument/2006/relationships" xmlns:c16r2="http://schemas.microsoft.com/office/drawing/2015/06/chart">
+  <c:date1904 val="0"/>
+  <c:lang val="nl-NL"/>
+  <c:roundedCorners val="0"/>
+  <mc:AlternateContent xmlns:mc="http://schemas.openxmlformats.org/markup-compatibility/2006">
+    <mc:Choice xmlns:c14="http://schemas.microsoft.com/office/drawing/2007/8/2/chart" Requires="c14">
+      <c14:style val="102"/>
+    </mc:Choice>
+    <mc:Fallback>
+      <c:style val="2"/>
+    </mc:Fallback>
+  </mc:AlternateContent>
+  <c:chart>
+    <c:title>
+      <c:tx>
+        <c:rich>
+          <a:bodyPr rot="0" spcFirstLastPara="1" vertOverflow="ellipsis" vert="horz" wrap="square" anchor="ctr" anchorCtr="1"/>
+          <a:lstStyle/>
+          <a:p>
+            <a:pPr>
+              <a:defRPr sz="1600" b="1" i="0" u="none" strike="noStrike" kern="1200" spc="100" baseline="0">
+                <a:solidFill>
+                  <a:schemeClr val="lt1">
+                    <a:lumMod val="95000"/>
+                  </a:schemeClr>
+                </a:solidFill>
+                <a:effectLst>
+                  <a:outerShdw blurRad="50800" dist="38100" dir="5400000" algn="t" rotWithShape="0">
+                    <a:prstClr val="black">
+                      <a:alpha val="40000"/>
+                    </a:prstClr>
+                  </a:outerShdw>
+                </a:effectLst>
+                <a:latin typeface="+mn-lt"/>
+                <a:ea typeface="+mn-ea"/>
+                <a:cs typeface="+mn-cs"/>
+              </a:defRPr>
+            </a:pPr>
+            <a:r>
+              <a:rPr lang="nl-NL"/>
+              <a:t>Kleurkeuzes van de algemene achtergrondkleur</a:t>
+            </a:r>
+          </a:p>
+        </c:rich>
+      </c:tx>
+      <c:overlay val="0"/>
+      <c:spPr>
+        <a:noFill/>
+        <a:ln>
+          <a:noFill/>
+        </a:ln>
+        <a:effectLst/>
+      </c:spPr>
+      <c:txPr>
+        <a:bodyPr rot="0" spcFirstLastPara="1" vertOverflow="ellipsis" vert="horz" wrap="square" anchor="ctr" anchorCtr="1"/>
+        <a:lstStyle/>
+        <a:p>
+          <a:pPr>
+            <a:defRPr sz="1600" b="1" i="0" u="none" strike="noStrike" kern="1200" spc="100" baseline="0">
+              <a:solidFill>
+                <a:schemeClr val="lt1">
+                  <a:lumMod val="95000"/>
+                </a:schemeClr>
+              </a:solidFill>
+              <a:effectLst>
+                <a:outerShdw blurRad="50800" dist="38100" dir="5400000" algn="t" rotWithShape="0">
+                  <a:prstClr val="black">
+                    <a:alpha val="40000"/>
+                  </a:prstClr>
+                </a:outerShdw>
+              </a:effectLst>
+              <a:latin typeface="+mn-lt"/>
+              <a:ea typeface="+mn-ea"/>
+              <a:cs typeface="+mn-cs"/>
+            </a:defRPr>
+          </a:pPr>
+          <a:endParaRPr lang="nl-NL"/>
+        </a:p>
+      </c:txPr>
+    </c:title>
+    <c:autoTitleDeleted val="0"/>
+    <c:plotArea>
+      <c:layout/>
+      <c:barChart>
+        <c:barDir val="col"/>
+        <c:grouping val="clustered"/>
+        <c:varyColors val="0"/>
+        <c:ser>
+          <c:idx val="0"/>
+          <c:order val="0"/>
+          <c:spPr>
+            <a:gradFill rotWithShape="1">
+              <a:gsLst>
+                <a:gs pos="0">
+                  <a:schemeClr val="accent1">
+                    <a:satMod val="103000"/>
+                    <a:lumMod val="102000"/>
+                    <a:tint val="94000"/>
+                  </a:schemeClr>
+                </a:gs>
+                <a:gs pos="50000">
+                  <a:schemeClr val="accent1">
+                    <a:satMod val="110000"/>
+                    <a:lumMod val="100000"/>
+                    <a:shade val="100000"/>
+                  </a:schemeClr>
+                </a:gs>
+                <a:gs pos="100000">
+                  <a:schemeClr val="accent1">
+                    <a:lumMod val="99000"/>
+                    <a:satMod val="120000"/>
+                    <a:shade val="78000"/>
+                  </a:schemeClr>
+                </a:gs>
+              </a:gsLst>
+              <a:lin ang="5400000" scaled="0"/>
+            </a:gradFill>
+            <a:ln>
+              <a:noFill/>
+            </a:ln>
+            <a:effectLst>
+              <a:outerShdw blurRad="57150" dist="19050" dir="5400000" algn="ctr" rotWithShape="0">
+                <a:srgbClr val="000000">
+                  <a:alpha val="63000"/>
+                </a:srgbClr>
+              </a:outerShdw>
+            </a:effectLst>
+            <a:scene3d>
+              <a:camera prst="orthographicFront">
+                <a:rot lat="0" lon="0" rev="0"/>
+              </a:camera>
+              <a:lightRig rig="balanced" dir="t">
+                <a:rot lat="0" lon="0" rev="1080000"/>
+              </a:lightRig>
+            </a:scene3d>
+            <a:sp3d>
+              <a:bevelT w="38100" h="12700" prst="softRound"/>
+            </a:sp3d>
+          </c:spPr>
+          <c:invertIfNegative val="0"/>
+          <c:cat>
+            <c:strRef>
+              <c:f>Blad1!$H$2:$H$12</c:f>
+              <c:strCache>
+                <c:ptCount val="11"/>
+                <c:pt idx="0">
+                  <c:v>A</c:v>
+                </c:pt>
+                <c:pt idx="1">
+                  <c:v>Blauw</c:v>
+                </c:pt>
+                <c:pt idx="2">
+                  <c:v>donkergrijs</c:v>
+                </c:pt>
+                <c:pt idx="3">
+                  <c:v>Grijs</c:v>
+                </c:pt>
+                <c:pt idx="4">
+                  <c:v>Groen</c:v>
+                </c:pt>
+                <c:pt idx="5">
+                  <c:v>lichtgrijs</c:v>
+                </c:pt>
+                <c:pt idx="6">
+                  <c:v>Rood</c:v>
+                </c:pt>
+                <c:pt idx="7">
+                  <c:v>Turquaas</c:v>
+                </c:pt>
+                <c:pt idx="8">
+                  <c:v>Vanta black(zwart zwart)</c:v>
+                </c:pt>
+                <c:pt idx="9">
+                  <c:v>Wit</c:v>
+                </c:pt>
+                <c:pt idx="10">
+                  <c:v>Zwart</c:v>
+                </c:pt>
+              </c:strCache>
+            </c:strRef>
+          </c:cat>
+          <c:val>
+            <c:numRef>
+              <c:f>Blad1!$I$2:$I$12</c:f>
+              <c:numCache>
+                <c:formatCode>General</c:formatCode>
+                <c:ptCount val="11"/>
+                <c:pt idx="0">
+                  <c:v>1</c:v>
+                </c:pt>
+                <c:pt idx="1">
+                  <c:v>5</c:v>
+                </c:pt>
+                <c:pt idx="2">
+                  <c:v>1</c:v>
+                </c:pt>
+                <c:pt idx="3">
+                  <c:v>2</c:v>
+                </c:pt>
+                <c:pt idx="4">
+                  <c:v>2</c:v>
+                </c:pt>
+                <c:pt idx="5">
+                  <c:v>1</c:v>
+                </c:pt>
+                <c:pt idx="6">
+                  <c:v>1</c:v>
+                </c:pt>
+                <c:pt idx="7">
+                  <c:v>1</c:v>
+                </c:pt>
+                <c:pt idx="8">
+                  <c:v>1</c:v>
+                </c:pt>
+                <c:pt idx="9">
+                  <c:v>6</c:v>
+                </c:pt>
+                <c:pt idx="10">
+                  <c:v>1</c:v>
+                </c:pt>
+              </c:numCache>
+            </c:numRef>
+          </c:val>
+          <c:extLst>
+            <c:ext xmlns:c16="http://schemas.microsoft.com/office/drawing/2014/chart" uri="{C3380CC4-5D6E-409C-BE32-E72D297353CC}">
+              <c16:uniqueId val="{00000000-967F-44AF-8406-52695985231A}"/>
+            </c:ext>
+          </c:extLst>
+        </c:ser>
+        <c:dLbls>
+          <c:showLegendKey val="0"/>
+          <c:showVal val="0"/>
+          <c:showCatName val="0"/>
+          <c:showSerName val="0"/>
+          <c:showPercent val="0"/>
+          <c:showBubbleSize val="0"/>
+        </c:dLbls>
+        <c:gapWidth val="100"/>
+        <c:overlap val="-24"/>
+        <c:axId val="1504514880"/>
+        <c:axId val="1503949824"/>
+      </c:barChart>
+      <c:catAx>
+        <c:axId val="1504514880"/>
+        <c:scaling>
+          <c:orientation val="minMax"/>
+        </c:scaling>
+        <c:delete val="0"/>
+        <c:axPos val="b"/>
+        <c:numFmt formatCode="General" sourceLinked="1"/>
+        <c:majorTickMark val="none"/>
+        <c:minorTickMark val="none"/>
+        <c:tickLblPos val="nextTo"/>
+        <c:spPr>
+          <a:noFill/>
+          <a:ln w="12700" cap="flat" cmpd="sng" algn="ctr">
+            <a:solidFill>
+              <a:schemeClr val="lt1">
+                <a:lumMod val="95000"/>
+                <a:alpha val="54000"/>
+              </a:schemeClr>
+            </a:solidFill>
+            <a:round/>
+          </a:ln>
+          <a:effectLst/>
+        </c:spPr>
+        <c:txPr>
+          <a:bodyPr rot="-60000000" spcFirstLastPara="1" vertOverflow="ellipsis" vert="horz" wrap="square" anchor="ctr" anchorCtr="1"/>
+          <a:lstStyle/>
+          <a:p>
+            <a:pPr>
+              <a:defRPr sz="900" b="0" i="0" u="none" strike="noStrike" kern="1200" baseline="0">
+                <a:solidFill>
+                  <a:schemeClr val="lt1">
+                    <a:lumMod val="85000"/>
+                  </a:schemeClr>
+                </a:solidFill>
+                <a:latin typeface="+mn-lt"/>
+                <a:ea typeface="+mn-ea"/>
+                <a:cs typeface="+mn-cs"/>
+              </a:defRPr>
+            </a:pPr>
+            <a:endParaRPr lang="nl-NL"/>
+          </a:p>
+        </c:txPr>
+        <c:crossAx val="1503949824"/>
+        <c:crosses val="autoZero"/>
+        <c:auto val="1"/>
+        <c:lblAlgn val="ctr"/>
+        <c:lblOffset val="100"/>
+        <c:noMultiLvlLbl val="0"/>
+      </c:catAx>
+      <c:valAx>
+        <c:axId val="1503949824"/>
+        <c:scaling>
+          <c:orientation val="minMax"/>
+        </c:scaling>
+        <c:delete val="0"/>
+        <c:axPos val="l"/>
+        <c:majorGridlines>
+          <c:spPr>
+            <a:ln w="9525" cap="flat" cmpd="sng" algn="ctr">
+              <a:solidFill>
+                <a:schemeClr val="lt1">
+                  <a:lumMod val="95000"/>
+                  <a:alpha val="10000"/>
+                </a:schemeClr>
+              </a:solidFill>
+              <a:round/>
+            </a:ln>
+            <a:effectLst/>
+          </c:spPr>
+        </c:majorGridlines>
+        <c:numFmt formatCode="General" sourceLinked="1"/>
+        <c:majorTickMark val="none"/>
+        <c:minorTickMark val="none"/>
+        <c:tickLblPos val="nextTo"/>
+        <c:spPr>
+          <a:noFill/>
+          <a:ln>
+            <a:noFill/>
+          </a:ln>
+          <a:effectLst/>
+        </c:spPr>
+        <c:txPr>
+          <a:bodyPr rot="-60000000" spcFirstLastPara="1" vertOverflow="ellipsis" vert="horz" wrap="square" anchor="ctr" anchorCtr="1"/>
+          <a:lstStyle/>
+          <a:p>
+            <a:pPr>
+              <a:defRPr sz="900" b="0" i="0" u="none" strike="noStrike" kern="1200" baseline="0">
+                <a:solidFill>
+                  <a:schemeClr val="lt1">
+                    <a:lumMod val="85000"/>
+                  </a:schemeClr>
+                </a:solidFill>
+                <a:latin typeface="+mn-lt"/>
+                <a:ea typeface="+mn-ea"/>
+                <a:cs typeface="+mn-cs"/>
+              </a:defRPr>
+            </a:pPr>
+            <a:endParaRPr lang="nl-NL"/>
+          </a:p>
+        </c:txPr>
+        <c:crossAx val="1504514880"/>
+        <c:crosses val="autoZero"/>
+        <c:crossBetween val="between"/>
+      </c:valAx>
+      <c:spPr>
+        <a:noFill/>
+        <a:ln>
+          <a:noFill/>
+        </a:ln>
+        <a:effectLst/>
+      </c:spPr>
+    </c:plotArea>
+    <c:plotVisOnly val="1"/>
+    <c:dispBlanksAs val="gap"/>
+    <c:extLst>
+      <c:ext xmlns:c16r3="http://schemas.microsoft.com/office/drawing/2017/03/chart" uri="{56B9EC1D-385E-4148-901F-78D8002777C0}">
+        <c16r3:dataDisplayOptions16>
+          <c16r3:dispNaAsBlank val="1"/>
+        </c16r3:dataDisplayOptions16>
+      </c:ext>
+    </c:extLst>
+    <c:showDLblsOverMax val="0"/>
+  </c:chart>
+  <c:spPr>
+    <a:gradFill flip="none" rotWithShape="1">
+      <a:gsLst>
+        <a:gs pos="0">
+          <a:schemeClr val="dk1">
+            <a:lumMod val="65000"/>
+            <a:lumOff val="35000"/>
+          </a:schemeClr>
+        </a:gs>
+        <a:gs pos="100000">
+          <a:schemeClr val="dk1">
+            <a:lumMod val="85000"/>
+            <a:lumOff val="15000"/>
+          </a:schemeClr>
+        </a:gs>
+      </a:gsLst>
+      <a:path path="circle">
+        <a:fillToRect l="50000" t="50000" r="50000" b="50000"/>
+      </a:path>
+      <a:tileRect/>
+    </a:gradFill>
+    <a:ln>
+      <a:noFill/>
+    </a:ln>
+    <a:effectLst/>
+  </c:spPr>
+  <c:txPr>
+    <a:bodyPr/>
+    <a:lstStyle/>
+    <a:p>
+      <a:pPr>
+        <a:defRPr/>
+      </a:pPr>
+      <a:endParaRPr lang="nl-NL"/>
+    </a:p>
+  </c:txPr>
+  <c:externalData r:id="rId3">
+    <c:autoUpdate val="0"/>
+  </c:externalData>
+</c:chartSpace>
+</file>
+
+<file path=ppt/charts/chart2.xml><?xml version="1.0" encoding="utf-8"?>
+<c:chartSpace xmlns:c="http://schemas.openxmlformats.org/drawingml/2006/chart" xmlns:a="http://schemas.openxmlformats.org/drawingml/2006/main" xmlns:r="http://schemas.openxmlformats.org/officeDocument/2006/relationships" xmlns:c16r2="http://schemas.microsoft.com/office/drawing/2015/06/chart">
+  <c:date1904 val="0"/>
+  <c:lang val="nl-NL"/>
+  <c:roundedCorners val="0"/>
+  <mc:AlternateContent xmlns:mc="http://schemas.openxmlformats.org/markup-compatibility/2006">
+    <mc:Choice xmlns:c14="http://schemas.microsoft.com/office/drawing/2007/8/2/chart" Requires="c14">
+      <c14:style val="102"/>
+    </mc:Choice>
+    <mc:Fallback>
+      <c:style val="2"/>
+    </mc:Fallback>
+  </mc:AlternateContent>
+  <c:chart>
+    <c:title>
+      <c:tx>
+        <c:rich>
+          <a:bodyPr rot="0" spcFirstLastPara="1" vertOverflow="ellipsis" vert="horz" wrap="square" anchor="ctr" anchorCtr="1"/>
+          <a:lstStyle/>
+          <a:p>
+            <a:pPr>
+              <a:defRPr sz="1600" b="1" i="0" u="none" strike="noStrike" kern="1200" spc="100" baseline="0">
+                <a:solidFill>
+                  <a:schemeClr val="lt1">
+                    <a:lumMod val="95000"/>
+                  </a:schemeClr>
+                </a:solidFill>
+                <a:effectLst>
+                  <a:outerShdw blurRad="50800" dist="38100" dir="5400000" algn="t" rotWithShape="0">
+                    <a:prstClr val="black">
+                      <a:alpha val="40000"/>
+                    </a:prstClr>
+                  </a:outerShdw>
+                </a:effectLst>
+                <a:latin typeface="+mn-lt"/>
+                <a:ea typeface="+mn-ea"/>
+                <a:cs typeface="+mn-cs"/>
+              </a:defRPr>
+            </a:pPr>
+            <a:r>
+              <a:rPr lang="nl-NL"/>
+              <a:t>Kleurkeuzes van de knopkleur</a:t>
+            </a:r>
+          </a:p>
+        </c:rich>
+      </c:tx>
+      <c:overlay val="0"/>
+      <c:spPr>
+        <a:noFill/>
+        <a:ln>
+          <a:noFill/>
+        </a:ln>
+        <a:effectLst/>
+      </c:spPr>
+      <c:txPr>
+        <a:bodyPr rot="0" spcFirstLastPara="1" vertOverflow="ellipsis" vert="horz" wrap="square" anchor="ctr" anchorCtr="1"/>
+        <a:lstStyle/>
+        <a:p>
+          <a:pPr>
+            <a:defRPr sz="1600" b="1" i="0" u="none" strike="noStrike" kern="1200" spc="100" baseline="0">
+              <a:solidFill>
+                <a:schemeClr val="lt1">
+                  <a:lumMod val="95000"/>
+                </a:schemeClr>
+              </a:solidFill>
+              <a:effectLst>
+                <a:outerShdw blurRad="50800" dist="38100" dir="5400000" algn="t" rotWithShape="0">
+                  <a:prstClr val="black">
+                    <a:alpha val="40000"/>
+                  </a:prstClr>
+                </a:outerShdw>
+              </a:effectLst>
+              <a:latin typeface="+mn-lt"/>
+              <a:ea typeface="+mn-ea"/>
+              <a:cs typeface="+mn-cs"/>
+            </a:defRPr>
+          </a:pPr>
+          <a:endParaRPr lang="nl-NL"/>
+        </a:p>
+      </c:txPr>
+    </c:title>
+    <c:autoTitleDeleted val="0"/>
+    <c:plotArea>
+      <c:layout/>
+      <c:barChart>
+        <c:barDir val="col"/>
+        <c:grouping val="clustered"/>
+        <c:varyColors val="0"/>
+        <c:ser>
+          <c:idx val="0"/>
+          <c:order val="0"/>
+          <c:spPr>
+            <a:gradFill rotWithShape="1">
+              <a:gsLst>
+                <a:gs pos="0">
+                  <a:schemeClr val="accent1">
+                    <a:satMod val="103000"/>
+                    <a:lumMod val="102000"/>
+                    <a:tint val="94000"/>
+                  </a:schemeClr>
+                </a:gs>
+                <a:gs pos="50000">
+                  <a:schemeClr val="accent1">
+                    <a:satMod val="110000"/>
+                    <a:lumMod val="100000"/>
+                    <a:shade val="100000"/>
+                  </a:schemeClr>
+                </a:gs>
+                <a:gs pos="100000">
+                  <a:schemeClr val="accent1">
+                    <a:lumMod val="99000"/>
+                    <a:satMod val="120000"/>
+                    <a:shade val="78000"/>
+                  </a:schemeClr>
+                </a:gs>
+              </a:gsLst>
+              <a:lin ang="5400000" scaled="0"/>
+            </a:gradFill>
+            <a:ln>
+              <a:noFill/>
+            </a:ln>
+            <a:effectLst>
+              <a:outerShdw blurRad="57150" dist="19050" dir="5400000" algn="ctr" rotWithShape="0">
+                <a:srgbClr val="000000">
+                  <a:alpha val="63000"/>
+                </a:srgbClr>
+              </a:outerShdw>
+            </a:effectLst>
+            <a:scene3d>
+              <a:camera prst="orthographicFront">
+                <a:rot lat="0" lon="0" rev="0"/>
+              </a:camera>
+              <a:lightRig rig="balanced" dir="t">
+                <a:rot lat="0" lon="0" rev="1080000"/>
+              </a:lightRig>
+            </a:scene3d>
+            <a:sp3d>
+              <a:bevelT w="38100" h="12700" prst="softRound"/>
+            </a:sp3d>
+          </c:spPr>
+          <c:invertIfNegative val="0"/>
+          <c:cat>
+            <c:strRef>
+              <c:f>Blad1!$K$2:$K$9</c:f>
+              <c:strCache>
+                <c:ptCount val="8"/>
+                <c:pt idx="0">
+                  <c:v>Blauw</c:v>
+                </c:pt>
+                <c:pt idx="1">
+                  <c:v>Geel</c:v>
+                </c:pt>
+                <c:pt idx="2">
+                  <c:v>Grijs</c:v>
+                </c:pt>
+                <c:pt idx="3">
+                  <c:v>O</c:v>
+                </c:pt>
+                <c:pt idx="4">
+                  <c:v>Paars</c:v>
+                </c:pt>
+                <c:pt idx="5">
+                  <c:v>Vanta black(zwart zwart)</c:v>
+                </c:pt>
+                <c:pt idx="6">
+                  <c:v>Wit</c:v>
+                </c:pt>
+                <c:pt idx="7">
+                  <c:v>Zwart</c:v>
+                </c:pt>
+              </c:strCache>
+            </c:strRef>
+          </c:cat>
+          <c:val>
+            <c:numRef>
+              <c:f>Blad1!$L$2:$L$9</c:f>
+              <c:numCache>
+                <c:formatCode>General</c:formatCode>
+                <c:ptCount val="8"/>
+                <c:pt idx="0">
+                  <c:v>4</c:v>
+                </c:pt>
+                <c:pt idx="1">
+                  <c:v>1</c:v>
+                </c:pt>
+                <c:pt idx="2">
+                  <c:v>8</c:v>
+                </c:pt>
+                <c:pt idx="3">
+                  <c:v>1</c:v>
+                </c:pt>
+                <c:pt idx="4">
+                  <c:v>1</c:v>
+                </c:pt>
+                <c:pt idx="5">
+                  <c:v>1</c:v>
+                </c:pt>
+                <c:pt idx="6">
+                  <c:v>5</c:v>
+                </c:pt>
+                <c:pt idx="7">
+                  <c:v>1</c:v>
+                </c:pt>
+              </c:numCache>
+            </c:numRef>
+          </c:val>
+          <c:extLst>
+            <c:ext xmlns:c16="http://schemas.microsoft.com/office/drawing/2014/chart" uri="{C3380CC4-5D6E-409C-BE32-E72D297353CC}">
+              <c16:uniqueId val="{00000000-A3B5-41F8-BCFF-76E557FD9345}"/>
+            </c:ext>
+          </c:extLst>
+        </c:ser>
+        <c:dLbls>
+          <c:showLegendKey val="0"/>
+          <c:showVal val="0"/>
+          <c:showCatName val="0"/>
+          <c:showSerName val="0"/>
+          <c:showPercent val="0"/>
+          <c:showBubbleSize val="0"/>
+        </c:dLbls>
+        <c:gapWidth val="100"/>
+        <c:overlap val="-24"/>
+        <c:axId val="1511190336"/>
+        <c:axId val="1516634784"/>
+      </c:barChart>
+      <c:catAx>
+        <c:axId val="1511190336"/>
+        <c:scaling>
+          <c:orientation val="minMax"/>
+        </c:scaling>
+        <c:delete val="0"/>
+        <c:axPos val="b"/>
+        <c:numFmt formatCode="General" sourceLinked="1"/>
+        <c:majorTickMark val="none"/>
+        <c:minorTickMark val="none"/>
+        <c:tickLblPos val="nextTo"/>
+        <c:spPr>
+          <a:noFill/>
+          <a:ln w="12700" cap="flat" cmpd="sng" algn="ctr">
+            <a:solidFill>
+              <a:schemeClr val="lt1">
+                <a:lumMod val="95000"/>
+                <a:alpha val="54000"/>
+              </a:schemeClr>
+            </a:solidFill>
+            <a:round/>
+          </a:ln>
+          <a:effectLst/>
+        </c:spPr>
+        <c:txPr>
+          <a:bodyPr rot="-60000000" spcFirstLastPara="1" vertOverflow="ellipsis" vert="horz" wrap="square" anchor="ctr" anchorCtr="1"/>
+          <a:lstStyle/>
+          <a:p>
+            <a:pPr>
+              <a:defRPr sz="900" b="0" i="0" u="none" strike="noStrike" kern="1200" baseline="0">
+                <a:solidFill>
+                  <a:schemeClr val="lt1">
+                    <a:lumMod val="85000"/>
+                  </a:schemeClr>
+                </a:solidFill>
+                <a:latin typeface="+mn-lt"/>
+                <a:ea typeface="+mn-ea"/>
+                <a:cs typeface="+mn-cs"/>
+              </a:defRPr>
+            </a:pPr>
+            <a:endParaRPr lang="nl-NL"/>
+          </a:p>
+        </c:txPr>
+        <c:crossAx val="1516634784"/>
+        <c:crosses val="autoZero"/>
+        <c:auto val="1"/>
+        <c:lblAlgn val="ctr"/>
+        <c:lblOffset val="100"/>
+        <c:noMultiLvlLbl val="0"/>
+      </c:catAx>
+      <c:valAx>
+        <c:axId val="1516634784"/>
+        <c:scaling>
+          <c:orientation val="minMax"/>
+        </c:scaling>
+        <c:delete val="0"/>
+        <c:axPos val="l"/>
+        <c:majorGridlines>
+          <c:spPr>
+            <a:ln w="9525" cap="flat" cmpd="sng" algn="ctr">
+              <a:solidFill>
+                <a:schemeClr val="lt1">
+                  <a:lumMod val="95000"/>
+                  <a:alpha val="10000"/>
+                </a:schemeClr>
+              </a:solidFill>
+              <a:round/>
+            </a:ln>
+            <a:effectLst/>
+          </c:spPr>
+        </c:majorGridlines>
+        <c:numFmt formatCode="General" sourceLinked="1"/>
+        <c:majorTickMark val="none"/>
+        <c:minorTickMark val="none"/>
+        <c:tickLblPos val="nextTo"/>
+        <c:spPr>
+          <a:noFill/>
+          <a:ln>
+            <a:noFill/>
+          </a:ln>
+          <a:effectLst/>
+        </c:spPr>
+        <c:txPr>
+          <a:bodyPr rot="-60000000" spcFirstLastPara="1" vertOverflow="ellipsis" vert="horz" wrap="square" anchor="ctr" anchorCtr="1"/>
+          <a:lstStyle/>
+          <a:p>
+            <a:pPr>
+              <a:defRPr sz="900" b="0" i="0" u="none" strike="noStrike" kern="1200" baseline="0">
+                <a:solidFill>
+                  <a:schemeClr val="lt1">
+                    <a:lumMod val="85000"/>
+                  </a:schemeClr>
+                </a:solidFill>
+                <a:latin typeface="+mn-lt"/>
+                <a:ea typeface="+mn-ea"/>
+                <a:cs typeface="+mn-cs"/>
+              </a:defRPr>
+            </a:pPr>
+            <a:endParaRPr lang="nl-NL"/>
+          </a:p>
+        </c:txPr>
+        <c:crossAx val="1511190336"/>
+        <c:crosses val="autoZero"/>
+        <c:crossBetween val="between"/>
+      </c:valAx>
+      <c:spPr>
+        <a:noFill/>
+        <a:ln>
+          <a:noFill/>
+        </a:ln>
+        <a:effectLst/>
+      </c:spPr>
+    </c:plotArea>
+    <c:plotVisOnly val="1"/>
+    <c:dispBlanksAs val="gap"/>
+    <c:extLst>
+      <c:ext xmlns:c16r3="http://schemas.microsoft.com/office/drawing/2017/03/chart" uri="{56B9EC1D-385E-4148-901F-78D8002777C0}">
+        <c16r3:dataDisplayOptions16>
+          <c16r3:dispNaAsBlank val="1"/>
+        </c16r3:dataDisplayOptions16>
+      </c:ext>
+    </c:extLst>
+    <c:showDLblsOverMax val="0"/>
+  </c:chart>
+  <c:spPr>
+    <a:gradFill flip="none" rotWithShape="1">
+      <a:gsLst>
+        <a:gs pos="0">
+          <a:schemeClr val="dk1">
+            <a:lumMod val="65000"/>
+            <a:lumOff val="35000"/>
+          </a:schemeClr>
+        </a:gs>
+        <a:gs pos="100000">
+          <a:schemeClr val="dk1">
+            <a:lumMod val="85000"/>
+            <a:lumOff val="15000"/>
+          </a:schemeClr>
+        </a:gs>
+      </a:gsLst>
+      <a:path path="circle">
+        <a:fillToRect l="50000" t="50000" r="50000" b="50000"/>
+      </a:path>
+      <a:tileRect/>
+    </a:gradFill>
+    <a:ln>
+      <a:noFill/>
+    </a:ln>
+    <a:effectLst/>
+  </c:spPr>
+  <c:txPr>
+    <a:bodyPr/>
+    <a:lstStyle/>
+    <a:p>
+      <a:pPr>
+        <a:defRPr/>
+      </a:pPr>
+      <a:endParaRPr lang="nl-NL"/>
+    </a:p>
+  </c:txPr>
+  <c:externalData r:id="rId3">
+    <c:autoUpdate val="0"/>
+  </c:externalData>
+</c:chartSpace>
+</file>
+
+<file path=ppt/charts/colors1.xml><?xml version="1.0" encoding="utf-8"?>
+<cs:colorStyle xmlns:cs="http://schemas.microsoft.com/office/drawing/2012/chartStyle" xmlns:a="http://schemas.openxmlformats.org/drawingml/2006/main" meth="cycle" id="10">
+  <a:schemeClr val="accent1"/>
+  <a:schemeClr val="accent2"/>
+  <a:schemeClr val="accent3"/>
+  <a:schemeClr val="accent4"/>
+  <a:schemeClr val="accent5"/>
+  <a:schemeClr val="accent6"/>
+  <cs:variation/>
+  <cs:variation>
+    <a:lumMod val="60000"/>
+  </cs:variation>
+  <cs:variation>
+    <a:lumMod val="80000"/>
+    <a:lumOff val="20000"/>
+  </cs:variation>
+  <cs:variation>
+    <a:lumMod val="80000"/>
+  </cs:variation>
+  <cs:variation>
+    <a:lumMod val="60000"/>
+    <a:lumOff val="40000"/>
+  </cs:variation>
+  <cs:variation>
+    <a:lumMod val="50000"/>
+  </cs:variation>
+  <cs:variation>
+    <a:lumMod val="70000"/>
+    <a:lumOff val="30000"/>
+  </cs:variation>
+  <cs:variation>
+    <a:lumMod val="70000"/>
+  </cs:variation>
+  <cs:variation>
+    <a:lumMod val="50000"/>
+    <a:lumOff val="50000"/>
+  </cs:variation>
+</cs:colorStyle>
+</file>
+
+<file path=ppt/charts/colors2.xml><?xml version="1.0" encoding="utf-8"?>
+<cs:colorStyle xmlns:cs="http://schemas.microsoft.com/office/drawing/2012/chartStyle" xmlns:a="http://schemas.openxmlformats.org/drawingml/2006/main" meth="cycle" id="10">
+  <a:schemeClr val="accent1"/>
+  <a:schemeClr val="accent2"/>
+  <a:schemeClr val="accent3"/>
+  <a:schemeClr val="accent4"/>
+  <a:schemeClr val="accent5"/>
+  <a:schemeClr val="accent6"/>
+  <cs:variation/>
+  <cs:variation>
+    <a:lumMod val="60000"/>
+  </cs:variation>
+  <cs:variation>
+    <a:lumMod val="80000"/>
+    <a:lumOff val="20000"/>
+  </cs:variation>
+  <cs:variation>
+    <a:lumMod val="80000"/>
+  </cs:variation>
+  <cs:variation>
+    <a:lumMod val="60000"/>
+    <a:lumOff val="40000"/>
+  </cs:variation>
+  <cs:variation>
+    <a:lumMod val="50000"/>
+  </cs:variation>
+  <cs:variation>
+    <a:lumMod val="70000"/>
+    <a:lumOff val="30000"/>
+  </cs:variation>
+  <cs:variation>
+    <a:lumMod val="70000"/>
+  </cs:variation>
+  <cs:variation>
+    <a:lumMod val="50000"/>
+    <a:lumOff val="50000"/>
+  </cs:variation>
+</cs:colorStyle>
+</file>
+
+<file path=ppt/charts/style1.xml><?xml version="1.0" encoding="utf-8"?>
+<cs:chartStyle xmlns:cs="http://schemas.microsoft.com/office/drawing/2012/chartStyle" xmlns:a="http://schemas.openxmlformats.org/drawingml/2006/main" id="209">
+  <cs:axisTitle>
+    <cs:lnRef idx="0"/>
+    <cs:fillRef idx="0"/>
+    <cs:effectRef idx="0"/>
+    <cs:fontRef idx="minor">
+      <a:schemeClr val="lt1">
+        <a:lumMod val="85000"/>
+      </a:schemeClr>
+    </cs:fontRef>
+    <cs:defRPr sz="900" b="1" kern="1200" cap="all"/>
+  </cs:axisTitle>
+  <cs:categoryAxis>
+    <cs:lnRef idx="0"/>
+    <cs:fillRef idx="0"/>
+    <cs:effectRef idx="0"/>
+    <cs:fontRef idx="minor">
+      <a:schemeClr val="lt1">
+        <a:lumMod val="85000"/>
+      </a:schemeClr>
+    </cs:fontRef>
+    <cs:spPr>
+      <a:ln w="12700" cap="flat" cmpd="sng" algn="ctr">
+        <a:solidFill>
+          <a:schemeClr val="lt1">
+            <a:lumMod val="95000"/>
+            <a:alpha val="54000"/>
+          </a:schemeClr>
+        </a:solidFill>
+        <a:round/>
+      </a:ln>
+    </cs:spPr>
+    <cs:defRPr sz="900" kern="1200"/>
+  </cs:categoryAxis>
+  <cs:chartArea>
+    <cs:lnRef idx="0"/>
+    <cs:fillRef idx="0"/>
+    <cs:effectRef idx="0"/>
+    <cs:fontRef idx="minor">
+      <a:schemeClr val="dk1"/>
+    </cs:fontRef>
+    <cs:spPr>
+      <a:gradFill flip="none" rotWithShape="1">
+        <a:gsLst>
+          <a:gs pos="0">
+            <a:schemeClr val="dk1">
+              <a:lumMod val="65000"/>
+              <a:lumOff val="35000"/>
+            </a:schemeClr>
+          </a:gs>
+          <a:gs pos="100000">
+            <a:schemeClr val="dk1">
+              <a:lumMod val="85000"/>
+              <a:lumOff val="15000"/>
+            </a:schemeClr>
+          </a:gs>
+        </a:gsLst>
+        <a:path path="circle">
+          <a:fillToRect l="50000" t="50000" r="50000" b="50000"/>
+        </a:path>
+        <a:tileRect/>
+      </a:gradFill>
+    </cs:spPr>
+    <cs:defRPr sz="1000" kern="1200"/>
+  </cs:chartArea>
+  <cs:dataLabel>
+    <cs:lnRef idx="0"/>
+    <cs:fillRef idx="0"/>
+    <cs:effectRef idx="0"/>
+    <cs:fontRef idx="minor">
+      <a:schemeClr val="lt1">
+        <a:lumMod val="85000"/>
+      </a:schemeClr>
+    </cs:fontRef>
+    <cs:defRPr sz="900" kern="1200"/>
+  </cs:dataLabel>
+  <cs:dataLabelCallout>
+    <cs:lnRef idx="0"/>
+    <cs:fillRef idx="0"/>
+    <cs:effectRef idx="0"/>
+    <cs:fontRef idx="minor">
+      <a:schemeClr val="dk1">
+        <a:lumMod val="65000"/>
+        <a:lumOff val="35000"/>
+      </a:schemeClr>
+    </cs:fontRef>
+    <cs:spPr>
+      <a:solidFill>
+        <a:schemeClr val="lt1"/>
+      </a:solidFill>
+    </cs:spPr>
+    <cs:defRPr sz="900" kern="1200"/>
+    <cs:bodyPr rot="0" spcFirstLastPara="1" vertOverflow="clip" horzOverflow="clip" vert="horz" wrap="square" lIns="36576" tIns="18288" rIns="36576" bIns="18288" anchor="ctr" anchorCtr="1">
+      <a:spAutoFit/>
+    </cs:bodyPr>
+  </cs:dataLabelCallout>
+  <cs:dataPoint>
+    <cs:lnRef idx="0"/>
+    <cs:fillRef idx="3">
+      <cs:styleClr val="auto"/>
+    </cs:fillRef>
+    <cs:effectRef idx="3"/>
+    <cs:fontRef idx="minor">
+      <a:schemeClr val="lt1"/>
+    </cs:fontRef>
+  </cs:dataPoint>
+  <cs:dataPoint3D>
+    <cs:lnRef idx="0"/>
+    <cs:fillRef idx="3">
+      <cs:styleClr val="auto"/>
+    </cs:fillRef>
+    <cs:effectRef idx="3"/>
+    <cs:fontRef idx="minor">
+      <a:schemeClr val="lt1"/>
+    </cs:fontRef>
+  </cs:dataPoint3D>
+  <cs:dataPointLine>
+    <cs:lnRef idx="0">
+      <cs:styleClr val="auto"/>
+    </cs:lnRef>
+    <cs:fillRef idx="3"/>
+    <cs:effectRef idx="3"/>
+    <cs:fontRef idx="minor">
+      <a:schemeClr val="lt1"/>
+    </cs:fontRef>
+    <cs:spPr>
+      <a:ln w="34925" cap="rnd">
+        <a:solidFill>
+          <a:schemeClr val="phClr"/>
+        </a:solidFill>
+        <a:round/>
+      </a:ln>
+    </cs:spPr>
+  </cs:dataPointLine>
+  <cs:dataPointMarker>
+    <cs:lnRef idx="0">
+      <cs:styleClr val="auto"/>
+    </cs:lnRef>
+    <cs:fillRef idx="3">
+      <cs:styleClr val="auto"/>
+    </cs:fillRef>
+    <cs:effectRef idx="3"/>
+    <cs:fontRef idx="minor">
+      <a:schemeClr val="lt1"/>
+    </cs:fontRef>
+    <cs:spPr>
+      <a:ln w="9525">
+        <a:solidFill>
+          <a:schemeClr val="phClr"/>
+        </a:solidFill>
+        <a:round/>
+      </a:ln>
+    </cs:spPr>
+  </cs:dataPointMarker>
+  <cs:dataPointMarkerLayout symbol="circle" size="6"/>
+  <cs:dataPointWireframe>
+    <cs:lnRef idx="0">
+      <cs:styleClr val="auto"/>
+    </cs:lnRef>
+    <cs:fillRef idx="3"/>
+    <cs:effectRef idx="3"/>
+    <cs:fontRef idx="minor">
+      <a:schemeClr val="lt1"/>
+    </cs:fontRef>
+    <cs:spPr>
+      <a:ln w="9525" cap="rnd">
+        <a:solidFill>
+          <a:schemeClr val="phClr"/>
+        </a:solidFill>
+        <a:round/>
+      </a:ln>
+    </cs:spPr>
+  </cs:dataPointWireframe>
+  <cs:dataTable>
+    <cs:lnRef idx="0"/>
+    <cs:fillRef idx="0"/>
+    <cs:effectRef idx="0"/>
+    <cs:fontRef idx="minor">
+      <a:schemeClr val="lt1">
+        <a:lumMod val="85000"/>
+      </a:schemeClr>
+    </cs:fontRef>
+    <cs:spPr>
+      <a:ln w="9525">
+        <a:solidFill>
+          <a:schemeClr val="lt1">
+            <a:lumMod val="95000"/>
+            <a:alpha val="54000"/>
+          </a:schemeClr>
+        </a:solidFill>
+      </a:ln>
+    </cs:spPr>
+    <cs:defRPr sz="900" kern="1200"/>
+  </cs:dataTable>
+  <cs:downBar>
+    <cs:lnRef idx="0"/>
+    <cs:fillRef idx="0"/>
+    <cs:effectRef idx="0"/>
+    <cs:fontRef idx="minor">
+      <a:schemeClr val="lt1"/>
+    </cs:fontRef>
+    <cs:spPr>
+      <a:solidFill>
+        <a:schemeClr val="dk1">
+          <a:lumMod val="75000"/>
+          <a:lumOff val="25000"/>
+        </a:schemeClr>
+      </a:solidFill>
+      <a:ln w="9525">
+        <a:solidFill>
+          <a:schemeClr val="lt1">
+            <a:lumMod val="95000"/>
+            <a:alpha val="54000"/>
+          </a:schemeClr>
+        </a:solidFill>
+      </a:ln>
+    </cs:spPr>
+  </cs:downBar>
+  <cs:dropLine>
+    <cs:lnRef idx="0"/>
+    <cs:fillRef idx="0"/>
+    <cs:effectRef idx="0"/>
+    <cs:fontRef idx="minor">
+      <a:schemeClr val="lt1"/>
+    </cs:fontRef>
+    <cs:spPr>
+      <a:ln w="9525">
+        <a:solidFill>
+          <a:schemeClr val="lt1">
+            <a:lumMod val="95000"/>
+            <a:alpha val="54000"/>
+          </a:schemeClr>
+        </a:solidFill>
+        <a:prstDash val="dash"/>
+      </a:ln>
+    </cs:spPr>
+  </cs:dropLine>
+  <cs:errorBar>
+    <cs:lnRef idx="0"/>
+    <cs:fillRef idx="0"/>
+    <cs:effectRef idx="0"/>
+    <cs:fontRef idx="minor">
+      <a:schemeClr val="lt1"/>
+    </cs:fontRef>
+    <cs:spPr>
+      <a:ln w="9525" cap="flat" cmpd="sng" algn="ctr">
+        <a:solidFill>
+          <a:schemeClr val="lt1">
+            <a:lumMod val="95000"/>
+          </a:schemeClr>
+        </a:solidFill>
+        <a:round/>
+      </a:ln>
+    </cs:spPr>
+  </cs:errorBar>
+  <cs:floor>
+    <cs:lnRef idx="0"/>
+    <cs:fillRef idx="0"/>
+    <cs:effectRef idx="0"/>
+    <cs:fontRef idx="minor">
+      <a:schemeClr val="lt1"/>
+    </cs:fontRef>
+  </cs:floor>
+  <cs:gridlineMajor>
+    <cs:lnRef idx="0"/>
+    <cs:fillRef idx="0"/>
+    <cs:effectRef idx="0"/>
+    <cs:fontRef idx="minor">
+      <a:schemeClr val="lt1"/>
+    </cs:fontRef>
+    <cs:spPr>
+      <a:ln w="9525" cap="flat" cmpd="sng" algn="ctr">
+        <a:solidFill>
+          <a:schemeClr val="lt1">
+            <a:lumMod val="95000"/>
+            <a:alpha val="10000"/>
+          </a:schemeClr>
+        </a:solidFill>
+        <a:round/>
+      </a:ln>
+    </cs:spPr>
+  </cs:gridlineMajor>
+  <cs:gridlineMinor>
+    <cs:lnRef idx="0"/>
+    <cs:fillRef idx="0"/>
+    <cs:effectRef idx="0"/>
+    <cs:fontRef idx="minor">
+      <a:schemeClr val="lt1"/>
+    </cs:fontRef>
+    <cs:spPr>
+      <a:ln>
+        <a:solidFill>
+          <a:schemeClr val="lt1">
+            <a:lumMod val="95000"/>
+            <a:alpha val="5000"/>
+          </a:schemeClr>
+        </a:solidFill>
+      </a:ln>
+    </cs:spPr>
+  </cs:gridlineMinor>
+  <cs:hiLoLine>
+    <cs:lnRef idx="0"/>
+    <cs:fillRef idx="0"/>
+    <cs:effectRef idx="0"/>
+    <cs:fontRef idx="minor">
+      <a:schemeClr val="lt1"/>
+    </cs:fontRef>
+    <cs:spPr>
+      <a:ln w="9525">
+        <a:solidFill>
+          <a:schemeClr val="lt1">
+            <a:lumMod val="95000"/>
+            <a:alpha val="54000"/>
+          </a:schemeClr>
+        </a:solidFill>
+        <a:prstDash val="dash"/>
+      </a:ln>
+    </cs:spPr>
+  </cs:hiLoLine>
+  <cs:leaderLine>
+    <cs:lnRef idx="0"/>
+    <cs:fillRef idx="0"/>
+    <cs:effectRef idx="0"/>
+    <cs:fontRef idx="minor">
+      <a:schemeClr val="lt1"/>
+    </cs:fontRef>
+    <cs:spPr>
+      <a:ln w="9525">
+        <a:solidFill>
+          <a:schemeClr val="lt1">
+            <a:lumMod val="95000"/>
+            <a:alpha val="54000"/>
+          </a:schemeClr>
+        </a:solidFill>
+      </a:ln>
+    </cs:spPr>
+  </cs:leaderLine>
+  <cs:legend>
+    <cs:lnRef idx="0"/>
+    <cs:fillRef idx="0"/>
+    <cs:effectRef idx="0"/>
+    <cs:fontRef idx="minor">
+      <a:schemeClr val="lt1">
+        <a:lumMod val="85000"/>
+      </a:schemeClr>
+    </cs:fontRef>
+    <cs:defRPr sz="900" kern="1200"/>
+  </cs:legend>
+  <cs:plotArea>
+    <cs:lnRef idx="0"/>
+    <cs:fillRef idx="0"/>
+    <cs:effectRef idx="0"/>
+    <cs:fontRef idx="minor">
+      <a:schemeClr val="lt1"/>
+    </cs:fontRef>
+  </cs:plotArea>
+  <cs:plotArea3D>
+    <cs:lnRef idx="0"/>
+    <cs:fillRef idx="0"/>
+    <cs:effectRef idx="0"/>
+    <cs:fontRef idx="minor">
+      <a:schemeClr val="lt1"/>
+    </cs:fontRef>
+  </cs:plotArea3D>
+  <cs:seriesAxis>
+    <cs:lnRef idx="0"/>
+    <cs:fillRef idx="0"/>
+    <cs:effectRef idx="0"/>
+    <cs:fontRef idx="minor">
+      <a:schemeClr val="lt1">
+        <a:lumMod val="85000"/>
+      </a:schemeClr>
+    </cs:fontRef>
+    <cs:spPr>
+      <a:ln w="12700" cap="flat" cmpd="sng" algn="ctr">
+        <a:solidFill>
+          <a:schemeClr val="lt1">
+            <a:lumMod val="95000"/>
+            <a:alpha val="54000"/>
+          </a:schemeClr>
+        </a:solidFill>
+        <a:round/>
+      </a:ln>
+    </cs:spPr>
+    <cs:defRPr sz="900" kern="1200"/>
+  </cs:seriesAxis>
+  <cs:seriesLine>
+    <cs:lnRef idx="0"/>
+    <cs:fillRef idx="0"/>
+    <cs:effectRef idx="0"/>
+    <cs:fontRef idx="minor">
+      <a:schemeClr val="lt1"/>
+    </cs:fontRef>
+    <cs:spPr>
+      <a:ln w="9525" cap="flat" cmpd="sng" algn="ctr">
+        <a:solidFill>
+          <a:schemeClr val="lt1">
+            <a:lumMod val="95000"/>
+            <a:alpha val="54000"/>
+          </a:schemeClr>
+        </a:solidFill>
+        <a:round/>
+      </a:ln>
+    </cs:spPr>
+  </cs:seriesLine>
+  <cs:title>
+    <cs:lnRef idx="0"/>
+    <cs:fillRef idx="0"/>
+    <cs:effectRef idx="0"/>
+    <cs:fontRef idx="minor">
+      <a:schemeClr val="lt1">
+        <a:lumMod val="95000"/>
+      </a:schemeClr>
+    </cs:fontRef>
+    <cs:defRPr sz="1600" b="1" kern="1200" spc="100" baseline="0">
+      <a:effectLst>
+        <a:outerShdw blurRad="50800" dist="38100" dir="5400000" algn="t" rotWithShape="0">
+          <a:prstClr val="black">
+            <a:alpha val="40000"/>
+          </a:prstClr>
+        </a:outerShdw>
+      </a:effectLst>
+    </cs:defRPr>
+  </cs:title>
+  <cs:trendline>
+    <cs:lnRef idx="0">
+      <cs:styleClr val="auto"/>
+    </cs:lnRef>
+    <cs:fillRef idx="0"/>
+    <cs:effectRef idx="0"/>
+    <cs:fontRef idx="minor">
+      <a:schemeClr val="lt1"/>
+    </cs:fontRef>
+    <cs:spPr>
+      <a:ln w="19050" cap="rnd">
+        <a:solidFill>
+          <a:schemeClr val="phClr"/>
+        </a:solidFill>
+      </a:ln>
+    </cs:spPr>
+  </cs:trendline>
+  <cs:trendlineLabel>
+    <cs:lnRef idx="0"/>
+    <cs:fillRef idx="0"/>
+    <cs:effectRef idx="0"/>
+    <cs:fontRef idx="minor">
+      <a:schemeClr val="lt1">
+        <a:lumMod val="85000"/>
+      </a:schemeClr>
+    </cs:fontRef>
+    <cs:defRPr sz="900" kern="1200"/>
+  </cs:trendlineLabel>
+  <cs:upBar>
+    <cs:lnRef idx="0"/>
+    <cs:fillRef idx="0"/>
+    <cs:effectRef idx="0"/>
+    <cs:fontRef idx="minor">
+      <a:schemeClr val="lt1"/>
+    </cs:fontRef>
+    <cs:spPr>
+      <a:solidFill>
+        <a:schemeClr val="lt1"/>
+      </a:solidFill>
+      <a:ln w="9525">
+        <a:solidFill>
+          <a:schemeClr val="lt1">
+            <a:lumMod val="95000"/>
+            <a:alpha val="54000"/>
+          </a:schemeClr>
+        </a:solidFill>
+      </a:ln>
+    </cs:spPr>
+  </cs:upBar>
+  <cs:valueAxis>
+    <cs:lnRef idx="0"/>
+    <cs:fillRef idx="0"/>
+    <cs:effectRef idx="0"/>
+    <cs:fontRef idx="minor">
+      <a:schemeClr val="lt1">
+        <a:lumMod val="85000"/>
+      </a:schemeClr>
+    </cs:fontRef>
+    <cs:defRPr sz="900" kern="1200"/>
+  </cs:valueAxis>
+  <cs:wall>
+    <cs:lnRef idx="0"/>
+    <cs:fillRef idx="0"/>
+    <cs:effectRef idx="0"/>
+    <cs:fontRef idx="minor">
+      <a:schemeClr val="lt1"/>
+    </cs:fontRef>
+  </cs:wall>
+</cs:chartStyle>
+</file>
+
+<file path=ppt/charts/style2.xml><?xml version="1.0" encoding="utf-8"?>
+<cs:chartStyle xmlns:cs="http://schemas.microsoft.com/office/drawing/2012/chartStyle" xmlns:a="http://schemas.openxmlformats.org/drawingml/2006/main" id="209">
+  <cs:axisTitle>
+    <cs:lnRef idx="0"/>
+    <cs:fillRef idx="0"/>
+    <cs:effectRef idx="0"/>
+    <cs:fontRef idx="minor">
+      <a:schemeClr val="lt1">
+        <a:lumMod val="85000"/>
+      </a:schemeClr>
+    </cs:fontRef>
+    <cs:defRPr sz="900" b="1" kern="1200" cap="all"/>
+  </cs:axisTitle>
+  <cs:categoryAxis>
+    <cs:lnRef idx="0"/>
+    <cs:fillRef idx="0"/>
+    <cs:effectRef idx="0"/>
+    <cs:fontRef idx="minor">
+      <a:schemeClr val="lt1">
+        <a:lumMod val="85000"/>
+      </a:schemeClr>
+    </cs:fontRef>
+    <cs:spPr>
+      <a:ln w="12700" cap="flat" cmpd="sng" algn="ctr">
+        <a:solidFill>
+          <a:schemeClr val="lt1">
+            <a:lumMod val="95000"/>
+            <a:alpha val="54000"/>
+          </a:schemeClr>
+        </a:solidFill>
+        <a:round/>
+      </a:ln>
+    </cs:spPr>
+    <cs:defRPr sz="900" kern="1200"/>
+  </cs:categoryAxis>
+  <cs:chartArea>
+    <cs:lnRef idx="0"/>
+    <cs:fillRef idx="0"/>
+    <cs:effectRef idx="0"/>
+    <cs:fontRef idx="minor">
+      <a:schemeClr val="dk1"/>
+    </cs:fontRef>
+    <cs:spPr>
+      <a:gradFill flip="none" rotWithShape="1">
+        <a:gsLst>
+          <a:gs pos="0">
+            <a:schemeClr val="dk1">
+              <a:lumMod val="65000"/>
+              <a:lumOff val="35000"/>
+            </a:schemeClr>
+          </a:gs>
+          <a:gs pos="100000">
+            <a:schemeClr val="dk1">
+              <a:lumMod val="85000"/>
+              <a:lumOff val="15000"/>
+            </a:schemeClr>
+          </a:gs>
+        </a:gsLst>
+        <a:path path="circle">
+          <a:fillToRect l="50000" t="50000" r="50000" b="50000"/>
+        </a:path>
+        <a:tileRect/>
+      </a:gradFill>
+    </cs:spPr>
+    <cs:defRPr sz="1000" kern="1200"/>
+  </cs:chartArea>
+  <cs:dataLabel>
+    <cs:lnRef idx="0"/>
+    <cs:fillRef idx="0"/>
+    <cs:effectRef idx="0"/>
+    <cs:fontRef idx="minor">
+      <a:schemeClr val="lt1">
+        <a:lumMod val="85000"/>
+      </a:schemeClr>
+    </cs:fontRef>
+    <cs:defRPr sz="900" kern="1200"/>
+  </cs:dataLabel>
+  <cs:dataLabelCallout>
+    <cs:lnRef idx="0"/>
+    <cs:fillRef idx="0"/>
+    <cs:effectRef idx="0"/>
+    <cs:fontRef idx="minor">
+      <a:schemeClr val="dk1">
+        <a:lumMod val="65000"/>
+        <a:lumOff val="35000"/>
+      </a:schemeClr>
+    </cs:fontRef>
+    <cs:spPr>
+      <a:solidFill>
+        <a:schemeClr val="lt1"/>
+      </a:solidFill>
+    </cs:spPr>
+    <cs:defRPr sz="900" kern="1200"/>
+    <cs:bodyPr rot="0" spcFirstLastPara="1" vertOverflow="clip" horzOverflow="clip" vert="horz" wrap="square" lIns="36576" tIns="18288" rIns="36576" bIns="18288" anchor="ctr" anchorCtr="1">
+      <a:spAutoFit/>
+    </cs:bodyPr>
+  </cs:dataLabelCallout>
+  <cs:dataPoint>
+    <cs:lnRef idx="0"/>
+    <cs:fillRef idx="3">
+      <cs:styleClr val="auto"/>
+    </cs:fillRef>
+    <cs:effectRef idx="3"/>
+    <cs:fontRef idx="minor">
+      <a:schemeClr val="lt1"/>
+    </cs:fontRef>
+  </cs:dataPoint>
+  <cs:dataPoint3D>
+    <cs:lnRef idx="0"/>
+    <cs:fillRef idx="3">
+      <cs:styleClr val="auto"/>
+    </cs:fillRef>
+    <cs:effectRef idx="3"/>
+    <cs:fontRef idx="minor">
+      <a:schemeClr val="lt1"/>
+    </cs:fontRef>
+  </cs:dataPoint3D>
+  <cs:dataPointLine>
+    <cs:lnRef idx="0">
+      <cs:styleClr val="auto"/>
+    </cs:lnRef>
+    <cs:fillRef idx="3"/>
+    <cs:effectRef idx="3"/>
+    <cs:fontRef idx="minor">
+      <a:schemeClr val="lt1"/>
+    </cs:fontRef>
+    <cs:spPr>
+      <a:ln w="34925" cap="rnd">
+        <a:solidFill>
+          <a:schemeClr val="phClr"/>
+        </a:solidFill>
+        <a:round/>
+      </a:ln>
+    </cs:spPr>
+  </cs:dataPointLine>
+  <cs:dataPointMarker>
+    <cs:lnRef idx="0">
+      <cs:styleClr val="auto"/>
+    </cs:lnRef>
+    <cs:fillRef idx="3">
+      <cs:styleClr val="auto"/>
+    </cs:fillRef>
+    <cs:effectRef idx="3"/>
+    <cs:fontRef idx="minor">
+      <a:schemeClr val="lt1"/>
+    </cs:fontRef>
+    <cs:spPr>
+      <a:ln w="9525">
+        <a:solidFill>
+          <a:schemeClr val="phClr"/>
+        </a:solidFill>
+        <a:round/>
+      </a:ln>
+    </cs:spPr>
+  </cs:dataPointMarker>
+  <cs:dataPointMarkerLayout symbol="circle" size="6"/>
+  <cs:dataPointWireframe>
+    <cs:lnRef idx="0">
+      <cs:styleClr val="auto"/>
+    </cs:lnRef>
+    <cs:fillRef idx="3"/>
+    <cs:effectRef idx="3"/>
+    <cs:fontRef idx="minor">
+      <a:schemeClr val="lt1"/>
+    </cs:fontRef>
+    <cs:spPr>
+      <a:ln w="9525" cap="rnd">
+        <a:solidFill>
+          <a:schemeClr val="phClr"/>
+        </a:solidFill>
+        <a:round/>
+      </a:ln>
+    </cs:spPr>
+  </cs:dataPointWireframe>
+  <cs:dataTable>
+    <cs:lnRef idx="0"/>
+    <cs:fillRef idx="0"/>
+    <cs:effectRef idx="0"/>
+    <cs:fontRef idx="minor">
+      <a:schemeClr val="lt1">
+        <a:lumMod val="85000"/>
+      </a:schemeClr>
+    </cs:fontRef>
+    <cs:spPr>
+      <a:ln w="9525">
+        <a:solidFill>
+          <a:schemeClr val="lt1">
+            <a:lumMod val="95000"/>
+            <a:alpha val="54000"/>
+          </a:schemeClr>
+        </a:solidFill>
+      </a:ln>
+    </cs:spPr>
+    <cs:defRPr sz="900" kern="1200"/>
+  </cs:dataTable>
+  <cs:downBar>
+    <cs:lnRef idx="0"/>
+    <cs:fillRef idx="0"/>
+    <cs:effectRef idx="0"/>
+    <cs:fontRef idx="minor">
+      <a:schemeClr val="lt1"/>
+    </cs:fontRef>
+    <cs:spPr>
+      <a:solidFill>
+        <a:schemeClr val="dk1">
+          <a:lumMod val="75000"/>
+          <a:lumOff val="25000"/>
+        </a:schemeClr>
+      </a:solidFill>
+      <a:ln w="9525">
+        <a:solidFill>
+          <a:schemeClr val="lt1">
+            <a:lumMod val="95000"/>
+            <a:alpha val="54000"/>
+          </a:schemeClr>
+        </a:solidFill>
+      </a:ln>
+    </cs:spPr>
+  </cs:downBar>
+  <cs:dropLine>
+    <cs:lnRef idx="0"/>
+    <cs:fillRef idx="0"/>
+    <cs:effectRef idx="0"/>
+    <cs:fontRef idx="minor">
+      <a:schemeClr val="lt1"/>
+    </cs:fontRef>
+    <cs:spPr>
+      <a:ln w="9525">
+        <a:solidFill>
+          <a:schemeClr val="lt1">
+            <a:lumMod val="95000"/>
+            <a:alpha val="54000"/>
+          </a:schemeClr>
+        </a:solidFill>
+        <a:prstDash val="dash"/>
+      </a:ln>
+    </cs:spPr>
+  </cs:dropLine>
+  <cs:errorBar>
+    <cs:lnRef idx="0"/>
+    <cs:fillRef idx="0"/>
+    <cs:effectRef idx="0"/>
+    <cs:fontRef idx="minor">
+      <a:schemeClr val="lt1"/>
+    </cs:fontRef>
+    <cs:spPr>
+      <a:ln w="9525" cap="flat" cmpd="sng" algn="ctr">
+        <a:solidFill>
+          <a:schemeClr val="lt1">
+            <a:lumMod val="95000"/>
+          </a:schemeClr>
+        </a:solidFill>
+        <a:round/>
+      </a:ln>
+    </cs:spPr>
+  </cs:errorBar>
+  <cs:floor>
+    <cs:lnRef idx="0"/>
+    <cs:fillRef idx="0"/>
+    <cs:effectRef idx="0"/>
+    <cs:fontRef idx="minor">
+      <a:schemeClr val="lt1"/>
+    </cs:fontRef>
+  </cs:floor>
+  <cs:gridlineMajor>
+    <cs:lnRef idx="0"/>
+    <cs:fillRef idx="0"/>
+    <cs:effectRef idx="0"/>
+    <cs:fontRef idx="minor">
+      <a:schemeClr val="lt1"/>
+    </cs:fontRef>
+    <cs:spPr>
+      <a:ln w="9525" cap="flat" cmpd="sng" algn="ctr">
+        <a:solidFill>
+          <a:schemeClr val="lt1">
+            <a:lumMod val="95000"/>
+            <a:alpha val="10000"/>
+          </a:schemeClr>
+        </a:solidFill>
+        <a:round/>
+      </a:ln>
+    </cs:spPr>
+  </cs:gridlineMajor>
+  <cs:gridlineMinor>
+    <cs:lnRef idx="0"/>
+    <cs:fillRef idx="0"/>
+    <cs:effectRef idx="0"/>
+    <cs:fontRef idx="minor">
+      <a:schemeClr val="lt1"/>
+    </cs:fontRef>
+    <cs:spPr>
+      <a:ln>
+        <a:solidFill>
+          <a:schemeClr val="lt1">
+            <a:lumMod val="95000"/>
+            <a:alpha val="5000"/>
+          </a:schemeClr>
+        </a:solidFill>
+      </a:ln>
+    </cs:spPr>
+  </cs:gridlineMinor>
+  <cs:hiLoLine>
+    <cs:lnRef idx="0"/>
+    <cs:fillRef idx="0"/>
+    <cs:effectRef idx="0"/>
+    <cs:fontRef idx="minor">
+      <a:schemeClr val="lt1"/>
+    </cs:fontRef>
+    <cs:spPr>
+      <a:ln w="9525">
+        <a:solidFill>
+          <a:schemeClr val="lt1">
+            <a:lumMod val="95000"/>
+            <a:alpha val="54000"/>
+          </a:schemeClr>
+        </a:solidFill>
+        <a:prstDash val="dash"/>
+      </a:ln>
+    </cs:spPr>
+  </cs:hiLoLine>
+  <cs:leaderLine>
+    <cs:lnRef idx="0"/>
+    <cs:fillRef idx="0"/>
+    <cs:effectRef idx="0"/>
+    <cs:fontRef idx="minor">
+      <a:schemeClr val="lt1"/>
+    </cs:fontRef>
+    <cs:spPr>
+      <a:ln w="9525">
+        <a:solidFill>
+          <a:schemeClr val="lt1">
+            <a:lumMod val="95000"/>
+            <a:alpha val="54000"/>
+          </a:schemeClr>
+        </a:solidFill>
+      </a:ln>
+    </cs:spPr>
+  </cs:leaderLine>
+  <cs:legend>
+    <cs:lnRef idx="0"/>
+    <cs:fillRef idx="0"/>
+    <cs:effectRef idx="0"/>
+    <cs:fontRef idx="minor">
+      <a:schemeClr val="lt1">
+        <a:lumMod val="85000"/>
+      </a:schemeClr>
+    </cs:fontRef>
+    <cs:defRPr sz="900" kern="1200"/>
+  </cs:legend>
+  <cs:plotArea>
+    <cs:lnRef idx="0"/>
+    <cs:fillRef idx="0"/>
+    <cs:effectRef idx="0"/>
+    <cs:fontRef idx="minor">
+      <a:schemeClr val="lt1"/>
+    </cs:fontRef>
+  </cs:plotArea>
+  <cs:plotArea3D>
+    <cs:lnRef idx="0"/>
+    <cs:fillRef idx="0"/>
+    <cs:effectRef idx="0"/>
+    <cs:fontRef idx="minor">
+      <a:schemeClr val="lt1"/>
+    </cs:fontRef>
+  </cs:plotArea3D>
+  <cs:seriesAxis>
+    <cs:lnRef idx="0"/>
+    <cs:fillRef idx="0"/>
+    <cs:effectRef idx="0"/>
+    <cs:fontRef idx="minor">
+      <a:schemeClr val="lt1">
+        <a:lumMod val="85000"/>
+      </a:schemeClr>
+    </cs:fontRef>
+    <cs:spPr>
+      <a:ln w="12700" cap="flat" cmpd="sng" algn="ctr">
+        <a:solidFill>
+          <a:schemeClr val="lt1">
+            <a:lumMod val="95000"/>
+            <a:alpha val="54000"/>
+          </a:schemeClr>
+        </a:solidFill>
+        <a:round/>
+      </a:ln>
+    </cs:spPr>
+    <cs:defRPr sz="900" kern="1200"/>
+  </cs:seriesAxis>
+  <cs:seriesLine>
+    <cs:lnRef idx="0"/>
+    <cs:fillRef idx="0"/>
+    <cs:effectRef idx="0"/>
+    <cs:fontRef idx="minor">
+      <a:schemeClr val="lt1"/>
+    </cs:fontRef>
+    <cs:spPr>
+      <a:ln w="9525" cap="flat" cmpd="sng" algn="ctr">
+        <a:solidFill>
+          <a:schemeClr val="lt1">
+            <a:lumMod val="95000"/>
+            <a:alpha val="54000"/>
+          </a:schemeClr>
+        </a:solidFill>
+        <a:round/>
+      </a:ln>
+    </cs:spPr>
+  </cs:seriesLine>
+  <cs:title>
+    <cs:lnRef idx="0"/>
+    <cs:fillRef idx="0"/>
+    <cs:effectRef idx="0"/>
+    <cs:fontRef idx="minor">
+      <a:schemeClr val="lt1">
+        <a:lumMod val="95000"/>
+      </a:schemeClr>
+    </cs:fontRef>
+    <cs:defRPr sz="1600" b="1" kern="1200" spc="100" baseline="0">
+      <a:effectLst>
+        <a:outerShdw blurRad="50800" dist="38100" dir="5400000" algn="t" rotWithShape="0">
+          <a:prstClr val="black">
+            <a:alpha val="40000"/>
+          </a:prstClr>
+        </a:outerShdw>
+      </a:effectLst>
+    </cs:defRPr>
+  </cs:title>
+  <cs:trendline>
+    <cs:lnRef idx="0">
+      <cs:styleClr val="auto"/>
+    </cs:lnRef>
+    <cs:fillRef idx="0"/>
+    <cs:effectRef idx="0"/>
+    <cs:fontRef idx="minor">
+      <a:schemeClr val="lt1"/>
+    </cs:fontRef>
+    <cs:spPr>
+      <a:ln w="19050" cap="rnd">
+        <a:solidFill>
+          <a:schemeClr val="phClr"/>
+        </a:solidFill>
+      </a:ln>
+    </cs:spPr>
+  </cs:trendline>
+  <cs:trendlineLabel>
+    <cs:lnRef idx="0"/>
+    <cs:fillRef idx="0"/>
+    <cs:effectRef idx="0"/>
+    <cs:fontRef idx="minor">
+      <a:schemeClr val="lt1">
+        <a:lumMod val="85000"/>
+      </a:schemeClr>
+    </cs:fontRef>
+    <cs:defRPr sz="900" kern="1200"/>
+  </cs:trendlineLabel>
+  <cs:upBar>
+    <cs:lnRef idx="0"/>
+    <cs:fillRef idx="0"/>
+    <cs:effectRef idx="0"/>
+    <cs:fontRef idx="minor">
+      <a:schemeClr val="lt1"/>
+    </cs:fontRef>
+    <cs:spPr>
+      <a:solidFill>
+        <a:schemeClr val="lt1"/>
+      </a:solidFill>
+      <a:ln w="9525">
+        <a:solidFill>
+          <a:schemeClr val="lt1">
+            <a:lumMod val="95000"/>
+            <a:alpha val="54000"/>
+          </a:schemeClr>
+        </a:solidFill>
+      </a:ln>
+    </cs:spPr>
+  </cs:upBar>
+  <cs:valueAxis>
+    <cs:lnRef idx="0"/>
+    <cs:fillRef idx="0"/>
+    <cs:effectRef idx="0"/>
+    <cs:fontRef idx="minor">
+      <a:schemeClr val="lt1">
+        <a:lumMod val="85000"/>
+      </a:schemeClr>
+    </cs:fontRef>
+    <cs:defRPr sz="900" kern="1200"/>
+  </cs:valueAxis>
+  <cs:wall>
+    <cs:lnRef idx="0"/>
+    <cs:fillRef idx="0"/>
+    <cs:effectRef idx="0"/>
+    <cs:fontRef idx="minor">
+      <a:schemeClr val="lt1"/>
+    </cs:fontRef>
+  </cs:wall>
+</cs:chartStyle>
 </file>
 
 <file path=ppt/slideLayouts/slideLayout1.xml><?xml version="1.0" encoding="utf-8"?>
@@ -3555,6 +5428,130 @@
 </p:sld>
 </file>
 
+<file path=ppt/slides/slide10.xml><?xml version="1.0" encoding="utf-8"?>
+<p:sld xmlns:a="http://schemas.openxmlformats.org/drawingml/2006/main" xmlns:r="http://schemas.openxmlformats.org/officeDocument/2006/relationships" xmlns:p="http://schemas.openxmlformats.org/presentationml/2006/main">
+  <p:cSld>
+    <p:spTree>
+      <p:nvGrpSpPr>
+        <p:cNvPr id="1" name=""/>
+        <p:cNvGrpSpPr/>
+        <p:nvPr/>
+      </p:nvGrpSpPr>
+      <p:grpSpPr>
+        <a:xfrm>
+          <a:off x="0" y="0"/>
+          <a:ext cx="0" cy="0"/>
+          <a:chOff x="0" y="0"/>
+          <a:chExt cx="0" cy="0"/>
+        </a:xfrm>
+      </p:grpSpPr>
+      <p:sp>
+        <p:nvSpPr>
+          <p:cNvPr id="2" name="Title 1">
+            <a:extLst>
+              <a:ext uri="{FF2B5EF4-FFF2-40B4-BE49-F238E27FC236}">
+                <a16:creationId xmlns:a16="http://schemas.microsoft.com/office/drawing/2014/main" id="{D4FE6C12-B335-447F-8A53-36D3F5B4FF92}"/>
+              </a:ext>
+            </a:extLst>
+          </p:cNvPr>
+          <p:cNvSpPr>
+            <a:spLocks noGrp="1"/>
+          </p:cNvSpPr>
+          <p:nvPr>
+            <p:ph type="title"/>
+          </p:nvPr>
+        </p:nvSpPr>
+        <p:spPr/>
+        <p:txBody>
+          <a:bodyPr/>
+          <a:lstStyle/>
+          <a:p>
+            <a:r>
+              <a:rPr lang="en-US" dirty="0"/>
+              <a:t>Retrospective </a:t>
+            </a:r>
+          </a:p>
+        </p:txBody>
+      </p:sp>
+      <p:sp>
+        <p:nvSpPr>
+          <p:cNvPr id="3" name="Content Placeholder 2">
+            <a:extLst>
+              <a:ext uri="{FF2B5EF4-FFF2-40B4-BE49-F238E27FC236}">
+                <a16:creationId xmlns:a16="http://schemas.microsoft.com/office/drawing/2014/main" id="{E4530438-DEF7-4C5D-B4AA-D63BB9EE1AE1}"/>
+              </a:ext>
+            </a:extLst>
+          </p:cNvPr>
+          <p:cNvSpPr>
+            <a:spLocks noGrp="1"/>
+          </p:cNvSpPr>
+          <p:nvPr>
+            <p:ph idx="1"/>
+          </p:nvPr>
+        </p:nvSpPr>
+        <p:spPr>
+          <a:xfrm>
+            <a:off x="1451580" y="2015732"/>
+            <a:ext cx="9781102" cy="3450613"/>
+          </a:xfrm>
+        </p:spPr>
+        <p:txBody>
+          <a:bodyPr/>
+          <a:lstStyle/>
+          <a:p>
+            <a:pPr lvl="1"/>
+            <a:r>
+              <a:rPr lang="en-US" dirty="0"/>
+              <a:t>Wat </a:t>
+            </a:r>
+            <a:r>
+              <a:rPr lang="en-US" dirty="0" err="1"/>
+              <a:t>kan</a:t>
+            </a:r>
+            <a:r>
+              <a:rPr lang="en-US" dirty="0"/>
+              <a:t> er </a:t>
+            </a:r>
+            <a:r>
+              <a:rPr lang="en-US" dirty="0" err="1"/>
+              <a:t>beter</a:t>
+            </a:r>
+            <a:r>
+              <a:rPr lang="en-US" dirty="0"/>
+              <a:t>?</a:t>
+            </a:r>
+          </a:p>
+          <a:p>
+            <a:pPr lvl="1"/>
+            <a:r>
+              <a:rPr lang="en-US" dirty="0"/>
+              <a:t>Meer </a:t>
+            </a:r>
+            <a:r>
+              <a:rPr lang="en-US" dirty="0" err="1"/>
+              <a:t>userstories</a:t>
+            </a:r>
+            <a:endParaRPr lang="en-US" dirty="0"/>
+          </a:p>
+          <a:p>
+            <a:pPr lvl="1"/>
+            <a:endParaRPr lang="en-US" dirty="0"/>
+          </a:p>
+        </p:txBody>
+      </p:sp>
+    </p:spTree>
+    <p:extLst>
+      <p:ext uri="{BB962C8B-B14F-4D97-AF65-F5344CB8AC3E}">
+        <p14:creationId xmlns:p14="http://schemas.microsoft.com/office/powerpoint/2010/main" val="2243324124"/>
+      </p:ext>
+    </p:extLst>
+  </p:cSld>
+  <p:clrMapOvr>
+    <a:masterClrMapping/>
+  </p:clrMapOvr>
+</p:sld>
+</file>
+
 <file path=ppt/slides/slide2.xml><?xml version="1.0" encoding="utf-8"?>
 <p:sld xmlns:a="http://schemas.openxmlformats.org/drawingml/2006/main" xmlns:r="http://schemas.openxmlformats.org/officeDocument/2006/relationships" xmlns:p="http://schemas.openxmlformats.org/presentationml/2006/main">
   <p:cSld>
@@ -3639,6 +5636,21 @@
               <a:rPr lang="en-US" dirty="0"/>
               <a:t> Flowchart</a:t>
             </a:r>
+          </a:p>
+          <a:p>
+            <a:r>
+              <a:rPr lang="en-US" dirty="0" err="1"/>
+              <a:t>Kleuren</a:t>
+            </a:r>
+            <a:r>
+              <a:rPr lang="en-US" dirty="0"/>
+              <a:t> </a:t>
+            </a:r>
+            <a:r>
+              <a:rPr lang="en-US" dirty="0" err="1"/>
+              <a:t>keuzes</a:t>
+            </a:r>
+            <a:endParaRPr lang="en-US" dirty="0"/>
           </a:p>
           <a:p>
             <a:r>
@@ -4800,6 +6812,134 @@
 <file path=ppt/slides/slide5.xml><?xml version="1.0" encoding="utf-8"?>
 <p:sld xmlns:a="http://schemas.openxmlformats.org/drawingml/2006/main" xmlns:r="http://schemas.openxmlformats.org/officeDocument/2006/relationships" xmlns:p="http://schemas.openxmlformats.org/presentationml/2006/main">
   <p:cSld>
+    <p:spTree>
+      <p:nvGrpSpPr>
+        <p:cNvPr id="1" name=""/>
+        <p:cNvGrpSpPr/>
+        <p:nvPr/>
+      </p:nvGrpSpPr>
+      <p:grpSpPr>
+        <a:xfrm>
+          <a:off x="0" y="0"/>
+          <a:ext cx="0" cy="0"/>
+          <a:chOff x="0" y="0"/>
+          <a:chExt cx="0" cy="0"/>
+        </a:xfrm>
+      </p:grpSpPr>
+      <p:sp>
+        <p:nvSpPr>
+          <p:cNvPr id="2" name="Titel 1">
+            <a:extLst>
+              <a:ext uri="{FF2B5EF4-FFF2-40B4-BE49-F238E27FC236}">
+                <a16:creationId xmlns:a16="http://schemas.microsoft.com/office/drawing/2014/main" id="{862E2F21-EB0F-40A3-9668-0A474A94E662}"/>
+              </a:ext>
+            </a:extLst>
+          </p:cNvPr>
+          <p:cNvSpPr>
+            <a:spLocks noGrp="1"/>
+          </p:cNvSpPr>
+          <p:nvPr>
+            <p:ph type="title"/>
+          </p:nvPr>
+        </p:nvSpPr>
+        <p:spPr/>
+        <p:txBody>
+          <a:bodyPr/>
+          <a:lstStyle/>
+          <a:p>
+            <a:r>
+              <a:rPr lang="en-US" dirty="0" err="1"/>
+              <a:t>Kleuren</a:t>
+            </a:r>
+            <a:r>
+              <a:rPr lang="en-US" dirty="0"/>
+              <a:t> </a:t>
+            </a:r>
+            <a:r>
+              <a:rPr lang="en-US" dirty="0" err="1"/>
+              <a:t>keuzes</a:t>
+            </a:r>
+            <a:endParaRPr lang="nl-NL" dirty="0"/>
+          </a:p>
+        </p:txBody>
+      </p:sp>
+      <p:graphicFrame>
+        <p:nvGraphicFramePr>
+          <p:cNvPr id="6" name="Tijdelijke aanduiding voor inhoud 5">
+            <a:extLst>
+              <a:ext uri="{FF2B5EF4-FFF2-40B4-BE49-F238E27FC236}">
+                <a16:creationId xmlns:a16="http://schemas.microsoft.com/office/drawing/2014/main" id="{BBCE714F-7586-44B5-A987-4A91795F6542}"/>
+              </a:ext>
+            </a:extLst>
+          </p:cNvPr>
+          <p:cNvGraphicFramePr>
+            <a:graphicFrameLocks noGrp="1"/>
+          </p:cNvGraphicFramePr>
+          <p:nvPr>
+            <p:ph idx="1"/>
+            <p:extLst>
+              <p:ext uri="{D42A27DB-BD31-4B8C-83A1-F6EECF244321}">
+                <p14:modId xmlns:p14="http://schemas.microsoft.com/office/powerpoint/2010/main" val="309869686"/>
+              </p:ext>
+            </p:extLst>
+          </p:nvPr>
+        </p:nvGraphicFramePr>
+        <p:xfrm>
+          <a:off x="4927382" y="2603843"/>
+          <a:ext cx="7264618" cy="3449638"/>
+        </p:xfrm>
+        <a:graphic>
+          <a:graphicData uri="http://schemas.openxmlformats.org/drawingml/2006/chart">
+            <c:chart xmlns:c="http://schemas.openxmlformats.org/drawingml/2006/chart" xmlns:r="http://schemas.openxmlformats.org/officeDocument/2006/relationships" r:id="rId2"/>
+          </a:graphicData>
+        </a:graphic>
+      </p:graphicFrame>
+      <p:graphicFrame>
+        <p:nvGraphicFramePr>
+          <p:cNvPr id="20" name="Grafiek 19">
+            <a:extLst>
+              <a:ext uri="{FF2B5EF4-FFF2-40B4-BE49-F238E27FC236}">
+                <a16:creationId xmlns:a16="http://schemas.microsoft.com/office/drawing/2014/main" id="{B0E3D21C-FB88-4DF3-9507-DBC776F4A44D}"/>
+              </a:ext>
+            </a:extLst>
+          </p:cNvPr>
+          <p:cNvGraphicFramePr>
+            <a:graphicFrameLocks/>
+          </p:cNvGraphicFramePr>
+          <p:nvPr>
+            <p:extLst>
+              <p:ext uri="{D42A27DB-BD31-4B8C-83A1-F6EECF244321}">
+                <p14:modId xmlns:p14="http://schemas.microsoft.com/office/powerpoint/2010/main" val="690937469"/>
+              </p:ext>
+            </p:extLst>
+          </p:nvPr>
+        </p:nvGraphicFramePr>
+        <p:xfrm>
+          <a:off x="166771" y="2947537"/>
+          <a:ext cx="4620260" cy="2762250"/>
+        </p:xfrm>
+        <a:graphic>
+          <a:graphicData uri="http://schemas.openxmlformats.org/drawingml/2006/chart">
+            <c:chart xmlns:c="http://schemas.openxmlformats.org/drawingml/2006/chart" xmlns:r="http://schemas.openxmlformats.org/officeDocument/2006/relationships" r:id="rId3"/>
+          </a:graphicData>
+        </a:graphic>
+      </p:graphicFrame>
+    </p:spTree>
+    <p:extLst>
+      <p:ext uri="{BB962C8B-B14F-4D97-AF65-F5344CB8AC3E}">
+        <p14:creationId xmlns:p14="http://schemas.microsoft.com/office/powerpoint/2010/main" val="4147201347"/>
+      </p:ext>
+    </p:extLst>
+  </p:cSld>
+  <p:clrMapOvr>
+    <a:masterClrMapping/>
+  </p:clrMapOvr>
+</p:sld>
+</file>
+
+<file path=ppt/slides/slide6.xml><?xml version="1.0" encoding="utf-8"?>
+<p:sld xmlns:a="http://schemas.openxmlformats.org/drawingml/2006/main" xmlns:r="http://schemas.openxmlformats.org/officeDocument/2006/relationships" xmlns:p="http://schemas.openxmlformats.org/presentationml/2006/main">
+  <p:cSld>
     <p:bg>
       <p:bgPr>
         <a:gradFill rotWithShape="1">
@@ -5159,7 +7299,7 @@
 </p:sld>
 </file>
 
-<file path=ppt/slides/slide6.xml><?xml version="1.0" encoding="utf-8"?>
+<file path=ppt/slides/slide7.xml><?xml version="1.0" encoding="utf-8"?>
 <p:sld xmlns:a="http://schemas.openxmlformats.org/drawingml/2006/main" xmlns:r="http://schemas.openxmlformats.org/officeDocument/2006/relationships" xmlns:p="http://schemas.openxmlformats.org/presentationml/2006/main">
   <p:cSld>
     <p:bg>
@@ -5643,7 +7783,7 @@
 </p:sld>
 </file>
 
-<file path=ppt/slides/slide7.xml><?xml version="1.0" encoding="utf-8"?>
+<file path=ppt/slides/slide8.xml><?xml version="1.0" encoding="utf-8"?>
 <p:sld xmlns:a="http://schemas.openxmlformats.org/drawingml/2006/main" xmlns:r="http://schemas.openxmlformats.org/officeDocument/2006/relationships" xmlns:p="http://schemas.openxmlformats.org/presentationml/2006/main">
   <p:cSld>
     <p:bg>
@@ -5926,7 +8066,7 @@
             <p:ph idx="1"/>
             <p:extLst>
               <p:ext uri="{D42A27DB-BD31-4B8C-83A1-F6EECF244321}">
-                <p14:modId xmlns:p14="http://schemas.microsoft.com/office/powerpoint/2010/main" val="122516222"/>
+                <p14:modId xmlns:p14="http://schemas.microsoft.com/office/powerpoint/2010/main" val="323858143"/>
               </p:ext>
             </p:extLst>
           </p:nvPr>
@@ -6723,7 +8863,7 @@
                           </a:solidFill>
                           <a:effectLst/>
                         </a:rPr>
-                        <a:t>Afmetingen IR sensoren</a:t>
+                        <a:t>Locatie van IR sensor</a:t>
                       </a:r>
                       <a:endParaRPr lang="nl-NL" sz="1500" dirty="0">
                         <a:solidFill>
@@ -6803,9 +8943,33 @@
 </p:sld>
 </file>
 
-<file path=ppt/slides/slide8.xml><?xml version="1.0" encoding="utf-8"?>
+<file path=ppt/slides/slide9.xml><?xml version="1.0" encoding="utf-8"?>
 <p:sld xmlns:a="http://schemas.openxmlformats.org/drawingml/2006/main" xmlns:r="http://schemas.openxmlformats.org/officeDocument/2006/relationships" xmlns:p="http://schemas.openxmlformats.org/presentationml/2006/main">
   <p:cSld>
+    <p:bg>
+      <p:bgPr>
+        <a:gradFill rotWithShape="1">
+          <a:gsLst>
+            <a:gs pos="0">
+              <a:schemeClr val="bg1">
+                <a:tint val="94000"/>
+                <a:satMod val="80000"/>
+                <a:lumMod val="106000"/>
+              </a:schemeClr>
+            </a:gs>
+            <a:gs pos="100000">
+              <a:schemeClr val="bg1">
+                <a:shade val="80000"/>
+              </a:schemeClr>
+            </a:gs>
+          </a:gsLst>
+          <a:path path="circle">
+            <a:fillToRect l="43000" r="43000" b="100000"/>
+          </a:path>
+        </a:gradFill>
+        <a:effectLst/>
+      </p:bgPr>
+    </p:bg>
     <p:spTree>
       <p:nvGrpSpPr>
         <p:cNvPr id="1" name=""/>
@@ -6836,9 +9000,16 @@
             <p:ph type="title"/>
           </p:nvPr>
         </p:nvSpPr>
-        <p:spPr/>
+        <p:spPr>
+          <a:xfrm>
+            <a:off x="1451579" y="804519"/>
+            <a:ext cx="9291215" cy="1049235"/>
+          </a:xfrm>
+        </p:spPr>
         <p:txBody>
-          <a:bodyPr/>
+          <a:bodyPr>
+            <a:normAutofit/>
+          </a:bodyPr>
           <a:lstStyle/>
           <a:p>
             <a:r>
@@ -6861,119 +9032,712 @@
           </a:p>
         </p:txBody>
       </p:sp>
-      <p:sp>
-        <p:nvSpPr>
-          <p:cNvPr id="3" name="Tijdelijke aanduiding voor inhoud 2">
+      <p:graphicFrame>
+        <p:nvGraphicFramePr>
+          <p:cNvPr id="4" name="Tijdelijke aanduiding voor inhoud 3">
             <a:extLst>
               <a:ext uri="{FF2B5EF4-FFF2-40B4-BE49-F238E27FC236}">
-                <a16:creationId xmlns:a16="http://schemas.microsoft.com/office/drawing/2014/main" id="{4E116344-59B7-4E10-8A52-18F5E475D117}"/>
+                <a16:creationId xmlns:a16="http://schemas.microsoft.com/office/drawing/2014/main" id="{0DFDC6BC-E714-44B4-85E6-1E6BD69710E2}"/>
               </a:ext>
             </a:extLst>
           </p:cNvPr>
-          <p:cNvSpPr>
-            <a:spLocks noGrp="1"/>
-          </p:cNvSpPr>
+          <p:cNvGraphicFramePr>
+            <a:graphicFrameLocks noGrp="1"/>
+          </p:cNvGraphicFramePr>
           <p:nvPr>
             <p:ph idx="1"/>
+            <p:extLst>
+              <p:ext uri="{D42A27DB-BD31-4B8C-83A1-F6EECF244321}">
+                <p14:modId xmlns:p14="http://schemas.microsoft.com/office/powerpoint/2010/main" val="2352606656"/>
+              </p:ext>
+            </p:extLst>
           </p:nvPr>
-        </p:nvSpPr>
-        <p:spPr/>
-        <p:txBody>
-          <a:bodyPr/>
-          <a:lstStyle/>
-          <a:p>
-            <a:endParaRPr lang="nl-NL"/>
-          </a:p>
-        </p:txBody>
-      </p:sp>
+        </p:nvGraphicFramePr>
+        <p:xfrm>
+          <a:off x="770021" y="2011679"/>
+          <a:ext cx="10751418" cy="3425681"/>
+        </p:xfrm>
+        <a:graphic>
+          <a:graphicData uri="http://schemas.openxmlformats.org/drawingml/2006/table">
+            <a:tbl>
+              <a:tblPr firstRow="1" firstCol="1" bandRow="1">
+                <a:tableStyleId>{5C22544A-7EE6-4342-B048-85BDC9FD1C3A}</a:tableStyleId>
+              </a:tblPr>
+              <a:tblGrid>
+                <a:gridCol w="838581">
+                  <a:extLst>
+                    <a:ext uri="{9D8B030D-6E8A-4147-A177-3AD203B41FA5}">
+                      <a16:colId xmlns:a16="http://schemas.microsoft.com/office/drawing/2014/main" val="2006555766"/>
+                    </a:ext>
+                  </a:extLst>
+                </a:gridCol>
+                <a:gridCol w="987013">
+                  <a:extLst>
+                    <a:ext uri="{9D8B030D-6E8A-4147-A177-3AD203B41FA5}">
+                      <a16:colId xmlns:a16="http://schemas.microsoft.com/office/drawing/2014/main" val="1437825450"/>
+                    </a:ext>
+                  </a:extLst>
+                </a:gridCol>
+                <a:gridCol w="1223753">
+                  <a:extLst>
+                    <a:ext uri="{9D8B030D-6E8A-4147-A177-3AD203B41FA5}">
+                      <a16:colId xmlns:a16="http://schemas.microsoft.com/office/drawing/2014/main" val="3297612562"/>
+                    </a:ext>
+                  </a:extLst>
+                </a:gridCol>
+                <a:gridCol w="1689717">
+                  <a:extLst>
+                    <a:ext uri="{9D8B030D-6E8A-4147-A177-3AD203B41FA5}">
+                      <a16:colId xmlns:a16="http://schemas.microsoft.com/office/drawing/2014/main" val="1674290093"/>
+                    </a:ext>
+                  </a:extLst>
+                </a:gridCol>
+                <a:gridCol w="2118104">
+                  <a:extLst>
+                    <a:ext uri="{9D8B030D-6E8A-4147-A177-3AD203B41FA5}">
+                      <a16:colId xmlns:a16="http://schemas.microsoft.com/office/drawing/2014/main" val="1533383482"/>
+                    </a:ext>
+                  </a:extLst>
+                </a:gridCol>
+                <a:gridCol w="1124172">
+                  <a:extLst>
+                    <a:ext uri="{9D8B030D-6E8A-4147-A177-3AD203B41FA5}">
+                      <a16:colId xmlns:a16="http://schemas.microsoft.com/office/drawing/2014/main" val="1472663277"/>
+                    </a:ext>
+                  </a:extLst>
+                </a:gridCol>
+                <a:gridCol w="2770078">
+                  <a:extLst>
+                    <a:ext uri="{9D8B030D-6E8A-4147-A177-3AD203B41FA5}">
+                      <a16:colId xmlns:a16="http://schemas.microsoft.com/office/drawing/2014/main" val="1997208279"/>
+                    </a:ext>
+                  </a:extLst>
+                </a:gridCol>
+              </a:tblGrid>
+              <a:tr h="462014">
+                <a:tc>
+                  <a:txBody>
+                    <a:bodyPr/>
+                    <a:lstStyle/>
+                    <a:p>
+                      <a:r>
+                        <a:rPr lang="nl-NL" sz="1000">
+                          <a:effectLst/>
+                        </a:rPr>
+                        <a:t>Features</a:t>
+                      </a:r>
+                      <a:endParaRPr lang="nl-NL" sz="1000">
+                        <a:effectLst/>
+                        <a:latin typeface="Calibri" panose="020F0502020204030204" pitchFamily="34" charset="0"/>
+                        <a:ea typeface="Calibri" panose="020F0502020204030204" pitchFamily="34" charset="0"/>
+                        <a:cs typeface="Arial" panose="020B0604020202020204" pitchFamily="34" charset="0"/>
+                      </a:endParaRPr>
+                    </a:p>
+                  </a:txBody>
+                  <a:tcPr marL="57739" marR="57739" marT="0" marB="0"/>
+                </a:tc>
+                <a:tc>
+                  <a:txBody>
+                    <a:bodyPr/>
+                    <a:lstStyle/>
+                    <a:p>
+                      <a:r>
+                        <a:rPr lang="nl-NL" sz="1000">
+                          <a:effectLst/>
+                        </a:rPr>
+                        <a:t>Wil ik</a:t>
+                      </a:r>
+                      <a:endParaRPr lang="nl-NL" sz="1000">
+                        <a:effectLst/>
+                        <a:latin typeface="Calibri" panose="020F0502020204030204" pitchFamily="34" charset="0"/>
+                        <a:ea typeface="Calibri" panose="020F0502020204030204" pitchFamily="34" charset="0"/>
+                        <a:cs typeface="Arial" panose="020B0604020202020204" pitchFamily="34" charset="0"/>
+                      </a:endParaRPr>
+                    </a:p>
+                  </a:txBody>
+                  <a:tcPr marL="57739" marR="57739" marT="0" marB="0"/>
+                </a:tc>
+                <a:tc>
+                  <a:txBody>
+                    <a:bodyPr/>
+                    <a:lstStyle/>
+                    <a:p>
+                      <a:r>
+                        <a:rPr lang="nl-NL" sz="1000">
+                          <a:effectLst/>
+                        </a:rPr>
+                        <a:t>Als gebruiker</a:t>
+                      </a:r>
+                      <a:endParaRPr lang="nl-NL" sz="1000">
+                        <a:effectLst/>
+                        <a:latin typeface="Calibri" panose="020F0502020204030204" pitchFamily="34" charset="0"/>
+                        <a:ea typeface="Calibri" panose="020F0502020204030204" pitchFamily="34" charset="0"/>
+                        <a:cs typeface="Arial" panose="020B0604020202020204" pitchFamily="34" charset="0"/>
+                      </a:endParaRPr>
+                    </a:p>
+                  </a:txBody>
+                  <a:tcPr marL="57739" marR="57739" marT="0" marB="0"/>
+                </a:tc>
+                <a:tc>
+                  <a:txBody>
+                    <a:bodyPr/>
+                    <a:lstStyle/>
+                    <a:p>
+                      <a:r>
+                        <a:rPr lang="nl-NL" sz="1000">
+                          <a:effectLst/>
+                        </a:rPr>
+                        <a:t>Waarom</a:t>
+                      </a:r>
+                      <a:endParaRPr lang="nl-NL" sz="1000">
+                        <a:effectLst/>
+                        <a:latin typeface="Calibri" panose="020F0502020204030204" pitchFamily="34" charset="0"/>
+                        <a:ea typeface="Calibri" panose="020F0502020204030204" pitchFamily="34" charset="0"/>
+                        <a:cs typeface="Arial" panose="020B0604020202020204" pitchFamily="34" charset="0"/>
+                      </a:endParaRPr>
+                    </a:p>
+                  </a:txBody>
+                  <a:tcPr marL="57739" marR="57739" marT="0" marB="0"/>
+                </a:tc>
+                <a:tc>
+                  <a:txBody>
+                    <a:bodyPr/>
+                    <a:lstStyle/>
+                    <a:p>
+                      <a:r>
+                        <a:rPr lang="nl-NL" sz="1000" dirty="0">
+                          <a:effectLst/>
+                        </a:rPr>
+                        <a:t>Taken</a:t>
+                      </a:r>
+                      <a:endParaRPr lang="nl-NL" sz="1000" dirty="0">
+                        <a:effectLst/>
+                        <a:latin typeface="Calibri" panose="020F0502020204030204" pitchFamily="34" charset="0"/>
+                        <a:ea typeface="Calibri" panose="020F0502020204030204" pitchFamily="34" charset="0"/>
+                        <a:cs typeface="Arial" panose="020B0604020202020204" pitchFamily="34" charset="0"/>
+                      </a:endParaRPr>
+                    </a:p>
+                  </a:txBody>
+                  <a:tcPr marL="57739" marR="57739" marT="0" marB="0"/>
+                </a:tc>
+                <a:tc>
+                  <a:txBody>
+                    <a:bodyPr/>
+                    <a:lstStyle/>
+                    <a:p>
+                      <a:r>
+                        <a:rPr lang="nl-NL" sz="1000">
+                          <a:effectLst/>
+                        </a:rPr>
+                        <a:t>Moeilijkheids-graad</a:t>
+                      </a:r>
+                      <a:endParaRPr lang="nl-NL" sz="1000">
+                        <a:effectLst/>
+                        <a:latin typeface="Calibri" panose="020F0502020204030204" pitchFamily="34" charset="0"/>
+                        <a:ea typeface="Calibri" panose="020F0502020204030204" pitchFamily="34" charset="0"/>
+                        <a:cs typeface="Arial" panose="020B0604020202020204" pitchFamily="34" charset="0"/>
+                      </a:endParaRPr>
+                    </a:p>
+                  </a:txBody>
+                  <a:tcPr marL="57739" marR="57739" marT="0" marB="0"/>
+                </a:tc>
+                <a:tc>
+                  <a:txBody>
+                    <a:bodyPr/>
+                    <a:lstStyle/>
+                    <a:p>
+                      <a:r>
+                        <a:rPr lang="nl-NL" sz="1000">
+                          <a:effectLst/>
+                        </a:rPr>
+                        <a:t>Acceptance criteria</a:t>
+                      </a:r>
+                      <a:endParaRPr lang="nl-NL" sz="1000">
+                        <a:effectLst/>
+                        <a:latin typeface="Calibri" panose="020F0502020204030204" pitchFamily="34" charset="0"/>
+                        <a:ea typeface="Calibri" panose="020F0502020204030204" pitchFamily="34" charset="0"/>
+                        <a:cs typeface="Arial" panose="020B0604020202020204" pitchFamily="34" charset="0"/>
+                      </a:endParaRPr>
+                    </a:p>
+                  </a:txBody>
+                  <a:tcPr marL="57739" marR="57739" marT="0" marB="0"/>
+                </a:tc>
+                <a:extLst>
+                  <a:ext uri="{0D108BD9-81ED-4DB2-BD59-A6C34878D82A}">
+                    <a16:rowId xmlns:a16="http://schemas.microsoft.com/office/drawing/2014/main" val="3813367114"/>
+                  </a:ext>
+                </a:extLst>
+              </a:tr>
+              <a:tr h="1441047">
+                <a:tc>
+                  <a:txBody>
+                    <a:bodyPr/>
+                    <a:lstStyle/>
+                    <a:p>
+                      <a:r>
+                        <a:rPr lang="nl-NL" sz="1000">
+                          <a:effectLst/>
+                        </a:rPr>
+                        <a:t>7</a:t>
+                      </a:r>
+                      <a:endParaRPr lang="nl-NL" sz="1000">
+                        <a:effectLst/>
+                        <a:latin typeface="Calibri" panose="020F0502020204030204" pitchFamily="34" charset="0"/>
+                        <a:ea typeface="Calibri" panose="020F0502020204030204" pitchFamily="34" charset="0"/>
+                        <a:cs typeface="Arial" panose="020B0604020202020204" pitchFamily="34" charset="0"/>
+                      </a:endParaRPr>
+                    </a:p>
+                  </a:txBody>
+                  <a:tcPr marL="57739" marR="57739" marT="0" marB="0"/>
+                </a:tc>
+                <a:tc>
+                  <a:txBody>
+                    <a:bodyPr/>
+                    <a:lstStyle/>
+                    <a:p>
+                      <a:r>
+                        <a:rPr lang="nl-NL" sz="1000">
+                          <a:effectLst/>
+                        </a:rPr>
+                        <a:t>Prototype maken van de ATM</a:t>
+                      </a:r>
+                      <a:endParaRPr lang="nl-NL" sz="1000">
+                        <a:effectLst/>
+                        <a:latin typeface="Calibri" panose="020F0502020204030204" pitchFamily="34" charset="0"/>
+                        <a:ea typeface="Calibri" panose="020F0502020204030204" pitchFamily="34" charset="0"/>
+                        <a:cs typeface="Arial" panose="020B0604020202020204" pitchFamily="34" charset="0"/>
+                      </a:endParaRPr>
+                    </a:p>
+                  </a:txBody>
+                  <a:tcPr marL="57739" marR="57739" marT="0" marB="0"/>
+                </a:tc>
+                <a:tc>
+                  <a:txBody>
+                    <a:bodyPr/>
+                    <a:lstStyle/>
+                    <a:p>
+                      <a:r>
+                        <a:rPr lang="nl-NL" sz="1000">
+                          <a:effectLst/>
+                        </a:rPr>
+                        <a:t>De werknemer</a:t>
+                      </a:r>
+                      <a:endParaRPr lang="nl-NL" sz="1000">
+                        <a:effectLst/>
+                        <a:latin typeface="Calibri" panose="020F0502020204030204" pitchFamily="34" charset="0"/>
+                        <a:ea typeface="Calibri" panose="020F0502020204030204" pitchFamily="34" charset="0"/>
+                        <a:cs typeface="Arial" panose="020B0604020202020204" pitchFamily="34" charset="0"/>
+                      </a:endParaRPr>
+                    </a:p>
+                  </a:txBody>
+                  <a:tcPr marL="57739" marR="57739" marT="0" marB="0"/>
+                </a:tc>
+                <a:tc>
+                  <a:txBody>
+                    <a:bodyPr/>
+                    <a:lstStyle/>
+                    <a:p>
+                      <a:r>
+                        <a:rPr lang="nl-NL" sz="1000">
+                          <a:effectLst/>
+                        </a:rPr>
+                        <a:t>Zodat de werknemer alle hardware componenten kunnen testen</a:t>
+                      </a:r>
+                      <a:endParaRPr lang="nl-NL" sz="1000">
+                        <a:effectLst/>
+                        <a:latin typeface="Calibri" panose="020F0502020204030204" pitchFamily="34" charset="0"/>
+                        <a:ea typeface="Calibri" panose="020F0502020204030204" pitchFamily="34" charset="0"/>
+                        <a:cs typeface="Arial" panose="020B0604020202020204" pitchFamily="34" charset="0"/>
+                      </a:endParaRPr>
+                    </a:p>
+                  </a:txBody>
+                  <a:tcPr marL="57739" marR="57739" marT="0" marB="0"/>
+                </a:tc>
+                <a:tc>
+                  <a:txBody>
+                    <a:bodyPr/>
+                    <a:lstStyle/>
+                    <a:p>
+                      <a:r>
+                        <a:rPr lang="nl-NL" sz="1000">
+                          <a:effectLst/>
+                        </a:rPr>
+                        <a:t>Ontwerp bovenkant lasersnijden met afmetingen</a:t>
+                      </a:r>
+                      <a:endParaRPr lang="nl-NL" sz="1000">
+                        <a:effectLst/>
+                        <a:latin typeface="Calibri" panose="020F0502020204030204" pitchFamily="34" charset="0"/>
+                        <a:ea typeface="Calibri" panose="020F0502020204030204" pitchFamily="34" charset="0"/>
+                        <a:cs typeface="Arial" panose="020B0604020202020204" pitchFamily="34" charset="0"/>
+                      </a:endParaRPr>
+                    </a:p>
+                  </a:txBody>
+                  <a:tcPr marL="57739" marR="57739" marT="0" marB="0"/>
+                </a:tc>
+                <a:tc>
+                  <a:txBody>
+                    <a:bodyPr/>
+                    <a:lstStyle/>
+                    <a:p>
+                      <a:r>
+                        <a:rPr lang="nl-NL" sz="1000">
+                          <a:effectLst/>
+                        </a:rPr>
+                        <a:t>10</a:t>
+                      </a:r>
+                      <a:endParaRPr lang="nl-NL" sz="1000">
+                        <a:effectLst/>
+                        <a:latin typeface="Calibri" panose="020F0502020204030204" pitchFamily="34" charset="0"/>
+                        <a:ea typeface="Calibri" panose="020F0502020204030204" pitchFamily="34" charset="0"/>
+                        <a:cs typeface="Arial" panose="020B0604020202020204" pitchFamily="34" charset="0"/>
+                      </a:endParaRPr>
+                    </a:p>
+                  </a:txBody>
+                  <a:tcPr marL="57739" marR="57739" marT="0" marB="0"/>
+                </a:tc>
+                <a:tc>
+                  <a:txBody>
+                    <a:bodyPr/>
+                    <a:lstStyle/>
+                    <a:p>
+                      <a:r>
+                        <a:rPr lang="nl-NL" sz="1000">
+                          <a:effectLst/>
+                        </a:rPr>
+                        <a:t>Ontwerp bovenkant moet gaten bevatten voor 8 knoppen, Pin ingang, Bon uitgang, numpad, Laptop scherm stand. </a:t>
+                      </a:r>
+                      <a:endParaRPr lang="nl-NL" sz="1000">
+                        <a:effectLst/>
+                        <a:latin typeface="Calibri" panose="020F0502020204030204" pitchFamily="34" charset="0"/>
+                        <a:ea typeface="Calibri" panose="020F0502020204030204" pitchFamily="34" charset="0"/>
+                        <a:cs typeface="Arial" panose="020B0604020202020204" pitchFamily="34" charset="0"/>
+                      </a:endParaRPr>
+                    </a:p>
+                  </a:txBody>
+                  <a:tcPr marL="57739" marR="57739" marT="0" marB="0"/>
+                </a:tc>
+                <a:extLst>
+                  <a:ext uri="{0D108BD9-81ED-4DB2-BD59-A6C34878D82A}">
+                    <a16:rowId xmlns:a16="http://schemas.microsoft.com/office/drawing/2014/main" val="676537862"/>
+                  </a:ext>
+                </a:extLst>
+              </a:tr>
+              <a:tr h="761310">
+                <a:tc>
+                  <a:txBody>
+                    <a:bodyPr/>
+                    <a:lstStyle/>
+                    <a:p>
+                      <a:r>
+                        <a:rPr lang="nl-NL" sz="1000">
+                          <a:effectLst/>
+                        </a:rPr>
+                        <a:t> </a:t>
+                      </a:r>
+                      <a:endParaRPr lang="nl-NL" sz="1000">
+                        <a:effectLst/>
+                        <a:latin typeface="Calibri" panose="020F0502020204030204" pitchFamily="34" charset="0"/>
+                        <a:ea typeface="Calibri" panose="020F0502020204030204" pitchFamily="34" charset="0"/>
+                        <a:cs typeface="Arial" panose="020B0604020202020204" pitchFamily="34" charset="0"/>
+                      </a:endParaRPr>
+                    </a:p>
+                  </a:txBody>
+                  <a:tcPr marL="57739" marR="57739" marT="0" marB="0"/>
+                </a:tc>
+                <a:tc>
+                  <a:txBody>
+                    <a:bodyPr/>
+                    <a:lstStyle/>
+                    <a:p>
+                      <a:r>
+                        <a:rPr lang="nl-NL" sz="1000">
+                          <a:effectLst/>
+                        </a:rPr>
+                        <a:t> </a:t>
+                      </a:r>
+                      <a:endParaRPr lang="nl-NL" sz="1000">
+                        <a:effectLst/>
+                        <a:latin typeface="Calibri" panose="020F0502020204030204" pitchFamily="34" charset="0"/>
+                        <a:ea typeface="Calibri" panose="020F0502020204030204" pitchFamily="34" charset="0"/>
+                        <a:cs typeface="Arial" panose="020B0604020202020204" pitchFamily="34" charset="0"/>
+                      </a:endParaRPr>
+                    </a:p>
+                  </a:txBody>
+                  <a:tcPr marL="57739" marR="57739" marT="0" marB="0"/>
+                </a:tc>
+                <a:tc>
+                  <a:txBody>
+                    <a:bodyPr/>
+                    <a:lstStyle/>
+                    <a:p>
+                      <a:r>
+                        <a:rPr lang="nl-NL" sz="1000">
+                          <a:effectLst/>
+                        </a:rPr>
+                        <a:t> </a:t>
+                      </a:r>
+                      <a:endParaRPr lang="nl-NL" sz="1000">
+                        <a:effectLst/>
+                        <a:latin typeface="Calibri" panose="020F0502020204030204" pitchFamily="34" charset="0"/>
+                        <a:ea typeface="Calibri" panose="020F0502020204030204" pitchFamily="34" charset="0"/>
+                        <a:cs typeface="Arial" panose="020B0604020202020204" pitchFamily="34" charset="0"/>
+                      </a:endParaRPr>
+                    </a:p>
+                  </a:txBody>
+                  <a:tcPr marL="57739" marR="57739" marT="0" marB="0"/>
+                </a:tc>
+                <a:tc>
+                  <a:txBody>
+                    <a:bodyPr/>
+                    <a:lstStyle/>
+                    <a:p>
+                      <a:r>
+                        <a:rPr lang="nl-NL" sz="1000">
+                          <a:effectLst/>
+                        </a:rPr>
+                        <a:t> </a:t>
+                      </a:r>
+                      <a:endParaRPr lang="nl-NL" sz="1000">
+                        <a:effectLst/>
+                        <a:latin typeface="Calibri" panose="020F0502020204030204" pitchFamily="34" charset="0"/>
+                        <a:ea typeface="Calibri" panose="020F0502020204030204" pitchFamily="34" charset="0"/>
+                        <a:cs typeface="Arial" panose="020B0604020202020204" pitchFamily="34" charset="0"/>
+                      </a:endParaRPr>
+                    </a:p>
+                  </a:txBody>
+                  <a:tcPr marL="57739" marR="57739" marT="0" marB="0"/>
+                </a:tc>
+                <a:tc>
+                  <a:txBody>
+                    <a:bodyPr/>
+                    <a:lstStyle/>
+                    <a:p>
+                      <a:r>
+                        <a:rPr lang="nl-NL" sz="1000">
+                          <a:effectLst/>
+                        </a:rPr>
+                        <a:t>Ontwerp onderkant laser cutten met afmetingen</a:t>
+                      </a:r>
+                      <a:endParaRPr lang="nl-NL" sz="1000">
+                        <a:effectLst/>
+                        <a:latin typeface="Calibri" panose="020F0502020204030204" pitchFamily="34" charset="0"/>
+                        <a:ea typeface="Calibri" panose="020F0502020204030204" pitchFamily="34" charset="0"/>
+                        <a:cs typeface="Arial" panose="020B0604020202020204" pitchFamily="34" charset="0"/>
+                      </a:endParaRPr>
+                    </a:p>
+                  </a:txBody>
+                  <a:tcPr marL="57739" marR="57739" marT="0" marB="0"/>
+                </a:tc>
+                <a:tc>
+                  <a:txBody>
+                    <a:bodyPr/>
+                    <a:lstStyle/>
+                    <a:p>
+                      <a:r>
+                        <a:rPr lang="nl-NL" sz="1000">
+                          <a:effectLst/>
+                        </a:rPr>
+                        <a:t> </a:t>
+                      </a:r>
+                      <a:endParaRPr lang="nl-NL" sz="1000">
+                        <a:effectLst/>
+                        <a:latin typeface="Calibri" panose="020F0502020204030204" pitchFamily="34" charset="0"/>
+                        <a:ea typeface="Calibri" panose="020F0502020204030204" pitchFamily="34" charset="0"/>
+                        <a:cs typeface="Arial" panose="020B0604020202020204" pitchFamily="34" charset="0"/>
+                      </a:endParaRPr>
+                    </a:p>
+                  </a:txBody>
+                  <a:tcPr marL="57739" marR="57739" marT="0" marB="0"/>
+                </a:tc>
+                <a:tc>
+                  <a:txBody>
+                    <a:bodyPr/>
+                    <a:lstStyle/>
+                    <a:p>
+                      <a:r>
+                        <a:rPr lang="nl-NL" sz="1000">
+                          <a:effectLst/>
+                        </a:rPr>
+                        <a:t>Ontwerp onderkant moet gaten bevatten voor de biljetten dispenser.</a:t>
+                      </a:r>
+                      <a:endParaRPr lang="nl-NL" sz="1000">
+                        <a:effectLst/>
+                        <a:latin typeface="Calibri" panose="020F0502020204030204" pitchFamily="34" charset="0"/>
+                        <a:ea typeface="Calibri" panose="020F0502020204030204" pitchFamily="34" charset="0"/>
+                        <a:cs typeface="Arial" panose="020B0604020202020204" pitchFamily="34" charset="0"/>
+                      </a:endParaRPr>
+                    </a:p>
+                  </a:txBody>
+                  <a:tcPr marL="57739" marR="57739" marT="0" marB="0"/>
+                </a:tc>
+                <a:extLst>
+                  <a:ext uri="{0D108BD9-81ED-4DB2-BD59-A6C34878D82A}">
+                    <a16:rowId xmlns:a16="http://schemas.microsoft.com/office/drawing/2014/main" val="3961819994"/>
+                  </a:ext>
+                </a:extLst>
+              </a:tr>
+              <a:tr h="761310">
+                <a:tc>
+                  <a:txBody>
+                    <a:bodyPr/>
+                    <a:lstStyle/>
+                    <a:p>
+                      <a:r>
+                        <a:rPr lang="nl-NL" sz="1000">
+                          <a:effectLst/>
+                        </a:rPr>
+                        <a:t> </a:t>
+                      </a:r>
+                      <a:endParaRPr lang="nl-NL" sz="1000">
+                        <a:effectLst/>
+                        <a:latin typeface="Calibri" panose="020F0502020204030204" pitchFamily="34" charset="0"/>
+                        <a:ea typeface="Calibri" panose="020F0502020204030204" pitchFamily="34" charset="0"/>
+                        <a:cs typeface="Arial" panose="020B0604020202020204" pitchFamily="34" charset="0"/>
+                      </a:endParaRPr>
+                    </a:p>
+                  </a:txBody>
+                  <a:tcPr marL="57739" marR="57739" marT="0" marB="0"/>
+                </a:tc>
+                <a:tc>
+                  <a:txBody>
+                    <a:bodyPr/>
+                    <a:lstStyle/>
+                    <a:p>
+                      <a:r>
+                        <a:rPr lang="nl-NL" sz="1000">
+                          <a:effectLst/>
+                        </a:rPr>
+                        <a:t> </a:t>
+                      </a:r>
+                      <a:endParaRPr lang="nl-NL" sz="1000">
+                        <a:effectLst/>
+                        <a:latin typeface="Calibri" panose="020F0502020204030204" pitchFamily="34" charset="0"/>
+                        <a:ea typeface="Calibri" panose="020F0502020204030204" pitchFamily="34" charset="0"/>
+                        <a:cs typeface="Arial" panose="020B0604020202020204" pitchFamily="34" charset="0"/>
+                      </a:endParaRPr>
+                    </a:p>
+                  </a:txBody>
+                  <a:tcPr marL="57739" marR="57739" marT="0" marB="0"/>
+                </a:tc>
+                <a:tc>
+                  <a:txBody>
+                    <a:bodyPr/>
+                    <a:lstStyle/>
+                    <a:p>
+                      <a:r>
+                        <a:rPr lang="nl-NL" sz="1000">
+                          <a:effectLst/>
+                        </a:rPr>
+                        <a:t> </a:t>
+                      </a:r>
+                      <a:endParaRPr lang="nl-NL" sz="1000">
+                        <a:effectLst/>
+                        <a:latin typeface="Calibri" panose="020F0502020204030204" pitchFamily="34" charset="0"/>
+                        <a:ea typeface="Calibri" panose="020F0502020204030204" pitchFamily="34" charset="0"/>
+                        <a:cs typeface="Arial" panose="020B0604020202020204" pitchFamily="34" charset="0"/>
+                      </a:endParaRPr>
+                    </a:p>
+                  </a:txBody>
+                  <a:tcPr marL="57739" marR="57739" marT="0" marB="0"/>
+                </a:tc>
+                <a:tc>
+                  <a:txBody>
+                    <a:bodyPr/>
+                    <a:lstStyle/>
+                    <a:p>
+                      <a:r>
+                        <a:rPr lang="nl-NL" sz="1000">
+                          <a:effectLst/>
+                        </a:rPr>
+                        <a:t> </a:t>
+                      </a:r>
+                      <a:endParaRPr lang="nl-NL" sz="1000">
+                        <a:effectLst/>
+                        <a:latin typeface="Calibri" panose="020F0502020204030204" pitchFamily="34" charset="0"/>
+                        <a:ea typeface="Calibri" panose="020F0502020204030204" pitchFamily="34" charset="0"/>
+                        <a:cs typeface="Arial" panose="020B0604020202020204" pitchFamily="34" charset="0"/>
+                      </a:endParaRPr>
+                    </a:p>
+                  </a:txBody>
+                  <a:tcPr marL="57739" marR="57739" marT="0" marB="0"/>
+                </a:tc>
+                <a:tc>
+                  <a:txBody>
+                    <a:bodyPr/>
+                    <a:lstStyle/>
+                    <a:p>
+                      <a:r>
+                        <a:rPr lang="nl-NL" sz="1000">
+                          <a:effectLst/>
+                        </a:rPr>
+                        <a:t>Dispenser ontwerp laser cutten met afmetingen</a:t>
+                      </a:r>
+                      <a:endParaRPr lang="nl-NL" sz="1000">
+                        <a:effectLst/>
+                        <a:latin typeface="Calibri" panose="020F0502020204030204" pitchFamily="34" charset="0"/>
+                        <a:ea typeface="Calibri" panose="020F0502020204030204" pitchFamily="34" charset="0"/>
+                        <a:cs typeface="Arial" panose="020B0604020202020204" pitchFamily="34" charset="0"/>
+                      </a:endParaRPr>
+                    </a:p>
+                  </a:txBody>
+                  <a:tcPr marL="57739" marR="57739" marT="0" marB="0"/>
+                </a:tc>
+                <a:tc>
+                  <a:txBody>
+                    <a:bodyPr/>
+                    <a:lstStyle/>
+                    <a:p>
+                      <a:r>
+                        <a:rPr lang="nl-NL" sz="1000">
+                          <a:effectLst/>
+                        </a:rPr>
+                        <a:t> </a:t>
+                      </a:r>
+                      <a:endParaRPr lang="nl-NL" sz="1000">
+                        <a:effectLst/>
+                        <a:latin typeface="Calibri" panose="020F0502020204030204" pitchFamily="34" charset="0"/>
+                        <a:ea typeface="Calibri" panose="020F0502020204030204" pitchFamily="34" charset="0"/>
+                        <a:cs typeface="Arial" panose="020B0604020202020204" pitchFamily="34" charset="0"/>
+                      </a:endParaRPr>
+                    </a:p>
+                  </a:txBody>
+                  <a:tcPr marL="57739" marR="57739" marT="0" marB="0"/>
+                </a:tc>
+                <a:tc>
+                  <a:txBody>
+                    <a:bodyPr/>
+                    <a:lstStyle/>
+                    <a:p>
+                      <a:r>
+                        <a:rPr lang="nl-NL" sz="1000" dirty="0">
+                          <a:effectLst/>
+                        </a:rPr>
+                        <a:t>Dispenser moet 3 dispenser bakken bevatten om de biljetten uit te werpen.</a:t>
+                      </a:r>
+                      <a:endParaRPr lang="nl-NL" sz="1000" dirty="0">
+                        <a:effectLst/>
+                        <a:latin typeface="Calibri" panose="020F0502020204030204" pitchFamily="34" charset="0"/>
+                        <a:ea typeface="Calibri" panose="020F0502020204030204" pitchFamily="34" charset="0"/>
+                        <a:cs typeface="Arial" panose="020B0604020202020204" pitchFamily="34" charset="0"/>
+                      </a:endParaRPr>
+                    </a:p>
+                  </a:txBody>
+                  <a:tcPr marL="57739" marR="57739" marT="0" marB="0"/>
+                </a:tc>
+                <a:extLst>
+                  <a:ext uri="{0D108BD9-81ED-4DB2-BD59-A6C34878D82A}">
+                    <a16:rowId xmlns:a16="http://schemas.microsoft.com/office/drawing/2014/main" val="1694577492"/>
+                  </a:ext>
+                </a:extLst>
+              </a:tr>
+            </a:tbl>
+          </a:graphicData>
+        </a:graphic>
+      </p:graphicFrame>
     </p:spTree>
     <p:extLst>
       <p:ext uri="{BB962C8B-B14F-4D97-AF65-F5344CB8AC3E}">
         <p14:creationId xmlns:p14="http://schemas.microsoft.com/office/powerpoint/2010/main" val="1553816805"/>
-      </p:ext>
-    </p:extLst>
-  </p:cSld>
-  <p:clrMapOvr>
-    <a:masterClrMapping/>
-  </p:clrMapOvr>
-</p:sld>
-</file>
-
-<file path=ppt/slides/slide9.xml><?xml version="1.0" encoding="utf-8"?>
-<p:sld xmlns:a="http://schemas.openxmlformats.org/drawingml/2006/main" xmlns:r="http://schemas.openxmlformats.org/officeDocument/2006/relationships" xmlns:p="http://schemas.openxmlformats.org/presentationml/2006/main">
-  <p:cSld>
-    <p:spTree>
-      <p:nvGrpSpPr>
-        <p:cNvPr id="1" name=""/>
-        <p:cNvGrpSpPr/>
-        <p:nvPr/>
-      </p:nvGrpSpPr>
-      <p:grpSpPr>
-        <a:xfrm>
-          <a:off x="0" y="0"/>
-          <a:ext cx="0" cy="0"/>
-          <a:chOff x="0" y="0"/>
-          <a:chExt cx="0" cy="0"/>
-        </a:xfrm>
-      </p:grpSpPr>
-      <p:sp>
-        <p:nvSpPr>
-          <p:cNvPr id="2" name="Title 1">
-            <a:extLst>
-              <a:ext uri="{FF2B5EF4-FFF2-40B4-BE49-F238E27FC236}">
-                <a16:creationId xmlns:a16="http://schemas.microsoft.com/office/drawing/2014/main" id="{D4FE6C12-B335-447F-8A53-36D3F5B4FF92}"/>
-              </a:ext>
-            </a:extLst>
-          </p:cNvPr>
-          <p:cNvSpPr>
-            <a:spLocks noGrp="1"/>
-          </p:cNvSpPr>
-          <p:nvPr>
-            <p:ph type="title"/>
-          </p:nvPr>
-        </p:nvSpPr>
-        <p:spPr/>
-        <p:txBody>
-          <a:bodyPr/>
-          <a:lstStyle/>
-          <a:p>
-            <a:r>
-              <a:rPr lang="en-US" dirty="0"/>
-              <a:t>Retrospective </a:t>
-            </a:r>
-          </a:p>
-        </p:txBody>
-      </p:sp>
-      <p:sp>
-        <p:nvSpPr>
-          <p:cNvPr id="3" name="Content Placeholder 2">
-            <a:extLst>
-              <a:ext uri="{FF2B5EF4-FFF2-40B4-BE49-F238E27FC236}">
-                <a16:creationId xmlns:a16="http://schemas.microsoft.com/office/drawing/2014/main" id="{E4530438-DEF7-4C5D-B4AA-D63BB9EE1AE1}"/>
-              </a:ext>
-            </a:extLst>
-          </p:cNvPr>
-          <p:cNvSpPr>
-            <a:spLocks noGrp="1"/>
-          </p:cNvSpPr>
-          <p:nvPr>
-            <p:ph idx="1"/>
-          </p:nvPr>
-        </p:nvSpPr>
-        <p:spPr/>
-        <p:txBody>
-          <a:bodyPr/>
-          <a:lstStyle/>
-          <a:p>
-            <a:pPr lvl="1"/>
-            <a:endParaRPr lang="nl-NL" dirty="0"/>
-          </a:p>
-        </p:txBody>
-      </p:sp>
-    </p:spTree>
-    <p:extLst>
-      <p:ext uri="{BB962C8B-B14F-4D97-AF65-F5344CB8AC3E}">
-        <p14:creationId xmlns:p14="http://schemas.microsoft.com/office/powerpoint/2010/main" val="2243324124"/>
       </p:ext>
     </p:extLst>
   </p:cSld>

--- a/Sprint Planning/Scrum meeting 4.pptx
+++ b/Sprint Planning/Scrum meeting 4.pptx
@@ -12,9 +12,10 @@
     <p:sldId id="270" r:id="rId6"/>
     <p:sldId id="267" r:id="rId7"/>
     <p:sldId id="268" r:id="rId8"/>
-    <p:sldId id="264" r:id="rId9"/>
-    <p:sldId id="269" r:id="rId10"/>
-    <p:sldId id="260" r:id="rId11"/>
+    <p:sldId id="271" r:id="rId9"/>
+    <p:sldId id="264" r:id="rId10"/>
+    <p:sldId id="269" r:id="rId11"/>
+    <p:sldId id="260" r:id="rId12"/>
   </p:sldIdLst>
   <p:sldSz cx="12192000" cy="6858000"/>
   <p:notesSz cx="6858000" cy="9144000"/>
@@ -5431,6 +5432,810 @@
 <file path=ppt/slides/slide10.xml><?xml version="1.0" encoding="utf-8"?>
 <p:sld xmlns:a="http://schemas.openxmlformats.org/drawingml/2006/main" xmlns:r="http://schemas.openxmlformats.org/officeDocument/2006/relationships" xmlns:p="http://schemas.openxmlformats.org/presentationml/2006/main">
   <p:cSld>
+    <p:bg>
+      <p:bgPr>
+        <a:gradFill rotWithShape="1">
+          <a:gsLst>
+            <a:gs pos="0">
+              <a:schemeClr val="bg1">
+                <a:tint val="94000"/>
+                <a:satMod val="80000"/>
+                <a:lumMod val="106000"/>
+              </a:schemeClr>
+            </a:gs>
+            <a:gs pos="100000">
+              <a:schemeClr val="bg1">
+                <a:shade val="80000"/>
+              </a:schemeClr>
+            </a:gs>
+          </a:gsLst>
+          <a:path path="circle">
+            <a:fillToRect l="43000" r="43000" b="100000"/>
+          </a:path>
+        </a:gradFill>
+        <a:effectLst/>
+      </p:bgPr>
+    </p:bg>
+    <p:spTree>
+      <p:nvGrpSpPr>
+        <p:cNvPr id="1" name=""/>
+        <p:cNvGrpSpPr/>
+        <p:nvPr/>
+      </p:nvGrpSpPr>
+      <p:grpSpPr>
+        <a:xfrm>
+          <a:off x="0" y="0"/>
+          <a:ext cx="0" cy="0"/>
+          <a:chOff x="0" y="0"/>
+          <a:chExt cx="0" cy="0"/>
+        </a:xfrm>
+      </p:grpSpPr>
+      <p:sp>
+        <p:nvSpPr>
+          <p:cNvPr id="2" name="Titel 1">
+            <a:extLst>
+              <a:ext uri="{FF2B5EF4-FFF2-40B4-BE49-F238E27FC236}">
+                <a16:creationId xmlns:a16="http://schemas.microsoft.com/office/drawing/2014/main" id="{426676A9-F6CC-4023-BB2F-4E5CEF771164}"/>
+              </a:ext>
+            </a:extLst>
+          </p:cNvPr>
+          <p:cNvSpPr>
+            <a:spLocks noGrp="1"/>
+          </p:cNvSpPr>
+          <p:nvPr>
+            <p:ph type="title"/>
+          </p:nvPr>
+        </p:nvSpPr>
+        <p:spPr>
+          <a:xfrm>
+            <a:off x="1451579" y="804519"/>
+            <a:ext cx="9291215" cy="1049235"/>
+          </a:xfrm>
+        </p:spPr>
+        <p:txBody>
+          <a:bodyPr>
+            <a:normAutofit/>
+          </a:bodyPr>
+          <a:lstStyle/>
+          <a:p>
+            <a:r>
+              <a:rPr lang="en-US" dirty="0" err="1"/>
+              <a:t>nieuwe</a:t>
+            </a:r>
+            <a:r>
+              <a:rPr lang="en-US" dirty="0"/>
+              <a:t> </a:t>
+            </a:r>
+            <a:r>
+              <a:rPr lang="en-US" dirty="0" err="1"/>
+              <a:t>Presentatie</a:t>
+            </a:r>
+            <a:r>
+              <a:rPr lang="en-US" dirty="0"/>
+              <a:t> Sprint Backlog</a:t>
+            </a:r>
+            <a:endParaRPr lang="nl-NL" dirty="0"/>
+          </a:p>
+        </p:txBody>
+      </p:sp>
+      <p:graphicFrame>
+        <p:nvGraphicFramePr>
+          <p:cNvPr id="4" name="Tijdelijke aanduiding voor inhoud 3">
+            <a:extLst>
+              <a:ext uri="{FF2B5EF4-FFF2-40B4-BE49-F238E27FC236}">
+                <a16:creationId xmlns:a16="http://schemas.microsoft.com/office/drawing/2014/main" id="{0DFDC6BC-E714-44B4-85E6-1E6BD69710E2}"/>
+              </a:ext>
+            </a:extLst>
+          </p:cNvPr>
+          <p:cNvGraphicFramePr>
+            <a:graphicFrameLocks noGrp="1"/>
+          </p:cNvGraphicFramePr>
+          <p:nvPr>
+            <p:ph idx="1"/>
+            <p:extLst>
+              <p:ext uri="{D42A27DB-BD31-4B8C-83A1-F6EECF244321}">
+                <p14:modId xmlns:p14="http://schemas.microsoft.com/office/powerpoint/2010/main" val="2352606656"/>
+              </p:ext>
+            </p:extLst>
+          </p:nvPr>
+        </p:nvGraphicFramePr>
+        <p:xfrm>
+          <a:off x="770021" y="2011679"/>
+          <a:ext cx="10751418" cy="3425681"/>
+        </p:xfrm>
+        <a:graphic>
+          <a:graphicData uri="http://schemas.openxmlformats.org/drawingml/2006/table">
+            <a:tbl>
+              <a:tblPr firstRow="1" firstCol="1" bandRow="1">
+                <a:tableStyleId>{5C22544A-7EE6-4342-B048-85BDC9FD1C3A}</a:tableStyleId>
+              </a:tblPr>
+              <a:tblGrid>
+                <a:gridCol w="838581">
+                  <a:extLst>
+                    <a:ext uri="{9D8B030D-6E8A-4147-A177-3AD203B41FA5}">
+                      <a16:colId xmlns:a16="http://schemas.microsoft.com/office/drawing/2014/main" val="2006555766"/>
+                    </a:ext>
+                  </a:extLst>
+                </a:gridCol>
+                <a:gridCol w="987013">
+                  <a:extLst>
+                    <a:ext uri="{9D8B030D-6E8A-4147-A177-3AD203B41FA5}">
+                      <a16:colId xmlns:a16="http://schemas.microsoft.com/office/drawing/2014/main" val="1437825450"/>
+                    </a:ext>
+                  </a:extLst>
+                </a:gridCol>
+                <a:gridCol w="1223753">
+                  <a:extLst>
+                    <a:ext uri="{9D8B030D-6E8A-4147-A177-3AD203B41FA5}">
+                      <a16:colId xmlns:a16="http://schemas.microsoft.com/office/drawing/2014/main" val="3297612562"/>
+                    </a:ext>
+                  </a:extLst>
+                </a:gridCol>
+                <a:gridCol w="1689717">
+                  <a:extLst>
+                    <a:ext uri="{9D8B030D-6E8A-4147-A177-3AD203B41FA5}">
+                      <a16:colId xmlns:a16="http://schemas.microsoft.com/office/drawing/2014/main" val="1674290093"/>
+                    </a:ext>
+                  </a:extLst>
+                </a:gridCol>
+                <a:gridCol w="2118104">
+                  <a:extLst>
+                    <a:ext uri="{9D8B030D-6E8A-4147-A177-3AD203B41FA5}">
+                      <a16:colId xmlns:a16="http://schemas.microsoft.com/office/drawing/2014/main" val="1533383482"/>
+                    </a:ext>
+                  </a:extLst>
+                </a:gridCol>
+                <a:gridCol w="1124172">
+                  <a:extLst>
+                    <a:ext uri="{9D8B030D-6E8A-4147-A177-3AD203B41FA5}">
+                      <a16:colId xmlns:a16="http://schemas.microsoft.com/office/drawing/2014/main" val="1472663277"/>
+                    </a:ext>
+                  </a:extLst>
+                </a:gridCol>
+                <a:gridCol w="2770078">
+                  <a:extLst>
+                    <a:ext uri="{9D8B030D-6E8A-4147-A177-3AD203B41FA5}">
+                      <a16:colId xmlns:a16="http://schemas.microsoft.com/office/drawing/2014/main" val="1997208279"/>
+                    </a:ext>
+                  </a:extLst>
+                </a:gridCol>
+              </a:tblGrid>
+              <a:tr h="462014">
+                <a:tc>
+                  <a:txBody>
+                    <a:bodyPr/>
+                    <a:lstStyle/>
+                    <a:p>
+                      <a:r>
+                        <a:rPr lang="nl-NL" sz="1000">
+                          <a:effectLst/>
+                        </a:rPr>
+                        <a:t>Features</a:t>
+                      </a:r>
+                      <a:endParaRPr lang="nl-NL" sz="1000">
+                        <a:effectLst/>
+                        <a:latin typeface="Calibri" panose="020F0502020204030204" pitchFamily="34" charset="0"/>
+                        <a:ea typeface="Calibri" panose="020F0502020204030204" pitchFamily="34" charset="0"/>
+                        <a:cs typeface="Arial" panose="020B0604020202020204" pitchFamily="34" charset="0"/>
+                      </a:endParaRPr>
+                    </a:p>
+                  </a:txBody>
+                  <a:tcPr marL="57739" marR="57739" marT="0" marB="0"/>
+                </a:tc>
+                <a:tc>
+                  <a:txBody>
+                    <a:bodyPr/>
+                    <a:lstStyle/>
+                    <a:p>
+                      <a:r>
+                        <a:rPr lang="nl-NL" sz="1000">
+                          <a:effectLst/>
+                        </a:rPr>
+                        <a:t>Wil ik</a:t>
+                      </a:r>
+                      <a:endParaRPr lang="nl-NL" sz="1000">
+                        <a:effectLst/>
+                        <a:latin typeface="Calibri" panose="020F0502020204030204" pitchFamily="34" charset="0"/>
+                        <a:ea typeface="Calibri" panose="020F0502020204030204" pitchFamily="34" charset="0"/>
+                        <a:cs typeface="Arial" panose="020B0604020202020204" pitchFamily="34" charset="0"/>
+                      </a:endParaRPr>
+                    </a:p>
+                  </a:txBody>
+                  <a:tcPr marL="57739" marR="57739" marT="0" marB="0"/>
+                </a:tc>
+                <a:tc>
+                  <a:txBody>
+                    <a:bodyPr/>
+                    <a:lstStyle/>
+                    <a:p>
+                      <a:r>
+                        <a:rPr lang="nl-NL" sz="1000">
+                          <a:effectLst/>
+                        </a:rPr>
+                        <a:t>Als gebruiker</a:t>
+                      </a:r>
+                      <a:endParaRPr lang="nl-NL" sz="1000">
+                        <a:effectLst/>
+                        <a:latin typeface="Calibri" panose="020F0502020204030204" pitchFamily="34" charset="0"/>
+                        <a:ea typeface="Calibri" panose="020F0502020204030204" pitchFamily="34" charset="0"/>
+                        <a:cs typeface="Arial" panose="020B0604020202020204" pitchFamily="34" charset="0"/>
+                      </a:endParaRPr>
+                    </a:p>
+                  </a:txBody>
+                  <a:tcPr marL="57739" marR="57739" marT="0" marB="0"/>
+                </a:tc>
+                <a:tc>
+                  <a:txBody>
+                    <a:bodyPr/>
+                    <a:lstStyle/>
+                    <a:p>
+                      <a:r>
+                        <a:rPr lang="nl-NL" sz="1000">
+                          <a:effectLst/>
+                        </a:rPr>
+                        <a:t>Waarom</a:t>
+                      </a:r>
+                      <a:endParaRPr lang="nl-NL" sz="1000">
+                        <a:effectLst/>
+                        <a:latin typeface="Calibri" panose="020F0502020204030204" pitchFamily="34" charset="0"/>
+                        <a:ea typeface="Calibri" panose="020F0502020204030204" pitchFamily="34" charset="0"/>
+                        <a:cs typeface="Arial" panose="020B0604020202020204" pitchFamily="34" charset="0"/>
+                      </a:endParaRPr>
+                    </a:p>
+                  </a:txBody>
+                  <a:tcPr marL="57739" marR="57739" marT="0" marB="0"/>
+                </a:tc>
+                <a:tc>
+                  <a:txBody>
+                    <a:bodyPr/>
+                    <a:lstStyle/>
+                    <a:p>
+                      <a:r>
+                        <a:rPr lang="nl-NL" sz="1000" dirty="0">
+                          <a:effectLst/>
+                        </a:rPr>
+                        <a:t>Taken</a:t>
+                      </a:r>
+                      <a:endParaRPr lang="nl-NL" sz="1000" dirty="0">
+                        <a:effectLst/>
+                        <a:latin typeface="Calibri" panose="020F0502020204030204" pitchFamily="34" charset="0"/>
+                        <a:ea typeface="Calibri" panose="020F0502020204030204" pitchFamily="34" charset="0"/>
+                        <a:cs typeface="Arial" panose="020B0604020202020204" pitchFamily="34" charset="0"/>
+                      </a:endParaRPr>
+                    </a:p>
+                  </a:txBody>
+                  <a:tcPr marL="57739" marR="57739" marT="0" marB="0"/>
+                </a:tc>
+                <a:tc>
+                  <a:txBody>
+                    <a:bodyPr/>
+                    <a:lstStyle/>
+                    <a:p>
+                      <a:r>
+                        <a:rPr lang="nl-NL" sz="1000">
+                          <a:effectLst/>
+                        </a:rPr>
+                        <a:t>Moeilijkheids-graad</a:t>
+                      </a:r>
+                      <a:endParaRPr lang="nl-NL" sz="1000">
+                        <a:effectLst/>
+                        <a:latin typeface="Calibri" panose="020F0502020204030204" pitchFamily="34" charset="0"/>
+                        <a:ea typeface="Calibri" panose="020F0502020204030204" pitchFamily="34" charset="0"/>
+                        <a:cs typeface="Arial" panose="020B0604020202020204" pitchFamily="34" charset="0"/>
+                      </a:endParaRPr>
+                    </a:p>
+                  </a:txBody>
+                  <a:tcPr marL="57739" marR="57739" marT="0" marB="0"/>
+                </a:tc>
+                <a:tc>
+                  <a:txBody>
+                    <a:bodyPr/>
+                    <a:lstStyle/>
+                    <a:p>
+                      <a:r>
+                        <a:rPr lang="nl-NL" sz="1000">
+                          <a:effectLst/>
+                        </a:rPr>
+                        <a:t>Acceptance criteria</a:t>
+                      </a:r>
+                      <a:endParaRPr lang="nl-NL" sz="1000">
+                        <a:effectLst/>
+                        <a:latin typeface="Calibri" panose="020F0502020204030204" pitchFamily="34" charset="0"/>
+                        <a:ea typeface="Calibri" panose="020F0502020204030204" pitchFamily="34" charset="0"/>
+                        <a:cs typeface="Arial" panose="020B0604020202020204" pitchFamily="34" charset="0"/>
+                      </a:endParaRPr>
+                    </a:p>
+                  </a:txBody>
+                  <a:tcPr marL="57739" marR="57739" marT="0" marB="0"/>
+                </a:tc>
+                <a:extLst>
+                  <a:ext uri="{0D108BD9-81ED-4DB2-BD59-A6C34878D82A}">
+                    <a16:rowId xmlns:a16="http://schemas.microsoft.com/office/drawing/2014/main" val="3813367114"/>
+                  </a:ext>
+                </a:extLst>
+              </a:tr>
+              <a:tr h="1441047">
+                <a:tc>
+                  <a:txBody>
+                    <a:bodyPr/>
+                    <a:lstStyle/>
+                    <a:p>
+                      <a:r>
+                        <a:rPr lang="nl-NL" sz="1000">
+                          <a:effectLst/>
+                        </a:rPr>
+                        <a:t>7</a:t>
+                      </a:r>
+                      <a:endParaRPr lang="nl-NL" sz="1000">
+                        <a:effectLst/>
+                        <a:latin typeface="Calibri" panose="020F0502020204030204" pitchFamily="34" charset="0"/>
+                        <a:ea typeface="Calibri" panose="020F0502020204030204" pitchFamily="34" charset="0"/>
+                        <a:cs typeface="Arial" panose="020B0604020202020204" pitchFamily="34" charset="0"/>
+                      </a:endParaRPr>
+                    </a:p>
+                  </a:txBody>
+                  <a:tcPr marL="57739" marR="57739" marT="0" marB="0"/>
+                </a:tc>
+                <a:tc>
+                  <a:txBody>
+                    <a:bodyPr/>
+                    <a:lstStyle/>
+                    <a:p>
+                      <a:r>
+                        <a:rPr lang="nl-NL" sz="1000">
+                          <a:effectLst/>
+                        </a:rPr>
+                        <a:t>Prototype maken van de ATM</a:t>
+                      </a:r>
+                      <a:endParaRPr lang="nl-NL" sz="1000">
+                        <a:effectLst/>
+                        <a:latin typeface="Calibri" panose="020F0502020204030204" pitchFamily="34" charset="0"/>
+                        <a:ea typeface="Calibri" panose="020F0502020204030204" pitchFamily="34" charset="0"/>
+                        <a:cs typeface="Arial" panose="020B0604020202020204" pitchFamily="34" charset="0"/>
+                      </a:endParaRPr>
+                    </a:p>
+                  </a:txBody>
+                  <a:tcPr marL="57739" marR="57739" marT="0" marB="0"/>
+                </a:tc>
+                <a:tc>
+                  <a:txBody>
+                    <a:bodyPr/>
+                    <a:lstStyle/>
+                    <a:p>
+                      <a:r>
+                        <a:rPr lang="nl-NL" sz="1000">
+                          <a:effectLst/>
+                        </a:rPr>
+                        <a:t>De werknemer</a:t>
+                      </a:r>
+                      <a:endParaRPr lang="nl-NL" sz="1000">
+                        <a:effectLst/>
+                        <a:latin typeface="Calibri" panose="020F0502020204030204" pitchFamily="34" charset="0"/>
+                        <a:ea typeface="Calibri" panose="020F0502020204030204" pitchFamily="34" charset="0"/>
+                        <a:cs typeface="Arial" panose="020B0604020202020204" pitchFamily="34" charset="0"/>
+                      </a:endParaRPr>
+                    </a:p>
+                  </a:txBody>
+                  <a:tcPr marL="57739" marR="57739" marT="0" marB="0"/>
+                </a:tc>
+                <a:tc>
+                  <a:txBody>
+                    <a:bodyPr/>
+                    <a:lstStyle/>
+                    <a:p>
+                      <a:r>
+                        <a:rPr lang="nl-NL" sz="1000">
+                          <a:effectLst/>
+                        </a:rPr>
+                        <a:t>Zodat de werknemer alle hardware componenten kunnen testen</a:t>
+                      </a:r>
+                      <a:endParaRPr lang="nl-NL" sz="1000">
+                        <a:effectLst/>
+                        <a:latin typeface="Calibri" panose="020F0502020204030204" pitchFamily="34" charset="0"/>
+                        <a:ea typeface="Calibri" panose="020F0502020204030204" pitchFamily="34" charset="0"/>
+                        <a:cs typeface="Arial" panose="020B0604020202020204" pitchFamily="34" charset="0"/>
+                      </a:endParaRPr>
+                    </a:p>
+                  </a:txBody>
+                  <a:tcPr marL="57739" marR="57739" marT="0" marB="0"/>
+                </a:tc>
+                <a:tc>
+                  <a:txBody>
+                    <a:bodyPr/>
+                    <a:lstStyle/>
+                    <a:p>
+                      <a:r>
+                        <a:rPr lang="nl-NL" sz="1000">
+                          <a:effectLst/>
+                        </a:rPr>
+                        <a:t>Ontwerp bovenkant lasersnijden met afmetingen</a:t>
+                      </a:r>
+                      <a:endParaRPr lang="nl-NL" sz="1000">
+                        <a:effectLst/>
+                        <a:latin typeface="Calibri" panose="020F0502020204030204" pitchFamily="34" charset="0"/>
+                        <a:ea typeface="Calibri" panose="020F0502020204030204" pitchFamily="34" charset="0"/>
+                        <a:cs typeface="Arial" panose="020B0604020202020204" pitchFamily="34" charset="0"/>
+                      </a:endParaRPr>
+                    </a:p>
+                  </a:txBody>
+                  <a:tcPr marL="57739" marR="57739" marT="0" marB="0"/>
+                </a:tc>
+                <a:tc>
+                  <a:txBody>
+                    <a:bodyPr/>
+                    <a:lstStyle/>
+                    <a:p>
+                      <a:r>
+                        <a:rPr lang="nl-NL" sz="1000">
+                          <a:effectLst/>
+                        </a:rPr>
+                        <a:t>10</a:t>
+                      </a:r>
+                      <a:endParaRPr lang="nl-NL" sz="1000">
+                        <a:effectLst/>
+                        <a:latin typeface="Calibri" panose="020F0502020204030204" pitchFamily="34" charset="0"/>
+                        <a:ea typeface="Calibri" panose="020F0502020204030204" pitchFamily="34" charset="0"/>
+                        <a:cs typeface="Arial" panose="020B0604020202020204" pitchFamily="34" charset="0"/>
+                      </a:endParaRPr>
+                    </a:p>
+                  </a:txBody>
+                  <a:tcPr marL="57739" marR="57739" marT="0" marB="0"/>
+                </a:tc>
+                <a:tc>
+                  <a:txBody>
+                    <a:bodyPr/>
+                    <a:lstStyle/>
+                    <a:p>
+                      <a:r>
+                        <a:rPr lang="nl-NL" sz="1000">
+                          <a:effectLst/>
+                        </a:rPr>
+                        <a:t>Ontwerp bovenkant moet gaten bevatten voor 8 knoppen, Pin ingang, Bon uitgang, numpad, Laptop scherm stand. </a:t>
+                      </a:r>
+                      <a:endParaRPr lang="nl-NL" sz="1000">
+                        <a:effectLst/>
+                        <a:latin typeface="Calibri" panose="020F0502020204030204" pitchFamily="34" charset="0"/>
+                        <a:ea typeface="Calibri" panose="020F0502020204030204" pitchFamily="34" charset="0"/>
+                        <a:cs typeface="Arial" panose="020B0604020202020204" pitchFamily="34" charset="0"/>
+                      </a:endParaRPr>
+                    </a:p>
+                  </a:txBody>
+                  <a:tcPr marL="57739" marR="57739" marT="0" marB="0"/>
+                </a:tc>
+                <a:extLst>
+                  <a:ext uri="{0D108BD9-81ED-4DB2-BD59-A6C34878D82A}">
+                    <a16:rowId xmlns:a16="http://schemas.microsoft.com/office/drawing/2014/main" val="676537862"/>
+                  </a:ext>
+                </a:extLst>
+              </a:tr>
+              <a:tr h="761310">
+                <a:tc>
+                  <a:txBody>
+                    <a:bodyPr/>
+                    <a:lstStyle/>
+                    <a:p>
+                      <a:r>
+                        <a:rPr lang="nl-NL" sz="1000">
+                          <a:effectLst/>
+                        </a:rPr>
+                        <a:t> </a:t>
+                      </a:r>
+                      <a:endParaRPr lang="nl-NL" sz="1000">
+                        <a:effectLst/>
+                        <a:latin typeface="Calibri" panose="020F0502020204030204" pitchFamily="34" charset="0"/>
+                        <a:ea typeface="Calibri" panose="020F0502020204030204" pitchFamily="34" charset="0"/>
+                        <a:cs typeface="Arial" panose="020B0604020202020204" pitchFamily="34" charset="0"/>
+                      </a:endParaRPr>
+                    </a:p>
+                  </a:txBody>
+                  <a:tcPr marL="57739" marR="57739" marT="0" marB="0"/>
+                </a:tc>
+                <a:tc>
+                  <a:txBody>
+                    <a:bodyPr/>
+                    <a:lstStyle/>
+                    <a:p>
+                      <a:r>
+                        <a:rPr lang="nl-NL" sz="1000">
+                          <a:effectLst/>
+                        </a:rPr>
+                        <a:t> </a:t>
+                      </a:r>
+                      <a:endParaRPr lang="nl-NL" sz="1000">
+                        <a:effectLst/>
+                        <a:latin typeface="Calibri" panose="020F0502020204030204" pitchFamily="34" charset="0"/>
+                        <a:ea typeface="Calibri" panose="020F0502020204030204" pitchFamily="34" charset="0"/>
+                        <a:cs typeface="Arial" panose="020B0604020202020204" pitchFamily="34" charset="0"/>
+                      </a:endParaRPr>
+                    </a:p>
+                  </a:txBody>
+                  <a:tcPr marL="57739" marR="57739" marT="0" marB="0"/>
+                </a:tc>
+                <a:tc>
+                  <a:txBody>
+                    <a:bodyPr/>
+                    <a:lstStyle/>
+                    <a:p>
+                      <a:r>
+                        <a:rPr lang="nl-NL" sz="1000">
+                          <a:effectLst/>
+                        </a:rPr>
+                        <a:t> </a:t>
+                      </a:r>
+                      <a:endParaRPr lang="nl-NL" sz="1000">
+                        <a:effectLst/>
+                        <a:latin typeface="Calibri" panose="020F0502020204030204" pitchFamily="34" charset="0"/>
+                        <a:ea typeface="Calibri" panose="020F0502020204030204" pitchFamily="34" charset="0"/>
+                        <a:cs typeface="Arial" panose="020B0604020202020204" pitchFamily="34" charset="0"/>
+                      </a:endParaRPr>
+                    </a:p>
+                  </a:txBody>
+                  <a:tcPr marL="57739" marR="57739" marT="0" marB="0"/>
+                </a:tc>
+                <a:tc>
+                  <a:txBody>
+                    <a:bodyPr/>
+                    <a:lstStyle/>
+                    <a:p>
+                      <a:r>
+                        <a:rPr lang="nl-NL" sz="1000">
+                          <a:effectLst/>
+                        </a:rPr>
+                        <a:t> </a:t>
+                      </a:r>
+                      <a:endParaRPr lang="nl-NL" sz="1000">
+                        <a:effectLst/>
+                        <a:latin typeface="Calibri" panose="020F0502020204030204" pitchFamily="34" charset="0"/>
+                        <a:ea typeface="Calibri" panose="020F0502020204030204" pitchFamily="34" charset="0"/>
+                        <a:cs typeface="Arial" panose="020B0604020202020204" pitchFamily="34" charset="0"/>
+                      </a:endParaRPr>
+                    </a:p>
+                  </a:txBody>
+                  <a:tcPr marL="57739" marR="57739" marT="0" marB="0"/>
+                </a:tc>
+                <a:tc>
+                  <a:txBody>
+                    <a:bodyPr/>
+                    <a:lstStyle/>
+                    <a:p>
+                      <a:r>
+                        <a:rPr lang="nl-NL" sz="1000">
+                          <a:effectLst/>
+                        </a:rPr>
+                        <a:t>Ontwerp onderkant laser cutten met afmetingen</a:t>
+                      </a:r>
+                      <a:endParaRPr lang="nl-NL" sz="1000">
+                        <a:effectLst/>
+                        <a:latin typeface="Calibri" panose="020F0502020204030204" pitchFamily="34" charset="0"/>
+                        <a:ea typeface="Calibri" panose="020F0502020204030204" pitchFamily="34" charset="0"/>
+                        <a:cs typeface="Arial" panose="020B0604020202020204" pitchFamily="34" charset="0"/>
+                      </a:endParaRPr>
+                    </a:p>
+                  </a:txBody>
+                  <a:tcPr marL="57739" marR="57739" marT="0" marB="0"/>
+                </a:tc>
+                <a:tc>
+                  <a:txBody>
+                    <a:bodyPr/>
+                    <a:lstStyle/>
+                    <a:p>
+                      <a:r>
+                        <a:rPr lang="nl-NL" sz="1000">
+                          <a:effectLst/>
+                        </a:rPr>
+                        <a:t> </a:t>
+                      </a:r>
+                      <a:endParaRPr lang="nl-NL" sz="1000">
+                        <a:effectLst/>
+                        <a:latin typeface="Calibri" panose="020F0502020204030204" pitchFamily="34" charset="0"/>
+                        <a:ea typeface="Calibri" panose="020F0502020204030204" pitchFamily="34" charset="0"/>
+                        <a:cs typeface="Arial" panose="020B0604020202020204" pitchFamily="34" charset="0"/>
+                      </a:endParaRPr>
+                    </a:p>
+                  </a:txBody>
+                  <a:tcPr marL="57739" marR="57739" marT="0" marB="0"/>
+                </a:tc>
+                <a:tc>
+                  <a:txBody>
+                    <a:bodyPr/>
+                    <a:lstStyle/>
+                    <a:p>
+                      <a:r>
+                        <a:rPr lang="nl-NL" sz="1000">
+                          <a:effectLst/>
+                        </a:rPr>
+                        <a:t>Ontwerp onderkant moet gaten bevatten voor de biljetten dispenser.</a:t>
+                      </a:r>
+                      <a:endParaRPr lang="nl-NL" sz="1000">
+                        <a:effectLst/>
+                        <a:latin typeface="Calibri" panose="020F0502020204030204" pitchFamily="34" charset="0"/>
+                        <a:ea typeface="Calibri" panose="020F0502020204030204" pitchFamily="34" charset="0"/>
+                        <a:cs typeface="Arial" panose="020B0604020202020204" pitchFamily="34" charset="0"/>
+                      </a:endParaRPr>
+                    </a:p>
+                  </a:txBody>
+                  <a:tcPr marL="57739" marR="57739" marT="0" marB="0"/>
+                </a:tc>
+                <a:extLst>
+                  <a:ext uri="{0D108BD9-81ED-4DB2-BD59-A6C34878D82A}">
+                    <a16:rowId xmlns:a16="http://schemas.microsoft.com/office/drawing/2014/main" val="3961819994"/>
+                  </a:ext>
+                </a:extLst>
+              </a:tr>
+              <a:tr h="761310">
+                <a:tc>
+                  <a:txBody>
+                    <a:bodyPr/>
+                    <a:lstStyle/>
+                    <a:p>
+                      <a:r>
+                        <a:rPr lang="nl-NL" sz="1000">
+                          <a:effectLst/>
+                        </a:rPr>
+                        <a:t> </a:t>
+                      </a:r>
+                      <a:endParaRPr lang="nl-NL" sz="1000">
+                        <a:effectLst/>
+                        <a:latin typeface="Calibri" panose="020F0502020204030204" pitchFamily="34" charset="0"/>
+                        <a:ea typeface="Calibri" panose="020F0502020204030204" pitchFamily="34" charset="0"/>
+                        <a:cs typeface="Arial" panose="020B0604020202020204" pitchFamily="34" charset="0"/>
+                      </a:endParaRPr>
+                    </a:p>
+                  </a:txBody>
+                  <a:tcPr marL="57739" marR="57739" marT="0" marB="0"/>
+                </a:tc>
+                <a:tc>
+                  <a:txBody>
+                    <a:bodyPr/>
+                    <a:lstStyle/>
+                    <a:p>
+                      <a:r>
+                        <a:rPr lang="nl-NL" sz="1000">
+                          <a:effectLst/>
+                        </a:rPr>
+                        <a:t> </a:t>
+                      </a:r>
+                      <a:endParaRPr lang="nl-NL" sz="1000">
+                        <a:effectLst/>
+                        <a:latin typeface="Calibri" panose="020F0502020204030204" pitchFamily="34" charset="0"/>
+                        <a:ea typeface="Calibri" panose="020F0502020204030204" pitchFamily="34" charset="0"/>
+                        <a:cs typeface="Arial" panose="020B0604020202020204" pitchFamily="34" charset="0"/>
+                      </a:endParaRPr>
+                    </a:p>
+                  </a:txBody>
+                  <a:tcPr marL="57739" marR="57739" marT="0" marB="0"/>
+                </a:tc>
+                <a:tc>
+                  <a:txBody>
+                    <a:bodyPr/>
+                    <a:lstStyle/>
+                    <a:p>
+                      <a:r>
+                        <a:rPr lang="nl-NL" sz="1000">
+                          <a:effectLst/>
+                        </a:rPr>
+                        <a:t> </a:t>
+                      </a:r>
+                      <a:endParaRPr lang="nl-NL" sz="1000">
+                        <a:effectLst/>
+                        <a:latin typeface="Calibri" panose="020F0502020204030204" pitchFamily="34" charset="0"/>
+                        <a:ea typeface="Calibri" panose="020F0502020204030204" pitchFamily="34" charset="0"/>
+                        <a:cs typeface="Arial" panose="020B0604020202020204" pitchFamily="34" charset="0"/>
+                      </a:endParaRPr>
+                    </a:p>
+                  </a:txBody>
+                  <a:tcPr marL="57739" marR="57739" marT="0" marB="0"/>
+                </a:tc>
+                <a:tc>
+                  <a:txBody>
+                    <a:bodyPr/>
+                    <a:lstStyle/>
+                    <a:p>
+                      <a:r>
+                        <a:rPr lang="nl-NL" sz="1000">
+                          <a:effectLst/>
+                        </a:rPr>
+                        <a:t> </a:t>
+                      </a:r>
+                      <a:endParaRPr lang="nl-NL" sz="1000">
+                        <a:effectLst/>
+                        <a:latin typeface="Calibri" panose="020F0502020204030204" pitchFamily="34" charset="0"/>
+                        <a:ea typeface="Calibri" panose="020F0502020204030204" pitchFamily="34" charset="0"/>
+                        <a:cs typeface="Arial" panose="020B0604020202020204" pitchFamily="34" charset="0"/>
+                      </a:endParaRPr>
+                    </a:p>
+                  </a:txBody>
+                  <a:tcPr marL="57739" marR="57739" marT="0" marB="0"/>
+                </a:tc>
+                <a:tc>
+                  <a:txBody>
+                    <a:bodyPr/>
+                    <a:lstStyle/>
+                    <a:p>
+                      <a:r>
+                        <a:rPr lang="nl-NL" sz="1000">
+                          <a:effectLst/>
+                        </a:rPr>
+                        <a:t>Dispenser ontwerp laser cutten met afmetingen</a:t>
+                      </a:r>
+                      <a:endParaRPr lang="nl-NL" sz="1000">
+                        <a:effectLst/>
+                        <a:latin typeface="Calibri" panose="020F0502020204030204" pitchFamily="34" charset="0"/>
+                        <a:ea typeface="Calibri" panose="020F0502020204030204" pitchFamily="34" charset="0"/>
+                        <a:cs typeface="Arial" panose="020B0604020202020204" pitchFamily="34" charset="0"/>
+                      </a:endParaRPr>
+                    </a:p>
+                  </a:txBody>
+                  <a:tcPr marL="57739" marR="57739" marT="0" marB="0"/>
+                </a:tc>
+                <a:tc>
+                  <a:txBody>
+                    <a:bodyPr/>
+                    <a:lstStyle/>
+                    <a:p>
+                      <a:r>
+                        <a:rPr lang="nl-NL" sz="1000">
+                          <a:effectLst/>
+                        </a:rPr>
+                        <a:t> </a:t>
+                      </a:r>
+                      <a:endParaRPr lang="nl-NL" sz="1000">
+                        <a:effectLst/>
+                        <a:latin typeface="Calibri" panose="020F0502020204030204" pitchFamily="34" charset="0"/>
+                        <a:ea typeface="Calibri" panose="020F0502020204030204" pitchFamily="34" charset="0"/>
+                        <a:cs typeface="Arial" panose="020B0604020202020204" pitchFamily="34" charset="0"/>
+                      </a:endParaRPr>
+                    </a:p>
+                  </a:txBody>
+                  <a:tcPr marL="57739" marR="57739" marT="0" marB="0"/>
+                </a:tc>
+                <a:tc>
+                  <a:txBody>
+                    <a:bodyPr/>
+                    <a:lstStyle/>
+                    <a:p>
+                      <a:r>
+                        <a:rPr lang="nl-NL" sz="1000" dirty="0">
+                          <a:effectLst/>
+                        </a:rPr>
+                        <a:t>Dispenser moet 3 dispenser bakken bevatten om de biljetten uit te werpen.</a:t>
+                      </a:r>
+                      <a:endParaRPr lang="nl-NL" sz="1000" dirty="0">
+                        <a:effectLst/>
+                        <a:latin typeface="Calibri" panose="020F0502020204030204" pitchFamily="34" charset="0"/>
+                        <a:ea typeface="Calibri" panose="020F0502020204030204" pitchFamily="34" charset="0"/>
+                        <a:cs typeface="Arial" panose="020B0604020202020204" pitchFamily="34" charset="0"/>
+                      </a:endParaRPr>
+                    </a:p>
+                  </a:txBody>
+                  <a:tcPr marL="57739" marR="57739" marT="0" marB="0"/>
+                </a:tc>
+                <a:extLst>
+                  <a:ext uri="{0D108BD9-81ED-4DB2-BD59-A6C34878D82A}">
+                    <a16:rowId xmlns:a16="http://schemas.microsoft.com/office/drawing/2014/main" val="1694577492"/>
+                  </a:ext>
+                </a:extLst>
+              </a:tr>
+            </a:tbl>
+          </a:graphicData>
+        </a:graphic>
+      </p:graphicFrame>
+    </p:spTree>
+    <p:extLst>
+      <p:ext uri="{BB962C8B-B14F-4D97-AF65-F5344CB8AC3E}">
+        <p14:creationId xmlns:p14="http://schemas.microsoft.com/office/powerpoint/2010/main" val="1553816805"/>
+      </p:ext>
+    </p:extLst>
+  </p:cSld>
+  <p:clrMapOvr>
+    <a:masterClrMapping/>
+  </p:clrMapOvr>
+</p:sld>
+</file>
+
+<file path=ppt/slides/slide11.xml><?xml version="1.0" encoding="utf-8"?>
+<p:sld xmlns:a="http://schemas.openxmlformats.org/drawingml/2006/main" xmlns:r="http://schemas.openxmlformats.org/officeDocument/2006/relationships" xmlns:p="http://schemas.openxmlformats.org/presentationml/2006/main">
+  <p:cSld>
     <p:spTree>
       <p:nvGrpSpPr>
         <p:cNvPr id="1" name=""/>
@@ -7784,6 +8589,438 @@
 </file>
 
 <file path=ppt/slides/slide8.xml><?xml version="1.0" encoding="utf-8"?>
+<p:sld xmlns:a="http://schemas.openxmlformats.org/drawingml/2006/main" xmlns:r="http://schemas.openxmlformats.org/officeDocument/2006/relationships" xmlns:p="http://schemas.openxmlformats.org/presentationml/2006/main">
+  <p:cSld>
+    <p:bg>
+      <p:bgPr>
+        <a:gradFill rotWithShape="1">
+          <a:gsLst>
+            <a:gs pos="0">
+              <a:schemeClr val="bg2">
+                <a:tint val="94000"/>
+                <a:satMod val="80000"/>
+                <a:lumMod val="106000"/>
+              </a:schemeClr>
+            </a:gs>
+            <a:gs pos="100000">
+              <a:schemeClr val="bg2">
+                <a:shade val="80000"/>
+              </a:schemeClr>
+            </a:gs>
+          </a:gsLst>
+          <a:path path="circle">
+            <a:fillToRect l="43000" r="43000" b="100000"/>
+          </a:path>
+        </a:gradFill>
+        <a:effectLst/>
+      </p:bgPr>
+    </p:bg>
+    <p:spTree>
+      <p:nvGrpSpPr>
+        <p:cNvPr id="1" name=""/>
+        <p:cNvGrpSpPr/>
+        <p:nvPr/>
+      </p:nvGrpSpPr>
+      <p:grpSpPr>
+        <a:xfrm>
+          <a:off x="0" y="0"/>
+          <a:ext cx="0" cy="0"/>
+          <a:chOff x="0" y="0"/>
+          <a:chExt cx="0" cy="0"/>
+        </a:xfrm>
+      </p:grpSpPr>
+      <p:sp>
+        <p:nvSpPr>
+          <p:cNvPr id="138" name="Rectangle 137">
+            <a:extLst>
+              <a:ext uri="{FF2B5EF4-FFF2-40B4-BE49-F238E27FC236}">
+                <a16:creationId xmlns:a16="http://schemas.microsoft.com/office/drawing/2014/main" id="{CDDE5CDF-1512-4CDA-B956-23D223F8DE44}"/>
+              </a:ext>
+              <a:ext uri="{C183D7F6-B498-43B3-948B-1728B52AA6E4}">
+                <adec:decorative xmlns:adec="http://schemas.microsoft.com/office/drawing/2017/decorative" val="1"/>
+              </a:ext>
+            </a:extLst>
+          </p:cNvPr>
+          <p:cNvSpPr>
+            <a:spLocks noGrp="1" noRot="1" noChangeAspect="1" noMove="1" noResize="1" noEditPoints="1" noAdjustHandles="1" noChangeArrowheads="1" noChangeShapeType="1" noTextEdit="1"/>
+          </p:cNvSpPr>
+          <p:nvPr>
+            <p:extLst>
+              <p:ext uri="{386F3935-93C4-4BCD-93E2-E3B085C9AB24}">
+                <p16:designElem xmlns:p16="http://schemas.microsoft.com/office/powerpoint/2015/main" val="1"/>
+              </p:ext>
+            </p:extLst>
+          </p:nvPr>
+        </p:nvSpPr>
+        <p:spPr>
+          <a:xfrm>
+            <a:off x="0" y="2019476"/>
+            <a:ext cx="12192000" cy="4105941"/>
+          </a:xfrm>
+          <a:prstGeom prst="rect">
+            <a:avLst/>
+          </a:prstGeom>
+          <a:gradFill flip="none" rotWithShape="1">
+            <a:gsLst>
+              <a:gs pos="0">
+                <a:schemeClr val="bg2">
+                  <a:alpha val="0"/>
+                </a:schemeClr>
+              </a:gs>
+              <a:gs pos="100000">
+                <a:schemeClr val="bg2"/>
+              </a:gs>
+            </a:gsLst>
+            <a:lin ang="5400000" scaled="0"/>
+            <a:tileRect/>
+          </a:gradFill>
+          <a:ln>
+            <a:noFill/>
+          </a:ln>
+        </p:spPr>
+        <p:style>
+          <a:lnRef idx="2">
+            <a:schemeClr val="accent1">
+              <a:shade val="50000"/>
+            </a:schemeClr>
+          </a:lnRef>
+          <a:fillRef idx="1">
+            <a:schemeClr val="accent1"/>
+          </a:fillRef>
+          <a:effectRef idx="0">
+            <a:schemeClr val="accent1"/>
+          </a:effectRef>
+          <a:fontRef idx="minor">
+            <a:schemeClr val="lt1"/>
+          </a:fontRef>
+        </p:style>
+      </p:sp>
+      <p:pic>
+        <p:nvPicPr>
+          <p:cNvPr id="140" name="Picture 139">
+            <a:extLst>
+              <a:ext uri="{FF2B5EF4-FFF2-40B4-BE49-F238E27FC236}">
+                <a16:creationId xmlns:a16="http://schemas.microsoft.com/office/drawing/2014/main" id="{B029D7D8-5A6B-4C76-94C8-15798C6C5ADB}"/>
+              </a:ext>
+              <a:ext uri="{C183D7F6-B498-43B3-948B-1728B52AA6E4}">
+                <adec:decorative xmlns:adec="http://schemas.microsoft.com/office/drawing/2017/decorative" val="1"/>
+              </a:ext>
+            </a:extLst>
+          </p:cNvPr>
+          <p:cNvPicPr>
+            <a:picLocks noGrp="1" noRot="1" noChangeAspect="1" noMove="1" noResize="1" noEditPoints="1" noAdjustHandles="1" noChangeArrowheads="1" noChangeShapeType="1" noCrop="1"/>
+          </p:cNvPicPr>
+          <p:nvPr>
+            <p:extLst>
+              <p:ext uri="{386F3935-93C4-4BCD-93E2-E3B085C9AB24}">
+                <p16:designElem xmlns:p16="http://schemas.microsoft.com/office/powerpoint/2015/main" val="1"/>
+              </p:ext>
+            </p:extLst>
+          </p:nvPr>
+        </p:nvPicPr>
+        <p:blipFill rotWithShape="1">
+          <a:blip r:embed="rId2">
+            <a:extLst>
+              <a:ext uri="{28A0092B-C50C-407E-A947-70E740481C1C}">
+                <a14:useLocalDpi xmlns:a14="http://schemas.microsoft.com/office/drawing/2010/main" val="0"/>
+              </a:ext>
+            </a:extLst>
+          </a:blip>
+          <a:srcRect t="1538" b="-1538"/>
+          <a:stretch/>
+        </p:blipFill>
+        <p:spPr bwMode="black">
+          <a:xfrm>
+            <a:off x="0" y="6126480"/>
+            <a:ext cx="12192000" cy="742950"/>
+          </a:xfrm>
+          <a:prstGeom prst="rect">
+            <a:avLst/>
+          </a:prstGeom>
+        </p:spPr>
+      </p:pic>
+      <p:cxnSp>
+        <p:nvCxnSpPr>
+          <p:cNvPr id="142" name="Straight Connector 141">
+            <a:extLst>
+              <a:ext uri="{FF2B5EF4-FFF2-40B4-BE49-F238E27FC236}">
+                <a16:creationId xmlns:a16="http://schemas.microsoft.com/office/drawing/2014/main" id="{A5C9319C-E20D-4884-952F-60B6A58C3E34}"/>
+              </a:ext>
+              <a:ext uri="{C183D7F6-B498-43B3-948B-1728B52AA6E4}">
+                <adec:decorative xmlns:adec="http://schemas.microsoft.com/office/drawing/2017/decorative" val="1"/>
+              </a:ext>
+            </a:extLst>
+          </p:cNvPr>
+          <p:cNvCxnSpPr>
+            <a:cxnSpLocks noGrp="1" noRot="1" noChangeAspect="1" noMove="1" noResize="1" noEditPoints="1" noAdjustHandles="1" noChangeArrowheads="1" noChangeShapeType="1"/>
+          </p:cNvCxnSpPr>
+          <p:nvPr>
+            <p:extLst>
+              <p:ext uri="{386F3935-93C4-4BCD-93E2-E3B085C9AB24}">
+                <p16:designElem xmlns:p16="http://schemas.microsoft.com/office/powerpoint/2015/main" val="1"/>
+              </p:ext>
+            </p:extLst>
+          </p:nvPr>
+        </p:nvCxnSpPr>
+        <p:spPr>
+          <a:xfrm>
+            <a:off x="0" y="6128413"/>
+            <a:ext cx="12192000" cy="0"/>
+          </a:xfrm>
+          <a:prstGeom prst="line">
+            <a:avLst/>
+          </a:prstGeom>
+          <a:ln w="12700">
+            <a:solidFill>
+              <a:srgbClr val="000001">
+                <a:alpha val="20000"/>
+              </a:srgbClr>
+            </a:solidFill>
+          </a:ln>
+        </p:spPr>
+        <p:style>
+          <a:lnRef idx="1">
+            <a:schemeClr val="accent1"/>
+          </a:lnRef>
+          <a:fillRef idx="0">
+            <a:schemeClr val="accent1"/>
+          </a:fillRef>
+          <a:effectRef idx="0">
+            <a:schemeClr val="accent1"/>
+          </a:effectRef>
+          <a:fontRef idx="minor">
+            <a:schemeClr val="tx1"/>
+          </a:fontRef>
+        </p:style>
+      </p:cxnSp>
+      <p:sp>
+        <p:nvSpPr>
+          <p:cNvPr id="144" name="Rectangle 143">
+            <a:extLst>
+              <a:ext uri="{FF2B5EF4-FFF2-40B4-BE49-F238E27FC236}">
+                <a16:creationId xmlns:a16="http://schemas.microsoft.com/office/drawing/2014/main" id="{B6E6531A-0776-43BA-A852-5FB5C77534D5}"/>
+              </a:ext>
+              <a:ext uri="{C183D7F6-B498-43B3-948B-1728B52AA6E4}">
+                <adec:decorative xmlns:adec="http://schemas.microsoft.com/office/drawing/2017/decorative" val="1"/>
+              </a:ext>
+            </a:extLst>
+          </p:cNvPr>
+          <p:cNvSpPr>
+            <a:spLocks noGrp="1" noRot="1" noChangeAspect="1" noMove="1" noResize="1" noEditPoints="1" noAdjustHandles="1" noChangeArrowheads="1" noChangeShapeType="1" noTextEdit="1"/>
+          </p:cNvSpPr>
+          <p:nvPr>
+            <p:extLst>
+              <p:ext uri="{386F3935-93C4-4BCD-93E2-E3B085C9AB24}">
+                <p16:designElem xmlns:p16="http://schemas.microsoft.com/office/powerpoint/2015/main" val="1"/>
+              </p:ext>
+            </p:extLst>
+          </p:nvPr>
+        </p:nvSpPr>
+        <p:spPr>
+          <a:xfrm>
+            <a:off x="1556085" y="533400"/>
+            <a:ext cx="9079832" cy="5077326"/>
+          </a:xfrm>
+          <a:prstGeom prst="rect">
+            <a:avLst/>
+          </a:prstGeom>
+          <a:gradFill>
+            <a:gsLst>
+              <a:gs pos="0">
+                <a:srgbClr val="000001"/>
+              </a:gs>
+              <a:gs pos="100000">
+                <a:srgbClr val="191919"/>
+              </a:gs>
+            </a:gsLst>
+          </a:gradFill>
+          <a:ln w="76200" cmpd="sng">
+            <a:noFill/>
+            <a:miter lim="800000"/>
+          </a:ln>
+          <a:effectLst>
+            <a:outerShdw blurRad="127000" dist="228600" dir="4740000" sx="98000" sy="98000" algn="tl" rotWithShape="0">
+              <a:srgbClr val="000000">
+                <a:alpha val="34000"/>
+              </a:srgbClr>
+            </a:outerShdw>
+          </a:effectLst>
+          <a:scene3d>
+            <a:camera prst="orthographicFront"/>
+            <a:lightRig rig="threePt" dir="t"/>
+          </a:scene3d>
+          <a:sp3d>
+            <a:bevelT w="152400" h="50800" prst="softRound"/>
+          </a:sp3d>
+        </p:spPr>
+        <p:style>
+          <a:lnRef idx="1">
+            <a:schemeClr val="accent1"/>
+          </a:lnRef>
+          <a:fillRef idx="3">
+            <a:schemeClr val="accent1"/>
+          </a:fillRef>
+          <a:effectRef idx="2">
+            <a:schemeClr val="accent1"/>
+          </a:effectRef>
+          <a:fontRef idx="minor">
+            <a:schemeClr val="lt1"/>
+          </a:fontRef>
+        </p:style>
+        <p:txBody>
+          <a:bodyPr rtlCol="0" anchor="ctr"/>
+          <a:lstStyle/>
+          <a:p>
+            <a:pPr algn="ctr"/>
+            <a:endParaRPr lang="en-US"/>
+          </a:p>
+        </p:txBody>
+      </p:sp>
+      <p:sp>
+        <p:nvSpPr>
+          <p:cNvPr id="146" name="Rectangle 145">
+            <a:extLst>
+              <a:ext uri="{FF2B5EF4-FFF2-40B4-BE49-F238E27FC236}">
+                <a16:creationId xmlns:a16="http://schemas.microsoft.com/office/drawing/2014/main" id="{F8C5273F-2B84-46BF-A94F-1A20E13B3AA1}"/>
+              </a:ext>
+              <a:ext uri="{C183D7F6-B498-43B3-948B-1728B52AA6E4}">
+                <adec:decorative xmlns:adec="http://schemas.microsoft.com/office/drawing/2017/decorative" val="1"/>
+              </a:ext>
+            </a:extLst>
+          </p:cNvPr>
+          <p:cNvSpPr>
+            <a:spLocks noGrp="1" noRot="1" noChangeAspect="1" noMove="1" noResize="1" noEditPoints="1" noAdjustHandles="1" noChangeArrowheads="1" noChangeShapeType="1" noTextEdit="1"/>
+          </p:cNvSpPr>
+          <p:nvPr>
+            <p:extLst>
+              <p:ext uri="{386F3935-93C4-4BCD-93E2-E3B085C9AB24}">
+                <p16:designElem xmlns:p16="http://schemas.microsoft.com/office/powerpoint/2015/main" val="1"/>
+              </p:ext>
+            </p:extLst>
+          </p:nvPr>
+        </p:nvSpPr>
+        <p:spPr>
+          <a:xfrm>
+            <a:off x="1784605" y="763203"/>
+            <a:ext cx="8622792" cy="4617720"/>
+          </a:xfrm>
+          <a:prstGeom prst="rect">
+            <a:avLst/>
+          </a:prstGeom>
+          <a:gradFill>
+            <a:gsLst>
+              <a:gs pos="0">
+                <a:srgbClr val="DADADA"/>
+              </a:gs>
+              <a:gs pos="100000">
+                <a:srgbClr val="FFFFFE"/>
+              </a:gs>
+            </a:gsLst>
+            <a:lin ang="16200000" scaled="0"/>
+          </a:gradFill>
+          <a:ln w="50800" cmpd="sng">
+            <a:solidFill>
+              <a:srgbClr val="191919"/>
+            </a:solidFill>
+            <a:miter lim="800000"/>
+          </a:ln>
+          <a:effectLst>
+            <a:innerShdw blurRad="63500" dist="88900" dir="14100000">
+              <a:srgbClr val="000000">
+                <a:alpha val="30000"/>
+              </a:srgbClr>
+            </a:innerShdw>
+          </a:effectLst>
+          <a:scene3d>
+            <a:camera prst="orthographicFront"/>
+            <a:lightRig rig="threePt" dir="t"/>
+          </a:scene3d>
+          <a:sp3d>
+            <a:bevelT prst="relaxedInset"/>
+          </a:sp3d>
+        </p:spPr>
+        <p:style>
+          <a:lnRef idx="1">
+            <a:schemeClr val="accent1"/>
+          </a:lnRef>
+          <a:fillRef idx="3">
+            <a:schemeClr val="accent1"/>
+          </a:fillRef>
+          <a:effectRef idx="2">
+            <a:schemeClr val="accent1"/>
+          </a:effectRef>
+          <a:fontRef idx="minor">
+            <a:schemeClr val="lt1"/>
+          </a:fontRef>
+        </p:style>
+        <p:txBody>
+          <a:bodyPr rtlCol="0" anchor="ctr"/>
+          <a:lstStyle/>
+          <a:p>
+            <a:pPr algn="ctr"/>
+            <a:endParaRPr lang="en-US"/>
+          </a:p>
+        </p:txBody>
+      </p:sp>
+      <p:pic>
+        <p:nvPicPr>
+          <p:cNvPr id="1026" name="Picture 2">
+            <a:extLst>
+              <a:ext uri="{FF2B5EF4-FFF2-40B4-BE49-F238E27FC236}">
+                <a16:creationId xmlns:a16="http://schemas.microsoft.com/office/drawing/2014/main" id="{B33FBA7E-9159-4D0F-AA10-A956D13AAE6C}"/>
+              </a:ext>
+            </a:extLst>
+          </p:cNvPr>
+          <p:cNvPicPr>
+            <a:picLocks noChangeAspect="1" noChangeArrowheads="1"/>
+          </p:cNvPicPr>
+          <p:nvPr/>
+        </p:nvPicPr>
+        <p:blipFill rotWithShape="1">
+          <a:blip r:embed="rId3">
+            <a:extLst>
+              <a:ext uri="{28A0092B-C50C-407E-A947-70E740481C1C}">
+                <a14:useLocalDpi xmlns:a14="http://schemas.microsoft.com/office/drawing/2010/main" val="0"/>
+              </a:ext>
+            </a:extLst>
+          </a:blip>
+          <a:srcRect r="1" b="8881"/>
+          <a:stretch/>
+        </p:blipFill>
+        <p:spPr bwMode="auto">
+          <a:xfrm>
+            <a:off x="3820992" y="1247835"/>
+            <a:ext cx="4550017" cy="3648456"/>
+          </a:xfrm>
+          <a:prstGeom prst="rect">
+            <a:avLst/>
+          </a:prstGeom>
+          <a:noFill/>
+          <a:extLst>
+            <a:ext uri="{909E8E84-426E-40DD-AFC4-6F175D3DCCD1}">
+              <a14:hiddenFill xmlns:a14="http://schemas.microsoft.com/office/drawing/2010/main">
+                <a:solidFill>
+                  <a:srgbClr val="FFFFFF"/>
+                </a:solidFill>
+              </a14:hiddenFill>
+            </a:ext>
+          </a:extLst>
+        </p:spPr>
+      </p:pic>
+    </p:spTree>
+    <p:extLst>
+      <p:ext uri="{BB962C8B-B14F-4D97-AF65-F5344CB8AC3E}">
+        <p14:creationId xmlns:p14="http://schemas.microsoft.com/office/powerpoint/2010/main" val="4268216158"/>
+      </p:ext>
+    </p:extLst>
+  </p:cSld>
+  <p:clrMapOvr>
+    <a:masterClrMapping/>
+  </p:clrMapOvr>
+</p:sld>
+</file>
+
+<file path=ppt/slides/slide9.xml><?xml version="1.0" encoding="utf-8"?>
 <p:sld xmlns:a="http://schemas.openxmlformats.org/drawingml/2006/main" xmlns:r="http://schemas.openxmlformats.org/officeDocument/2006/relationships" xmlns:p="http://schemas.openxmlformats.org/presentationml/2006/main">
   <p:cSld>
     <p:bg>
@@ -8943,810 +10180,6 @@
 </p:sld>
 </file>
 
-<file path=ppt/slides/slide9.xml><?xml version="1.0" encoding="utf-8"?>
-<p:sld xmlns:a="http://schemas.openxmlformats.org/drawingml/2006/main" xmlns:r="http://schemas.openxmlformats.org/officeDocument/2006/relationships" xmlns:p="http://schemas.openxmlformats.org/presentationml/2006/main">
-  <p:cSld>
-    <p:bg>
-      <p:bgPr>
-        <a:gradFill rotWithShape="1">
-          <a:gsLst>
-            <a:gs pos="0">
-              <a:schemeClr val="bg1">
-                <a:tint val="94000"/>
-                <a:satMod val="80000"/>
-                <a:lumMod val="106000"/>
-              </a:schemeClr>
-            </a:gs>
-            <a:gs pos="100000">
-              <a:schemeClr val="bg1">
-                <a:shade val="80000"/>
-              </a:schemeClr>
-            </a:gs>
-          </a:gsLst>
-          <a:path path="circle">
-            <a:fillToRect l="43000" r="43000" b="100000"/>
-          </a:path>
-        </a:gradFill>
-        <a:effectLst/>
-      </p:bgPr>
-    </p:bg>
-    <p:spTree>
-      <p:nvGrpSpPr>
-        <p:cNvPr id="1" name=""/>
-        <p:cNvGrpSpPr/>
-        <p:nvPr/>
-      </p:nvGrpSpPr>
-      <p:grpSpPr>
-        <a:xfrm>
-          <a:off x="0" y="0"/>
-          <a:ext cx="0" cy="0"/>
-          <a:chOff x="0" y="0"/>
-          <a:chExt cx="0" cy="0"/>
-        </a:xfrm>
-      </p:grpSpPr>
-      <p:sp>
-        <p:nvSpPr>
-          <p:cNvPr id="2" name="Titel 1">
-            <a:extLst>
-              <a:ext uri="{FF2B5EF4-FFF2-40B4-BE49-F238E27FC236}">
-                <a16:creationId xmlns:a16="http://schemas.microsoft.com/office/drawing/2014/main" id="{426676A9-F6CC-4023-BB2F-4E5CEF771164}"/>
-              </a:ext>
-            </a:extLst>
-          </p:cNvPr>
-          <p:cNvSpPr>
-            <a:spLocks noGrp="1"/>
-          </p:cNvSpPr>
-          <p:nvPr>
-            <p:ph type="title"/>
-          </p:nvPr>
-        </p:nvSpPr>
-        <p:spPr>
-          <a:xfrm>
-            <a:off x="1451579" y="804519"/>
-            <a:ext cx="9291215" cy="1049235"/>
-          </a:xfrm>
-        </p:spPr>
-        <p:txBody>
-          <a:bodyPr>
-            <a:normAutofit/>
-          </a:bodyPr>
-          <a:lstStyle/>
-          <a:p>
-            <a:r>
-              <a:rPr lang="en-US" dirty="0" err="1"/>
-              <a:t>nieuwe</a:t>
-            </a:r>
-            <a:r>
-              <a:rPr lang="en-US" dirty="0"/>
-              <a:t> </a:t>
-            </a:r>
-            <a:r>
-              <a:rPr lang="en-US" dirty="0" err="1"/>
-              <a:t>Presentatie</a:t>
-            </a:r>
-            <a:r>
-              <a:rPr lang="en-US" dirty="0"/>
-              <a:t> Sprint Backlog</a:t>
-            </a:r>
-            <a:endParaRPr lang="nl-NL" dirty="0"/>
-          </a:p>
-        </p:txBody>
-      </p:sp>
-      <p:graphicFrame>
-        <p:nvGraphicFramePr>
-          <p:cNvPr id="4" name="Tijdelijke aanduiding voor inhoud 3">
-            <a:extLst>
-              <a:ext uri="{FF2B5EF4-FFF2-40B4-BE49-F238E27FC236}">
-                <a16:creationId xmlns:a16="http://schemas.microsoft.com/office/drawing/2014/main" id="{0DFDC6BC-E714-44B4-85E6-1E6BD69710E2}"/>
-              </a:ext>
-            </a:extLst>
-          </p:cNvPr>
-          <p:cNvGraphicFramePr>
-            <a:graphicFrameLocks noGrp="1"/>
-          </p:cNvGraphicFramePr>
-          <p:nvPr>
-            <p:ph idx="1"/>
-            <p:extLst>
-              <p:ext uri="{D42A27DB-BD31-4B8C-83A1-F6EECF244321}">
-                <p14:modId xmlns:p14="http://schemas.microsoft.com/office/powerpoint/2010/main" val="2352606656"/>
-              </p:ext>
-            </p:extLst>
-          </p:nvPr>
-        </p:nvGraphicFramePr>
-        <p:xfrm>
-          <a:off x="770021" y="2011679"/>
-          <a:ext cx="10751418" cy="3425681"/>
-        </p:xfrm>
-        <a:graphic>
-          <a:graphicData uri="http://schemas.openxmlformats.org/drawingml/2006/table">
-            <a:tbl>
-              <a:tblPr firstRow="1" firstCol="1" bandRow="1">
-                <a:tableStyleId>{5C22544A-7EE6-4342-B048-85BDC9FD1C3A}</a:tableStyleId>
-              </a:tblPr>
-              <a:tblGrid>
-                <a:gridCol w="838581">
-                  <a:extLst>
-                    <a:ext uri="{9D8B030D-6E8A-4147-A177-3AD203B41FA5}">
-                      <a16:colId xmlns:a16="http://schemas.microsoft.com/office/drawing/2014/main" val="2006555766"/>
-                    </a:ext>
-                  </a:extLst>
-                </a:gridCol>
-                <a:gridCol w="987013">
-                  <a:extLst>
-                    <a:ext uri="{9D8B030D-6E8A-4147-A177-3AD203B41FA5}">
-                      <a16:colId xmlns:a16="http://schemas.microsoft.com/office/drawing/2014/main" val="1437825450"/>
-                    </a:ext>
-                  </a:extLst>
-                </a:gridCol>
-                <a:gridCol w="1223753">
-                  <a:extLst>
-                    <a:ext uri="{9D8B030D-6E8A-4147-A177-3AD203B41FA5}">
-                      <a16:colId xmlns:a16="http://schemas.microsoft.com/office/drawing/2014/main" val="3297612562"/>
-                    </a:ext>
-                  </a:extLst>
-                </a:gridCol>
-                <a:gridCol w="1689717">
-                  <a:extLst>
-                    <a:ext uri="{9D8B030D-6E8A-4147-A177-3AD203B41FA5}">
-                      <a16:colId xmlns:a16="http://schemas.microsoft.com/office/drawing/2014/main" val="1674290093"/>
-                    </a:ext>
-                  </a:extLst>
-                </a:gridCol>
-                <a:gridCol w="2118104">
-                  <a:extLst>
-                    <a:ext uri="{9D8B030D-6E8A-4147-A177-3AD203B41FA5}">
-                      <a16:colId xmlns:a16="http://schemas.microsoft.com/office/drawing/2014/main" val="1533383482"/>
-                    </a:ext>
-                  </a:extLst>
-                </a:gridCol>
-                <a:gridCol w="1124172">
-                  <a:extLst>
-                    <a:ext uri="{9D8B030D-6E8A-4147-A177-3AD203B41FA5}">
-                      <a16:colId xmlns:a16="http://schemas.microsoft.com/office/drawing/2014/main" val="1472663277"/>
-                    </a:ext>
-                  </a:extLst>
-                </a:gridCol>
-                <a:gridCol w="2770078">
-                  <a:extLst>
-                    <a:ext uri="{9D8B030D-6E8A-4147-A177-3AD203B41FA5}">
-                      <a16:colId xmlns:a16="http://schemas.microsoft.com/office/drawing/2014/main" val="1997208279"/>
-                    </a:ext>
-                  </a:extLst>
-                </a:gridCol>
-              </a:tblGrid>
-              <a:tr h="462014">
-                <a:tc>
-                  <a:txBody>
-                    <a:bodyPr/>
-                    <a:lstStyle/>
-                    <a:p>
-                      <a:r>
-                        <a:rPr lang="nl-NL" sz="1000">
-                          <a:effectLst/>
-                        </a:rPr>
-                        <a:t>Features</a:t>
-                      </a:r>
-                      <a:endParaRPr lang="nl-NL" sz="1000">
-                        <a:effectLst/>
-                        <a:latin typeface="Calibri" panose="020F0502020204030204" pitchFamily="34" charset="0"/>
-                        <a:ea typeface="Calibri" panose="020F0502020204030204" pitchFamily="34" charset="0"/>
-                        <a:cs typeface="Arial" panose="020B0604020202020204" pitchFamily="34" charset="0"/>
-                      </a:endParaRPr>
-                    </a:p>
-                  </a:txBody>
-                  <a:tcPr marL="57739" marR="57739" marT="0" marB="0"/>
-                </a:tc>
-                <a:tc>
-                  <a:txBody>
-                    <a:bodyPr/>
-                    <a:lstStyle/>
-                    <a:p>
-                      <a:r>
-                        <a:rPr lang="nl-NL" sz="1000">
-                          <a:effectLst/>
-                        </a:rPr>
-                        <a:t>Wil ik</a:t>
-                      </a:r>
-                      <a:endParaRPr lang="nl-NL" sz="1000">
-                        <a:effectLst/>
-                        <a:latin typeface="Calibri" panose="020F0502020204030204" pitchFamily="34" charset="0"/>
-                        <a:ea typeface="Calibri" panose="020F0502020204030204" pitchFamily="34" charset="0"/>
-                        <a:cs typeface="Arial" panose="020B0604020202020204" pitchFamily="34" charset="0"/>
-                      </a:endParaRPr>
-                    </a:p>
-                  </a:txBody>
-                  <a:tcPr marL="57739" marR="57739" marT="0" marB="0"/>
-                </a:tc>
-                <a:tc>
-                  <a:txBody>
-                    <a:bodyPr/>
-                    <a:lstStyle/>
-                    <a:p>
-                      <a:r>
-                        <a:rPr lang="nl-NL" sz="1000">
-                          <a:effectLst/>
-                        </a:rPr>
-                        <a:t>Als gebruiker</a:t>
-                      </a:r>
-                      <a:endParaRPr lang="nl-NL" sz="1000">
-                        <a:effectLst/>
-                        <a:latin typeface="Calibri" panose="020F0502020204030204" pitchFamily="34" charset="0"/>
-                        <a:ea typeface="Calibri" panose="020F0502020204030204" pitchFamily="34" charset="0"/>
-                        <a:cs typeface="Arial" panose="020B0604020202020204" pitchFamily="34" charset="0"/>
-                      </a:endParaRPr>
-                    </a:p>
-                  </a:txBody>
-                  <a:tcPr marL="57739" marR="57739" marT="0" marB="0"/>
-                </a:tc>
-                <a:tc>
-                  <a:txBody>
-                    <a:bodyPr/>
-                    <a:lstStyle/>
-                    <a:p>
-                      <a:r>
-                        <a:rPr lang="nl-NL" sz="1000">
-                          <a:effectLst/>
-                        </a:rPr>
-                        <a:t>Waarom</a:t>
-                      </a:r>
-                      <a:endParaRPr lang="nl-NL" sz="1000">
-                        <a:effectLst/>
-                        <a:latin typeface="Calibri" panose="020F0502020204030204" pitchFamily="34" charset="0"/>
-                        <a:ea typeface="Calibri" panose="020F0502020204030204" pitchFamily="34" charset="0"/>
-                        <a:cs typeface="Arial" panose="020B0604020202020204" pitchFamily="34" charset="0"/>
-                      </a:endParaRPr>
-                    </a:p>
-                  </a:txBody>
-                  <a:tcPr marL="57739" marR="57739" marT="0" marB="0"/>
-                </a:tc>
-                <a:tc>
-                  <a:txBody>
-                    <a:bodyPr/>
-                    <a:lstStyle/>
-                    <a:p>
-                      <a:r>
-                        <a:rPr lang="nl-NL" sz="1000" dirty="0">
-                          <a:effectLst/>
-                        </a:rPr>
-                        <a:t>Taken</a:t>
-                      </a:r>
-                      <a:endParaRPr lang="nl-NL" sz="1000" dirty="0">
-                        <a:effectLst/>
-                        <a:latin typeface="Calibri" panose="020F0502020204030204" pitchFamily="34" charset="0"/>
-                        <a:ea typeface="Calibri" panose="020F0502020204030204" pitchFamily="34" charset="0"/>
-                        <a:cs typeface="Arial" panose="020B0604020202020204" pitchFamily="34" charset="0"/>
-                      </a:endParaRPr>
-                    </a:p>
-                  </a:txBody>
-                  <a:tcPr marL="57739" marR="57739" marT="0" marB="0"/>
-                </a:tc>
-                <a:tc>
-                  <a:txBody>
-                    <a:bodyPr/>
-                    <a:lstStyle/>
-                    <a:p>
-                      <a:r>
-                        <a:rPr lang="nl-NL" sz="1000">
-                          <a:effectLst/>
-                        </a:rPr>
-                        <a:t>Moeilijkheids-graad</a:t>
-                      </a:r>
-                      <a:endParaRPr lang="nl-NL" sz="1000">
-                        <a:effectLst/>
-                        <a:latin typeface="Calibri" panose="020F0502020204030204" pitchFamily="34" charset="0"/>
-                        <a:ea typeface="Calibri" panose="020F0502020204030204" pitchFamily="34" charset="0"/>
-                        <a:cs typeface="Arial" panose="020B0604020202020204" pitchFamily="34" charset="0"/>
-                      </a:endParaRPr>
-                    </a:p>
-                  </a:txBody>
-                  <a:tcPr marL="57739" marR="57739" marT="0" marB="0"/>
-                </a:tc>
-                <a:tc>
-                  <a:txBody>
-                    <a:bodyPr/>
-                    <a:lstStyle/>
-                    <a:p>
-                      <a:r>
-                        <a:rPr lang="nl-NL" sz="1000">
-                          <a:effectLst/>
-                        </a:rPr>
-                        <a:t>Acceptance criteria</a:t>
-                      </a:r>
-                      <a:endParaRPr lang="nl-NL" sz="1000">
-                        <a:effectLst/>
-                        <a:latin typeface="Calibri" panose="020F0502020204030204" pitchFamily="34" charset="0"/>
-                        <a:ea typeface="Calibri" panose="020F0502020204030204" pitchFamily="34" charset="0"/>
-                        <a:cs typeface="Arial" panose="020B0604020202020204" pitchFamily="34" charset="0"/>
-                      </a:endParaRPr>
-                    </a:p>
-                  </a:txBody>
-                  <a:tcPr marL="57739" marR="57739" marT="0" marB="0"/>
-                </a:tc>
-                <a:extLst>
-                  <a:ext uri="{0D108BD9-81ED-4DB2-BD59-A6C34878D82A}">
-                    <a16:rowId xmlns:a16="http://schemas.microsoft.com/office/drawing/2014/main" val="3813367114"/>
-                  </a:ext>
-                </a:extLst>
-              </a:tr>
-              <a:tr h="1441047">
-                <a:tc>
-                  <a:txBody>
-                    <a:bodyPr/>
-                    <a:lstStyle/>
-                    <a:p>
-                      <a:r>
-                        <a:rPr lang="nl-NL" sz="1000">
-                          <a:effectLst/>
-                        </a:rPr>
-                        <a:t>7</a:t>
-                      </a:r>
-                      <a:endParaRPr lang="nl-NL" sz="1000">
-                        <a:effectLst/>
-                        <a:latin typeface="Calibri" panose="020F0502020204030204" pitchFamily="34" charset="0"/>
-                        <a:ea typeface="Calibri" panose="020F0502020204030204" pitchFamily="34" charset="0"/>
-                        <a:cs typeface="Arial" panose="020B0604020202020204" pitchFamily="34" charset="0"/>
-                      </a:endParaRPr>
-                    </a:p>
-                  </a:txBody>
-                  <a:tcPr marL="57739" marR="57739" marT="0" marB="0"/>
-                </a:tc>
-                <a:tc>
-                  <a:txBody>
-                    <a:bodyPr/>
-                    <a:lstStyle/>
-                    <a:p>
-                      <a:r>
-                        <a:rPr lang="nl-NL" sz="1000">
-                          <a:effectLst/>
-                        </a:rPr>
-                        <a:t>Prototype maken van de ATM</a:t>
-                      </a:r>
-                      <a:endParaRPr lang="nl-NL" sz="1000">
-                        <a:effectLst/>
-                        <a:latin typeface="Calibri" panose="020F0502020204030204" pitchFamily="34" charset="0"/>
-                        <a:ea typeface="Calibri" panose="020F0502020204030204" pitchFamily="34" charset="0"/>
-                        <a:cs typeface="Arial" panose="020B0604020202020204" pitchFamily="34" charset="0"/>
-                      </a:endParaRPr>
-                    </a:p>
-                  </a:txBody>
-                  <a:tcPr marL="57739" marR="57739" marT="0" marB="0"/>
-                </a:tc>
-                <a:tc>
-                  <a:txBody>
-                    <a:bodyPr/>
-                    <a:lstStyle/>
-                    <a:p>
-                      <a:r>
-                        <a:rPr lang="nl-NL" sz="1000">
-                          <a:effectLst/>
-                        </a:rPr>
-                        <a:t>De werknemer</a:t>
-                      </a:r>
-                      <a:endParaRPr lang="nl-NL" sz="1000">
-                        <a:effectLst/>
-                        <a:latin typeface="Calibri" panose="020F0502020204030204" pitchFamily="34" charset="0"/>
-                        <a:ea typeface="Calibri" panose="020F0502020204030204" pitchFamily="34" charset="0"/>
-                        <a:cs typeface="Arial" panose="020B0604020202020204" pitchFamily="34" charset="0"/>
-                      </a:endParaRPr>
-                    </a:p>
-                  </a:txBody>
-                  <a:tcPr marL="57739" marR="57739" marT="0" marB="0"/>
-                </a:tc>
-                <a:tc>
-                  <a:txBody>
-                    <a:bodyPr/>
-                    <a:lstStyle/>
-                    <a:p>
-                      <a:r>
-                        <a:rPr lang="nl-NL" sz="1000">
-                          <a:effectLst/>
-                        </a:rPr>
-                        <a:t>Zodat de werknemer alle hardware componenten kunnen testen</a:t>
-                      </a:r>
-                      <a:endParaRPr lang="nl-NL" sz="1000">
-                        <a:effectLst/>
-                        <a:latin typeface="Calibri" panose="020F0502020204030204" pitchFamily="34" charset="0"/>
-                        <a:ea typeface="Calibri" panose="020F0502020204030204" pitchFamily="34" charset="0"/>
-                        <a:cs typeface="Arial" panose="020B0604020202020204" pitchFamily="34" charset="0"/>
-                      </a:endParaRPr>
-                    </a:p>
-                  </a:txBody>
-                  <a:tcPr marL="57739" marR="57739" marT="0" marB="0"/>
-                </a:tc>
-                <a:tc>
-                  <a:txBody>
-                    <a:bodyPr/>
-                    <a:lstStyle/>
-                    <a:p>
-                      <a:r>
-                        <a:rPr lang="nl-NL" sz="1000">
-                          <a:effectLst/>
-                        </a:rPr>
-                        <a:t>Ontwerp bovenkant lasersnijden met afmetingen</a:t>
-                      </a:r>
-                      <a:endParaRPr lang="nl-NL" sz="1000">
-                        <a:effectLst/>
-                        <a:latin typeface="Calibri" panose="020F0502020204030204" pitchFamily="34" charset="0"/>
-                        <a:ea typeface="Calibri" panose="020F0502020204030204" pitchFamily="34" charset="0"/>
-                        <a:cs typeface="Arial" panose="020B0604020202020204" pitchFamily="34" charset="0"/>
-                      </a:endParaRPr>
-                    </a:p>
-                  </a:txBody>
-                  <a:tcPr marL="57739" marR="57739" marT="0" marB="0"/>
-                </a:tc>
-                <a:tc>
-                  <a:txBody>
-                    <a:bodyPr/>
-                    <a:lstStyle/>
-                    <a:p>
-                      <a:r>
-                        <a:rPr lang="nl-NL" sz="1000">
-                          <a:effectLst/>
-                        </a:rPr>
-                        <a:t>10</a:t>
-                      </a:r>
-                      <a:endParaRPr lang="nl-NL" sz="1000">
-                        <a:effectLst/>
-                        <a:latin typeface="Calibri" panose="020F0502020204030204" pitchFamily="34" charset="0"/>
-                        <a:ea typeface="Calibri" panose="020F0502020204030204" pitchFamily="34" charset="0"/>
-                        <a:cs typeface="Arial" panose="020B0604020202020204" pitchFamily="34" charset="0"/>
-                      </a:endParaRPr>
-                    </a:p>
-                  </a:txBody>
-                  <a:tcPr marL="57739" marR="57739" marT="0" marB="0"/>
-                </a:tc>
-                <a:tc>
-                  <a:txBody>
-                    <a:bodyPr/>
-                    <a:lstStyle/>
-                    <a:p>
-                      <a:r>
-                        <a:rPr lang="nl-NL" sz="1000">
-                          <a:effectLst/>
-                        </a:rPr>
-                        <a:t>Ontwerp bovenkant moet gaten bevatten voor 8 knoppen, Pin ingang, Bon uitgang, numpad, Laptop scherm stand. </a:t>
-                      </a:r>
-                      <a:endParaRPr lang="nl-NL" sz="1000">
-                        <a:effectLst/>
-                        <a:latin typeface="Calibri" panose="020F0502020204030204" pitchFamily="34" charset="0"/>
-                        <a:ea typeface="Calibri" panose="020F0502020204030204" pitchFamily="34" charset="0"/>
-                        <a:cs typeface="Arial" panose="020B0604020202020204" pitchFamily="34" charset="0"/>
-                      </a:endParaRPr>
-                    </a:p>
-                  </a:txBody>
-                  <a:tcPr marL="57739" marR="57739" marT="0" marB="0"/>
-                </a:tc>
-                <a:extLst>
-                  <a:ext uri="{0D108BD9-81ED-4DB2-BD59-A6C34878D82A}">
-                    <a16:rowId xmlns:a16="http://schemas.microsoft.com/office/drawing/2014/main" val="676537862"/>
-                  </a:ext>
-                </a:extLst>
-              </a:tr>
-              <a:tr h="761310">
-                <a:tc>
-                  <a:txBody>
-                    <a:bodyPr/>
-                    <a:lstStyle/>
-                    <a:p>
-                      <a:r>
-                        <a:rPr lang="nl-NL" sz="1000">
-                          <a:effectLst/>
-                        </a:rPr>
-                        <a:t> </a:t>
-                      </a:r>
-                      <a:endParaRPr lang="nl-NL" sz="1000">
-                        <a:effectLst/>
-                        <a:latin typeface="Calibri" panose="020F0502020204030204" pitchFamily="34" charset="0"/>
-                        <a:ea typeface="Calibri" panose="020F0502020204030204" pitchFamily="34" charset="0"/>
-                        <a:cs typeface="Arial" panose="020B0604020202020204" pitchFamily="34" charset="0"/>
-                      </a:endParaRPr>
-                    </a:p>
-                  </a:txBody>
-                  <a:tcPr marL="57739" marR="57739" marT="0" marB="0"/>
-                </a:tc>
-                <a:tc>
-                  <a:txBody>
-                    <a:bodyPr/>
-                    <a:lstStyle/>
-                    <a:p>
-                      <a:r>
-                        <a:rPr lang="nl-NL" sz="1000">
-                          <a:effectLst/>
-                        </a:rPr>
-                        <a:t> </a:t>
-                      </a:r>
-                      <a:endParaRPr lang="nl-NL" sz="1000">
-                        <a:effectLst/>
-                        <a:latin typeface="Calibri" panose="020F0502020204030204" pitchFamily="34" charset="0"/>
-                        <a:ea typeface="Calibri" panose="020F0502020204030204" pitchFamily="34" charset="0"/>
-                        <a:cs typeface="Arial" panose="020B0604020202020204" pitchFamily="34" charset="0"/>
-                      </a:endParaRPr>
-                    </a:p>
-                  </a:txBody>
-                  <a:tcPr marL="57739" marR="57739" marT="0" marB="0"/>
-                </a:tc>
-                <a:tc>
-                  <a:txBody>
-                    <a:bodyPr/>
-                    <a:lstStyle/>
-                    <a:p>
-                      <a:r>
-                        <a:rPr lang="nl-NL" sz="1000">
-                          <a:effectLst/>
-                        </a:rPr>
-                        <a:t> </a:t>
-                      </a:r>
-                      <a:endParaRPr lang="nl-NL" sz="1000">
-                        <a:effectLst/>
-                        <a:latin typeface="Calibri" panose="020F0502020204030204" pitchFamily="34" charset="0"/>
-                        <a:ea typeface="Calibri" panose="020F0502020204030204" pitchFamily="34" charset="0"/>
-                        <a:cs typeface="Arial" panose="020B0604020202020204" pitchFamily="34" charset="0"/>
-                      </a:endParaRPr>
-                    </a:p>
-                  </a:txBody>
-                  <a:tcPr marL="57739" marR="57739" marT="0" marB="0"/>
-                </a:tc>
-                <a:tc>
-                  <a:txBody>
-                    <a:bodyPr/>
-                    <a:lstStyle/>
-                    <a:p>
-                      <a:r>
-                        <a:rPr lang="nl-NL" sz="1000">
-                          <a:effectLst/>
-                        </a:rPr>
-                        <a:t> </a:t>
-                      </a:r>
-                      <a:endParaRPr lang="nl-NL" sz="1000">
-                        <a:effectLst/>
-                        <a:latin typeface="Calibri" panose="020F0502020204030204" pitchFamily="34" charset="0"/>
-                        <a:ea typeface="Calibri" panose="020F0502020204030204" pitchFamily="34" charset="0"/>
-                        <a:cs typeface="Arial" panose="020B0604020202020204" pitchFamily="34" charset="0"/>
-                      </a:endParaRPr>
-                    </a:p>
-                  </a:txBody>
-                  <a:tcPr marL="57739" marR="57739" marT="0" marB="0"/>
-                </a:tc>
-                <a:tc>
-                  <a:txBody>
-                    <a:bodyPr/>
-                    <a:lstStyle/>
-                    <a:p>
-                      <a:r>
-                        <a:rPr lang="nl-NL" sz="1000">
-                          <a:effectLst/>
-                        </a:rPr>
-                        <a:t>Ontwerp onderkant laser cutten met afmetingen</a:t>
-                      </a:r>
-                      <a:endParaRPr lang="nl-NL" sz="1000">
-                        <a:effectLst/>
-                        <a:latin typeface="Calibri" panose="020F0502020204030204" pitchFamily="34" charset="0"/>
-                        <a:ea typeface="Calibri" panose="020F0502020204030204" pitchFamily="34" charset="0"/>
-                        <a:cs typeface="Arial" panose="020B0604020202020204" pitchFamily="34" charset="0"/>
-                      </a:endParaRPr>
-                    </a:p>
-                  </a:txBody>
-                  <a:tcPr marL="57739" marR="57739" marT="0" marB="0"/>
-                </a:tc>
-                <a:tc>
-                  <a:txBody>
-                    <a:bodyPr/>
-                    <a:lstStyle/>
-                    <a:p>
-                      <a:r>
-                        <a:rPr lang="nl-NL" sz="1000">
-                          <a:effectLst/>
-                        </a:rPr>
-                        <a:t> </a:t>
-                      </a:r>
-                      <a:endParaRPr lang="nl-NL" sz="1000">
-                        <a:effectLst/>
-                        <a:latin typeface="Calibri" panose="020F0502020204030204" pitchFamily="34" charset="0"/>
-                        <a:ea typeface="Calibri" panose="020F0502020204030204" pitchFamily="34" charset="0"/>
-                        <a:cs typeface="Arial" panose="020B0604020202020204" pitchFamily="34" charset="0"/>
-                      </a:endParaRPr>
-                    </a:p>
-                  </a:txBody>
-                  <a:tcPr marL="57739" marR="57739" marT="0" marB="0"/>
-                </a:tc>
-                <a:tc>
-                  <a:txBody>
-                    <a:bodyPr/>
-                    <a:lstStyle/>
-                    <a:p>
-                      <a:r>
-                        <a:rPr lang="nl-NL" sz="1000">
-                          <a:effectLst/>
-                        </a:rPr>
-                        <a:t>Ontwerp onderkant moet gaten bevatten voor de biljetten dispenser.</a:t>
-                      </a:r>
-                      <a:endParaRPr lang="nl-NL" sz="1000">
-                        <a:effectLst/>
-                        <a:latin typeface="Calibri" panose="020F0502020204030204" pitchFamily="34" charset="0"/>
-                        <a:ea typeface="Calibri" panose="020F0502020204030204" pitchFamily="34" charset="0"/>
-                        <a:cs typeface="Arial" panose="020B0604020202020204" pitchFamily="34" charset="0"/>
-                      </a:endParaRPr>
-                    </a:p>
-                  </a:txBody>
-                  <a:tcPr marL="57739" marR="57739" marT="0" marB="0"/>
-                </a:tc>
-                <a:extLst>
-                  <a:ext uri="{0D108BD9-81ED-4DB2-BD59-A6C34878D82A}">
-                    <a16:rowId xmlns:a16="http://schemas.microsoft.com/office/drawing/2014/main" val="3961819994"/>
-                  </a:ext>
-                </a:extLst>
-              </a:tr>
-              <a:tr h="761310">
-                <a:tc>
-                  <a:txBody>
-                    <a:bodyPr/>
-                    <a:lstStyle/>
-                    <a:p>
-                      <a:r>
-                        <a:rPr lang="nl-NL" sz="1000">
-                          <a:effectLst/>
-                        </a:rPr>
-                        <a:t> </a:t>
-                      </a:r>
-                      <a:endParaRPr lang="nl-NL" sz="1000">
-                        <a:effectLst/>
-                        <a:latin typeface="Calibri" panose="020F0502020204030204" pitchFamily="34" charset="0"/>
-                        <a:ea typeface="Calibri" panose="020F0502020204030204" pitchFamily="34" charset="0"/>
-                        <a:cs typeface="Arial" panose="020B0604020202020204" pitchFamily="34" charset="0"/>
-                      </a:endParaRPr>
-                    </a:p>
-                  </a:txBody>
-                  <a:tcPr marL="57739" marR="57739" marT="0" marB="0"/>
-                </a:tc>
-                <a:tc>
-                  <a:txBody>
-                    <a:bodyPr/>
-                    <a:lstStyle/>
-                    <a:p>
-                      <a:r>
-                        <a:rPr lang="nl-NL" sz="1000">
-                          <a:effectLst/>
-                        </a:rPr>
-                        <a:t> </a:t>
-                      </a:r>
-                      <a:endParaRPr lang="nl-NL" sz="1000">
-                        <a:effectLst/>
-                        <a:latin typeface="Calibri" panose="020F0502020204030204" pitchFamily="34" charset="0"/>
-                        <a:ea typeface="Calibri" panose="020F0502020204030204" pitchFamily="34" charset="0"/>
-                        <a:cs typeface="Arial" panose="020B0604020202020204" pitchFamily="34" charset="0"/>
-                      </a:endParaRPr>
-                    </a:p>
-                  </a:txBody>
-                  <a:tcPr marL="57739" marR="57739" marT="0" marB="0"/>
-                </a:tc>
-                <a:tc>
-                  <a:txBody>
-                    <a:bodyPr/>
-                    <a:lstStyle/>
-                    <a:p>
-                      <a:r>
-                        <a:rPr lang="nl-NL" sz="1000">
-                          <a:effectLst/>
-                        </a:rPr>
-                        <a:t> </a:t>
-                      </a:r>
-                      <a:endParaRPr lang="nl-NL" sz="1000">
-                        <a:effectLst/>
-                        <a:latin typeface="Calibri" panose="020F0502020204030204" pitchFamily="34" charset="0"/>
-                        <a:ea typeface="Calibri" panose="020F0502020204030204" pitchFamily="34" charset="0"/>
-                        <a:cs typeface="Arial" panose="020B0604020202020204" pitchFamily="34" charset="0"/>
-                      </a:endParaRPr>
-                    </a:p>
-                  </a:txBody>
-                  <a:tcPr marL="57739" marR="57739" marT="0" marB="0"/>
-                </a:tc>
-                <a:tc>
-                  <a:txBody>
-                    <a:bodyPr/>
-                    <a:lstStyle/>
-                    <a:p>
-                      <a:r>
-                        <a:rPr lang="nl-NL" sz="1000">
-                          <a:effectLst/>
-                        </a:rPr>
-                        <a:t> </a:t>
-                      </a:r>
-                      <a:endParaRPr lang="nl-NL" sz="1000">
-                        <a:effectLst/>
-                        <a:latin typeface="Calibri" panose="020F0502020204030204" pitchFamily="34" charset="0"/>
-                        <a:ea typeface="Calibri" panose="020F0502020204030204" pitchFamily="34" charset="0"/>
-                        <a:cs typeface="Arial" panose="020B0604020202020204" pitchFamily="34" charset="0"/>
-                      </a:endParaRPr>
-                    </a:p>
-                  </a:txBody>
-                  <a:tcPr marL="57739" marR="57739" marT="0" marB="0"/>
-                </a:tc>
-                <a:tc>
-                  <a:txBody>
-                    <a:bodyPr/>
-                    <a:lstStyle/>
-                    <a:p>
-                      <a:r>
-                        <a:rPr lang="nl-NL" sz="1000">
-                          <a:effectLst/>
-                        </a:rPr>
-                        <a:t>Dispenser ontwerp laser cutten met afmetingen</a:t>
-                      </a:r>
-                      <a:endParaRPr lang="nl-NL" sz="1000">
-                        <a:effectLst/>
-                        <a:latin typeface="Calibri" panose="020F0502020204030204" pitchFamily="34" charset="0"/>
-                        <a:ea typeface="Calibri" panose="020F0502020204030204" pitchFamily="34" charset="0"/>
-                        <a:cs typeface="Arial" panose="020B0604020202020204" pitchFamily="34" charset="0"/>
-                      </a:endParaRPr>
-                    </a:p>
-                  </a:txBody>
-                  <a:tcPr marL="57739" marR="57739" marT="0" marB="0"/>
-                </a:tc>
-                <a:tc>
-                  <a:txBody>
-                    <a:bodyPr/>
-                    <a:lstStyle/>
-                    <a:p>
-                      <a:r>
-                        <a:rPr lang="nl-NL" sz="1000">
-                          <a:effectLst/>
-                        </a:rPr>
-                        <a:t> </a:t>
-                      </a:r>
-                      <a:endParaRPr lang="nl-NL" sz="1000">
-                        <a:effectLst/>
-                        <a:latin typeface="Calibri" panose="020F0502020204030204" pitchFamily="34" charset="0"/>
-                        <a:ea typeface="Calibri" panose="020F0502020204030204" pitchFamily="34" charset="0"/>
-                        <a:cs typeface="Arial" panose="020B0604020202020204" pitchFamily="34" charset="0"/>
-                      </a:endParaRPr>
-                    </a:p>
-                  </a:txBody>
-                  <a:tcPr marL="57739" marR="57739" marT="0" marB="0"/>
-                </a:tc>
-                <a:tc>
-                  <a:txBody>
-                    <a:bodyPr/>
-                    <a:lstStyle/>
-                    <a:p>
-                      <a:r>
-                        <a:rPr lang="nl-NL" sz="1000" dirty="0">
-                          <a:effectLst/>
-                        </a:rPr>
-                        <a:t>Dispenser moet 3 dispenser bakken bevatten om de biljetten uit te werpen.</a:t>
-                      </a:r>
-                      <a:endParaRPr lang="nl-NL" sz="1000" dirty="0">
-                        <a:effectLst/>
-                        <a:latin typeface="Calibri" panose="020F0502020204030204" pitchFamily="34" charset="0"/>
-                        <a:ea typeface="Calibri" panose="020F0502020204030204" pitchFamily="34" charset="0"/>
-                        <a:cs typeface="Arial" panose="020B0604020202020204" pitchFamily="34" charset="0"/>
-                      </a:endParaRPr>
-                    </a:p>
-                  </a:txBody>
-                  <a:tcPr marL="57739" marR="57739" marT="0" marB="0"/>
-                </a:tc>
-                <a:extLst>
-                  <a:ext uri="{0D108BD9-81ED-4DB2-BD59-A6C34878D82A}">
-                    <a16:rowId xmlns:a16="http://schemas.microsoft.com/office/drawing/2014/main" val="1694577492"/>
-                  </a:ext>
-                </a:extLst>
-              </a:tr>
-            </a:tbl>
-          </a:graphicData>
-        </a:graphic>
-      </p:graphicFrame>
-    </p:spTree>
-    <p:extLst>
-      <p:ext uri="{BB962C8B-B14F-4D97-AF65-F5344CB8AC3E}">
-        <p14:creationId xmlns:p14="http://schemas.microsoft.com/office/powerpoint/2010/main" val="1553816805"/>
-      </p:ext>
-    </p:extLst>
-  </p:cSld>
-  <p:clrMapOvr>
-    <a:masterClrMapping/>
-  </p:clrMapOvr>
-</p:sld>
-</file>
-
 <file path=ppt/theme/theme1.xml><?xml version="1.0" encoding="utf-8"?>
 <a:theme xmlns:a="http://schemas.openxmlformats.org/drawingml/2006/main" name="Gallery">
   <a:themeElements>

--- a/Sprint Planning/Scrum meeting 4.pptx
+++ b/Sprint Planning/Scrum meeting 4.pptx
@@ -9,13 +9,14 @@
     <p:sldId id="258" r:id="rId3"/>
     <p:sldId id="265" r:id="rId4"/>
     <p:sldId id="266" r:id="rId5"/>
-    <p:sldId id="270" r:id="rId6"/>
-    <p:sldId id="267" r:id="rId7"/>
-    <p:sldId id="268" r:id="rId8"/>
-    <p:sldId id="271" r:id="rId9"/>
-    <p:sldId id="264" r:id="rId10"/>
-    <p:sldId id="269" r:id="rId11"/>
-    <p:sldId id="260" r:id="rId12"/>
+    <p:sldId id="272" r:id="rId6"/>
+    <p:sldId id="270" r:id="rId7"/>
+    <p:sldId id="267" r:id="rId8"/>
+    <p:sldId id="268" r:id="rId9"/>
+    <p:sldId id="271" r:id="rId10"/>
+    <p:sldId id="264" r:id="rId11"/>
+    <p:sldId id="269" r:id="rId12"/>
+    <p:sldId id="260" r:id="rId13"/>
   </p:sldIdLst>
   <p:sldSz cx="12192000" cy="6858000"/>
   <p:notesSz cx="6858000" cy="9144000"/>
@@ -123,6 +124,796 @@
 </file>
 
 <file path=ppt/charts/chart1.xml><?xml version="1.0" encoding="utf-8"?>
+<c:chartSpace xmlns:c="http://schemas.openxmlformats.org/drawingml/2006/chart" xmlns:a="http://schemas.openxmlformats.org/drawingml/2006/main" xmlns:r="http://schemas.openxmlformats.org/officeDocument/2006/relationships" xmlns:c16r2="http://schemas.microsoft.com/office/drawing/2015/06/chart">
+  <c:date1904 val="0"/>
+  <c:lang val="nl-NL"/>
+  <c:roundedCorners val="0"/>
+  <mc:AlternateContent xmlns:mc="http://schemas.openxmlformats.org/markup-compatibility/2006">
+    <mc:Choice xmlns:c14="http://schemas.microsoft.com/office/drawing/2007/8/2/chart" Requires="c14">
+      <c14:style val="102"/>
+    </mc:Choice>
+    <mc:Fallback>
+      <c:style val="2"/>
+    </mc:Fallback>
+  </mc:AlternateContent>
+  <c:chart>
+    <c:title>
+      <c:tx>
+        <c:rich>
+          <a:bodyPr rot="0" spcFirstLastPara="1" vertOverflow="ellipsis" vert="horz" wrap="square" anchor="ctr" anchorCtr="1"/>
+          <a:lstStyle/>
+          <a:p>
+            <a:pPr>
+              <a:defRPr sz="1600" b="1" i="0" u="none" strike="noStrike" kern="1200" spc="100" baseline="0">
+                <a:solidFill>
+                  <a:schemeClr val="lt1">
+                    <a:lumMod val="95000"/>
+                  </a:schemeClr>
+                </a:solidFill>
+                <a:effectLst>
+                  <a:outerShdw blurRad="50800" dist="38100" dir="5400000" algn="t" rotWithShape="0">
+                    <a:prstClr val="black">
+                      <a:alpha val="40000"/>
+                    </a:prstClr>
+                  </a:outerShdw>
+                </a:effectLst>
+                <a:latin typeface="+mn-lt"/>
+                <a:ea typeface="+mn-ea"/>
+                <a:cs typeface="+mn-cs"/>
+              </a:defRPr>
+            </a:pPr>
+            <a:r>
+              <a:rPr lang="nl-NL"/>
+              <a:t>Kleurkeuzes van de header en footer kleur</a:t>
+            </a:r>
+          </a:p>
+        </c:rich>
+      </c:tx>
+      <c:layout>
+        <c:manualLayout>
+          <c:xMode val="edge"/>
+          <c:yMode val="edge"/>
+          <c:x val="0.22527547741877094"/>
+          <c:y val="5.0925925925925923E-2"/>
+        </c:manualLayout>
+      </c:layout>
+      <c:overlay val="0"/>
+      <c:spPr>
+        <a:noFill/>
+        <a:ln>
+          <a:noFill/>
+        </a:ln>
+        <a:effectLst/>
+      </c:spPr>
+      <c:txPr>
+        <a:bodyPr rot="0" spcFirstLastPara="1" vertOverflow="ellipsis" vert="horz" wrap="square" anchor="ctr" anchorCtr="1"/>
+        <a:lstStyle/>
+        <a:p>
+          <a:pPr>
+            <a:defRPr sz="1600" b="1" i="0" u="none" strike="noStrike" kern="1200" spc="100" baseline="0">
+              <a:solidFill>
+                <a:schemeClr val="lt1">
+                  <a:lumMod val="95000"/>
+                </a:schemeClr>
+              </a:solidFill>
+              <a:effectLst>
+                <a:outerShdw blurRad="50800" dist="38100" dir="5400000" algn="t" rotWithShape="0">
+                  <a:prstClr val="black">
+                    <a:alpha val="40000"/>
+                  </a:prstClr>
+                </a:outerShdw>
+              </a:effectLst>
+              <a:latin typeface="+mn-lt"/>
+              <a:ea typeface="+mn-ea"/>
+              <a:cs typeface="+mn-cs"/>
+            </a:defRPr>
+          </a:pPr>
+          <a:endParaRPr lang="nl-NL"/>
+        </a:p>
+      </c:txPr>
+    </c:title>
+    <c:autoTitleDeleted val="0"/>
+    <c:plotArea>
+      <c:layout/>
+      <c:barChart>
+        <c:barDir val="col"/>
+        <c:grouping val="clustered"/>
+        <c:varyColors val="0"/>
+        <c:ser>
+          <c:idx val="0"/>
+          <c:order val="0"/>
+          <c:spPr>
+            <a:gradFill rotWithShape="1">
+              <a:gsLst>
+                <a:gs pos="0">
+                  <a:schemeClr val="accent1">
+                    <a:satMod val="103000"/>
+                    <a:lumMod val="102000"/>
+                    <a:tint val="94000"/>
+                  </a:schemeClr>
+                </a:gs>
+                <a:gs pos="50000">
+                  <a:schemeClr val="accent1">
+                    <a:satMod val="110000"/>
+                    <a:lumMod val="100000"/>
+                    <a:shade val="100000"/>
+                  </a:schemeClr>
+                </a:gs>
+                <a:gs pos="100000">
+                  <a:schemeClr val="accent1">
+                    <a:lumMod val="99000"/>
+                    <a:satMod val="120000"/>
+                    <a:shade val="78000"/>
+                  </a:schemeClr>
+                </a:gs>
+              </a:gsLst>
+              <a:lin ang="5400000" scaled="0"/>
+            </a:gradFill>
+            <a:ln>
+              <a:noFill/>
+            </a:ln>
+            <a:effectLst>
+              <a:outerShdw blurRad="57150" dist="19050" dir="5400000" algn="ctr" rotWithShape="0">
+                <a:srgbClr val="000000">
+                  <a:alpha val="63000"/>
+                </a:srgbClr>
+              </a:outerShdw>
+            </a:effectLst>
+            <a:scene3d>
+              <a:camera prst="orthographicFront">
+                <a:rot lat="0" lon="0" rev="0"/>
+              </a:camera>
+              <a:lightRig rig="balanced" dir="t">
+                <a:rot lat="0" lon="0" rev="1080000"/>
+              </a:lightRig>
+            </a:scene3d>
+            <a:sp3d>
+              <a:bevelT w="38100" h="12700" prst="softRound"/>
+            </a:sp3d>
+          </c:spPr>
+          <c:invertIfNegative val="0"/>
+          <c:cat>
+            <c:strRef>
+              <c:f>Blad1!$B$2:$B$8</c:f>
+              <c:strCache>
+                <c:ptCount val="7"/>
+                <c:pt idx="0">
+                  <c:v>Grijs</c:v>
+                </c:pt>
+                <c:pt idx="1">
+                  <c:v>Groen</c:v>
+                </c:pt>
+                <c:pt idx="2">
+                  <c:v>L</c:v>
+                </c:pt>
+                <c:pt idx="3">
+                  <c:v>ph achtergrond kleur</c:v>
+                </c:pt>
+                <c:pt idx="4">
+                  <c:v>Roze</c:v>
+                </c:pt>
+                <c:pt idx="5">
+                  <c:v>Vanta black(zwart zwart)</c:v>
+                </c:pt>
+                <c:pt idx="6">
+                  <c:v>Zwart</c:v>
+                </c:pt>
+              </c:strCache>
+            </c:strRef>
+          </c:cat>
+          <c:val>
+            <c:numRef>
+              <c:f>Blad1!$C$2:$C$8</c:f>
+              <c:numCache>
+                <c:formatCode>General</c:formatCode>
+                <c:ptCount val="7"/>
+                <c:pt idx="0">
+                  <c:v>3</c:v>
+                </c:pt>
+                <c:pt idx="1">
+                  <c:v>6</c:v>
+                </c:pt>
+                <c:pt idx="2">
+                  <c:v>1</c:v>
+                </c:pt>
+                <c:pt idx="3">
+                  <c:v>1</c:v>
+                </c:pt>
+                <c:pt idx="4">
+                  <c:v>1</c:v>
+                </c:pt>
+                <c:pt idx="5">
+                  <c:v>1</c:v>
+                </c:pt>
+                <c:pt idx="6">
+                  <c:v>9</c:v>
+                </c:pt>
+              </c:numCache>
+            </c:numRef>
+          </c:val>
+          <c:extLst>
+            <c:ext xmlns:c16="http://schemas.microsoft.com/office/drawing/2014/chart" uri="{C3380CC4-5D6E-409C-BE32-E72D297353CC}">
+              <c16:uniqueId val="{00000000-08A5-43A2-92D6-FCB2130FD906}"/>
+            </c:ext>
+          </c:extLst>
+        </c:ser>
+        <c:dLbls>
+          <c:showLegendKey val="0"/>
+          <c:showVal val="0"/>
+          <c:showCatName val="0"/>
+          <c:showSerName val="0"/>
+          <c:showPercent val="0"/>
+          <c:showBubbleSize val="0"/>
+        </c:dLbls>
+        <c:gapWidth val="100"/>
+        <c:overlap val="-24"/>
+        <c:axId val="1389647136"/>
+        <c:axId val="1384313936"/>
+      </c:barChart>
+      <c:catAx>
+        <c:axId val="1389647136"/>
+        <c:scaling>
+          <c:orientation val="minMax"/>
+        </c:scaling>
+        <c:delete val="0"/>
+        <c:axPos val="b"/>
+        <c:numFmt formatCode="General" sourceLinked="1"/>
+        <c:majorTickMark val="none"/>
+        <c:minorTickMark val="none"/>
+        <c:tickLblPos val="nextTo"/>
+        <c:spPr>
+          <a:noFill/>
+          <a:ln w="12700" cap="flat" cmpd="sng" algn="ctr">
+            <a:solidFill>
+              <a:schemeClr val="lt1">
+                <a:lumMod val="95000"/>
+                <a:alpha val="54000"/>
+              </a:schemeClr>
+            </a:solidFill>
+            <a:round/>
+          </a:ln>
+          <a:effectLst/>
+        </c:spPr>
+        <c:txPr>
+          <a:bodyPr rot="-60000000" spcFirstLastPara="1" vertOverflow="ellipsis" vert="horz" wrap="square" anchor="ctr" anchorCtr="1"/>
+          <a:lstStyle/>
+          <a:p>
+            <a:pPr>
+              <a:defRPr sz="900" b="0" i="0" u="none" strike="noStrike" kern="1200" baseline="0">
+                <a:solidFill>
+                  <a:schemeClr val="lt1">
+                    <a:lumMod val="85000"/>
+                  </a:schemeClr>
+                </a:solidFill>
+                <a:latin typeface="+mn-lt"/>
+                <a:ea typeface="+mn-ea"/>
+                <a:cs typeface="+mn-cs"/>
+              </a:defRPr>
+            </a:pPr>
+            <a:endParaRPr lang="nl-NL"/>
+          </a:p>
+        </c:txPr>
+        <c:crossAx val="1384313936"/>
+        <c:crosses val="autoZero"/>
+        <c:auto val="1"/>
+        <c:lblAlgn val="ctr"/>
+        <c:lblOffset val="100"/>
+        <c:noMultiLvlLbl val="0"/>
+      </c:catAx>
+      <c:valAx>
+        <c:axId val="1384313936"/>
+        <c:scaling>
+          <c:orientation val="minMax"/>
+        </c:scaling>
+        <c:delete val="0"/>
+        <c:axPos val="l"/>
+        <c:majorGridlines>
+          <c:spPr>
+            <a:ln w="9525" cap="flat" cmpd="sng" algn="ctr">
+              <a:solidFill>
+                <a:schemeClr val="lt1">
+                  <a:lumMod val="95000"/>
+                  <a:alpha val="10000"/>
+                </a:schemeClr>
+              </a:solidFill>
+              <a:round/>
+            </a:ln>
+            <a:effectLst/>
+          </c:spPr>
+        </c:majorGridlines>
+        <c:numFmt formatCode="General" sourceLinked="1"/>
+        <c:majorTickMark val="none"/>
+        <c:minorTickMark val="none"/>
+        <c:tickLblPos val="nextTo"/>
+        <c:spPr>
+          <a:noFill/>
+          <a:ln>
+            <a:noFill/>
+          </a:ln>
+          <a:effectLst/>
+        </c:spPr>
+        <c:txPr>
+          <a:bodyPr rot="-60000000" spcFirstLastPara="1" vertOverflow="ellipsis" vert="horz" wrap="square" anchor="ctr" anchorCtr="1"/>
+          <a:lstStyle/>
+          <a:p>
+            <a:pPr>
+              <a:defRPr sz="900" b="0" i="0" u="none" strike="noStrike" kern="1200" baseline="0">
+                <a:solidFill>
+                  <a:schemeClr val="lt1">
+                    <a:lumMod val="85000"/>
+                  </a:schemeClr>
+                </a:solidFill>
+                <a:latin typeface="+mn-lt"/>
+                <a:ea typeface="+mn-ea"/>
+                <a:cs typeface="+mn-cs"/>
+              </a:defRPr>
+            </a:pPr>
+            <a:endParaRPr lang="nl-NL"/>
+          </a:p>
+        </c:txPr>
+        <c:crossAx val="1389647136"/>
+        <c:crosses val="autoZero"/>
+        <c:crossBetween val="between"/>
+      </c:valAx>
+      <c:spPr>
+        <a:noFill/>
+        <a:ln>
+          <a:noFill/>
+        </a:ln>
+        <a:effectLst/>
+      </c:spPr>
+    </c:plotArea>
+    <c:plotVisOnly val="1"/>
+    <c:dispBlanksAs val="gap"/>
+    <c:extLst>
+      <c:ext xmlns:c16r3="http://schemas.microsoft.com/office/drawing/2017/03/chart" uri="{56B9EC1D-385E-4148-901F-78D8002777C0}">
+        <c16r3:dataDisplayOptions16>
+          <c16r3:dispNaAsBlank val="1"/>
+        </c16r3:dataDisplayOptions16>
+      </c:ext>
+    </c:extLst>
+    <c:showDLblsOverMax val="0"/>
+  </c:chart>
+  <c:spPr>
+    <a:gradFill flip="none" rotWithShape="1">
+      <a:gsLst>
+        <a:gs pos="0">
+          <a:schemeClr val="dk1">
+            <a:lumMod val="65000"/>
+            <a:lumOff val="35000"/>
+          </a:schemeClr>
+        </a:gs>
+        <a:gs pos="100000">
+          <a:schemeClr val="dk1">
+            <a:lumMod val="85000"/>
+            <a:lumOff val="15000"/>
+          </a:schemeClr>
+        </a:gs>
+      </a:gsLst>
+      <a:path path="circle">
+        <a:fillToRect l="50000" t="50000" r="50000" b="50000"/>
+      </a:path>
+      <a:tileRect/>
+    </a:gradFill>
+    <a:ln>
+      <a:noFill/>
+    </a:ln>
+    <a:effectLst/>
+  </c:spPr>
+  <c:txPr>
+    <a:bodyPr/>
+    <a:lstStyle/>
+    <a:p>
+      <a:pPr>
+        <a:defRPr/>
+      </a:pPr>
+      <a:endParaRPr lang="nl-NL"/>
+    </a:p>
+  </c:txPr>
+  <c:externalData r:id="rId3">
+    <c:autoUpdate val="0"/>
+  </c:externalData>
+</c:chartSpace>
+</file>
+
+<file path=ppt/charts/chart2.xml><?xml version="1.0" encoding="utf-8"?>
+<c:chartSpace xmlns:c="http://schemas.openxmlformats.org/drawingml/2006/chart" xmlns:a="http://schemas.openxmlformats.org/drawingml/2006/main" xmlns:r="http://schemas.openxmlformats.org/officeDocument/2006/relationships" xmlns:c16r2="http://schemas.microsoft.com/office/drawing/2015/06/chart">
+  <c:date1904 val="0"/>
+  <c:lang val="nl-NL"/>
+  <c:roundedCorners val="0"/>
+  <mc:AlternateContent xmlns:mc="http://schemas.openxmlformats.org/markup-compatibility/2006">
+    <mc:Choice xmlns:c14="http://schemas.microsoft.com/office/drawing/2007/8/2/chart" Requires="c14">
+      <c14:style val="102"/>
+    </mc:Choice>
+    <mc:Fallback>
+      <c:style val="2"/>
+    </mc:Fallback>
+  </mc:AlternateContent>
+  <c:chart>
+    <c:title>
+      <c:tx>
+        <c:rich>
+          <a:bodyPr rot="0" spcFirstLastPara="1" vertOverflow="ellipsis" vert="horz" wrap="square" anchor="ctr" anchorCtr="1"/>
+          <a:lstStyle/>
+          <a:p>
+            <a:pPr>
+              <a:defRPr sz="1600" b="1" i="0" u="none" strike="noStrike" kern="1200" spc="100" baseline="0">
+                <a:solidFill>
+                  <a:schemeClr val="lt1">
+                    <a:lumMod val="95000"/>
+                  </a:schemeClr>
+                </a:solidFill>
+                <a:effectLst>
+                  <a:outerShdw blurRad="50800" dist="38100" dir="5400000" algn="t" rotWithShape="0">
+                    <a:prstClr val="black">
+                      <a:alpha val="40000"/>
+                    </a:prstClr>
+                  </a:outerShdw>
+                </a:effectLst>
+                <a:latin typeface="+mn-lt"/>
+                <a:ea typeface="+mn-ea"/>
+                <a:cs typeface="+mn-cs"/>
+              </a:defRPr>
+            </a:pPr>
+            <a:r>
+              <a:rPr lang="nl-NL"/>
+              <a:t>Kleurkeuzes van de achtergrondkleur</a:t>
+            </a:r>
+          </a:p>
+        </c:rich>
+      </c:tx>
+      <c:overlay val="0"/>
+      <c:spPr>
+        <a:noFill/>
+        <a:ln>
+          <a:noFill/>
+        </a:ln>
+        <a:effectLst/>
+      </c:spPr>
+      <c:txPr>
+        <a:bodyPr rot="0" spcFirstLastPara="1" vertOverflow="ellipsis" vert="horz" wrap="square" anchor="ctr" anchorCtr="1"/>
+        <a:lstStyle/>
+        <a:p>
+          <a:pPr>
+            <a:defRPr sz="1600" b="1" i="0" u="none" strike="noStrike" kern="1200" spc="100" baseline="0">
+              <a:solidFill>
+                <a:schemeClr val="lt1">
+                  <a:lumMod val="95000"/>
+                </a:schemeClr>
+              </a:solidFill>
+              <a:effectLst>
+                <a:outerShdw blurRad="50800" dist="38100" dir="5400000" algn="t" rotWithShape="0">
+                  <a:prstClr val="black">
+                    <a:alpha val="40000"/>
+                  </a:prstClr>
+                </a:outerShdw>
+              </a:effectLst>
+              <a:latin typeface="+mn-lt"/>
+              <a:ea typeface="+mn-ea"/>
+              <a:cs typeface="+mn-cs"/>
+            </a:defRPr>
+          </a:pPr>
+          <a:endParaRPr lang="nl-NL"/>
+        </a:p>
+      </c:txPr>
+    </c:title>
+    <c:autoTitleDeleted val="0"/>
+    <c:plotArea>
+      <c:layout/>
+      <c:barChart>
+        <c:barDir val="col"/>
+        <c:grouping val="clustered"/>
+        <c:varyColors val="0"/>
+        <c:ser>
+          <c:idx val="0"/>
+          <c:order val="0"/>
+          <c:spPr>
+            <a:gradFill rotWithShape="1">
+              <a:gsLst>
+                <a:gs pos="0">
+                  <a:schemeClr val="accent1">
+                    <a:satMod val="103000"/>
+                    <a:lumMod val="102000"/>
+                    <a:tint val="94000"/>
+                  </a:schemeClr>
+                </a:gs>
+                <a:gs pos="50000">
+                  <a:schemeClr val="accent1">
+                    <a:satMod val="110000"/>
+                    <a:lumMod val="100000"/>
+                    <a:shade val="100000"/>
+                  </a:schemeClr>
+                </a:gs>
+                <a:gs pos="100000">
+                  <a:schemeClr val="accent1">
+                    <a:lumMod val="99000"/>
+                    <a:satMod val="120000"/>
+                    <a:shade val="78000"/>
+                  </a:schemeClr>
+                </a:gs>
+              </a:gsLst>
+              <a:lin ang="5400000" scaled="0"/>
+            </a:gradFill>
+            <a:ln>
+              <a:noFill/>
+            </a:ln>
+            <a:effectLst>
+              <a:outerShdw blurRad="57150" dist="19050" dir="5400000" algn="ctr" rotWithShape="0">
+                <a:srgbClr val="000000">
+                  <a:alpha val="63000"/>
+                </a:srgbClr>
+              </a:outerShdw>
+            </a:effectLst>
+            <a:scene3d>
+              <a:camera prst="orthographicFront">
+                <a:rot lat="0" lon="0" rev="0"/>
+              </a:camera>
+              <a:lightRig rig="balanced" dir="t">
+                <a:rot lat="0" lon="0" rev="1080000"/>
+              </a:lightRig>
+            </a:scene3d>
+            <a:sp3d>
+              <a:bevelT w="38100" h="12700" prst="softRound"/>
+            </a:sp3d>
+          </c:spPr>
+          <c:invertIfNegative val="0"/>
+          <c:cat>
+            <c:strRef>
+              <c:f>Blad1!$E$2:$E$10</c:f>
+              <c:strCache>
+                <c:ptCount val="9"/>
+                <c:pt idx="0">
+                  <c:v>Blauw</c:v>
+                </c:pt>
+                <c:pt idx="1">
+                  <c:v>Grijs</c:v>
+                </c:pt>
+                <c:pt idx="2">
+                  <c:v>Groen</c:v>
+                </c:pt>
+                <c:pt idx="3">
+                  <c:v>lichtgrijs</c:v>
+                </c:pt>
+                <c:pt idx="4">
+                  <c:v>M</c:v>
+                </c:pt>
+                <c:pt idx="5">
+                  <c:v>Rood</c:v>
+                </c:pt>
+                <c:pt idx="6">
+                  <c:v>Roze</c:v>
+                </c:pt>
+                <c:pt idx="7">
+                  <c:v>Vanta black(zwart zwart)</c:v>
+                </c:pt>
+                <c:pt idx="8">
+                  <c:v>Wit</c:v>
+                </c:pt>
+              </c:strCache>
+            </c:strRef>
+          </c:cat>
+          <c:val>
+            <c:numRef>
+              <c:f>Blad1!$F$2:$F$10</c:f>
+              <c:numCache>
+                <c:formatCode>General</c:formatCode>
+                <c:ptCount val="9"/>
+                <c:pt idx="0">
+                  <c:v>2</c:v>
+                </c:pt>
+                <c:pt idx="1">
+                  <c:v>1</c:v>
+                </c:pt>
+                <c:pt idx="2">
+                  <c:v>1</c:v>
+                </c:pt>
+                <c:pt idx="3">
+                  <c:v>2</c:v>
+                </c:pt>
+                <c:pt idx="4">
+                  <c:v>1</c:v>
+                </c:pt>
+                <c:pt idx="5">
+                  <c:v>5</c:v>
+                </c:pt>
+                <c:pt idx="6">
+                  <c:v>1</c:v>
+                </c:pt>
+                <c:pt idx="7">
+                  <c:v>1</c:v>
+                </c:pt>
+                <c:pt idx="8">
+                  <c:v>8</c:v>
+                </c:pt>
+              </c:numCache>
+            </c:numRef>
+          </c:val>
+          <c:extLst>
+            <c:ext xmlns:c16="http://schemas.microsoft.com/office/drawing/2014/chart" uri="{C3380CC4-5D6E-409C-BE32-E72D297353CC}">
+              <c16:uniqueId val="{00000000-91A0-4EC7-BFFA-07A0CD7438E8}"/>
+            </c:ext>
+          </c:extLst>
+        </c:ser>
+        <c:dLbls>
+          <c:showLegendKey val="0"/>
+          <c:showVal val="0"/>
+          <c:showCatName val="0"/>
+          <c:showSerName val="0"/>
+          <c:showPercent val="0"/>
+          <c:showBubbleSize val="0"/>
+        </c:dLbls>
+        <c:gapWidth val="100"/>
+        <c:overlap val="-24"/>
+        <c:axId val="1509424144"/>
+        <c:axId val="1516635200"/>
+      </c:barChart>
+      <c:catAx>
+        <c:axId val="1509424144"/>
+        <c:scaling>
+          <c:orientation val="minMax"/>
+        </c:scaling>
+        <c:delete val="0"/>
+        <c:axPos val="b"/>
+        <c:numFmt formatCode="General" sourceLinked="1"/>
+        <c:majorTickMark val="none"/>
+        <c:minorTickMark val="none"/>
+        <c:tickLblPos val="nextTo"/>
+        <c:spPr>
+          <a:noFill/>
+          <a:ln w="12700" cap="flat" cmpd="sng" algn="ctr">
+            <a:solidFill>
+              <a:schemeClr val="lt1">
+                <a:lumMod val="95000"/>
+                <a:alpha val="54000"/>
+              </a:schemeClr>
+            </a:solidFill>
+            <a:round/>
+          </a:ln>
+          <a:effectLst/>
+        </c:spPr>
+        <c:txPr>
+          <a:bodyPr rot="-60000000" spcFirstLastPara="1" vertOverflow="ellipsis" vert="horz" wrap="square" anchor="ctr" anchorCtr="1"/>
+          <a:lstStyle/>
+          <a:p>
+            <a:pPr>
+              <a:defRPr sz="900" b="0" i="0" u="none" strike="noStrike" kern="1200" baseline="0">
+                <a:solidFill>
+                  <a:schemeClr val="lt1">
+                    <a:lumMod val="85000"/>
+                  </a:schemeClr>
+                </a:solidFill>
+                <a:latin typeface="+mn-lt"/>
+                <a:ea typeface="+mn-ea"/>
+                <a:cs typeface="+mn-cs"/>
+              </a:defRPr>
+            </a:pPr>
+            <a:endParaRPr lang="nl-NL"/>
+          </a:p>
+        </c:txPr>
+        <c:crossAx val="1516635200"/>
+        <c:crosses val="autoZero"/>
+        <c:auto val="1"/>
+        <c:lblAlgn val="ctr"/>
+        <c:lblOffset val="100"/>
+        <c:noMultiLvlLbl val="0"/>
+      </c:catAx>
+      <c:valAx>
+        <c:axId val="1516635200"/>
+        <c:scaling>
+          <c:orientation val="minMax"/>
+        </c:scaling>
+        <c:delete val="0"/>
+        <c:axPos val="l"/>
+        <c:majorGridlines>
+          <c:spPr>
+            <a:ln w="9525" cap="flat" cmpd="sng" algn="ctr">
+              <a:solidFill>
+                <a:schemeClr val="lt1">
+                  <a:lumMod val="95000"/>
+                  <a:alpha val="10000"/>
+                </a:schemeClr>
+              </a:solidFill>
+              <a:round/>
+            </a:ln>
+            <a:effectLst/>
+          </c:spPr>
+        </c:majorGridlines>
+        <c:numFmt formatCode="General" sourceLinked="1"/>
+        <c:majorTickMark val="none"/>
+        <c:minorTickMark val="none"/>
+        <c:tickLblPos val="nextTo"/>
+        <c:spPr>
+          <a:noFill/>
+          <a:ln>
+            <a:noFill/>
+          </a:ln>
+          <a:effectLst/>
+        </c:spPr>
+        <c:txPr>
+          <a:bodyPr rot="-60000000" spcFirstLastPara="1" vertOverflow="ellipsis" vert="horz" wrap="square" anchor="ctr" anchorCtr="1"/>
+          <a:lstStyle/>
+          <a:p>
+            <a:pPr>
+              <a:defRPr sz="900" b="0" i="0" u="none" strike="noStrike" kern="1200" baseline="0">
+                <a:solidFill>
+                  <a:schemeClr val="lt1">
+                    <a:lumMod val="85000"/>
+                  </a:schemeClr>
+                </a:solidFill>
+                <a:latin typeface="+mn-lt"/>
+                <a:ea typeface="+mn-ea"/>
+                <a:cs typeface="+mn-cs"/>
+              </a:defRPr>
+            </a:pPr>
+            <a:endParaRPr lang="nl-NL"/>
+          </a:p>
+        </c:txPr>
+        <c:crossAx val="1509424144"/>
+        <c:crosses val="autoZero"/>
+        <c:crossBetween val="between"/>
+      </c:valAx>
+      <c:spPr>
+        <a:noFill/>
+        <a:ln>
+          <a:noFill/>
+        </a:ln>
+        <a:effectLst/>
+      </c:spPr>
+    </c:plotArea>
+    <c:plotVisOnly val="1"/>
+    <c:dispBlanksAs val="gap"/>
+    <c:extLst>
+      <c:ext xmlns:c16r3="http://schemas.microsoft.com/office/drawing/2017/03/chart" uri="{56B9EC1D-385E-4148-901F-78D8002777C0}">
+        <c16r3:dataDisplayOptions16>
+          <c16r3:dispNaAsBlank val="1"/>
+        </c16r3:dataDisplayOptions16>
+      </c:ext>
+    </c:extLst>
+    <c:showDLblsOverMax val="0"/>
+  </c:chart>
+  <c:spPr>
+    <a:gradFill flip="none" rotWithShape="1">
+      <a:gsLst>
+        <a:gs pos="0">
+          <a:schemeClr val="dk1">
+            <a:lumMod val="65000"/>
+            <a:lumOff val="35000"/>
+          </a:schemeClr>
+        </a:gs>
+        <a:gs pos="100000">
+          <a:schemeClr val="dk1">
+            <a:lumMod val="85000"/>
+            <a:lumOff val="15000"/>
+          </a:schemeClr>
+        </a:gs>
+      </a:gsLst>
+      <a:path path="circle">
+        <a:fillToRect l="50000" t="50000" r="50000" b="50000"/>
+      </a:path>
+      <a:tileRect/>
+    </a:gradFill>
+    <a:ln>
+      <a:noFill/>
+    </a:ln>
+    <a:effectLst/>
+  </c:spPr>
+  <c:txPr>
+    <a:bodyPr/>
+    <a:lstStyle/>
+    <a:p>
+      <a:pPr>
+        <a:defRPr/>
+      </a:pPr>
+      <a:endParaRPr lang="nl-NL"/>
+    </a:p>
+  </c:txPr>
+  <c:externalData r:id="rId3">
+    <c:autoUpdate val="0"/>
+  </c:externalData>
+</c:chartSpace>
+</file>
+
+<file path=ppt/charts/chart3.xml><?xml version="1.0" encoding="utf-8"?>
 <c:chartSpace xmlns:c="http://schemas.openxmlformats.org/drawingml/2006/chart" xmlns:a="http://schemas.openxmlformats.org/drawingml/2006/main" xmlns:r="http://schemas.openxmlformats.org/officeDocument/2006/relationships" xmlns:c16r2="http://schemas.microsoft.com/office/drawing/2015/06/chart">
   <c:date1904 val="0"/>
   <c:lang val="nl-NL"/>
@@ -531,7 +1322,7 @@
 </c:chartSpace>
 </file>
 
-<file path=ppt/charts/chart2.xml><?xml version="1.0" encoding="utf-8"?>
+<file path=ppt/charts/chart4.xml><?xml version="1.0" encoding="utf-8"?>
 <c:chartSpace xmlns:c="http://schemas.openxmlformats.org/drawingml/2006/chart" xmlns:a="http://schemas.openxmlformats.org/drawingml/2006/main" xmlns:r="http://schemas.openxmlformats.org/officeDocument/2006/relationships" xmlns:c16r2="http://schemas.microsoft.com/office/drawing/2015/06/chart">
   <c:date1904 val="0"/>
   <c:lang val="nl-NL"/>
@@ -963,6 +1754,86 @@
 </file>
 
 <file path=ppt/charts/colors2.xml><?xml version="1.0" encoding="utf-8"?>
+<cs:colorStyle xmlns:cs="http://schemas.microsoft.com/office/drawing/2012/chartStyle" xmlns:a="http://schemas.openxmlformats.org/drawingml/2006/main" meth="cycle" id="10">
+  <a:schemeClr val="accent1"/>
+  <a:schemeClr val="accent2"/>
+  <a:schemeClr val="accent3"/>
+  <a:schemeClr val="accent4"/>
+  <a:schemeClr val="accent5"/>
+  <a:schemeClr val="accent6"/>
+  <cs:variation/>
+  <cs:variation>
+    <a:lumMod val="60000"/>
+  </cs:variation>
+  <cs:variation>
+    <a:lumMod val="80000"/>
+    <a:lumOff val="20000"/>
+  </cs:variation>
+  <cs:variation>
+    <a:lumMod val="80000"/>
+  </cs:variation>
+  <cs:variation>
+    <a:lumMod val="60000"/>
+    <a:lumOff val="40000"/>
+  </cs:variation>
+  <cs:variation>
+    <a:lumMod val="50000"/>
+  </cs:variation>
+  <cs:variation>
+    <a:lumMod val="70000"/>
+    <a:lumOff val="30000"/>
+  </cs:variation>
+  <cs:variation>
+    <a:lumMod val="70000"/>
+  </cs:variation>
+  <cs:variation>
+    <a:lumMod val="50000"/>
+    <a:lumOff val="50000"/>
+  </cs:variation>
+</cs:colorStyle>
+</file>
+
+<file path=ppt/charts/colors3.xml><?xml version="1.0" encoding="utf-8"?>
+<cs:colorStyle xmlns:cs="http://schemas.microsoft.com/office/drawing/2012/chartStyle" xmlns:a="http://schemas.openxmlformats.org/drawingml/2006/main" meth="cycle" id="10">
+  <a:schemeClr val="accent1"/>
+  <a:schemeClr val="accent2"/>
+  <a:schemeClr val="accent3"/>
+  <a:schemeClr val="accent4"/>
+  <a:schemeClr val="accent5"/>
+  <a:schemeClr val="accent6"/>
+  <cs:variation/>
+  <cs:variation>
+    <a:lumMod val="60000"/>
+  </cs:variation>
+  <cs:variation>
+    <a:lumMod val="80000"/>
+    <a:lumOff val="20000"/>
+  </cs:variation>
+  <cs:variation>
+    <a:lumMod val="80000"/>
+  </cs:variation>
+  <cs:variation>
+    <a:lumMod val="60000"/>
+    <a:lumOff val="40000"/>
+  </cs:variation>
+  <cs:variation>
+    <a:lumMod val="50000"/>
+  </cs:variation>
+  <cs:variation>
+    <a:lumMod val="70000"/>
+    <a:lumOff val="30000"/>
+  </cs:variation>
+  <cs:variation>
+    <a:lumMod val="70000"/>
+  </cs:variation>
+  <cs:variation>
+    <a:lumMod val="50000"/>
+    <a:lumOff val="50000"/>
+  </cs:variation>
+</cs:colorStyle>
+</file>
+
+<file path=ppt/charts/colors4.xml><?xml version="1.0" encoding="utf-8"?>
 <cs:colorStyle xmlns:cs="http://schemas.microsoft.com/office/drawing/2012/chartStyle" xmlns:a="http://schemas.openxmlformats.org/drawingml/2006/main" meth="cycle" id="10">
   <a:schemeClr val="accent1"/>
   <a:schemeClr val="accent2"/>
@@ -1994,6 +2865,998 @@
 </cs:chartStyle>
 </file>
 
+<file path=ppt/charts/style3.xml><?xml version="1.0" encoding="utf-8"?>
+<cs:chartStyle xmlns:cs="http://schemas.microsoft.com/office/drawing/2012/chartStyle" xmlns:a="http://schemas.openxmlformats.org/drawingml/2006/main" id="209">
+  <cs:axisTitle>
+    <cs:lnRef idx="0"/>
+    <cs:fillRef idx="0"/>
+    <cs:effectRef idx="0"/>
+    <cs:fontRef idx="minor">
+      <a:schemeClr val="lt1">
+        <a:lumMod val="85000"/>
+      </a:schemeClr>
+    </cs:fontRef>
+    <cs:defRPr sz="900" b="1" kern="1200" cap="all"/>
+  </cs:axisTitle>
+  <cs:categoryAxis>
+    <cs:lnRef idx="0"/>
+    <cs:fillRef idx="0"/>
+    <cs:effectRef idx="0"/>
+    <cs:fontRef idx="minor">
+      <a:schemeClr val="lt1">
+        <a:lumMod val="85000"/>
+      </a:schemeClr>
+    </cs:fontRef>
+    <cs:spPr>
+      <a:ln w="12700" cap="flat" cmpd="sng" algn="ctr">
+        <a:solidFill>
+          <a:schemeClr val="lt1">
+            <a:lumMod val="95000"/>
+            <a:alpha val="54000"/>
+          </a:schemeClr>
+        </a:solidFill>
+        <a:round/>
+      </a:ln>
+    </cs:spPr>
+    <cs:defRPr sz="900" kern="1200"/>
+  </cs:categoryAxis>
+  <cs:chartArea>
+    <cs:lnRef idx="0"/>
+    <cs:fillRef idx="0"/>
+    <cs:effectRef idx="0"/>
+    <cs:fontRef idx="minor">
+      <a:schemeClr val="dk1"/>
+    </cs:fontRef>
+    <cs:spPr>
+      <a:gradFill flip="none" rotWithShape="1">
+        <a:gsLst>
+          <a:gs pos="0">
+            <a:schemeClr val="dk1">
+              <a:lumMod val="65000"/>
+              <a:lumOff val="35000"/>
+            </a:schemeClr>
+          </a:gs>
+          <a:gs pos="100000">
+            <a:schemeClr val="dk1">
+              <a:lumMod val="85000"/>
+              <a:lumOff val="15000"/>
+            </a:schemeClr>
+          </a:gs>
+        </a:gsLst>
+        <a:path path="circle">
+          <a:fillToRect l="50000" t="50000" r="50000" b="50000"/>
+        </a:path>
+        <a:tileRect/>
+      </a:gradFill>
+    </cs:spPr>
+    <cs:defRPr sz="1000" kern="1200"/>
+  </cs:chartArea>
+  <cs:dataLabel>
+    <cs:lnRef idx="0"/>
+    <cs:fillRef idx="0"/>
+    <cs:effectRef idx="0"/>
+    <cs:fontRef idx="minor">
+      <a:schemeClr val="lt1">
+        <a:lumMod val="85000"/>
+      </a:schemeClr>
+    </cs:fontRef>
+    <cs:defRPr sz="900" kern="1200"/>
+  </cs:dataLabel>
+  <cs:dataLabelCallout>
+    <cs:lnRef idx="0"/>
+    <cs:fillRef idx="0"/>
+    <cs:effectRef idx="0"/>
+    <cs:fontRef idx="minor">
+      <a:schemeClr val="dk1">
+        <a:lumMod val="65000"/>
+        <a:lumOff val="35000"/>
+      </a:schemeClr>
+    </cs:fontRef>
+    <cs:spPr>
+      <a:solidFill>
+        <a:schemeClr val="lt1"/>
+      </a:solidFill>
+    </cs:spPr>
+    <cs:defRPr sz="900" kern="1200"/>
+    <cs:bodyPr rot="0" spcFirstLastPara="1" vertOverflow="clip" horzOverflow="clip" vert="horz" wrap="square" lIns="36576" tIns="18288" rIns="36576" bIns="18288" anchor="ctr" anchorCtr="1">
+      <a:spAutoFit/>
+    </cs:bodyPr>
+  </cs:dataLabelCallout>
+  <cs:dataPoint>
+    <cs:lnRef idx="0"/>
+    <cs:fillRef idx="3">
+      <cs:styleClr val="auto"/>
+    </cs:fillRef>
+    <cs:effectRef idx="3"/>
+    <cs:fontRef idx="minor">
+      <a:schemeClr val="lt1"/>
+    </cs:fontRef>
+  </cs:dataPoint>
+  <cs:dataPoint3D>
+    <cs:lnRef idx="0"/>
+    <cs:fillRef idx="3">
+      <cs:styleClr val="auto"/>
+    </cs:fillRef>
+    <cs:effectRef idx="3"/>
+    <cs:fontRef idx="minor">
+      <a:schemeClr val="lt1"/>
+    </cs:fontRef>
+  </cs:dataPoint3D>
+  <cs:dataPointLine>
+    <cs:lnRef idx="0">
+      <cs:styleClr val="auto"/>
+    </cs:lnRef>
+    <cs:fillRef idx="3"/>
+    <cs:effectRef idx="3"/>
+    <cs:fontRef idx="minor">
+      <a:schemeClr val="lt1"/>
+    </cs:fontRef>
+    <cs:spPr>
+      <a:ln w="34925" cap="rnd">
+        <a:solidFill>
+          <a:schemeClr val="phClr"/>
+        </a:solidFill>
+        <a:round/>
+      </a:ln>
+    </cs:spPr>
+  </cs:dataPointLine>
+  <cs:dataPointMarker>
+    <cs:lnRef idx="0">
+      <cs:styleClr val="auto"/>
+    </cs:lnRef>
+    <cs:fillRef idx="3">
+      <cs:styleClr val="auto"/>
+    </cs:fillRef>
+    <cs:effectRef idx="3"/>
+    <cs:fontRef idx="minor">
+      <a:schemeClr val="lt1"/>
+    </cs:fontRef>
+    <cs:spPr>
+      <a:ln w="9525">
+        <a:solidFill>
+          <a:schemeClr val="phClr"/>
+        </a:solidFill>
+        <a:round/>
+      </a:ln>
+    </cs:spPr>
+  </cs:dataPointMarker>
+  <cs:dataPointMarkerLayout symbol="circle" size="6"/>
+  <cs:dataPointWireframe>
+    <cs:lnRef idx="0">
+      <cs:styleClr val="auto"/>
+    </cs:lnRef>
+    <cs:fillRef idx="3"/>
+    <cs:effectRef idx="3"/>
+    <cs:fontRef idx="minor">
+      <a:schemeClr val="lt1"/>
+    </cs:fontRef>
+    <cs:spPr>
+      <a:ln w="9525" cap="rnd">
+        <a:solidFill>
+          <a:schemeClr val="phClr"/>
+        </a:solidFill>
+        <a:round/>
+      </a:ln>
+    </cs:spPr>
+  </cs:dataPointWireframe>
+  <cs:dataTable>
+    <cs:lnRef idx="0"/>
+    <cs:fillRef idx="0"/>
+    <cs:effectRef idx="0"/>
+    <cs:fontRef idx="minor">
+      <a:schemeClr val="lt1">
+        <a:lumMod val="85000"/>
+      </a:schemeClr>
+    </cs:fontRef>
+    <cs:spPr>
+      <a:ln w="9525">
+        <a:solidFill>
+          <a:schemeClr val="lt1">
+            <a:lumMod val="95000"/>
+            <a:alpha val="54000"/>
+          </a:schemeClr>
+        </a:solidFill>
+      </a:ln>
+    </cs:spPr>
+    <cs:defRPr sz="900" kern="1200"/>
+  </cs:dataTable>
+  <cs:downBar>
+    <cs:lnRef idx="0"/>
+    <cs:fillRef idx="0"/>
+    <cs:effectRef idx="0"/>
+    <cs:fontRef idx="minor">
+      <a:schemeClr val="lt1"/>
+    </cs:fontRef>
+    <cs:spPr>
+      <a:solidFill>
+        <a:schemeClr val="dk1">
+          <a:lumMod val="75000"/>
+          <a:lumOff val="25000"/>
+        </a:schemeClr>
+      </a:solidFill>
+      <a:ln w="9525">
+        <a:solidFill>
+          <a:schemeClr val="lt1">
+            <a:lumMod val="95000"/>
+            <a:alpha val="54000"/>
+          </a:schemeClr>
+        </a:solidFill>
+      </a:ln>
+    </cs:spPr>
+  </cs:downBar>
+  <cs:dropLine>
+    <cs:lnRef idx="0"/>
+    <cs:fillRef idx="0"/>
+    <cs:effectRef idx="0"/>
+    <cs:fontRef idx="minor">
+      <a:schemeClr val="lt1"/>
+    </cs:fontRef>
+    <cs:spPr>
+      <a:ln w="9525">
+        <a:solidFill>
+          <a:schemeClr val="lt1">
+            <a:lumMod val="95000"/>
+            <a:alpha val="54000"/>
+          </a:schemeClr>
+        </a:solidFill>
+        <a:prstDash val="dash"/>
+      </a:ln>
+    </cs:spPr>
+  </cs:dropLine>
+  <cs:errorBar>
+    <cs:lnRef idx="0"/>
+    <cs:fillRef idx="0"/>
+    <cs:effectRef idx="0"/>
+    <cs:fontRef idx="minor">
+      <a:schemeClr val="lt1"/>
+    </cs:fontRef>
+    <cs:spPr>
+      <a:ln w="9525" cap="flat" cmpd="sng" algn="ctr">
+        <a:solidFill>
+          <a:schemeClr val="lt1">
+            <a:lumMod val="95000"/>
+          </a:schemeClr>
+        </a:solidFill>
+        <a:round/>
+      </a:ln>
+    </cs:spPr>
+  </cs:errorBar>
+  <cs:floor>
+    <cs:lnRef idx="0"/>
+    <cs:fillRef idx="0"/>
+    <cs:effectRef idx="0"/>
+    <cs:fontRef idx="minor">
+      <a:schemeClr val="lt1"/>
+    </cs:fontRef>
+  </cs:floor>
+  <cs:gridlineMajor>
+    <cs:lnRef idx="0"/>
+    <cs:fillRef idx="0"/>
+    <cs:effectRef idx="0"/>
+    <cs:fontRef idx="minor">
+      <a:schemeClr val="lt1"/>
+    </cs:fontRef>
+    <cs:spPr>
+      <a:ln w="9525" cap="flat" cmpd="sng" algn="ctr">
+        <a:solidFill>
+          <a:schemeClr val="lt1">
+            <a:lumMod val="95000"/>
+            <a:alpha val="10000"/>
+          </a:schemeClr>
+        </a:solidFill>
+        <a:round/>
+      </a:ln>
+    </cs:spPr>
+  </cs:gridlineMajor>
+  <cs:gridlineMinor>
+    <cs:lnRef idx="0"/>
+    <cs:fillRef idx="0"/>
+    <cs:effectRef idx="0"/>
+    <cs:fontRef idx="minor">
+      <a:schemeClr val="lt1"/>
+    </cs:fontRef>
+    <cs:spPr>
+      <a:ln>
+        <a:solidFill>
+          <a:schemeClr val="lt1">
+            <a:lumMod val="95000"/>
+            <a:alpha val="5000"/>
+          </a:schemeClr>
+        </a:solidFill>
+      </a:ln>
+    </cs:spPr>
+  </cs:gridlineMinor>
+  <cs:hiLoLine>
+    <cs:lnRef idx="0"/>
+    <cs:fillRef idx="0"/>
+    <cs:effectRef idx="0"/>
+    <cs:fontRef idx="minor">
+      <a:schemeClr val="lt1"/>
+    </cs:fontRef>
+    <cs:spPr>
+      <a:ln w="9525">
+        <a:solidFill>
+          <a:schemeClr val="lt1">
+            <a:lumMod val="95000"/>
+            <a:alpha val="54000"/>
+          </a:schemeClr>
+        </a:solidFill>
+        <a:prstDash val="dash"/>
+      </a:ln>
+    </cs:spPr>
+  </cs:hiLoLine>
+  <cs:leaderLine>
+    <cs:lnRef idx="0"/>
+    <cs:fillRef idx="0"/>
+    <cs:effectRef idx="0"/>
+    <cs:fontRef idx="minor">
+      <a:schemeClr val="lt1"/>
+    </cs:fontRef>
+    <cs:spPr>
+      <a:ln w="9525">
+        <a:solidFill>
+          <a:schemeClr val="lt1">
+            <a:lumMod val="95000"/>
+            <a:alpha val="54000"/>
+          </a:schemeClr>
+        </a:solidFill>
+      </a:ln>
+    </cs:spPr>
+  </cs:leaderLine>
+  <cs:legend>
+    <cs:lnRef idx="0"/>
+    <cs:fillRef idx="0"/>
+    <cs:effectRef idx="0"/>
+    <cs:fontRef idx="minor">
+      <a:schemeClr val="lt1">
+        <a:lumMod val="85000"/>
+      </a:schemeClr>
+    </cs:fontRef>
+    <cs:defRPr sz="900" kern="1200"/>
+  </cs:legend>
+  <cs:plotArea>
+    <cs:lnRef idx="0"/>
+    <cs:fillRef idx="0"/>
+    <cs:effectRef idx="0"/>
+    <cs:fontRef idx="minor">
+      <a:schemeClr val="lt1"/>
+    </cs:fontRef>
+  </cs:plotArea>
+  <cs:plotArea3D>
+    <cs:lnRef idx="0"/>
+    <cs:fillRef idx="0"/>
+    <cs:effectRef idx="0"/>
+    <cs:fontRef idx="minor">
+      <a:schemeClr val="lt1"/>
+    </cs:fontRef>
+  </cs:plotArea3D>
+  <cs:seriesAxis>
+    <cs:lnRef idx="0"/>
+    <cs:fillRef idx="0"/>
+    <cs:effectRef idx="0"/>
+    <cs:fontRef idx="minor">
+      <a:schemeClr val="lt1">
+        <a:lumMod val="85000"/>
+      </a:schemeClr>
+    </cs:fontRef>
+    <cs:spPr>
+      <a:ln w="12700" cap="flat" cmpd="sng" algn="ctr">
+        <a:solidFill>
+          <a:schemeClr val="lt1">
+            <a:lumMod val="95000"/>
+            <a:alpha val="54000"/>
+          </a:schemeClr>
+        </a:solidFill>
+        <a:round/>
+      </a:ln>
+    </cs:spPr>
+    <cs:defRPr sz="900" kern="1200"/>
+  </cs:seriesAxis>
+  <cs:seriesLine>
+    <cs:lnRef idx="0"/>
+    <cs:fillRef idx="0"/>
+    <cs:effectRef idx="0"/>
+    <cs:fontRef idx="minor">
+      <a:schemeClr val="lt1"/>
+    </cs:fontRef>
+    <cs:spPr>
+      <a:ln w="9525" cap="flat" cmpd="sng" algn="ctr">
+        <a:solidFill>
+          <a:schemeClr val="lt1">
+            <a:lumMod val="95000"/>
+            <a:alpha val="54000"/>
+          </a:schemeClr>
+        </a:solidFill>
+        <a:round/>
+      </a:ln>
+    </cs:spPr>
+  </cs:seriesLine>
+  <cs:title>
+    <cs:lnRef idx="0"/>
+    <cs:fillRef idx="0"/>
+    <cs:effectRef idx="0"/>
+    <cs:fontRef idx="minor">
+      <a:schemeClr val="lt1">
+        <a:lumMod val="95000"/>
+      </a:schemeClr>
+    </cs:fontRef>
+    <cs:defRPr sz="1600" b="1" kern="1200" spc="100" baseline="0">
+      <a:effectLst>
+        <a:outerShdw blurRad="50800" dist="38100" dir="5400000" algn="t" rotWithShape="0">
+          <a:prstClr val="black">
+            <a:alpha val="40000"/>
+          </a:prstClr>
+        </a:outerShdw>
+      </a:effectLst>
+    </cs:defRPr>
+  </cs:title>
+  <cs:trendline>
+    <cs:lnRef idx="0">
+      <cs:styleClr val="auto"/>
+    </cs:lnRef>
+    <cs:fillRef idx="0"/>
+    <cs:effectRef idx="0"/>
+    <cs:fontRef idx="minor">
+      <a:schemeClr val="lt1"/>
+    </cs:fontRef>
+    <cs:spPr>
+      <a:ln w="19050" cap="rnd">
+        <a:solidFill>
+          <a:schemeClr val="phClr"/>
+        </a:solidFill>
+      </a:ln>
+    </cs:spPr>
+  </cs:trendline>
+  <cs:trendlineLabel>
+    <cs:lnRef idx="0"/>
+    <cs:fillRef idx="0"/>
+    <cs:effectRef idx="0"/>
+    <cs:fontRef idx="minor">
+      <a:schemeClr val="lt1">
+        <a:lumMod val="85000"/>
+      </a:schemeClr>
+    </cs:fontRef>
+    <cs:defRPr sz="900" kern="1200"/>
+  </cs:trendlineLabel>
+  <cs:upBar>
+    <cs:lnRef idx="0"/>
+    <cs:fillRef idx="0"/>
+    <cs:effectRef idx="0"/>
+    <cs:fontRef idx="minor">
+      <a:schemeClr val="lt1"/>
+    </cs:fontRef>
+    <cs:spPr>
+      <a:solidFill>
+        <a:schemeClr val="lt1"/>
+      </a:solidFill>
+      <a:ln w="9525">
+        <a:solidFill>
+          <a:schemeClr val="lt1">
+            <a:lumMod val="95000"/>
+            <a:alpha val="54000"/>
+          </a:schemeClr>
+        </a:solidFill>
+      </a:ln>
+    </cs:spPr>
+  </cs:upBar>
+  <cs:valueAxis>
+    <cs:lnRef idx="0"/>
+    <cs:fillRef idx="0"/>
+    <cs:effectRef idx="0"/>
+    <cs:fontRef idx="minor">
+      <a:schemeClr val="lt1">
+        <a:lumMod val="85000"/>
+      </a:schemeClr>
+    </cs:fontRef>
+    <cs:defRPr sz="900" kern="1200"/>
+  </cs:valueAxis>
+  <cs:wall>
+    <cs:lnRef idx="0"/>
+    <cs:fillRef idx="0"/>
+    <cs:effectRef idx="0"/>
+    <cs:fontRef idx="minor">
+      <a:schemeClr val="lt1"/>
+    </cs:fontRef>
+  </cs:wall>
+</cs:chartStyle>
+</file>
+
+<file path=ppt/charts/style4.xml><?xml version="1.0" encoding="utf-8"?>
+<cs:chartStyle xmlns:cs="http://schemas.microsoft.com/office/drawing/2012/chartStyle" xmlns:a="http://schemas.openxmlformats.org/drawingml/2006/main" id="209">
+  <cs:axisTitle>
+    <cs:lnRef idx="0"/>
+    <cs:fillRef idx="0"/>
+    <cs:effectRef idx="0"/>
+    <cs:fontRef idx="minor">
+      <a:schemeClr val="lt1">
+        <a:lumMod val="85000"/>
+      </a:schemeClr>
+    </cs:fontRef>
+    <cs:defRPr sz="900" b="1" kern="1200" cap="all"/>
+  </cs:axisTitle>
+  <cs:categoryAxis>
+    <cs:lnRef idx="0"/>
+    <cs:fillRef idx="0"/>
+    <cs:effectRef idx="0"/>
+    <cs:fontRef idx="minor">
+      <a:schemeClr val="lt1">
+        <a:lumMod val="85000"/>
+      </a:schemeClr>
+    </cs:fontRef>
+    <cs:spPr>
+      <a:ln w="12700" cap="flat" cmpd="sng" algn="ctr">
+        <a:solidFill>
+          <a:schemeClr val="lt1">
+            <a:lumMod val="95000"/>
+            <a:alpha val="54000"/>
+          </a:schemeClr>
+        </a:solidFill>
+        <a:round/>
+      </a:ln>
+    </cs:spPr>
+    <cs:defRPr sz="900" kern="1200"/>
+  </cs:categoryAxis>
+  <cs:chartArea>
+    <cs:lnRef idx="0"/>
+    <cs:fillRef idx="0"/>
+    <cs:effectRef idx="0"/>
+    <cs:fontRef idx="minor">
+      <a:schemeClr val="dk1"/>
+    </cs:fontRef>
+    <cs:spPr>
+      <a:gradFill flip="none" rotWithShape="1">
+        <a:gsLst>
+          <a:gs pos="0">
+            <a:schemeClr val="dk1">
+              <a:lumMod val="65000"/>
+              <a:lumOff val="35000"/>
+            </a:schemeClr>
+          </a:gs>
+          <a:gs pos="100000">
+            <a:schemeClr val="dk1">
+              <a:lumMod val="85000"/>
+              <a:lumOff val="15000"/>
+            </a:schemeClr>
+          </a:gs>
+        </a:gsLst>
+        <a:path path="circle">
+          <a:fillToRect l="50000" t="50000" r="50000" b="50000"/>
+        </a:path>
+        <a:tileRect/>
+      </a:gradFill>
+    </cs:spPr>
+    <cs:defRPr sz="1000" kern="1200"/>
+  </cs:chartArea>
+  <cs:dataLabel>
+    <cs:lnRef idx="0"/>
+    <cs:fillRef idx="0"/>
+    <cs:effectRef idx="0"/>
+    <cs:fontRef idx="minor">
+      <a:schemeClr val="lt1">
+        <a:lumMod val="85000"/>
+      </a:schemeClr>
+    </cs:fontRef>
+    <cs:defRPr sz="900" kern="1200"/>
+  </cs:dataLabel>
+  <cs:dataLabelCallout>
+    <cs:lnRef idx="0"/>
+    <cs:fillRef idx="0"/>
+    <cs:effectRef idx="0"/>
+    <cs:fontRef idx="minor">
+      <a:schemeClr val="dk1">
+        <a:lumMod val="65000"/>
+        <a:lumOff val="35000"/>
+      </a:schemeClr>
+    </cs:fontRef>
+    <cs:spPr>
+      <a:solidFill>
+        <a:schemeClr val="lt1"/>
+      </a:solidFill>
+    </cs:spPr>
+    <cs:defRPr sz="900" kern="1200"/>
+    <cs:bodyPr rot="0" spcFirstLastPara="1" vertOverflow="clip" horzOverflow="clip" vert="horz" wrap="square" lIns="36576" tIns="18288" rIns="36576" bIns="18288" anchor="ctr" anchorCtr="1">
+      <a:spAutoFit/>
+    </cs:bodyPr>
+  </cs:dataLabelCallout>
+  <cs:dataPoint>
+    <cs:lnRef idx="0"/>
+    <cs:fillRef idx="3">
+      <cs:styleClr val="auto"/>
+    </cs:fillRef>
+    <cs:effectRef idx="3"/>
+    <cs:fontRef idx="minor">
+      <a:schemeClr val="lt1"/>
+    </cs:fontRef>
+  </cs:dataPoint>
+  <cs:dataPoint3D>
+    <cs:lnRef idx="0"/>
+    <cs:fillRef idx="3">
+      <cs:styleClr val="auto"/>
+    </cs:fillRef>
+    <cs:effectRef idx="3"/>
+    <cs:fontRef idx="minor">
+      <a:schemeClr val="lt1"/>
+    </cs:fontRef>
+  </cs:dataPoint3D>
+  <cs:dataPointLine>
+    <cs:lnRef idx="0">
+      <cs:styleClr val="auto"/>
+    </cs:lnRef>
+    <cs:fillRef idx="3"/>
+    <cs:effectRef idx="3"/>
+    <cs:fontRef idx="minor">
+      <a:schemeClr val="lt1"/>
+    </cs:fontRef>
+    <cs:spPr>
+      <a:ln w="34925" cap="rnd">
+        <a:solidFill>
+          <a:schemeClr val="phClr"/>
+        </a:solidFill>
+        <a:round/>
+      </a:ln>
+    </cs:spPr>
+  </cs:dataPointLine>
+  <cs:dataPointMarker>
+    <cs:lnRef idx="0">
+      <cs:styleClr val="auto"/>
+    </cs:lnRef>
+    <cs:fillRef idx="3">
+      <cs:styleClr val="auto"/>
+    </cs:fillRef>
+    <cs:effectRef idx="3"/>
+    <cs:fontRef idx="minor">
+      <a:schemeClr val="lt1"/>
+    </cs:fontRef>
+    <cs:spPr>
+      <a:ln w="9525">
+        <a:solidFill>
+          <a:schemeClr val="phClr"/>
+        </a:solidFill>
+        <a:round/>
+      </a:ln>
+    </cs:spPr>
+  </cs:dataPointMarker>
+  <cs:dataPointMarkerLayout symbol="circle" size="6"/>
+  <cs:dataPointWireframe>
+    <cs:lnRef idx="0">
+      <cs:styleClr val="auto"/>
+    </cs:lnRef>
+    <cs:fillRef idx="3"/>
+    <cs:effectRef idx="3"/>
+    <cs:fontRef idx="minor">
+      <a:schemeClr val="lt1"/>
+    </cs:fontRef>
+    <cs:spPr>
+      <a:ln w="9525" cap="rnd">
+        <a:solidFill>
+          <a:schemeClr val="phClr"/>
+        </a:solidFill>
+        <a:round/>
+      </a:ln>
+    </cs:spPr>
+  </cs:dataPointWireframe>
+  <cs:dataTable>
+    <cs:lnRef idx="0"/>
+    <cs:fillRef idx="0"/>
+    <cs:effectRef idx="0"/>
+    <cs:fontRef idx="minor">
+      <a:schemeClr val="lt1">
+        <a:lumMod val="85000"/>
+      </a:schemeClr>
+    </cs:fontRef>
+    <cs:spPr>
+      <a:ln w="9525">
+        <a:solidFill>
+          <a:schemeClr val="lt1">
+            <a:lumMod val="95000"/>
+            <a:alpha val="54000"/>
+          </a:schemeClr>
+        </a:solidFill>
+      </a:ln>
+    </cs:spPr>
+    <cs:defRPr sz="900" kern="1200"/>
+  </cs:dataTable>
+  <cs:downBar>
+    <cs:lnRef idx="0"/>
+    <cs:fillRef idx="0"/>
+    <cs:effectRef idx="0"/>
+    <cs:fontRef idx="minor">
+      <a:schemeClr val="lt1"/>
+    </cs:fontRef>
+    <cs:spPr>
+      <a:solidFill>
+        <a:schemeClr val="dk1">
+          <a:lumMod val="75000"/>
+          <a:lumOff val="25000"/>
+        </a:schemeClr>
+      </a:solidFill>
+      <a:ln w="9525">
+        <a:solidFill>
+          <a:schemeClr val="lt1">
+            <a:lumMod val="95000"/>
+            <a:alpha val="54000"/>
+          </a:schemeClr>
+        </a:solidFill>
+      </a:ln>
+    </cs:spPr>
+  </cs:downBar>
+  <cs:dropLine>
+    <cs:lnRef idx="0"/>
+    <cs:fillRef idx="0"/>
+    <cs:effectRef idx="0"/>
+    <cs:fontRef idx="minor">
+      <a:schemeClr val="lt1"/>
+    </cs:fontRef>
+    <cs:spPr>
+      <a:ln w="9525">
+        <a:solidFill>
+          <a:schemeClr val="lt1">
+            <a:lumMod val="95000"/>
+            <a:alpha val="54000"/>
+          </a:schemeClr>
+        </a:solidFill>
+        <a:prstDash val="dash"/>
+      </a:ln>
+    </cs:spPr>
+  </cs:dropLine>
+  <cs:errorBar>
+    <cs:lnRef idx="0"/>
+    <cs:fillRef idx="0"/>
+    <cs:effectRef idx="0"/>
+    <cs:fontRef idx="minor">
+      <a:schemeClr val="lt1"/>
+    </cs:fontRef>
+    <cs:spPr>
+      <a:ln w="9525" cap="flat" cmpd="sng" algn="ctr">
+        <a:solidFill>
+          <a:schemeClr val="lt1">
+            <a:lumMod val="95000"/>
+          </a:schemeClr>
+        </a:solidFill>
+        <a:round/>
+      </a:ln>
+    </cs:spPr>
+  </cs:errorBar>
+  <cs:floor>
+    <cs:lnRef idx="0"/>
+    <cs:fillRef idx="0"/>
+    <cs:effectRef idx="0"/>
+    <cs:fontRef idx="minor">
+      <a:schemeClr val="lt1"/>
+    </cs:fontRef>
+  </cs:floor>
+  <cs:gridlineMajor>
+    <cs:lnRef idx="0"/>
+    <cs:fillRef idx="0"/>
+    <cs:effectRef idx="0"/>
+    <cs:fontRef idx="minor">
+      <a:schemeClr val="lt1"/>
+    </cs:fontRef>
+    <cs:spPr>
+      <a:ln w="9525" cap="flat" cmpd="sng" algn="ctr">
+        <a:solidFill>
+          <a:schemeClr val="lt1">
+            <a:lumMod val="95000"/>
+            <a:alpha val="10000"/>
+          </a:schemeClr>
+        </a:solidFill>
+        <a:round/>
+      </a:ln>
+    </cs:spPr>
+  </cs:gridlineMajor>
+  <cs:gridlineMinor>
+    <cs:lnRef idx="0"/>
+    <cs:fillRef idx="0"/>
+    <cs:effectRef idx="0"/>
+    <cs:fontRef idx="minor">
+      <a:schemeClr val="lt1"/>
+    </cs:fontRef>
+    <cs:spPr>
+      <a:ln>
+        <a:solidFill>
+          <a:schemeClr val="lt1">
+            <a:lumMod val="95000"/>
+            <a:alpha val="5000"/>
+          </a:schemeClr>
+        </a:solidFill>
+      </a:ln>
+    </cs:spPr>
+  </cs:gridlineMinor>
+  <cs:hiLoLine>
+    <cs:lnRef idx="0"/>
+    <cs:fillRef idx="0"/>
+    <cs:effectRef idx="0"/>
+    <cs:fontRef idx="minor">
+      <a:schemeClr val="lt1"/>
+    </cs:fontRef>
+    <cs:spPr>
+      <a:ln w="9525">
+        <a:solidFill>
+          <a:schemeClr val="lt1">
+            <a:lumMod val="95000"/>
+            <a:alpha val="54000"/>
+          </a:schemeClr>
+        </a:solidFill>
+        <a:prstDash val="dash"/>
+      </a:ln>
+    </cs:spPr>
+  </cs:hiLoLine>
+  <cs:leaderLine>
+    <cs:lnRef idx="0"/>
+    <cs:fillRef idx="0"/>
+    <cs:effectRef idx="0"/>
+    <cs:fontRef idx="minor">
+      <a:schemeClr val="lt1"/>
+    </cs:fontRef>
+    <cs:spPr>
+      <a:ln w="9525">
+        <a:solidFill>
+          <a:schemeClr val="lt1">
+            <a:lumMod val="95000"/>
+            <a:alpha val="54000"/>
+          </a:schemeClr>
+        </a:solidFill>
+      </a:ln>
+    </cs:spPr>
+  </cs:leaderLine>
+  <cs:legend>
+    <cs:lnRef idx="0"/>
+    <cs:fillRef idx="0"/>
+    <cs:effectRef idx="0"/>
+    <cs:fontRef idx="minor">
+      <a:schemeClr val="lt1">
+        <a:lumMod val="85000"/>
+      </a:schemeClr>
+    </cs:fontRef>
+    <cs:defRPr sz="900" kern="1200"/>
+  </cs:legend>
+  <cs:plotArea>
+    <cs:lnRef idx="0"/>
+    <cs:fillRef idx="0"/>
+    <cs:effectRef idx="0"/>
+    <cs:fontRef idx="minor">
+      <a:schemeClr val="lt1"/>
+    </cs:fontRef>
+  </cs:plotArea>
+  <cs:plotArea3D>
+    <cs:lnRef idx="0"/>
+    <cs:fillRef idx="0"/>
+    <cs:effectRef idx="0"/>
+    <cs:fontRef idx="minor">
+      <a:schemeClr val="lt1"/>
+    </cs:fontRef>
+  </cs:plotArea3D>
+  <cs:seriesAxis>
+    <cs:lnRef idx="0"/>
+    <cs:fillRef idx="0"/>
+    <cs:effectRef idx="0"/>
+    <cs:fontRef idx="minor">
+      <a:schemeClr val="lt1">
+        <a:lumMod val="85000"/>
+      </a:schemeClr>
+    </cs:fontRef>
+    <cs:spPr>
+      <a:ln w="12700" cap="flat" cmpd="sng" algn="ctr">
+        <a:solidFill>
+          <a:schemeClr val="lt1">
+            <a:lumMod val="95000"/>
+            <a:alpha val="54000"/>
+          </a:schemeClr>
+        </a:solidFill>
+        <a:round/>
+      </a:ln>
+    </cs:spPr>
+    <cs:defRPr sz="900" kern="1200"/>
+  </cs:seriesAxis>
+  <cs:seriesLine>
+    <cs:lnRef idx="0"/>
+    <cs:fillRef idx="0"/>
+    <cs:effectRef idx="0"/>
+    <cs:fontRef idx="minor">
+      <a:schemeClr val="lt1"/>
+    </cs:fontRef>
+    <cs:spPr>
+      <a:ln w="9525" cap="flat" cmpd="sng" algn="ctr">
+        <a:solidFill>
+          <a:schemeClr val="lt1">
+            <a:lumMod val="95000"/>
+            <a:alpha val="54000"/>
+          </a:schemeClr>
+        </a:solidFill>
+        <a:round/>
+      </a:ln>
+    </cs:spPr>
+  </cs:seriesLine>
+  <cs:title>
+    <cs:lnRef idx="0"/>
+    <cs:fillRef idx="0"/>
+    <cs:effectRef idx="0"/>
+    <cs:fontRef idx="minor">
+      <a:schemeClr val="lt1">
+        <a:lumMod val="95000"/>
+      </a:schemeClr>
+    </cs:fontRef>
+    <cs:defRPr sz="1600" b="1" kern="1200" spc="100" baseline="0">
+      <a:effectLst>
+        <a:outerShdw blurRad="50800" dist="38100" dir="5400000" algn="t" rotWithShape="0">
+          <a:prstClr val="black">
+            <a:alpha val="40000"/>
+          </a:prstClr>
+        </a:outerShdw>
+      </a:effectLst>
+    </cs:defRPr>
+  </cs:title>
+  <cs:trendline>
+    <cs:lnRef idx="0">
+      <cs:styleClr val="auto"/>
+    </cs:lnRef>
+    <cs:fillRef idx="0"/>
+    <cs:effectRef idx="0"/>
+    <cs:fontRef idx="minor">
+      <a:schemeClr val="lt1"/>
+    </cs:fontRef>
+    <cs:spPr>
+      <a:ln w="19050" cap="rnd">
+        <a:solidFill>
+          <a:schemeClr val="phClr"/>
+        </a:solidFill>
+      </a:ln>
+    </cs:spPr>
+  </cs:trendline>
+  <cs:trendlineLabel>
+    <cs:lnRef idx="0"/>
+    <cs:fillRef idx="0"/>
+    <cs:effectRef idx="0"/>
+    <cs:fontRef idx="minor">
+      <a:schemeClr val="lt1">
+        <a:lumMod val="85000"/>
+      </a:schemeClr>
+    </cs:fontRef>
+    <cs:defRPr sz="900" kern="1200"/>
+  </cs:trendlineLabel>
+  <cs:upBar>
+    <cs:lnRef idx="0"/>
+    <cs:fillRef idx="0"/>
+    <cs:effectRef idx="0"/>
+    <cs:fontRef idx="minor">
+      <a:schemeClr val="lt1"/>
+    </cs:fontRef>
+    <cs:spPr>
+      <a:solidFill>
+        <a:schemeClr val="lt1"/>
+      </a:solidFill>
+      <a:ln w="9525">
+        <a:solidFill>
+          <a:schemeClr val="lt1">
+            <a:lumMod val="95000"/>
+            <a:alpha val="54000"/>
+          </a:schemeClr>
+        </a:solidFill>
+      </a:ln>
+    </cs:spPr>
+  </cs:upBar>
+  <cs:valueAxis>
+    <cs:lnRef idx="0"/>
+    <cs:fillRef idx="0"/>
+    <cs:effectRef idx="0"/>
+    <cs:fontRef idx="minor">
+      <a:schemeClr val="lt1">
+        <a:lumMod val="85000"/>
+      </a:schemeClr>
+    </cs:fontRef>
+    <cs:defRPr sz="900" kern="1200"/>
+  </cs:valueAxis>
+  <cs:wall>
+    <cs:lnRef idx="0"/>
+    <cs:fillRef idx="0"/>
+    <cs:effectRef idx="0"/>
+    <cs:fontRef idx="minor">
+      <a:schemeClr val="lt1"/>
+    </cs:fontRef>
+  </cs:wall>
+</cs:chartStyle>
+</file>
+
 <file path=ppt/slideLayouts/slideLayout1.xml><?xml version="1.0" encoding="utf-8"?>
 <p:sldLayout xmlns:a="http://schemas.openxmlformats.org/drawingml/2006/main" xmlns:r="http://schemas.openxmlformats.org/officeDocument/2006/relationships" xmlns:p="http://schemas.openxmlformats.org/presentationml/2006/main" type="title" preserve="1">
   <p:cSld name="Title Slide">
@@ -5430,3597 +7293,6 @@
 </file>
 
 <file path=ppt/slides/slide10.xml><?xml version="1.0" encoding="utf-8"?>
-<p:sld xmlns:a="http://schemas.openxmlformats.org/drawingml/2006/main" xmlns:r="http://schemas.openxmlformats.org/officeDocument/2006/relationships" xmlns:p="http://schemas.openxmlformats.org/presentationml/2006/main">
-  <p:cSld>
-    <p:bg>
-      <p:bgPr>
-        <a:gradFill rotWithShape="1">
-          <a:gsLst>
-            <a:gs pos="0">
-              <a:schemeClr val="bg1">
-                <a:tint val="94000"/>
-                <a:satMod val="80000"/>
-                <a:lumMod val="106000"/>
-              </a:schemeClr>
-            </a:gs>
-            <a:gs pos="100000">
-              <a:schemeClr val="bg1">
-                <a:shade val="80000"/>
-              </a:schemeClr>
-            </a:gs>
-          </a:gsLst>
-          <a:path path="circle">
-            <a:fillToRect l="43000" r="43000" b="100000"/>
-          </a:path>
-        </a:gradFill>
-        <a:effectLst/>
-      </p:bgPr>
-    </p:bg>
-    <p:spTree>
-      <p:nvGrpSpPr>
-        <p:cNvPr id="1" name=""/>
-        <p:cNvGrpSpPr/>
-        <p:nvPr/>
-      </p:nvGrpSpPr>
-      <p:grpSpPr>
-        <a:xfrm>
-          <a:off x="0" y="0"/>
-          <a:ext cx="0" cy="0"/>
-          <a:chOff x="0" y="0"/>
-          <a:chExt cx="0" cy="0"/>
-        </a:xfrm>
-      </p:grpSpPr>
-      <p:sp>
-        <p:nvSpPr>
-          <p:cNvPr id="2" name="Titel 1">
-            <a:extLst>
-              <a:ext uri="{FF2B5EF4-FFF2-40B4-BE49-F238E27FC236}">
-                <a16:creationId xmlns:a16="http://schemas.microsoft.com/office/drawing/2014/main" id="{426676A9-F6CC-4023-BB2F-4E5CEF771164}"/>
-              </a:ext>
-            </a:extLst>
-          </p:cNvPr>
-          <p:cNvSpPr>
-            <a:spLocks noGrp="1"/>
-          </p:cNvSpPr>
-          <p:nvPr>
-            <p:ph type="title"/>
-          </p:nvPr>
-        </p:nvSpPr>
-        <p:spPr>
-          <a:xfrm>
-            <a:off x="1451579" y="804519"/>
-            <a:ext cx="9291215" cy="1049235"/>
-          </a:xfrm>
-        </p:spPr>
-        <p:txBody>
-          <a:bodyPr>
-            <a:normAutofit/>
-          </a:bodyPr>
-          <a:lstStyle/>
-          <a:p>
-            <a:r>
-              <a:rPr lang="en-US" dirty="0" err="1"/>
-              <a:t>nieuwe</a:t>
-            </a:r>
-            <a:r>
-              <a:rPr lang="en-US" dirty="0"/>
-              <a:t> </a:t>
-            </a:r>
-            <a:r>
-              <a:rPr lang="en-US" dirty="0" err="1"/>
-              <a:t>Presentatie</a:t>
-            </a:r>
-            <a:r>
-              <a:rPr lang="en-US" dirty="0"/>
-              <a:t> Sprint Backlog</a:t>
-            </a:r>
-            <a:endParaRPr lang="nl-NL" dirty="0"/>
-          </a:p>
-        </p:txBody>
-      </p:sp>
-      <p:graphicFrame>
-        <p:nvGraphicFramePr>
-          <p:cNvPr id="4" name="Tijdelijke aanduiding voor inhoud 3">
-            <a:extLst>
-              <a:ext uri="{FF2B5EF4-FFF2-40B4-BE49-F238E27FC236}">
-                <a16:creationId xmlns:a16="http://schemas.microsoft.com/office/drawing/2014/main" id="{0DFDC6BC-E714-44B4-85E6-1E6BD69710E2}"/>
-              </a:ext>
-            </a:extLst>
-          </p:cNvPr>
-          <p:cNvGraphicFramePr>
-            <a:graphicFrameLocks noGrp="1"/>
-          </p:cNvGraphicFramePr>
-          <p:nvPr>
-            <p:ph idx="1"/>
-            <p:extLst>
-              <p:ext uri="{D42A27DB-BD31-4B8C-83A1-F6EECF244321}">
-                <p14:modId xmlns:p14="http://schemas.microsoft.com/office/powerpoint/2010/main" val="2352606656"/>
-              </p:ext>
-            </p:extLst>
-          </p:nvPr>
-        </p:nvGraphicFramePr>
-        <p:xfrm>
-          <a:off x="770021" y="2011679"/>
-          <a:ext cx="10751418" cy="3425681"/>
-        </p:xfrm>
-        <a:graphic>
-          <a:graphicData uri="http://schemas.openxmlformats.org/drawingml/2006/table">
-            <a:tbl>
-              <a:tblPr firstRow="1" firstCol="1" bandRow="1">
-                <a:tableStyleId>{5C22544A-7EE6-4342-B048-85BDC9FD1C3A}</a:tableStyleId>
-              </a:tblPr>
-              <a:tblGrid>
-                <a:gridCol w="838581">
-                  <a:extLst>
-                    <a:ext uri="{9D8B030D-6E8A-4147-A177-3AD203B41FA5}">
-                      <a16:colId xmlns:a16="http://schemas.microsoft.com/office/drawing/2014/main" val="2006555766"/>
-                    </a:ext>
-                  </a:extLst>
-                </a:gridCol>
-                <a:gridCol w="987013">
-                  <a:extLst>
-                    <a:ext uri="{9D8B030D-6E8A-4147-A177-3AD203B41FA5}">
-                      <a16:colId xmlns:a16="http://schemas.microsoft.com/office/drawing/2014/main" val="1437825450"/>
-                    </a:ext>
-                  </a:extLst>
-                </a:gridCol>
-                <a:gridCol w="1223753">
-                  <a:extLst>
-                    <a:ext uri="{9D8B030D-6E8A-4147-A177-3AD203B41FA5}">
-                      <a16:colId xmlns:a16="http://schemas.microsoft.com/office/drawing/2014/main" val="3297612562"/>
-                    </a:ext>
-                  </a:extLst>
-                </a:gridCol>
-                <a:gridCol w="1689717">
-                  <a:extLst>
-                    <a:ext uri="{9D8B030D-6E8A-4147-A177-3AD203B41FA5}">
-                      <a16:colId xmlns:a16="http://schemas.microsoft.com/office/drawing/2014/main" val="1674290093"/>
-                    </a:ext>
-                  </a:extLst>
-                </a:gridCol>
-                <a:gridCol w="2118104">
-                  <a:extLst>
-                    <a:ext uri="{9D8B030D-6E8A-4147-A177-3AD203B41FA5}">
-                      <a16:colId xmlns:a16="http://schemas.microsoft.com/office/drawing/2014/main" val="1533383482"/>
-                    </a:ext>
-                  </a:extLst>
-                </a:gridCol>
-                <a:gridCol w="1124172">
-                  <a:extLst>
-                    <a:ext uri="{9D8B030D-6E8A-4147-A177-3AD203B41FA5}">
-                      <a16:colId xmlns:a16="http://schemas.microsoft.com/office/drawing/2014/main" val="1472663277"/>
-                    </a:ext>
-                  </a:extLst>
-                </a:gridCol>
-                <a:gridCol w="2770078">
-                  <a:extLst>
-                    <a:ext uri="{9D8B030D-6E8A-4147-A177-3AD203B41FA5}">
-                      <a16:colId xmlns:a16="http://schemas.microsoft.com/office/drawing/2014/main" val="1997208279"/>
-                    </a:ext>
-                  </a:extLst>
-                </a:gridCol>
-              </a:tblGrid>
-              <a:tr h="462014">
-                <a:tc>
-                  <a:txBody>
-                    <a:bodyPr/>
-                    <a:lstStyle/>
-                    <a:p>
-                      <a:r>
-                        <a:rPr lang="nl-NL" sz="1000">
-                          <a:effectLst/>
-                        </a:rPr>
-                        <a:t>Features</a:t>
-                      </a:r>
-                      <a:endParaRPr lang="nl-NL" sz="1000">
-                        <a:effectLst/>
-                        <a:latin typeface="Calibri" panose="020F0502020204030204" pitchFamily="34" charset="0"/>
-                        <a:ea typeface="Calibri" panose="020F0502020204030204" pitchFamily="34" charset="0"/>
-                        <a:cs typeface="Arial" panose="020B0604020202020204" pitchFamily="34" charset="0"/>
-                      </a:endParaRPr>
-                    </a:p>
-                  </a:txBody>
-                  <a:tcPr marL="57739" marR="57739" marT="0" marB="0"/>
-                </a:tc>
-                <a:tc>
-                  <a:txBody>
-                    <a:bodyPr/>
-                    <a:lstStyle/>
-                    <a:p>
-                      <a:r>
-                        <a:rPr lang="nl-NL" sz="1000">
-                          <a:effectLst/>
-                        </a:rPr>
-                        <a:t>Wil ik</a:t>
-                      </a:r>
-                      <a:endParaRPr lang="nl-NL" sz="1000">
-                        <a:effectLst/>
-                        <a:latin typeface="Calibri" panose="020F0502020204030204" pitchFamily="34" charset="0"/>
-                        <a:ea typeface="Calibri" panose="020F0502020204030204" pitchFamily="34" charset="0"/>
-                        <a:cs typeface="Arial" panose="020B0604020202020204" pitchFamily="34" charset="0"/>
-                      </a:endParaRPr>
-                    </a:p>
-                  </a:txBody>
-                  <a:tcPr marL="57739" marR="57739" marT="0" marB="0"/>
-                </a:tc>
-                <a:tc>
-                  <a:txBody>
-                    <a:bodyPr/>
-                    <a:lstStyle/>
-                    <a:p>
-                      <a:r>
-                        <a:rPr lang="nl-NL" sz="1000">
-                          <a:effectLst/>
-                        </a:rPr>
-                        <a:t>Als gebruiker</a:t>
-                      </a:r>
-                      <a:endParaRPr lang="nl-NL" sz="1000">
-                        <a:effectLst/>
-                        <a:latin typeface="Calibri" panose="020F0502020204030204" pitchFamily="34" charset="0"/>
-                        <a:ea typeface="Calibri" panose="020F0502020204030204" pitchFamily="34" charset="0"/>
-                        <a:cs typeface="Arial" panose="020B0604020202020204" pitchFamily="34" charset="0"/>
-                      </a:endParaRPr>
-                    </a:p>
-                  </a:txBody>
-                  <a:tcPr marL="57739" marR="57739" marT="0" marB="0"/>
-                </a:tc>
-                <a:tc>
-                  <a:txBody>
-                    <a:bodyPr/>
-                    <a:lstStyle/>
-                    <a:p>
-                      <a:r>
-                        <a:rPr lang="nl-NL" sz="1000">
-                          <a:effectLst/>
-                        </a:rPr>
-                        <a:t>Waarom</a:t>
-                      </a:r>
-                      <a:endParaRPr lang="nl-NL" sz="1000">
-                        <a:effectLst/>
-                        <a:latin typeface="Calibri" panose="020F0502020204030204" pitchFamily="34" charset="0"/>
-                        <a:ea typeface="Calibri" panose="020F0502020204030204" pitchFamily="34" charset="0"/>
-                        <a:cs typeface="Arial" panose="020B0604020202020204" pitchFamily="34" charset="0"/>
-                      </a:endParaRPr>
-                    </a:p>
-                  </a:txBody>
-                  <a:tcPr marL="57739" marR="57739" marT="0" marB="0"/>
-                </a:tc>
-                <a:tc>
-                  <a:txBody>
-                    <a:bodyPr/>
-                    <a:lstStyle/>
-                    <a:p>
-                      <a:r>
-                        <a:rPr lang="nl-NL" sz="1000" dirty="0">
-                          <a:effectLst/>
-                        </a:rPr>
-                        <a:t>Taken</a:t>
-                      </a:r>
-                      <a:endParaRPr lang="nl-NL" sz="1000" dirty="0">
-                        <a:effectLst/>
-                        <a:latin typeface="Calibri" panose="020F0502020204030204" pitchFamily="34" charset="0"/>
-                        <a:ea typeface="Calibri" panose="020F0502020204030204" pitchFamily="34" charset="0"/>
-                        <a:cs typeface="Arial" panose="020B0604020202020204" pitchFamily="34" charset="0"/>
-                      </a:endParaRPr>
-                    </a:p>
-                  </a:txBody>
-                  <a:tcPr marL="57739" marR="57739" marT="0" marB="0"/>
-                </a:tc>
-                <a:tc>
-                  <a:txBody>
-                    <a:bodyPr/>
-                    <a:lstStyle/>
-                    <a:p>
-                      <a:r>
-                        <a:rPr lang="nl-NL" sz="1000">
-                          <a:effectLst/>
-                        </a:rPr>
-                        <a:t>Moeilijkheids-graad</a:t>
-                      </a:r>
-                      <a:endParaRPr lang="nl-NL" sz="1000">
-                        <a:effectLst/>
-                        <a:latin typeface="Calibri" panose="020F0502020204030204" pitchFamily="34" charset="0"/>
-                        <a:ea typeface="Calibri" panose="020F0502020204030204" pitchFamily="34" charset="0"/>
-                        <a:cs typeface="Arial" panose="020B0604020202020204" pitchFamily="34" charset="0"/>
-                      </a:endParaRPr>
-                    </a:p>
-                  </a:txBody>
-                  <a:tcPr marL="57739" marR="57739" marT="0" marB="0"/>
-                </a:tc>
-                <a:tc>
-                  <a:txBody>
-                    <a:bodyPr/>
-                    <a:lstStyle/>
-                    <a:p>
-                      <a:r>
-                        <a:rPr lang="nl-NL" sz="1000">
-                          <a:effectLst/>
-                        </a:rPr>
-                        <a:t>Acceptance criteria</a:t>
-                      </a:r>
-                      <a:endParaRPr lang="nl-NL" sz="1000">
-                        <a:effectLst/>
-                        <a:latin typeface="Calibri" panose="020F0502020204030204" pitchFamily="34" charset="0"/>
-                        <a:ea typeface="Calibri" panose="020F0502020204030204" pitchFamily="34" charset="0"/>
-                        <a:cs typeface="Arial" panose="020B0604020202020204" pitchFamily="34" charset="0"/>
-                      </a:endParaRPr>
-                    </a:p>
-                  </a:txBody>
-                  <a:tcPr marL="57739" marR="57739" marT="0" marB="0"/>
-                </a:tc>
-                <a:extLst>
-                  <a:ext uri="{0D108BD9-81ED-4DB2-BD59-A6C34878D82A}">
-                    <a16:rowId xmlns:a16="http://schemas.microsoft.com/office/drawing/2014/main" val="3813367114"/>
-                  </a:ext>
-                </a:extLst>
-              </a:tr>
-              <a:tr h="1441047">
-                <a:tc>
-                  <a:txBody>
-                    <a:bodyPr/>
-                    <a:lstStyle/>
-                    <a:p>
-                      <a:r>
-                        <a:rPr lang="nl-NL" sz="1000">
-                          <a:effectLst/>
-                        </a:rPr>
-                        <a:t>7</a:t>
-                      </a:r>
-                      <a:endParaRPr lang="nl-NL" sz="1000">
-                        <a:effectLst/>
-                        <a:latin typeface="Calibri" panose="020F0502020204030204" pitchFamily="34" charset="0"/>
-                        <a:ea typeface="Calibri" panose="020F0502020204030204" pitchFamily="34" charset="0"/>
-                        <a:cs typeface="Arial" panose="020B0604020202020204" pitchFamily="34" charset="0"/>
-                      </a:endParaRPr>
-                    </a:p>
-                  </a:txBody>
-                  <a:tcPr marL="57739" marR="57739" marT="0" marB="0"/>
-                </a:tc>
-                <a:tc>
-                  <a:txBody>
-                    <a:bodyPr/>
-                    <a:lstStyle/>
-                    <a:p>
-                      <a:r>
-                        <a:rPr lang="nl-NL" sz="1000">
-                          <a:effectLst/>
-                        </a:rPr>
-                        <a:t>Prototype maken van de ATM</a:t>
-                      </a:r>
-                      <a:endParaRPr lang="nl-NL" sz="1000">
-                        <a:effectLst/>
-                        <a:latin typeface="Calibri" panose="020F0502020204030204" pitchFamily="34" charset="0"/>
-                        <a:ea typeface="Calibri" panose="020F0502020204030204" pitchFamily="34" charset="0"/>
-                        <a:cs typeface="Arial" panose="020B0604020202020204" pitchFamily="34" charset="0"/>
-                      </a:endParaRPr>
-                    </a:p>
-                  </a:txBody>
-                  <a:tcPr marL="57739" marR="57739" marT="0" marB="0"/>
-                </a:tc>
-                <a:tc>
-                  <a:txBody>
-                    <a:bodyPr/>
-                    <a:lstStyle/>
-                    <a:p>
-                      <a:r>
-                        <a:rPr lang="nl-NL" sz="1000">
-                          <a:effectLst/>
-                        </a:rPr>
-                        <a:t>De werknemer</a:t>
-                      </a:r>
-                      <a:endParaRPr lang="nl-NL" sz="1000">
-                        <a:effectLst/>
-                        <a:latin typeface="Calibri" panose="020F0502020204030204" pitchFamily="34" charset="0"/>
-                        <a:ea typeface="Calibri" panose="020F0502020204030204" pitchFamily="34" charset="0"/>
-                        <a:cs typeface="Arial" panose="020B0604020202020204" pitchFamily="34" charset="0"/>
-                      </a:endParaRPr>
-                    </a:p>
-                  </a:txBody>
-                  <a:tcPr marL="57739" marR="57739" marT="0" marB="0"/>
-                </a:tc>
-                <a:tc>
-                  <a:txBody>
-                    <a:bodyPr/>
-                    <a:lstStyle/>
-                    <a:p>
-                      <a:r>
-                        <a:rPr lang="nl-NL" sz="1000">
-                          <a:effectLst/>
-                        </a:rPr>
-                        <a:t>Zodat de werknemer alle hardware componenten kunnen testen</a:t>
-                      </a:r>
-                      <a:endParaRPr lang="nl-NL" sz="1000">
-                        <a:effectLst/>
-                        <a:latin typeface="Calibri" panose="020F0502020204030204" pitchFamily="34" charset="0"/>
-                        <a:ea typeface="Calibri" panose="020F0502020204030204" pitchFamily="34" charset="0"/>
-                        <a:cs typeface="Arial" panose="020B0604020202020204" pitchFamily="34" charset="0"/>
-                      </a:endParaRPr>
-                    </a:p>
-                  </a:txBody>
-                  <a:tcPr marL="57739" marR="57739" marT="0" marB="0"/>
-                </a:tc>
-                <a:tc>
-                  <a:txBody>
-                    <a:bodyPr/>
-                    <a:lstStyle/>
-                    <a:p>
-                      <a:r>
-                        <a:rPr lang="nl-NL" sz="1000">
-                          <a:effectLst/>
-                        </a:rPr>
-                        <a:t>Ontwerp bovenkant lasersnijden met afmetingen</a:t>
-                      </a:r>
-                      <a:endParaRPr lang="nl-NL" sz="1000">
-                        <a:effectLst/>
-                        <a:latin typeface="Calibri" panose="020F0502020204030204" pitchFamily="34" charset="0"/>
-                        <a:ea typeface="Calibri" panose="020F0502020204030204" pitchFamily="34" charset="0"/>
-                        <a:cs typeface="Arial" panose="020B0604020202020204" pitchFamily="34" charset="0"/>
-                      </a:endParaRPr>
-                    </a:p>
-                  </a:txBody>
-                  <a:tcPr marL="57739" marR="57739" marT="0" marB="0"/>
-                </a:tc>
-                <a:tc>
-                  <a:txBody>
-                    <a:bodyPr/>
-                    <a:lstStyle/>
-                    <a:p>
-                      <a:r>
-                        <a:rPr lang="nl-NL" sz="1000">
-                          <a:effectLst/>
-                        </a:rPr>
-                        <a:t>10</a:t>
-                      </a:r>
-                      <a:endParaRPr lang="nl-NL" sz="1000">
-                        <a:effectLst/>
-                        <a:latin typeface="Calibri" panose="020F0502020204030204" pitchFamily="34" charset="0"/>
-                        <a:ea typeface="Calibri" panose="020F0502020204030204" pitchFamily="34" charset="0"/>
-                        <a:cs typeface="Arial" panose="020B0604020202020204" pitchFamily="34" charset="0"/>
-                      </a:endParaRPr>
-                    </a:p>
-                  </a:txBody>
-                  <a:tcPr marL="57739" marR="57739" marT="0" marB="0"/>
-                </a:tc>
-                <a:tc>
-                  <a:txBody>
-                    <a:bodyPr/>
-                    <a:lstStyle/>
-                    <a:p>
-                      <a:r>
-                        <a:rPr lang="nl-NL" sz="1000">
-                          <a:effectLst/>
-                        </a:rPr>
-                        <a:t>Ontwerp bovenkant moet gaten bevatten voor 8 knoppen, Pin ingang, Bon uitgang, numpad, Laptop scherm stand. </a:t>
-                      </a:r>
-                      <a:endParaRPr lang="nl-NL" sz="1000">
-                        <a:effectLst/>
-                        <a:latin typeface="Calibri" panose="020F0502020204030204" pitchFamily="34" charset="0"/>
-                        <a:ea typeface="Calibri" panose="020F0502020204030204" pitchFamily="34" charset="0"/>
-                        <a:cs typeface="Arial" panose="020B0604020202020204" pitchFamily="34" charset="0"/>
-                      </a:endParaRPr>
-                    </a:p>
-                  </a:txBody>
-                  <a:tcPr marL="57739" marR="57739" marT="0" marB="0"/>
-                </a:tc>
-                <a:extLst>
-                  <a:ext uri="{0D108BD9-81ED-4DB2-BD59-A6C34878D82A}">
-                    <a16:rowId xmlns:a16="http://schemas.microsoft.com/office/drawing/2014/main" val="676537862"/>
-                  </a:ext>
-                </a:extLst>
-              </a:tr>
-              <a:tr h="761310">
-                <a:tc>
-                  <a:txBody>
-                    <a:bodyPr/>
-                    <a:lstStyle/>
-                    <a:p>
-                      <a:r>
-                        <a:rPr lang="nl-NL" sz="1000">
-                          <a:effectLst/>
-                        </a:rPr>
-                        <a:t> </a:t>
-                      </a:r>
-                      <a:endParaRPr lang="nl-NL" sz="1000">
-                        <a:effectLst/>
-                        <a:latin typeface="Calibri" panose="020F0502020204030204" pitchFamily="34" charset="0"/>
-                        <a:ea typeface="Calibri" panose="020F0502020204030204" pitchFamily="34" charset="0"/>
-                        <a:cs typeface="Arial" panose="020B0604020202020204" pitchFamily="34" charset="0"/>
-                      </a:endParaRPr>
-                    </a:p>
-                  </a:txBody>
-                  <a:tcPr marL="57739" marR="57739" marT="0" marB="0"/>
-                </a:tc>
-                <a:tc>
-                  <a:txBody>
-                    <a:bodyPr/>
-                    <a:lstStyle/>
-                    <a:p>
-                      <a:r>
-                        <a:rPr lang="nl-NL" sz="1000">
-                          <a:effectLst/>
-                        </a:rPr>
-                        <a:t> </a:t>
-                      </a:r>
-                      <a:endParaRPr lang="nl-NL" sz="1000">
-                        <a:effectLst/>
-                        <a:latin typeface="Calibri" panose="020F0502020204030204" pitchFamily="34" charset="0"/>
-                        <a:ea typeface="Calibri" panose="020F0502020204030204" pitchFamily="34" charset="0"/>
-                        <a:cs typeface="Arial" panose="020B0604020202020204" pitchFamily="34" charset="0"/>
-                      </a:endParaRPr>
-                    </a:p>
-                  </a:txBody>
-                  <a:tcPr marL="57739" marR="57739" marT="0" marB="0"/>
-                </a:tc>
-                <a:tc>
-                  <a:txBody>
-                    <a:bodyPr/>
-                    <a:lstStyle/>
-                    <a:p>
-                      <a:r>
-                        <a:rPr lang="nl-NL" sz="1000">
-                          <a:effectLst/>
-                        </a:rPr>
-                        <a:t> </a:t>
-                      </a:r>
-                      <a:endParaRPr lang="nl-NL" sz="1000">
-                        <a:effectLst/>
-                        <a:latin typeface="Calibri" panose="020F0502020204030204" pitchFamily="34" charset="0"/>
-                        <a:ea typeface="Calibri" panose="020F0502020204030204" pitchFamily="34" charset="0"/>
-                        <a:cs typeface="Arial" panose="020B0604020202020204" pitchFamily="34" charset="0"/>
-                      </a:endParaRPr>
-                    </a:p>
-                  </a:txBody>
-                  <a:tcPr marL="57739" marR="57739" marT="0" marB="0"/>
-                </a:tc>
-                <a:tc>
-                  <a:txBody>
-                    <a:bodyPr/>
-                    <a:lstStyle/>
-                    <a:p>
-                      <a:r>
-                        <a:rPr lang="nl-NL" sz="1000">
-                          <a:effectLst/>
-                        </a:rPr>
-                        <a:t> </a:t>
-                      </a:r>
-                      <a:endParaRPr lang="nl-NL" sz="1000">
-                        <a:effectLst/>
-                        <a:latin typeface="Calibri" panose="020F0502020204030204" pitchFamily="34" charset="0"/>
-                        <a:ea typeface="Calibri" panose="020F0502020204030204" pitchFamily="34" charset="0"/>
-                        <a:cs typeface="Arial" panose="020B0604020202020204" pitchFamily="34" charset="0"/>
-                      </a:endParaRPr>
-                    </a:p>
-                  </a:txBody>
-                  <a:tcPr marL="57739" marR="57739" marT="0" marB="0"/>
-                </a:tc>
-                <a:tc>
-                  <a:txBody>
-                    <a:bodyPr/>
-                    <a:lstStyle/>
-                    <a:p>
-                      <a:r>
-                        <a:rPr lang="nl-NL" sz="1000">
-                          <a:effectLst/>
-                        </a:rPr>
-                        <a:t>Ontwerp onderkant laser cutten met afmetingen</a:t>
-                      </a:r>
-                      <a:endParaRPr lang="nl-NL" sz="1000">
-                        <a:effectLst/>
-                        <a:latin typeface="Calibri" panose="020F0502020204030204" pitchFamily="34" charset="0"/>
-                        <a:ea typeface="Calibri" panose="020F0502020204030204" pitchFamily="34" charset="0"/>
-                        <a:cs typeface="Arial" panose="020B0604020202020204" pitchFamily="34" charset="0"/>
-                      </a:endParaRPr>
-                    </a:p>
-                  </a:txBody>
-                  <a:tcPr marL="57739" marR="57739" marT="0" marB="0"/>
-                </a:tc>
-                <a:tc>
-                  <a:txBody>
-                    <a:bodyPr/>
-                    <a:lstStyle/>
-                    <a:p>
-                      <a:r>
-                        <a:rPr lang="nl-NL" sz="1000">
-                          <a:effectLst/>
-                        </a:rPr>
-                        <a:t> </a:t>
-                      </a:r>
-                      <a:endParaRPr lang="nl-NL" sz="1000">
-                        <a:effectLst/>
-                        <a:latin typeface="Calibri" panose="020F0502020204030204" pitchFamily="34" charset="0"/>
-                        <a:ea typeface="Calibri" panose="020F0502020204030204" pitchFamily="34" charset="0"/>
-                        <a:cs typeface="Arial" panose="020B0604020202020204" pitchFamily="34" charset="0"/>
-                      </a:endParaRPr>
-                    </a:p>
-                  </a:txBody>
-                  <a:tcPr marL="57739" marR="57739" marT="0" marB="0"/>
-                </a:tc>
-                <a:tc>
-                  <a:txBody>
-                    <a:bodyPr/>
-                    <a:lstStyle/>
-                    <a:p>
-                      <a:r>
-                        <a:rPr lang="nl-NL" sz="1000">
-                          <a:effectLst/>
-                        </a:rPr>
-                        <a:t>Ontwerp onderkant moet gaten bevatten voor de biljetten dispenser.</a:t>
-                      </a:r>
-                      <a:endParaRPr lang="nl-NL" sz="1000">
-                        <a:effectLst/>
-                        <a:latin typeface="Calibri" panose="020F0502020204030204" pitchFamily="34" charset="0"/>
-                        <a:ea typeface="Calibri" panose="020F0502020204030204" pitchFamily="34" charset="0"/>
-                        <a:cs typeface="Arial" panose="020B0604020202020204" pitchFamily="34" charset="0"/>
-                      </a:endParaRPr>
-                    </a:p>
-                  </a:txBody>
-                  <a:tcPr marL="57739" marR="57739" marT="0" marB="0"/>
-                </a:tc>
-                <a:extLst>
-                  <a:ext uri="{0D108BD9-81ED-4DB2-BD59-A6C34878D82A}">
-                    <a16:rowId xmlns:a16="http://schemas.microsoft.com/office/drawing/2014/main" val="3961819994"/>
-                  </a:ext>
-                </a:extLst>
-              </a:tr>
-              <a:tr h="761310">
-                <a:tc>
-                  <a:txBody>
-                    <a:bodyPr/>
-                    <a:lstStyle/>
-                    <a:p>
-                      <a:r>
-                        <a:rPr lang="nl-NL" sz="1000">
-                          <a:effectLst/>
-                        </a:rPr>
-                        <a:t> </a:t>
-                      </a:r>
-                      <a:endParaRPr lang="nl-NL" sz="1000">
-                        <a:effectLst/>
-                        <a:latin typeface="Calibri" panose="020F0502020204030204" pitchFamily="34" charset="0"/>
-                        <a:ea typeface="Calibri" panose="020F0502020204030204" pitchFamily="34" charset="0"/>
-                        <a:cs typeface="Arial" panose="020B0604020202020204" pitchFamily="34" charset="0"/>
-                      </a:endParaRPr>
-                    </a:p>
-                  </a:txBody>
-                  <a:tcPr marL="57739" marR="57739" marT="0" marB="0"/>
-                </a:tc>
-                <a:tc>
-                  <a:txBody>
-                    <a:bodyPr/>
-                    <a:lstStyle/>
-                    <a:p>
-                      <a:r>
-                        <a:rPr lang="nl-NL" sz="1000">
-                          <a:effectLst/>
-                        </a:rPr>
-                        <a:t> </a:t>
-                      </a:r>
-                      <a:endParaRPr lang="nl-NL" sz="1000">
-                        <a:effectLst/>
-                        <a:latin typeface="Calibri" panose="020F0502020204030204" pitchFamily="34" charset="0"/>
-                        <a:ea typeface="Calibri" panose="020F0502020204030204" pitchFamily="34" charset="0"/>
-                        <a:cs typeface="Arial" panose="020B0604020202020204" pitchFamily="34" charset="0"/>
-                      </a:endParaRPr>
-                    </a:p>
-                  </a:txBody>
-                  <a:tcPr marL="57739" marR="57739" marT="0" marB="0"/>
-                </a:tc>
-                <a:tc>
-                  <a:txBody>
-                    <a:bodyPr/>
-                    <a:lstStyle/>
-                    <a:p>
-                      <a:r>
-                        <a:rPr lang="nl-NL" sz="1000">
-                          <a:effectLst/>
-                        </a:rPr>
-                        <a:t> </a:t>
-                      </a:r>
-                      <a:endParaRPr lang="nl-NL" sz="1000">
-                        <a:effectLst/>
-                        <a:latin typeface="Calibri" panose="020F0502020204030204" pitchFamily="34" charset="0"/>
-                        <a:ea typeface="Calibri" panose="020F0502020204030204" pitchFamily="34" charset="0"/>
-                        <a:cs typeface="Arial" panose="020B0604020202020204" pitchFamily="34" charset="0"/>
-                      </a:endParaRPr>
-                    </a:p>
-                  </a:txBody>
-                  <a:tcPr marL="57739" marR="57739" marT="0" marB="0"/>
-                </a:tc>
-                <a:tc>
-                  <a:txBody>
-                    <a:bodyPr/>
-                    <a:lstStyle/>
-                    <a:p>
-                      <a:r>
-                        <a:rPr lang="nl-NL" sz="1000">
-                          <a:effectLst/>
-                        </a:rPr>
-                        <a:t> </a:t>
-                      </a:r>
-                      <a:endParaRPr lang="nl-NL" sz="1000">
-                        <a:effectLst/>
-                        <a:latin typeface="Calibri" panose="020F0502020204030204" pitchFamily="34" charset="0"/>
-                        <a:ea typeface="Calibri" panose="020F0502020204030204" pitchFamily="34" charset="0"/>
-                        <a:cs typeface="Arial" panose="020B0604020202020204" pitchFamily="34" charset="0"/>
-                      </a:endParaRPr>
-                    </a:p>
-                  </a:txBody>
-                  <a:tcPr marL="57739" marR="57739" marT="0" marB="0"/>
-                </a:tc>
-                <a:tc>
-                  <a:txBody>
-                    <a:bodyPr/>
-                    <a:lstStyle/>
-                    <a:p>
-                      <a:r>
-                        <a:rPr lang="nl-NL" sz="1000">
-                          <a:effectLst/>
-                        </a:rPr>
-                        <a:t>Dispenser ontwerp laser cutten met afmetingen</a:t>
-                      </a:r>
-                      <a:endParaRPr lang="nl-NL" sz="1000">
-                        <a:effectLst/>
-                        <a:latin typeface="Calibri" panose="020F0502020204030204" pitchFamily="34" charset="0"/>
-                        <a:ea typeface="Calibri" panose="020F0502020204030204" pitchFamily="34" charset="0"/>
-                        <a:cs typeface="Arial" panose="020B0604020202020204" pitchFamily="34" charset="0"/>
-                      </a:endParaRPr>
-                    </a:p>
-                  </a:txBody>
-                  <a:tcPr marL="57739" marR="57739" marT="0" marB="0"/>
-                </a:tc>
-                <a:tc>
-                  <a:txBody>
-                    <a:bodyPr/>
-                    <a:lstStyle/>
-                    <a:p>
-                      <a:r>
-                        <a:rPr lang="nl-NL" sz="1000">
-                          <a:effectLst/>
-                        </a:rPr>
-                        <a:t> </a:t>
-                      </a:r>
-                      <a:endParaRPr lang="nl-NL" sz="1000">
-                        <a:effectLst/>
-                        <a:latin typeface="Calibri" panose="020F0502020204030204" pitchFamily="34" charset="0"/>
-                        <a:ea typeface="Calibri" panose="020F0502020204030204" pitchFamily="34" charset="0"/>
-                        <a:cs typeface="Arial" panose="020B0604020202020204" pitchFamily="34" charset="0"/>
-                      </a:endParaRPr>
-                    </a:p>
-                  </a:txBody>
-                  <a:tcPr marL="57739" marR="57739" marT="0" marB="0"/>
-                </a:tc>
-                <a:tc>
-                  <a:txBody>
-                    <a:bodyPr/>
-                    <a:lstStyle/>
-                    <a:p>
-                      <a:r>
-                        <a:rPr lang="nl-NL" sz="1000" dirty="0">
-                          <a:effectLst/>
-                        </a:rPr>
-                        <a:t>Dispenser moet 3 dispenser bakken bevatten om de biljetten uit te werpen.</a:t>
-                      </a:r>
-                      <a:endParaRPr lang="nl-NL" sz="1000" dirty="0">
-                        <a:effectLst/>
-                        <a:latin typeface="Calibri" panose="020F0502020204030204" pitchFamily="34" charset="0"/>
-                        <a:ea typeface="Calibri" panose="020F0502020204030204" pitchFamily="34" charset="0"/>
-                        <a:cs typeface="Arial" panose="020B0604020202020204" pitchFamily="34" charset="0"/>
-                      </a:endParaRPr>
-                    </a:p>
-                  </a:txBody>
-                  <a:tcPr marL="57739" marR="57739" marT="0" marB="0"/>
-                </a:tc>
-                <a:extLst>
-                  <a:ext uri="{0D108BD9-81ED-4DB2-BD59-A6C34878D82A}">
-                    <a16:rowId xmlns:a16="http://schemas.microsoft.com/office/drawing/2014/main" val="1694577492"/>
-                  </a:ext>
-                </a:extLst>
-              </a:tr>
-            </a:tbl>
-          </a:graphicData>
-        </a:graphic>
-      </p:graphicFrame>
-    </p:spTree>
-    <p:extLst>
-      <p:ext uri="{BB962C8B-B14F-4D97-AF65-F5344CB8AC3E}">
-        <p14:creationId xmlns:p14="http://schemas.microsoft.com/office/powerpoint/2010/main" val="1553816805"/>
-      </p:ext>
-    </p:extLst>
-  </p:cSld>
-  <p:clrMapOvr>
-    <a:masterClrMapping/>
-  </p:clrMapOvr>
-</p:sld>
-</file>
-
-<file path=ppt/slides/slide11.xml><?xml version="1.0" encoding="utf-8"?>
-<p:sld xmlns:a="http://schemas.openxmlformats.org/drawingml/2006/main" xmlns:r="http://schemas.openxmlformats.org/officeDocument/2006/relationships" xmlns:p="http://schemas.openxmlformats.org/presentationml/2006/main">
-  <p:cSld>
-    <p:spTree>
-      <p:nvGrpSpPr>
-        <p:cNvPr id="1" name=""/>
-        <p:cNvGrpSpPr/>
-        <p:nvPr/>
-      </p:nvGrpSpPr>
-      <p:grpSpPr>
-        <a:xfrm>
-          <a:off x="0" y="0"/>
-          <a:ext cx="0" cy="0"/>
-          <a:chOff x="0" y="0"/>
-          <a:chExt cx="0" cy="0"/>
-        </a:xfrm>
-      </p:grpSpPr>
-      <p:sp>
-        <p:nvSpPr>
-          <p:cNvPr id="2" name="Title 1">
-            <a:extLst>
-              <a:ext uri="{FF2B5EF4-FFF2-40B4-BE49-F238E27FC236}">
-                <a16:creationId xmlns:a16="http://schemas.microsoft.com/office/drawing/2014/main" id="{D4FE6C12-B335-447F-8A53-36D3F5B4FF92}"/>
-              </a:ext>
-            </a:extLst>
-          </p:cNvPr>
-          <p:cNvSpPr>
-            <a:spLocks noGrp="1"/>
-          </p:cNvSpPr>
-          <p:nvPr>
-            <p:ph type="title"/>
-          </p:nvPr>
-        </p:nvSpPr>
-        <p:spPr/>
-        <p:txBody>
-          <a:bodyPr/>
-          <a:lstStyle/>
-          <a:p>
-            <a:r>
-              <a:rPr lang="en-US" dirty="0"/>
-              <a:t>Retrospective </a:t>
-            </a:r>
-          </a:p>
-        </p:txBody>
-      </p:sp>
-      <p:sp>
-        <p:nvSpPr>
-          <p:cNvPr id="3" name="Content Placeholder 2">
-            <a:extLst>
-              <a:ext uri="{FF2B5EF4-FFF2-40B4-BE49-F238E27FC236}">
-                <a16:creationId xmlns:a16="http://schemas.microsoft.com/office/drawing/2014/main" id="{E4530438-DEF7-4C5D-B4AA-D63BB9EE1AE1}"/>
-              </a:ext>
-            </a:extLst>
-          </p:cNvPr>
-          <p:cNvSpPr>
-            <a:spLocks noGrp="1"/>
-          </p:cNvSpPr>
-          <p:nvPr>
-            <p:ph idx="1"/>
-          </p:nvPr>
-        </p:nvSpPr>
-        <p:spPr>
-          <a:xfrm>
-            <a:off x="1451580" y="2015732"/>
-            <a:ext cx="9781102" cy="3450613"/>
-          </a:xfrm>
-        </p:spPr>
-        <p:txBody>
-          <a:bodyPr/>
-          <a:lstStyle/>
-          <a:p>
-            <a:pPr lvl="1"/>
-            <a:r>
-              <a:rPr lang="en-US" dirty="0"/>
-              <a:t>Wat </a:t>
-            </a:r>
-            <a:r>
-              <a:rPr lang="en-US" dirty="0" err="1"/>
-              <a:t>kan</a:t>
-            </a:r>
-            <a:r>
-              <a:rPr lang="en-US" dirty="0"/>
-              <a:t> er </a:t>
-            </a:r>
-            <a:r>
-              <a:rPr lang="en-US" dirty="0" err="1"/>
-              <a:t>beter</a:t>
-            </a:r>
-            <a:r>
-              <a:rPr lang="en-US" dirty="0"/>
-              <a:t>?</a:t>
-            </a:r>
-          </a:p>
-          <a:p>
-            <a:pPr lvl="1"/>
-            <a:r>
-              <a:rPr lang="en-US" dirty="0"/>
-              <a:t>Meer </a:t>
-            </a:r>
-            <a:r>
-              <a:rPr lang="en-US" dirty="0" err="1"/>
-              <a:t>userstories</a:t>
-            </a:r>
-            <a:endParaRPr lang="en-US" dirty="0"/>
-          </a:p>
-          <a:p>
-            <a:pPr lvl="1"/>
-            <a:endParaRPr lang="en-US" dirty="0"/>
-          </a:p>
-        </p:txBody>
-      </p:sp>
-    </p:spTree>
-    <p:extLst>
-      <p:ext uri="{BB962C8B-B14F-4D97-AF65-F5344CB8AC3E}">
-        <p14:creationId xmlns:p14="http://schemas.microsoft.com/office/powerpoint/2010/main" val="2243324124"/>
-      </p:ext>
-    </p:extLst>
-  </p:cSld>
-  <p:clrMapOvr>
-    <a:masterClrMapping/>
-  </p:clrMapOvr>
-</p:sld>
-</file>
-
-<file path=ppt/slides/slide2.xml><?xml version="1.0" encoding="utf-8"?>
-<p:sld xmlns:a="http://schemas.openxmlformats.org/drawingml/2006/main" xmlns:r="http://schemas.openxmlformats.org/officeDocument/2006/relationships" xmlns:p="http://schemas.openxmlformats.org/presentationml/2006/main">
-  <p:cSld>
-    <p:spTree>
-      <p:nvGrpSpPr>
-        <p:cNvPr id="1" name=""/>
-        <p:cNvGrpSpPr/>
-        <p:nvPr/>
-      </p:nvGrpSpPr>
-      <p:grpSpPr>
-        <a:xfrm>
-          <a:off x="0" y="0"/>
-          <a:ext cx="0" cy="0"/>
-          <a:chOff x="0" y="0"/>
-          <a:chExt cx="0" cy="0"/>
-        </a:xfrm>
-      </p:grpSpPr>
-      <p:sp>
-        <p:nvSpPr>
-          <p:cNvPr id="2" name="Title 1">
-            <a:extLst>
-              <a:ext uri="{FF2B5EF4-FFF2-40B4-BE49-F238E27FC236}">
-                <a16:creationId xmlns:a16="http://schemas.microsoft.com/office/drawing/2014/main" id="{721E9B45-1128-4059-9B93-384E159D1301}"/>
-              </a:ext>
-            </a:extLst>
-          </p:cNvPr>
-          <p:cNvSpPr>
-            <a:spLocks noGrp="1"/>
-          </p:cNvSpPr>
-          <p:nvPr>
-            <p:ph type="title"/>
-          </p:nvPr>
-        </p:nvSpPr>
-        <p:spPr/>
-        <p:txBody>
-          <a:bodyPr/>
-          <a:lstStyle/>
-          <a:p>
-            <a:r>
-              <a:rPr lang="en-US" dirty="0"/>
-              <a:t>Sprint review </a:t>
-            </a:r>
-          </a:p>
-        </p:txBody>
-      </p:sp>
-      <p:sp>
-        <p:nvSpPr>
-          <p:cNvPr id="7" name="Content Placeholder 6">
-            <a:extLst>
-              <a:ext uri="{FF2B5EF4-FFF2-40B4-BE49-F238E27FC236}">
-                <a16:creationId xmlns:a16="http://schemas.microsoft.com/office/drawing/2014/main" id="{8ECCE279-D9AF-46BC-975F-66D4432D2DE4}"/>
-              </a:ext>
-            </a:extLst>
-          </p:cNvPr>
-          <p:cNvSpPr>
-            <a:spLocks noGrp="1"/>
-          </p:cNvSpPr>
-          <p:nvPr>
-            <p:ph idx="1"/>
-          </p:nvPr>
-        </p:nvSpPr>
-        <p:spPr/>
-        <p:txBody>
-          <a:bodyPr/>
-          <a:lstStyle/>
-          <a:p>
-            <a:r>
-              <a:rPr lang="en-US" dirty="0" err="1"/>
-              <a:t>Nieuwe</a:t>
-            </a:r>
-            <a:r>
-              <a:rPr lang="en-US" dirty="0"/>
-              <a:t> DFD</a:t>
-            </a:r>
-          </a:p>
-          <a:p>
-            <a:r>
-              <a:rPr lang="en-US" dirty="0" err="1"/>
-              <a:t>Nieuwe</a:t>
-            </a:r>
-            <a:r>
-              <a:rPr lang="en-US" dirty="0"/>
-              <a:t> Flowchart</a:t>
-            </a:r>
-          </a:p>
-          <a:p>
-            <a:r>
-              <a:rPr lang="en-US" dirty="0" err="1"/>
-              <a:t>Kleuren</a:t>
-            </a:r>
-            <a:r>
-              <a:rPr lang="en-US" dirty="0"/>
-              <a:t> </a:t>
-            </a:r>
-            <a:r>
-              <a:rPr lang="en-US" dirty="0" err="1"/>
-              <a:t>keuzes</a:t>
-            </a:r>
-            <a:endParaRPr lang="en-US" dirty="0"/>
-          </a:p>
-          <a:p>
-            <a:r>
-              <a:rPr lang="en-US" dirty="0"/>
-              <a:t>Het prototype 3d ontwerp van de ATM</a:t>
-            </a:r>
-          </a:p>
-          <a:p>
-            <a:r>
-              <a:rPr lang="en-US" dirty="0"/>
-              <a:t>Het prototype 3d ontwerp van de dispenser</a:t>
-            </a:r>
-          </a:p>
-          <a:p>
-            <a:endParaRPr lang="en-US" dirty="0"/>
-          </a:p>
-          <a:p>
-            <a:endParaRPr lang="en-US" dirty="0"/>
-          </a:p>
-        </p:txBody>
-      </p:sp>
-    </p:spTree>
-    <p:extLst>
-      <p:ext uri="{BB962C8B-B14F-4D97-AF65-F5344CB8AC3E}">
-        <p14:creationId xmlns:p14="http://schemas.microsoft.com/office/powerpoint/2010/main" val="84021674"/>
-      </p:ext>
-    </p:extLst>
-  </p:cSld>
-  <p:clrMapOvr>
-    <a:masterClrMapping/>
-  </p:clrMapOvr>
-</p:sld>
-</file>
-
-<file path=ppt/slides/slide3.xml><?xml version="1.0" encoding="utf-8"?>
-<p:sld xmlns:a="http://schemas.openxmlformats.org/drawingml/2006/main" xmlns:r="http://schemas.openxmlformats.org/officeDocument/2006/relationships" xmlns:p="http://schemas.openxmlformats.org/presentationml/2006/main">
-  <p:cSld>
-    <p:bg>
-      <p:bgPr>
-        <a:gradFill rotWithShape="1">
-          <a:gsLst>
-            <a:gs pos="0">
-              <a:schemeClr val="bg1">
-                <a:tint val="94000"/>
-                <a:satMod val="80000"/>
-                <a:lumMod val="106000"/>
-              </a:schemeClr>
-            </a:gs>
-            <a:gs pos="100000">
-              <a:schemeClr val="bg1">
-                <a:shade val="80000"/>
-              </a:schemeClr>
-            </a:gs>
-          </a:gsLst>
-          <a:path path="circle">
-            <a:fillToRect l="43000" r="43000" b="100000"/>
-          </a:path>
-        </a:gradFill>
-        <a:effectLst/>
-      </p:bgPr>
-    </p:bg>
-    <p:spTree>
-      <p:nvGrpSpPr>
-        <p:cNvPr id="1" name=""/>
-        <p:cNvGrpSpPr/>
-        <p:nvPr/>
-      </p:nvGrpSpPr>
-      <p:grpSpPr>
-        <a:xfrm>
-          <a:off x="0" y="0"/>
-          <a:ext cx="0" cy="0"/>
-          <a:chOff x="0" y="0"/>
-          <a:chExt cx="0" cy="0"/>
-        </a:xfrm>
-      </p:grpSpPr>
-      <p:sp>
-        <p:nvSpPr>
-          <p:cNvPr id="10" name="Rectangle 9">
-            <a:extLst>
-              <a:ext uri="{FF2B5EF4-FFF2-40B4-BE49-F238E27FC236}">
-                <a16:creationId xmlns:a16="http://schemas.microsoft.com/office/drawing/2014/main" id="{6B25638D-3D06-41D1-8060-4D2707C60AE8}"/>
-              </a:ext>
-              <a:ext uri="{C183D7F6-B498-43B3-948B-1728B52AA6E4}">
-                <adec:decorative xmlns:adec="http://schemas.microsoft.com/office/drawing/2017/decorative" val="1"/>
-              </a:ext>
-            </a:extLst>
-          </p:cNvPr>
-          <p:cNvSpPr>
-            <a:spLocks noGrp="1" noRot="1" noChangeAspect="1" noMove="1" noResize="1" noEditPoints="1" noAdjustHandles="1" noChangeArrowheads="1" noChangeShapeType="1" noTextEdit="1"/>
-          </p:cNvSpPr>
-          <p:nvPr>
-            <p:extLst>
-              <p:ext uri="{386F3935-93C4-4BCD-93E2-E3B085C9AB24}">
-                <p16:designElem xmlns:p16="http://schemas.microsoft.com/office/powerpoint/2015/main" val="1"/>
-              </p:ext>
-            </p:extLst>
-          </p:nvPr>
-        </p:nvSpPr>
-        <p:spPr>
-          <a:xfrm>
-            <a:off x="0" y="3622291"/>
-            <a:ext cx="12192000" cy="2505984"/>
-          </a:xfrm>
-          <a:prstGeom prst="rect">
-            <a:avLst/>
-          </a:prstGeom>
-          <a:gradFill flip="none" rotWithShape="1">
-            <a:gsLst>
-              <a:gs pos="0">
-                <a:schemeClr val="bg2">
-                  <a:alpha val="0"/>
-                </a:schemeClr>
-              </a:gs>
-              <a:gs pos="100000">
-                <a:schemeClr val="bg2">
-                  <a:alpha val="80000"/>
-                </a:schemeClr>
-              </a:gs>
-            </a:gsLst>
-            <a:lin ang="5400000" scaled="0"/>
-            <a:tileRect/>
-          </a:gradFill>
-          <a:ln>
-            <a:noFill/>
-          </a:ln>
-        </p:spPr>
-        <p:style>
-          <a:lnRef idx="2">
-            <a:schemeClr val="accent1">
-              <a:shade val="50000"/>
-            </a:schemeClr>
-          </a:lnRef>
-          <a:fillRef idx="1">
-            <a:schemeClr val="accent1"/>
-          </a:fillRef>
-          <a:effectRef idx="0">
-            <a:schemeClr val="accent1"/>
-          </a:effectRef>
-          <a:fontRef idx="minor">
-            <a:schemeClr val="lt1"/>
-          </a:fontRef>
-        </p:style>
-      </p:sp>
-      <p:pic>
-        <p:nvPicPr>
-          <p:cNvPr id="12" name="Picture 11">
-            <a:extLst>
-              <a:ext uri="{FF2B5EF4-FFF2-40B4-BE49-F238E27FC236}">
-                <a16:creationId xmlns:a16="http://schemas.microsoft.com/office/drawing/2014/main" id="{8161BB1E-0062-4056-AB94-121EF614D5FB}"/>
-              </a:ext>
-              <a:ext uri="{C183D7F6-B498-43B3-948B-1728B52AA6E4}">
-                <adec:decorative xmlns:adec="http://schemas.microsoft.com/office/drawing/2017/decorative" val="1"/>
-              </a:ext>
-            </a:extLst>
-          </p:cNvPr>
-          <p:cNvPicPr>
-            <a:picLocks noGrp="1" noRot="1" noChangeAspect="1" noMove="1" noResize="1" noEditPoints="1" noAdjustHandles="1" noChangeArrowheads="1" noChangeShapeType="1" noCrop="1"/>
-          </p:cNvPicPr>
-          <p:nvPr>
-            <p:extLst>
-              <p:ext uri="{386F3935-93C4-4BCD-93E2-E3B085C9AB24}">
-                <p16:designElem xmlns:p16="http://schemas.microsoft.com/office/powerpoint/2015/main" val="1"/>
-              </p:ext>
-            </p:extLst>
-          </p:nvPr>
-        </p:nvPicPr>
-        <p:blipFill rotWithShape="1">
-          <a:blip r:embed="rId2">
-            <a:extLst>
-              <a:ext uri="{28A0092B-C50C-407E-A947-70E740481C1C}">
-                <a14:useLocalDpi xmlns:a14="http://schemas.microsoft.com/office/drawing/2010/main" val="0"/>
-              </a:ext>
-            </a:extLst>
-          </a:blip>
-          <a:srcRect t="1538" b="-1538"/>
-          <a:stretch/>
-        </p:blipFill>
-        <p:spPr>
-          <a:xfrm>
-            <a:off x="0" y="6129338"/>
-            <a:ext cx="12192000" cy="742950"/>
-          </a:xfrm>
-          <a:prstGeom prst="rect">
-            <a:avLst/>
-          </a:prstGeom>
-        </p:spPr>
-      </p:pic>
-      <p:cxnSp>
-        <p:nvCxnSpPr>
-          <p:cNvPr id="14" name="Straight Connector 13">
-            <a:extLst>
-              <a:ext uri="{FF2B5EF4-FFF2-40B4-BE49-F238E27FC236}">
-                <a16:creationId xmlns:a16="http://schemas.microsoft.com/office/drawing/2014/main" id="{8FBC01E2-D629-4319-B5CB-BFA461B8CF30}"/>
-              </a:ext>
-              <a:ext uri="{C183D7F6-B498-43B3-948B-1728B52AA6E4}">
-                <adec:decorative xmlns:adec="http://schemas.microsoft.com/office/drawing/2017/decorative" val="1"/>
-              </a:ext>
-            </a:extLst>
-          </p:cNvPr>
-          <p:cNvCxnSpPr>
-            <a:cxnSpLocks noGrp="1" noRot="1" noChangeAspect="1" noMove="1" noResize="1" noEditPoints="1" noAdjustHandles="1" noChangeArrowheads="1" noChangeShapeType="1"/>
-          </p:cNvCxnSpPr>
-          <p:nvPr>
-            <p:extLst>
-              <p:ext uri="{386F3935-93C4-4BCD-93E2-E3B085C9AB24}">
-                <p16:designElem xmlns:p16="http://schemas.microsoft.com/office/powerpoint/2015/main" val="1"/>
-              </p:ext>
-            </p:extLst>
-          </p:nvPr>
-        </p:nvCxnSpPr>
-        <p:spPr>
-          <a:xfrm>
-            <a:off x="0" y="6138142"/>
-            <a:ext cx="12192000" cy="0"/>
-          </a:xfrm>
-          <a:prstGeom prst="line">
-            <a:avLst/>
-          </a:prstGeom>
-          <a:ln w="12700">
-            <a:solidFill>
-              <a:srgbClr val="000001">
-                <a:alpha val="20000"/>
-              </a:srgbClr>
-            </a:solidFill>
-          </a:ln>
-        </p:spPr>
-        <p:style>
-          <a:lnRef idx="1">
-            <a:schemeClr val="accent1"/>
-          </a:lnRef>
-          <a:fillRef idx="0">
-            <a:schemeClr val="accent1"/>
-          </a:fillRef>
-          <a:effectRef idx="0">
-            <a:schemeClr val="accent1"/>
-          </a:effectRef>
-          <a:fontRef idx="minor">
-            <a:schemeClr val="tx1"/>
-          </a:fontRef>
-        </p:style>
-      </p:cxnSp>
-      <p:sp>
-        <p:nvSpPr>
-          <p:cNvPr id="2" name="Titel 1">
-            <a:extLst>
-              <a:ext uri="{FF2B5EF4-FFF2-40B4-BE49-F238E27FC236}">
-                <a16:creationId xmlns:a16="http://schemas.microsoft.com/office/drawing/2014/main" id="{6E33B369-E502-4FDB-A5D2-97A2CB9DBDC2}"/>
-              </a:ext>
-            </a:extLst>
-          </p:cNvPr>
-          <p:cNvSpPr>
-            <a:spLocks noGrp="1"/>
-          </p:cNvSpPr>
-          <p:nvPr>
-            <p:ph type="title"/>
-          </p:nvPr>
-        </p:nvSpPr>
-        <p:spPr>
-          <a:xfrm>
-            <a:off x="659301" y="1474968"/>
-            <a:ext cx="2823919" cy="1959037"/>
-          </a:xfrm>
-        </p:spPr>
-        <p:txBody>
-          <a:bodyPr vert="horz" lIns="91440" tIns="45720" rIns="91440" bIns="0" rtlCol="0" anchor="b">
-            <a:normAutofit/>
-          </a:bodyPr>
-          <a:lstStyle/>
-          <a:p>
-            <a:r>
-              <a:rPr lang="en-US" sz="2500"/>
-              <a:t>Nieuwe Data flowdiagram</a:t>
-            </a:r>
-          </a:p>
-        </p:txBody>
-      </p:sp>
-      <p:grpSp>
-        <p:nvGrpSpPr>
-          <p:cNvPr id="16" name="Group 15">
-            <a:extLst>
-              <a:ext uri="{FF2B5EF4-FFF2-40B4-BE49-F238E27FC236}">
-                <a16:creationId xmlns:a16="http://schemas.microsoft.com/office/drawing/2014/main" id="{2A7F3A7D-1232-4BDE-ACB6-F7CDEF0668CF}"/>
-              </a:ext>
-              <a:ext uri="{C183D7F6-B498-43B3-948B-1728B52AA6E4}">
-                <adec:decorative xmlns:adec="http://schemas.microsoft.com/office/drawing/2017/decorative" val="1"/>
-              </a:ext>
-            </a:extLst>
-          </p:cNvPr>
-          <p:cNvGrpSpPr>
-            <a:grpSpLocks noGrp="1" noUngrp="1" noRot="1" noChangeAspect="1" noMove="1" noResize="1"/>
-          </p:cNvGrpSpPr>
-          <p:nvPr>
-            <p:extLst>
-              <p:ext uri="{386F3935-93C4-4BCD-93E2-E3B085C9AB24}">
-                <p16:designElem xmlns:p16="http://schemas.microsoft.com/office/powerpoint/2015/main" val="1"/>
-              </p:ext>
-            </p:extLst>
-          </p:nvPr>
-        </p:nvGrpSpPr>
-        <p:grpSpPr>
-          <a:xfrm>
-            <a:off x="3979389" y="482171"/>
-            <a:ext cx="7560115" cy="5149101"/>
-            <a:chOff x="3979389" y="482171"/>
-            <a:chExt cx="7560115" cy="5149101"/>
-          </a:xfrm>
-        </p:grpSpPr>
-        <p:sp>
-          <p:nvSpPr>
-            <p:cNvPr id="17" name="Rectangle 16">
-              <a:extLst>
-                <a:ext uri="{FF2B5EF4-FFF2-40B4-BE49-F238E27FC236}">
-                  <a16:creationId xmlns:a16="http://schemas.microsoft.com/office/drawing/2014/main" id="{EBC09455-A53B-4264-85C6-E119FCA7F0B3}"/>
-                </a:ext>
-                <a:ext uri="{C183D7F6-B498-43B3-948B-1728B52AA6E4}">
-                  <adec:decorative xmlns:adec="http://schemas.microsoft.com/office/drawing/2017/decorative" val="1"/>
-                </a:ext>
-              </a:extLst>
-            </p:cNvPr>
-            <p:cNvSpPr/>
-            <p:nvPr>
-              <p:extLst>
-                <p:ext uri="{386F3935-93C4-4BCD-93E2-E3B085C9AB24}">
-                  <p16:designElem xmlns:p16="http://schemas.microsoft.com/office/powerpoint/2015/main" val="1"/>
-                </p:ext>
-              </p:extLst>
-            </p:nvPr>
-          </p:nvSpPr>
-          <p:spPr>
-            <a:xfrm>
-              <a:off x="3979389" y="482171"/>
-              <a:ext cx="7560115" cy="5149101"/>
-            </a:xfrm>
-            <a:prstGeom prst="rect">
-              <a:avLst/>
-            </a:prstGeom>
-            <a:blipFill dpi="0" rotWithShape="1">
-              <a:blip r:embed="rId3">
-                <a:alphaModFix amt="30000"/>
-              </a:blip>
-              <a:srcRect/>
-              <a:tile tx="0" ty="0" sx="100000" sy="100000" flip="none" algn="ctr"/>
-            </a:blipFill>
-            <a:ln w="76200" cmpd="sng">
-              <a:noFill/>
-              <a:miter lim="800000"/>
-            </a:ln>
-            <a:effectLst>
-              <a:outerShdw blurRad="127000" dist="228600" dir="4740000" sx="98000" sy="98000" algn="tl" rotWithShape="0">
-                <a:srgbClr val="000000">
-                  <a:alpha val="34000"/>
-                </a:srgbClr>
-              </a:outerShdw>
-            </a:effectLst>
-            <a:scene3d>
-              <a:camera prst="orthographicFront"/>
-              <a:lightRig rig="threePt" dir="t"/>
-            </a:scene3d>
-            <a:sp3d extrusionH="76200" contourW="12700" prstMaterial="matte">
-              <a:bevelT w="152400" h="50800" prst="softRound"/>
-              <a:extrusionClr>
-                <a:schemeClr val="tx2"/>
-              </a:extrusionClr>
-              <a:contourClr>
-                <a:schemeClr val="bg2"/>
-              </a:contourClr>
-            </a:sp3d>
-          </p:spPr>
-          <p:style>
-            <a:lnRef idx="1">
-              <a:schemeClr val="accent1"/>
-            </a:lnRef>
-            <a:fillRef idx="3">
-              <a:schemeClr val="accent1"/>
-            </a:fillRef>
-            <a:effectRef idx="2">
-              <a:schemeClr val="accent1"/>
-            </a:effectRef>
-            <a:fontRef idx="minor">
-              <a:schemeClr val="lt1"/>
-            </a:fontRef>
-          </p:style>
-          <p:txBody>
-            <a:bodyPr rtlCol="0" anchor="ctr"/>
-            <a:lstStyle/>
-            <a:p>
-              <a:pPr algn="ctr"/>
-              <a:endParaRPr lang="en-US"/>
-            </a:p>
-          </p:txBody>
-        </p:sp>
-        <p:sp>
-          <p:nvSpPr>
-            <p:cNvPr id="18" name="Rectangle 17">
-              <a:extLst>
-                <a:ext uri="{FF2B5EF4-FFF2-40B4-BE49-F238E27FC236}">
-                  <a16:creationId xmlns:a16="http://schemas.microsoft.com/office/drawing/2014/main" id="{81446D1B-DF15-4E6B-A24E-4148357B9953}"/>
-                </a:ext>
-                <a:ext uri="{C183D7F6-B498-43B3-948B-1728B52AA6E4}">
-                  <adec:decorative xmlns:adec="http://schemas.microsoft.com/office/drawing/2017/decorative" val="1"/>
-                </a:ext>
-              </a:extLst>
-            </p:cNvPr>
-            <p:cNvSpPr/>
-            <p:nvPr>
-              <p:extLst>
-                <p:ext uri="{386F3935-93C4-4BCD-93E2-E3B085C9AB24}">
-                  <p16:designElem xmlns:p16="http://schemas.microsoft.com/office/powerpoint/2015/main" val="1"/>
-                </p:ext>
-              </p:extLst>
-            </p:nvPr>
-          </p:nvSpPr>
-          <p:spPr>
-            <a:xfrm>
-              <a:off x="4292448" y="812507"/>
-              <a:ext cx="6928279" cy="4466452"/>
-            </a:xfrm>
-            <a:prstGeom prst="rect">
-              <a:avLst/>
-            </a:prstGeom>
-            <a:gradFill>
-              <a:gsLst>
-                <a:gs pos="0">
-                  <a:srgbClr val="DADADA"/>
-                </a:gs>
-                <a:gs pos="100000">
-                  <a:srgbClr val="FFFFFE"/>
-                </a:gs>
-              </a:gsLst>
-              <a:lin ang="16200000" scaled="0"/>
-            </a:gradFill>
-            <a:ln w="38100" cmpd="sng">
-              <a:solidFill>
-                <a:schemeClr val="tx2">
-                  <a:lumMod val="25000"/>
-                </a:schemeClr>
-              </a:solidFill>
-              <a:miter lim="800000"/>
-            </a:ln>
-            <a:effectLst>
-              <a:innerShdw blurRad="63500" dist="88900" dir="14100000">
-                <a:srgbClr val="000000">
-                  <a:alpha val="30000"/>
-                </a:srgbClr>
-              </a:innerShdw>
-            </a:effectLst>
-            <a:scene3d>
-              <a:camera prst="orthographicFront"/>
-              <a:lightRig rig="threePt" dir="t"/>
-            </a:scene3d>
-            <a:sp3d>
-              <a:bevelT prst="relaxedInset"/>
-            </a:sp3d>
-          </p:spPr>
-          <p:style>
-            <a:lnRef idx="1">
-              <a:schemeClr val="accent1"/>
-            </a:lnRef>
-            <a:fillRef idx="3">
-              <a:schemeClr val="accent1"/>
-            </a:fillRef>
-            <a:effectRef idx="2">
-              <a:schemeClr val="accent1"/>
-            </a:effectRef>
-            <a:fontRef idx="minor">
-              <a:schemeClr val="lt1"/>
-            </a:fontRef>
-          </p:style>
-          <p:txBody>
-            <a:bodyPr rtlCol="0" anchor="ctr"/>
-            <a:lstStyle/>
-            <a:p>
-              <a:pPr algn="ctr"/>
-              <a:endParaRPr lang="en-US"/>
-            </a:p>
-          </p:txBody>
-        </p:sp>
-      </p:grpSp>
-      <p:sp>
-        <p:nvSpPr>
-          <p:cNvPr id="20" name="Rectangle 19">
-            <a:extLst>
-              <a:ext uri="{FF2B5EF4-FFF2-40B4-BE49-F238E27FC236}">
-                <a16:creationId xmlns:a16="http://schemas.microsoft.com/office/drawing/2014/main" id="{773D9643-4BC8-486D-8267-3577C8F0842D}"/>
-              </a:ext>
-              <a:ext uri="{C183D7F6-B498-43B3-948B-1728B52AA6E4}">
-                <adec:decorative xmlns:adec="http://schemas.microsoft.com/office/drawing/2017/decorative" val="1"/>
-              </a:ext>
-            </a:extLst>
-          </p:cNvPr>
-          <p:cNvSpPr>
-            <a:spLocks noGrp="1" noRot="1" noChangeAspect="1" noMove="1" noResize="1" noEditPoints="1" noAdjustHandles="1" noChangeArrowheads="1" noChangeShapeType="1" noTextEdit="1"/>
-          </p:cNvSpPr>
-          <p:nvPr>
-            <p:extLst>
-              <p:ext uri="{386F3935-93C4-4BCD-93E2-E3B085C9AB24}">
-                <p16:designElem xmlns:p16="http://schemas.microsoft.com/office/powerpoint/2015/main" val="1"/>
-              </p:ext>
-            </p:extLst>
-          </p:nvPr>
-        </p:nvSpPr>
-        <p:spPr>
-          <a:xfrm>
-            <a:off x="4456174" y="977099"/>
-            <a:ext cx="6620836" cy="4137268"/>
-          </a:xfrm>
-          <a:prstGeom prst="rect">
-            <a:avLst/>
-          </a:prstGeom>
-          <a:solidFill>
-            <a:srgbClr val="FFFFFE"/>
-          </a:solidFill>
-          <a:ln w="6350">
-            <a:solidFill>
-              <a:schemeClr val="tx2"/>
-            </a:solidFill>
-          </a:ln>
-        </p:spPr>
-        <p:style>
-          <a:lnRef idx="2">
-            <a:schemeClr val="accent1">
-              <a:shade val="50000"/>
-            </a:schemeClr>
-          </a:lnRef>
-          <a:fillRef idx="1">
-            <a:schemeClr val="accent1"/>
-          </a:fillRef>
-          <a:effectRef idx="0">
-            <a:schemeClr val="accent1"/>
-          </a:effectRef>
-          <a:fontRef idx="minor">
-            <a:schemeClr val="lt1"/>
-          </a:fontRef>
-        </p:style>
-        <p:txBody>
-          <a:bodyPr rtlCol="0" anchor="ctr"/>
-          <a:lstStyle/>
-          <a:p>
-            <a:pPr algn="ctr"/>
-            <a:endParaRPr lang="en-US"/>
-          </a:p>
-        </p:txBody>
-      </p:sp>
-      <p:pic>
-        <p:nvPicPr>
-          <p:cNvPr id="5" name="Tijdelijke aanduiding voor inhoud 4">
-            <a:extLst>
-              <a:ext uri="{FF2B5EF4-FFF2-40B4-BE49-F238E27FC236}">
-                <a16:creationId xmlns:a16="http://schemas.microsoft.com/office/drawing/2014/main" id="{C3D67972-9B44-4537-81B8-8102A48FD3A0}"/>
-              </a:ext>
-            </a:extLst>
-          </p:cNvPr>
-          <p:cNvPicPr>
-            <a:picLocks noGrp="1" noChangeAspect="1"/>
-          </p:cNvPicPr>
-          <p:nvPr>
-            <p:ph idx="1"/>
-          </p:nvPr>
-        </p:nvPicPr>
-        <p:blipFill>
-          <a:blip r:embed="rId4">
-            <a:extLst>
-              <a:ext uri="{28A0092B-C50C-407E-A947-70E740481C1C}">
-                <a14:useLocalDpi xmlns:a14="http://schemas.microsoft.com/office/drawing/2010/main" val="0"/>
-              </a:ext>
-            </a:extLst>
-          </a:blip>
-          <a:stretch>
-            <a:fillRect/>
-          </a:stretch>
-        </p:blipFill>
-        <p:spPr>
-          <a:xfrm>
-            <a:off x="5380651" y="1116345"/>
-            <a:ext cx="4758365" cy="3866172"/>
-          </a:xfrm>
-          <a:prstGeom prst="rect">
-            <a:avLst/>
-          </a:prstGeom>
-        </p:spPr>
-      </p:pic>
-    </p:spTree>
-    <p:extLst>
-      <p:ext uri="{BB962C8B-B14F-4D97-AF65-F5344CB8AC3E}">
-        <p14:creationId xmlns:p14="http://schemas.microsoft.com/office/powerpoint/2010/main" val="9513270"/>
-      </p:ext>
-    </p:extLst>
-  </p:cSld>
-  <p:clrMapOvr>
-    <a:masterClrMapping/>
-  </p:clrMapOvr>
-</p:sld>
-</file>
-
-<file path=ppt/slides/slide4.xml><?xml version="1.0" encoding="utf-8"?>
-<p:sld xmlns:a="http://schemas.openxmlformats.org/drawingml/2006/main" xmlns:r="http://schemas.openxmlformats.org/officeDocument/2006/relationships" xmlns:p="http://schemas.openxmlformats.org/presentationml/2006/main">
-  <p:cSld>
-    <p:bg>
-      <p:bgPr>
-        <a:gradFill rotWithShape="1">
-          <a:gsLst>
-            <a:gs pos="0">
-              <a:schemeClr val="bg1">
-                <a:tint val="94000"/>
-                <a:satMod val="80000"/>
-                <a:lumMod val="106000"/>
-              </a:schemeClr>
-            </a:gs>
-            <a:gs pos="100000">
-              <a:schemeClr val="bg1">
-                <a:shade val="80000"/>
-              </a:schemeClr>
-            </a:gs>
-          </a:gsLst>
-          <a:path path="circle">
-            <a:fillToRect l="43000" r="43000" b="100000"/>
-          </a:path>
-        </a:gradFill>
-        <a:effectLst/>
-      </p:bgPr>
-    </p:bg>
-    <p:spTree>
-      <p:nvGrpSpPr>
-        <p:cNvPr id="1" name=""/>
-        <p:cNvGrpSpPr/>
-        <p:nvPr/>
-      </p:nvGrpSpPr>
-      <p:grpSpPr>
-        <a:xfrm>
-          <a:off x="0" y="0"/>
-          <a:ext cx="0" cy="0"/>
-          <a:chOff x="0" y="0"/>
-          <a:chExt cx="0" cy="0"/>
-        </a:xfrm>
-      </p:grpSpPr>
-      <p:sp>
-        <p:nvSpPr>
-          <p:cNvPr id="10" name="Rectangle 9">
-            <a:extLst>
-              <a:ext uri="{FF2B5EF4-FFF2-40B4-BE49-F238E27FC236}">
-                <a16:creationId xmlns:a16="http://schemas.microsoft.com/office/drawing/2014/main" id="{6B25638D-3D06-41D1-8060-4D2707C60AE8}"/>
-              </a:ext>
-              <a:ext uri="{C183D7F6-B498-43B3-948B-1728B52AA6E4}">
-                <adec:decorative xmlns:adec="http://schemas.microsoft.com/office/drawing/2017/decorative" val="1"/>
-              </a:ext>
-            </a:extLst>
-          </p:cNvPr>
-          <p:cNvSpPr>
-            <a:spLocks noGrp="1" noRot="1" noChangeAspect="1" noMove="1" noResize="1" noEditPoints="1" noAdjustHandles="1" noChangeArrowheads="1" noChangeShapeType="1" noTextEdit="1"/>
-          </p:cNvSpPr>
-          <p:nvPr>
-            <p:extLst>
-              <p:ext uri="{386F3935-93C4-4BCD-93E2-E3B085C9AB24}">
-                <p16:designElem xmlns:p16="http://schemas.microsoft.com/office/powerpoint/2015/main" val="1"/>
-              </p:ext>
-            </p:extLst>
-          </p:nvPr>
-        </p:nvSpPr>
-        <p:spPr>
-          <a:xfrm>
-            <a:off x="0" y="3622291"/>
-            <a:ext cx="12192000" cy="2505984"/>
-          </a:xfrm>
-          <a:prstGeom prst="rect">
-            <a:avLst/>
-          </a:prstGeom>
-          <a:gradFill flip="none" rotWithShape="1">
-            <a:gsLst>
-              <a:gs pos="0">
-                <a:schemeClr val="bg2">
-                  <a:alpha val="0"/>
-                </a:schemeClr>
-              </a:gs>
-              <a:gs pos="100000">
-                <a:schemeClr val="bg2">
-                  <a:alpha val="80000"/>
-                </a:schemeClr>
-              </a:gs>
-            </a:gsLst>
-            <a:lin ang="5400000" scaled="0"/>
-            <a:tileRect/>
-          </a:gradFill>
-          <a:ln>
-            <a:noFill/>
-          </a:ln>
-        </p:spPr>
-        <p:style>
-          <a:lnRef idx="2">
-            <a:schemeClr val="accent1">
-              <a:shade val="50000"/>
-            </a:schemeClr>
-          </a:lnRef>
-          <a:fillRef idx="1">
-            <a:schemeClr val="accent1"/>
-          </a:fillRef>
-          <a:effectRef idx="0">
-            <a:schemeClr val="accent1"/>
-          </a:effectRef>
-          <a:fontRef idx="minor">
-            <a:schemeClr val="lt1"/>
-          </a:fontRef>
-        </p:style>
-      </p:sp>
-      <p:pic>
-        <p:nvPicPr>
-          <p:cNvPr id="12" name="Picture 11">
-            <a:extLst>
-              <a:ext uri="{FF2B5EF4-FFF2-40B4-BE49-F238E27FC236}">
-                <a16:creationId xmlns:a16="http://schemas.microsoft.com/office/drawing/2014/main" id="{8161BB1E-0062-4056-AB94-121EF614D5FB}"/>
-              </a:ext>
-              <a:ext uri="{C183D7F6-B498-43B3-948B-1728B52AA6E4}">
-                <adec:decorative xmlns:adec="http://schemas.microsoft.com/office/drawing/2017/decorative" val="1"/>
-              </a:ext>
-            </a:extLst>
-          </p:cNvPr>
-          <p:cNvPicPr>
-            <a:picLocks noGrp="1" noRot="1" noChangeAspect="1" noMove="1" noResize="1" noEditPoints="1" noAdjustHandles="1" noChangeArrowheads="1" noChangeShapeType="1" noCrop="1"/>
-          </p:cNvPicPr>
-          <p:nvPr>
-            <p:extLst>
-              <p:ext uri="{386F3935-93C4-4BCD-93E2-E3B085C9AB24}">
-                <p16:designElem xmlns:p16="http://schemas.microsoft.com/office/powerpoint/2015/main" val="1"/>
-              </p:ext>
-            </p:extLst>
-          </p:nvPr>
-        </p:nvPicPr>
-        <p:blipFill rotWithShape="1">
-          <a:blip r:embed="rId2">
-            <a:extLst>
-              <a:ext uri="{28A0092B-C50C-407E-A947-70E740481C1C}">
-                <a14:useLocalDpi xmlns:a14="http://schemas.microsoft.com/office/drawing/2010/main" val="0"/>
-              </a:ext>
-            </a:extLst>
-          </a:blip>
-          <a:srcRect t="1538" b="-1538"/>
-          <a:stretch/>
-        </p:blipFill>
-        <p:spPr>
-          <a:xfrm>
-            <a:off x="0" y="6129338"/>
-            <a:ext cx="12192000" cy="742950"/>
-          </a:xfrm>
-          <a:prstGeom prst="rect">
-            <a:avLst/>
-          </a:prstGeom>
-        </p:spPr>
-      </p:pic>
-      <p:cxnSp>
-        <p:nvCxnSpPr>
-          <p:cNvPr id="14" name="Straight Connector 13">
-            <a:extLst>
-              <a:ext uri="{FF2B5EF4-FFF2-40B4-BE49-F238E27FC236}">
-                <a16:creationId xmlns:a16="http://schemas.microsoft.com/office/drawing/2014/main" id="{8FBC01E2-D629-4319-B5CB-BFA461B8CF30}"/>
-              </a:ext>
-              <a:ext uri="{C183D7F6-B498-43B3-948B-1728B52AA6E4}">
-                <adec:decorative xmlns:adec="http://schemas.microsoft.com/office/drawing/2017/decorative" val="1"/>
-              </a:ext>
-            </a:extLst>
-          </p:cNvPr>
-          <p:cNvCxnSpPr>
-            <a:cxnSpLocks noGrp="1" noRot="1" noChangeAspect="1" noMove="1" noResize="1" noEditPoints="1" noAdjustHandles="1" noChangeArrowheads="1" noChangeShapeType="1"/>
-          </p:cNvCxnSpPr>
-          <p:nvPr>
-            <p:extLst>
-              <p:ext uri="{386F3935-93C4-4BCD-93E2-E3B085C9AB24}">
-                <p16:designElem xmlns:p16="http://schemas.microsoft.com/office/powerpoint/2015/main" val="1"/>
-              </p:ext>
-            </p:extLst>
-          </p:nvPr>
-        </p:nvCxnSpPr>
-        <p:spPr>
-          <a:xfrm>
-            <a:off x="0" y="6138142"/>
-            <a:ext cx="12192000" cy="0"/>
-          </a:xfrm>
-          <a:prstGeom prst="line">
-            <a:avLst/>
-          </a:prstGeom>
-          <a:ln w="12700">
-            <a:solidFill>
-              <a:srgbClr val="000001">
-                <a:alpha val="20000"/>
-              </a:srgbClr>
-            </a:solidFill>
-          </a:ln>
-        </p:spPr>
-        <p:style>
-          <a:lnRef idx="1">
-            <a:schemeClr val="accent1"/>
-          </a:lnRef>
-          <a:fillRef idx="0">
-            <a:schemeClr val="accent1"/>
-          </a:fillRef>
-          <a:effectRef idx="0">
-            <a:schemeClr val="accent1"/>
-          </a:effectRef>
-          <a:fontRef idx="minor">
-            <a:schemeClr val="tx1"/>
-          </a:fontRef>
-        </p:style>
-      </p:cxnSp>
-      <p:sp>
-        <p:nvSpPr>
-          <p:cNvPr id="2" name="Titel 1">
-            <a:extLst>
-              <a:ext uri="{FF2B5EF4-FFF2-40B4-BE49-F238E27FC236}">
-                <a16:creationId xmlns:a16="http://schemas.microsoft.com/office/drawing/2014/main" id="{A56CFDB0-3CD1-4C0F-90D8-98156E248794}"/>
-              </a:ext>
-            </a:extLst>
-          </p:cNvPr>
-          <p:cNvSpPr>
-            <a:spLocks noGrp="1"/>
-          </p:cNvSpPr>
-          <p:nvPr>
-            <p:ph type="title"/>
-          </p:nvPr>
-        </p:nvSpPr>
-        <p:spPr>
-          <a:xfrm>
-            <a:off x="659301" y="1474968"/>
-            <a:ext cx="2823919" cy="1959037"/>
-          </a:xfrm>
-        </p:spPr>
-        <p:txBody>
-          <a:bodyPr vert="horz" lIns="91440" tIns="45720" rIns="91440" bIns="0" rtlCol="0" anchor="b">
-            <a:normAutofit/>
-          </a:bodyPr>
-          <a:lstStyle/>
-          <a:p>
-            <a:r>
-              <a:rPr lang="en-US" sz="3300" dirty="0" err="1"/>
-              <a:t>Nieuwe</a:t>
-            </a:r>
-            <a:r>
-              <a:rPr lang="en-US" sz="3300" dirty="0"/>
-              <a:t> flowchart</a:t>
-            </a:r>
-          </a:p>
-        </p:txBody>
-      </p:sp>
-      <p:grpSp>
-        <p:nvGrpSpPr>
-          <p:cNvPr id="16" name="Group 15">
-            <a:extLst>
-              <a:ext uri="{FF2B5EF4-FFF2-40B4-BE49-F238E27FC236}">
-                <a16:creationId xmlns:a16="http://schemas.microsoft.com/office/drawing/2014/main" id="{2A7F3A7D-1232-4BDE-ACB6-F7CDEF0668CF}"/>
-              </a:ext>
-              <a:ext uri="{C183D7F6-B498-43B3-948B-1728B52AA6E4}">
-                <adec:decorative xmlns:adec="http://schemas.microsoft.com/office/drawing/2017/decorative" val="1"/>
-              </a:ext>
-            </a:extLst>
-          </p:cNvPr>
-          <p:cNvGrpSpPr>
-            <a:grpSpLocks noGrp="1" noUngrp="1" noRot="1" noChangeAspect="1" noMove="1" noResize="1"/>
-          </p:cNvGrpSpPr>
-          <p:nvPr>
-            <p:extLst>
-              <p:ext uri="{386F3935-93C4-4BCD-93E2-E3B085C9AB24}">
-                <p16:designElem xmlns:p16="http://schemas.microsoft.com/office/powerpoint/2015/main" val="1"/>
-              </p:ext>
-            </p:extLst>
-          </p:nvPr>
-        </p:nvGrpSpPr>
-        <p:grpSpPr>
-          <a:xfrm>
-            <a:off x="3979389" y="482171"/>
-            <a:ext cx="7560115" cy="5149101"/>
-            <a:chOff x="3979389" y="482171"/>
-            <a:chExt cx="7560115" cy="5149101"/>
-          </a:xfrm>
-        </p:grpSpPr>
-        <p:sp>
-          <p:nvSpPr>
-            <p:cNvPr id="17" name="Rectangle 16">
-              <a:extLst>
-                <a:ext uri="{FF2B5EF4-FFF2-40B4-BE49-F238E27FC236}">
-                  <a16:creationId xmlns:a16="http://schemas.microsoft.com/office/drawing/2014/main" id="{EBC09455-A53B-4264-85C6-E119FCA7F0B3}"/>
-                </a:ext>
-                <a:ext uri="{C183D7F6-B498-43B3-948B-1728B52AA6E4}">
-                  <adec:decorative xmlns:adec="http://schemas.microsoft.com/office/drawing/2017/decorative" val="1"/>
-                </a:ext>
-              </a:extLst>
-            </p:cNvPr>
-            <p:cNvSpPr/>
-            <p:nvPr>
-              <p:extLst>
-                <p:ext uri="{386F3935-93C4-4BCD-93E2-E3B085C9AB24}">
-                  <p16:designElem xmlns:p16="http://schemas.microsoft.com/office/powerpoint/2015/main" val="1"/>
-                </p:ext>
-              </p:extLst>
-            </p:nvPr>
-          </p:nvSpPr>
-          <p:spPr>
-            <a:xfrm>
-              <a:off x="3979389" y="482171"/>
-              <a:ext cx="7560115" cy="5149101"/>
-            </a:xfrm>
-            <a:prstGeom prst="rect">
-              <a:avLst/>
-            </a:prstGeom>
-            <a:blipFill dpi="0" rotWithShape="1">
-              <a:blip r:embed="rId3">
-                <a:alphaModFix amt="30000"/>
-              </a:blip>
-              <a:srcRect/>
-              <a:tile tx="0" ty="0" sx="100000" sy="100000" flip="none" algn="ctr"/>
-            </a:blipFill>
-            <a:ln w="76200" cmpd="sng">
-              <a:noFill/>
-              <a:miter lim="800000"/>
-            </a:ln>
-            <a:effectLst>
-              <a:outerShdw blurRad="127000" dist="228600" dir="4740000" sx="98000" sy="98000" algn="tl" rotWithShape="0">
-                <a:srgbClr val="000000">
-                  <a:alpha val="34000"/>
-                </a:srgbClr>
-              </a:outerShdw>
-            </a:effectLst>
-            <a:scene3d>
-              <a:camera prst="orthographicFront"/>
-              <a:lightRig rig="threePt" dir="t"/>
-            </a:scene3d>
-            <a:sp3d extrusionH="76200" contourW="12700" prstMaterial="matte">
-              <a:bevelT w="152400" h="50800" prst="softRound"/>
-              <a:extrusionClr>
-                <a:schemeClr val="tx2"/>
-              </a:extrusionClr>
-              <a:contourClr>
-                <a:schemeClr val="bg2"/>
-              </a:contourClr>
-            </a:sp3d>
-          </p:spPr>
-          <p:style>
-            <a:lnRef idx="1">
-              <a:schemeClr val="accent1"/>
-            </a:lnRef>
-            <a:fillRef idx="3">
-              <a:schemeClr val="accent1"/>
-            </a:fillRef>
-            <a:effectRef idx="2">
-              <a:schemeClr val="accent1"/>
-            </a:effectRef>
-            <a:fontRef idx="minor">
-              <a:schemeClr val="lt1"/>
-            </a:fontRef>
-          </p:style>
-          <p:txBody>
-            <a:bodyPr rtlCol="0" anchor="ctr"/>
-            <a:lstStyle/>
-            <a:p>
-              <a:pPr algn="ctr"/>
-              <a:endParaRPr lang="en-US"/>
-            </a:p>
-          </p:txBody>
-        </p:sp>
-        <p:sp>
-          <p:nvSpPr>
-            <p:cNvPr id="18" name="Rectangle 17">
-              <a:extLst>
-                <a:ext uri="{FF2B5EF4-FFF2-40B4-BE49-F238E27FC236}">
-                  <a16:creationId xmlns:a16="http://schemas.microsoft.com/office/drawing/2014/main" id="{81446D1B-DF15-4E6B-A24E-4148357B9953}"/>
-                </a:ext>
-                <a:ext uri="{C183D7F6-B498-43B3-948B-1728B52AA6E4}">
-                  <adec:decorative xmlns:adec="http://schemas.microsoft.com/office/drawing/2017/decorative" val="1"/>
-                </a:ext>
-              </a:extLst>
-            </p:cNvPr>
-            <p:cNvSpPr/>
-            <p:nvPr>
-              <p:extLst>
-                <p:ext uri="{386F3935-93C4-4BCD-93E2-E3B085C9AB24}">
-                  <p16:designElem xmlns:p16="http://schemas.microsoft.com/office/powerpoint/2015/main" val="1"/>
-                </p:ext>
-              </p:extLst>
-            </p:nvPr>
-          </p:nvSpPr>
-          <p:spPr>
-            <a:xfrm>
-              <a:off x="4292448" y="812507"/>
-              <a:ext cx="6928279" cy="4466452"/>
-            </a:xfrm>
-            <a:prstGeom prst="rect">
-              <a:avLst/>
-            </a:prstGeom>
-            <a:gradFill>
-              <a:gsLst>
-                <a:gs pos="0">
-                  <a:srgbClr val="DADADA"/>
-                </a:gs>
-                <a:gs pos="100000">
-                  <a:srgbClr val="FFFFFE"/>
-                </a:gs>
-              </a:gsLst>
-              <a:lin ang="16200000" scaled="0"/>
-            </a:gradFill>
-            <a:ln w="38100" cmpd="sng">
-              <a:solidFill>
-                <a:schemeClr val="tx2">
-                  <a:lumMod val="25000"/>
-                </a:schemeClr>
-              </a:solidFill>
-              <a:miter lim="800000"/>
-            </a:ln>
-            <a:effectLst>
-              <a:innerShdw blurRad="63500" dist="88900" dir="14100000">
-                <a:srgbClr val="000000">
-                  <a:alpha val="30000"/>
-                </a:srgbClr>
-              </a:innerShdw>
-            </a:effectLst>
-            <a:scene3d>
-              <a:camera prst="orthographicFront"/>
-              <a:lightRig rig="threePt" dir="t"/>
-            </a:scene3d>
-            <a:sp3d>
-              <a:bevelT prst="relaxedInset"/>
-            </a:sp3d>
-          </p:spPr>
-          <p:style>
-            <a:lnRef idx="1">
-              <a:schemeClr val="accent1"/>
-            </a:lnRef>
-            <a:fillRef idx="3">
-              <a:schemeClr val="accent1"/>
-            </a:fillRef>
-            <a:effectRef idx="2">
-              <a:schemeClr val="accent1"/>
-            </a:effectRef>
-            <a:fontRef idx="minor">
-              <a:schemeClr val="lt1"/>
-            </a:fontRef>
-          </p:style>
-          <p:txBody>
-            <a:bodyPr rtlCol="0" anchor="ctr"/>
-            <a:lstStyle/>
-            <a:p>
-              <a:pPr algn="ctr"/>
-              <a:endParaRPr lang="en-US"/>
-            </a:p>
-          </p:txBody>
-        </p:sp>
-      </p:grpSp>
-      <p:sp>
-        <p:nvSpPr>
-          <p:cNvPr id="20" name="Rectangle 19">
-            <a:extLst>
-              <a:ext uri="{FF2B5EF4-FFF2-40B4-BE49-F238E27FC236}">
-                <a16:creationId xmlns:a16="http://schemas.microsoft.com/office/drawing/2014/main" id="{773D9643-4BC8-486D-8267-3577C8F0842D}"/>
-              </a:ext>
-              <a:ext uri="{C183D7F6-B498-43B3-948B-1728B52AA6E4}">
-                <adec:decorative xmlns:adec="http://schemas.microsoft.com/office/drawing/2017/decorative" val="1"/>
-              </a:ext>
-            </a:extLst>
-          </p:cNvPr>
-          <p:cNvSpPr>
-            <a:spLocks noGrp="1" noRot="1" noChangeAspect="1" noMove="1" noResize="1" noEditPoints="1" noAdjustHandles="1" noChangeArrowheads="1" noChangeShapeType="1" noTextEdit="1"/>
-          </p:cNvSpPr>
-          <p:nvPr>
-            <p:extLst>
-              <p:ext uri="{386F3935-93C4-4BCD-93E2-E3B085C9AB24}">
-                <p16:designElem xmlns:p16="http://schemas.microsoft.com/office/powerpoint/2015/main" val="1"/>
-              </p:ext>
-            </p:extLst>
-          </p:nvPr>
-        </p:nvSpPr>
-        <p:spPr>
-          <a:xfrm>
-            <a:off x="4456174" y="977099"/>
-            <a:ext cx="6620836" cy="4137268"/>
-          </a:xfrm>
-          <a:prstGeom prst="rect">
-            <a:avLst/>
-          </a:prstGeom>
-          <a:solidFill>
-            <a:srgbClr val="FFFFFE"/>
-          </a:solidFill>
-          <a:ln w="6350">
-            <a:solidFill>
-              <a:schemeClr val="tx2"/>
-            </a:solidFill>
-          </a:ln>
-        </p:spPr>
-        <p:style>
-          <a:lnRef idx="2">
-            <a:schemeClr val="accent1">
-              <a:shade val="50000"/>
-            </a:schemeClr>
-          </a:lnRef>
-          <a:fillRef idx="1">
-            <a:schemeClr val="accent1"/>
-          </a:fillRef>
-          <a:effectRef idx="0">
-            <a:schemeClr val="accent1"/>
-          </a:effectRef>
-          <a:fontRef idx="minor">
-            <a:schemeClr val="lt1"/>
-          </a:fontRef>
-        </p:style>
-        <p:txBody>
-          <a:bodyPr rtlCol="0" anchor="ctr"/>
-          <a:lstStyle/>
-          <a:p>
-            <a:pPr algn="ctr"/>
-            <a:endParaRPr lang="en-US"/>
-          </a:p>
-        </p:txBody>
-      </p:sp>
-      <p:pic>
-        <p:nvPicPr>
-          <p:cNvPr id="5" name="Tijdelijke aanduiding voor inhoud 4">
-            <a:extLst>
-              <a:ext uri="{FF2B5EF4-FFF2-40B4-BE49-F238E27FC236}">
-                <a16:creationId xmlns:a16="http://schemas.microsoft.com/office/drawing/2014/main" id="{7CB17CA0-175B-4042-880E-0973FC2C8975}"/>
-              </a:ext>
-            </a:extLst>
-          </p:cNvPr>
-          <p:cNvPicPr>
-            <a:picLocks noGrp="1" noChangeAspect="1"/>
-          </p:cNvPicPr>
-          <p:nvPr>
-            <p:ph idx="1"/>
-          </p:nvPr>
-        </p:nvPicPr>
-        <p:blipFill>
-          <a:blip r:embed="rId4">
-            <a:extLst>
-              <a:ext uri="{28A0092B-C50C-407E-A947-70E740481C1C}">
-                <a14:useLocalDpi xmlns:a14="http://schemas.microsoft.com/office/drawing/2010/main" val="0"/>
-              </a:ext>
-            </a:extLst>
-          </a:blip>
-          <a:stretch>
-            <a:fillRect/>
-          </a:stretch>
-        </p:blipFill>
-        <p:spPr>
-          <a:xfrm>
-            <a:off x="4456173" y="976036"/>
-            <a:ext cx="6620835" cy="4137268"/>
-          </a:xfrm>
-          <a:prstGeom prst="rect">
-            <a:avLst/>
-          </a:prstGeom>
-        </p:spPr>
-      </p:pic>
-    </p:spTree>
-    <p:extLst>
-      <p:ext uri="{BB962C8B-B14F-4D97-AF65-F5344CB8AC3E}">
-        <p14:creationId xmlns:p14="http://schemas.microsoft.com/office/powerpoint/2010/main" val="2990778844"/>
-      </p:ext>
-    </p:extLst>
-  </p:cSld>
-  <p:clrMapOvr>
-    <a:masterClrMapping/>
-  </p:clrMapOvr>
-</p:sld>
-</file>
-
-<file path=ppt/slides/slide5.xml><?xml version="1.0" encoding="utf-8"?>
-<p:sld xmlns:a="http://schemas.openxmlformats.org/drawingml/2006/main" xmlns:r="http://schemas.openxmlformats.org/officeDocument/2006/relationships" xmlns:p="http://schemas.openxmlformats.org/presentationml/2006/main">
-  <p:cSld>
-    <p:spTree>
-      <p:nvGrpSpPr>
-        <p:cNvPr id="1" name=""/>
-        <p:cNvGrpSpPr/>
-        <p:nvPr/>
-      </p:nvGrpSpPr>
-      <p:grpSpPr>
-        <a:xfrm>
-          <a:off x="0" y="0"/>
-          <a:ext cx="0" cy="0"/>
-          <a:chOff x="0" y="0"/>
-          <a:chExt cx="0" cy="0"/>
-        </a:xfrm>
-      </p:grpSpPr>
-      <p:sp>
-        <p:nvSpPr>
-          <p:cNvPr id="2" name="Titel 1">
-            <a:extLst>
-              <a:ext uri="{FF2B5EF4-FFF2-40B4-BE49-F238E27FC236}">
-                <a16:creationId xmlns:a16="http://schemas.microsoft.com/office/drawing/2014/main" id="{862E2F21-EB0F-40A3-9668-0A474A94E662}"/>
-              </a:ext>
-            </a:extLst>
-          </p:cNvPr>
-          <p:cNvSpPr>
-            <a:spLocks noGrp="1"/>
-          </p:cNvSpPr>
-          <p:nvPr>
-            <p:ph type="title"/>
-          </p:nvPr>
-        </p:nvSpPr>
-        <p:spPr/>
-        <p:txBody>
-          <a:bodyPr/>
-          <a:lstStyle/>
-          <a:p>
-            <a:r>
-              <a:rPr lang="en-US" dirty="0" err="1"/>
-              <a:t>Kleuren</a:t>
-            </a:r>
-            <a:r>
-              <a:rPr lang="en-US" dirty="0"/>
-              <a:t> </a:t>
-            </a:r>
-            <a:r>
-              <a:rPr lang="en-US" dirty="0" err="1"/>
-              <a:t>keuzes</a:t>
-            </a:r>
-            <a:endParaRPr lang="nl-NL" dirty="0"/>
-          </a:p>
-        </p:txBody>
-      </p:sp>
-      <p:graphicFrame>
-        <p:nvGraphicFramePr>
-          <p:cNvPr id="6" name="Tijdelijke aanduiding voor inhoud 5">
-            <a:extLst>
-              <a:ext uri="{FF2B5EF4-FFF2-40B4-BE49-F238E27FC236}">
-                <a16:creationId xmlns:a16="http://schemas.microsoft.com/office/drawing/2014/main" id="{BBCE714F-7586-44B5-A987-4A91795F6542}"/>
-              </a:ext>
-            </a:extLst>
-          </p:cNvPr>
-          <p:cNvGraphicFramePr>
-            <a:graphicFrameLocks noGrp="1"/>
-          </p:cNvGraphicFramePr>
-          <p:nvPr>
-            <p:ph idx="1"/>
-            <p:extLst>
-              <p:ext uri="{D42A27DB-BD31-4B8C-83A1-F6EECF244321}">
-                <p14:modId xmlns:p14="http://schemas.microsoft.com/office/powerpoint/2010/main" val="309869686"/>
-              </p:ext>
-            </p:extLst>
-          </p:nvPr>
-        </p:nvGraphicFramePr>
-        <p:xfrm>
-          <a:off x="4927382" y="2603843"/>
-          <a:ext cx="7264618" cy="3449638"/>
-        </p:xfrm>
-        <a:graphic>
-          <a:graphicData uri="http://schemas.openxmlformats.org/drawingml/2006/chart">
-            <c:chart xmlns:c="http://schemas.openxmlformats.org/drawingml/2006/chart" xmlns:r="http://schemas.openxmlformats.org/officeDocument/2006/relationships" r:id="rId2"/>
-          </a:graphicData>
-        </a:graphic>
-      </p:graphicFrame>
-      <p:graphicFrame>
-        <p:nvGraphicFramePr>
-          <p:cNvPr id="20" name="Grafiek 19">
-            <a:extLst>
-              <a:ext uri="{FF2B5EF4-FFF2-40B4-BE49-F238E27FC236}">
-                <a16:creationId xmlns:a16="http://schemas.microsoft.com/office/drawing/2014/main" id="{B0E3D21C-FB88-4DF3-9507-DBC776F4A44D}"/>
-              </a:ext>
-            </a:extLst>
-          </p:cNvPr>
-          <p:cNvGraphicFramePr>
-            <a:graphicFrameLocks/>
-          </p:cNvGraphicFramePr>
-          <p:nvPr>
-            <p:extLst>
-              <p:ext uri="{D42A27DB-BD31-4B8C-83A1-F6EECF244321}">
-                <p14:modId xmlns:p14="http://schemas.microsoft.com/office/powerpoint/2010/main" val="690937469"/>
-              </p:ext>
-            </p:extLst>
-          </p:nvPr>
-        </p:nvGraphicFramePr>
-        <p:xfrm>
-          <a:off x="166771" y="2947537"/>
-          <a:ext cx="4620260" cy="2762250"/>
-        </p:xfrm>
-        <a:graphic>
-          <a:graphicData uri="http://schemas.openxmlformats.org/drawingml/2006/chart">
-            <c:chart xmlns:c="http://schemas.openxmlformats.org/drawingml/2006/chart" xmlns:r="http://schemas.openxmlformats.org/officeDocument/2006/relationships" r:id="rId3"/>
-          </a:graphicData>
-        </a:graphic>
-      </p:graphicFrame>
-    </p:spTree>
-    <p:extLst>
-      <p:ext uri="{BB962C8B-B14F-4D97-AF65-F5344CB8AC3E}">
-        <p14:creationId xmlns:p14="http://schemas.microsoft.com/office/powerpoint/2010/main" val="4147201347"/>
-      </p:ext>
-    </p:extLst>
-  </p:cSld>
-  <p:clrMapOvr>
-    <a:masterClrMapping/>
-  </p:clrMapOvr>
-</p:sld>
-</file>
-
-<file path=ppt/slides/slide6.xml><?xml version="1.0" encoding="utf-8"?>
-<p:sld xmlns:a="http://schemas.openxmlformats.org/drawingml/2006/main" xmlns:r="http://schemas.openxmlformats.org/officeDocument/2006/relationships" xmlns:p="http://schemas.openxmlformats.org/presentationml/2006/main">
-  <p:cSld>
-    <p:bg>
-      <p:bgPr>
-        <a:gradFill rotWithShape="1">
-          <a:gsLst>
-            <a:gs pos="0">
-              <a:schemeClr val="bg1">
-                <a:tint val="94000"/>
-                <a:satMod val="80000"/>
-                <a:lumMod val="106000"/>
-              </a:schemeClr>
-            </a:gs>
-            <a:gs pos="100000">
-              <a:schemeClr val="bg1">
-                <a:shade val="80000"/>
-              </a:schemeClr>
-            </a:gs>
-          </a:gsLst>
-          <a:path path="circle">
-            <a:fillToRect l="43000" r="43000" b="100000"/>
-          </a:path>
-        </a:gradFill>
-        <a:effectLst/>
-      </p:bgPr>
-    </p:bg>
-    <p:spTree>
-      <p:nvGrpSpPr>
-        <p:cNvPr id="1" name=""/>
-        <p:cNvGrpSpPr/>
-        <p:nvPr/>
-      </p:nvGrpSpPr>
-      <p:grpSpPr>
-        <a:xfrm>
-          <a:off x="0" y="0"/>
-          <a:ext cx="0" cy="0"/>
-          <a:chOff x="0" y="0"/>
-          <a:chExt cx="0" cy="0"/>
-        </a:xfrm>
-      </p:grpSpPr>
-      <p:sp>
-        <p:nvSpPr>
-          <p:cNvPr id="2" name="Titel 1">
-            <a:extLst>
-              <a:ext uri="{FF2B5EF4-FFF2-40B4-BE49-F238E27FC236}">
-                <a16:creationId xmlns:a16="http://schemas.microsoft.com/office/drawing/2014/main" id="{1E056D36-EA81-4B46-94CB-EDA59DAABAA3}"/>
-              </a:ext>
-            </a:extLst>
-          </p:cNvPr>
-          <p:cNvSpPr>
-            <a:spLocks noGrp="1"/>
-          </p:cNvSpPr>
-          <p:nvPr>
-            <p:ph type="title"/>
-          </p:nvPr>
-        </p:nvSpPr>
-        <p:spPr>
-          <a:xfrm>
-            <a:off x="1451581" y="804520"/>
-            <a:ext cx="4958419" cy="1049235"/>
-          </a:xfrm>
-        </p:spPr>
-        <p:txBody>
-          <a:bodyPr>
-            <a:normAutofit/>
-          </a:bodyPr>
-          <a:lstStyle/>
-          <a:p>
-            <a:r>
-              <a:rPr lang="en-US" sz="2200" dirty="0"/>
-              <a:t>Het prototype 3d ontwerp van de ATM</a:t>
-            </a:r>
-            <a:br>
-              <a:rPr lang="en-US" sz="2200" dirty="0"/>
-            </a:br>
-            <a:endParaRPr lang="nl-NL" sz="2200" dirty="0"/>
-          </a:p>
-        </p:txBody>
-      </p:sp>
-      <p:sp>
-        <p:nvSpPr>
-          <p:cNvPr id="8" name="Content Placeholder 7">
-            <a:extLst>
-              <a:ext uri="{FF2B5EF4-FFF2-40B4-BE49-F238E27FC236}">
-                <a16:creationId xmlns:a16="http://schemas.microsoft.com/office/drawing/2014/main" id="{45C6C9A7-A99D-494F-BB94-54F1B7DEFECC}"/>
-              </a:ext>
-            </a:extLst>
-          </p:cNvPr>
-          <p:cNvSpPr>
-            <a:spLocks noGrp="1"/>
-          </p:cNvSpPr>
-          <p:nvPr>
-            <p:ph idx="1"/>
-          </p:nvPr>
-        </p:nvSpPr>
-        <p:spPr>
-          <a:xfrm>
-            <a:off x="1451581" y="2015732"/>
-            <a:ext cx="4958419" cy="3450613"/>
-          </a:xfrm>
-        </p:spPr>
-        <p:txBody>
-          <a:bodyPr>
-            <a:normAutofit/>
-          </a:bodyPr>
-          <a:lstStyle/>
-          <a:p>
-            <a:r>
-              <a:rPr lang="nl-NL" dirty="0">
-                <a:hlinkClick r:id="rId2" tooltip="https://www.tinkercad.com/things/dkPImavJFoT-fakeatm"/>
-              </a:rPr>
-              <a:t>https://www.tinkercad.com/things/dkPImavJFoT-fakeatm</a:t>
-            </a:r>
-            <a:endParaRPr lang="en-US" dirty="0"/>
-          </a:p>
-        </p:txBody>
-      </p:sp>
-      <p:grpSp>
-        <p:nvGrpSpPr>
-          <p:cNvPr id="11" name="Group 10">
-            <a:extLst>
-              <a:ext uri="{FF2B5EF4-FFF2-40B4-BE49-F238E27FC236}">
-                <a16:creationId xmlns:a16="http://schemas.microsoft.com/office/drawing/2014/main" id="{A1DF00D8-05F3-44F6-A739-39FDAECC42A4}"/>
-              </a:ext>
-              <a:ext uri="{C183D7F6-B498-43B3-948B-1728B52AA6E4}">
-                <adec:decorative xmlns:adec="http://schemas.microsoft.com/office/drawing/2017/decorative" val="1"/>
-              </a:ext>
-            </a:extLst>
-          </p:cNvPr>
-          <p:cNvGrpSpPr>
-            <a:grpSpLocks noGrp="1" noUngrp="1" noRot="1" noChangeAspect="1" noMove="1" noResize="1"/>
-          </p:cNvGrpSpPr>
-          <p:nvPr>
-            <p:extLst>
-              <p:ext uri="{386F3935-93C4-4BCD-93E2-E3B085C9AB24}">
-                <p16:designElem xmlns:p16="http://schemas.microsoft.com/office/powerpoint/2015/main" val="1"/>
-              </p:ext>
-            </p:extLst>
-          </p:nvPr>
-        </p:nvGrpSpPr>
-        <p:grpSpPr>
-          <a:xfrm>
-            <a:off x="6899254" y="482171"/>
-            <a:ext cx="4652668" cy="5149101"/>
-            <a:chOff x="6899254" y="482171"/>
-            <a:chExt cx="4652668" cy="5149101"/>
-          </a:xfrm>
-        </p:grpSpPr>
-        <p:sp>
-          <p:nvSpPr>
-            <p:cNvPr id="12" name="Rectangle 11">
-              <a:extLst>
-                <a:ext uri="{FF2B5EF4-FFF2-40B4-BE49-F238E27FC236}">
-                  <a16:creationId xmlns:a16="http://schemas.microsoft.com/office/drawing/2014/main" id="{90BE039F-BBF8-403F-8DCA-0880DB819FE0}"/>
-                </a:ext>
-                <a:ext uri="{C183D7F6-B498-43B3-948B-1728B52AA6E4}">
-                  <adec:decorative xmlns:adec="http://schemas.microsoft.com/office/drawing/2017/decorative" val="1"/>
-                </a:ext>
-              </a:extLst>
-            </p:cNvPr>
-            <p:cNvSpPr/>
-            <p:nvPr>
-              <p:extLst>
-                <p:ext uri="{386F3935-93C4-4BCD-93E2-E3B085C9AB24}">
-                  <p16:designElem xmlns:p16="http://schemas.microsoft.com/office/powerpoint/2015/main" val="1"/>
-                </p:ext>
-              </p:extLst>
-            </p:nvPr>
-          </p:nvSpPr>
-          <p:spPr>
-            <a:xfrm>
-              <a:off x="6899254" y="482171"/>
-              <a:ext cx="4652668" cy="5149101"/>
-            </a:xfrm>
-            <a:prstGeom prst="rect">
-              <a:avLst/>
-            </a:prstGeom>
-            <a:blipFill dpi="0" rotWithShape="1">
-              <a:blip r:embed="rId3">
-                <a:alphaModFix amt="30000"/>
-              </a:blip>
-              <a:srcRect/>
-              <a:tile tx="0" ty="0" sx="100000" sy="100000" flip="none" algn="ctr"/>
-            </a:blipFill>
-            <a:ln w="76200" cmpd="sng">
-              <a:noFill/>
-              <a:miter lim="800000"/>
-            </a:ln>
-            <a:effectLst>
-              <a:outerShdw blurRad="127000" dist="228600" dir="4740000" sx="98000" sy="98000" algn="tl" rotWithShape="0">
-                <a:srgbClr val="000000">
-                  <a:alpha val="34000"/>
-                </a:srgbClr>
-              </a:outerShdw>
-            </a:effectLst>
-            <a:scene3d>
-              <a:camera prst="orthographicFront"/>
-              <a:lightRig rig="threePt" dir="t"/>
-            </a:scene3d>
-            <a:sp3d extrusionH="76200" contourW="12700" prstMaterial="matte">
-              <a:bevelT w="152400" h="50800" prst="softRound"/>
-              <a:extrusionClr>
-                <a:schemeClr val="tx2"/>
-              </a:extrusionClr>
-              <a:contourClr>
-                <a:schemeClr val="bg2"/>
-              </a:contourClr>
-            </a:sp3d>
-          </p:spPr>
-          <p:style>
-            <a:lnRef idx="1">
-              <a:schemeClr val="accent1"/>
-            </a:lnRef>
-            <a:fillRef idx="3">
-              <a:schemeClr val="accent1"/>
-            </a:fillRef>
-            <a:effectRef idx="2">
-              <a:schemeClr val="accent1"/>
-            </a:effectRef>
-            <a:fontRef idx="minor">
-              <a:schemeClr val="lt1"/>
-            </a:fontRef>
-          </p:style>
-          <p:txBody>
-            <a:bodyPr rtlCol="0" anchor="ctr"/>
-            <a:lstStyle/>
-            <a:p>
-              <a:pPr algn="ctr"/>
-              <a:endParaRPr lang="en-US"/>
-            </a:p>
-          </p:txBody>
-        </p:sp>
-        <p:sp>
-          <p:nvSpPr>
-            <p:cNvPr id="13" name="Rectangle 12">
-              <a:extLst>
-                <a:ext uri="{FF2B5EF4-FFF2-40B4-BE49-F238E27FC236}">
-                  <a16:creationId xmlns:a16="http://schemas.microsoft.com/office/drawing/2014/main" id="{9CD9F7AD-4C3D-4F91-87A4-9CF96BA11E5F}"/>
-                </a:ext>
-                <a:ext uri="{C183D7F6-B498-43B3-948B-1728B52AA6E4}">
-                  <adec:decorative xmlns:adec="http://schemas.microsoft.com/office/drawing/2017/decorative" val="1"/>
-                </a:ext>
-              </a:extLst>
-            </p:cNvPr>
-            <p:cNvSpPr/>
-            <p:nvPr>
-              <p:extLst>
-                <p:ext uri="{386F3935-93C4-4BCD-93E2-E3B085C9AB24}">
-                  <p16:designElem xmlns:p16="http://schemas.microsoft.com/office/powerpoint/2015/main" val="1"/>
-                </p:ext>
-              </p:extLst>
-            </p:nvPr>
-          </p:nvSpPr>
-          <p:spPr>
-            <a:xfrm>
-              <a:off x="7239487" y="812507"/>
-              <a:ext cx="4001249" cy="4466452"/>
-            </a:xfrm>
-            <a:prstGeom prst="rect">
-              <a:avLst/>
-            </a:prstGeom>
-            <a:gradFill>
-              <a:gsLst>
-                <a:gs pos="0">
-                  <a:srgbClr val="DADADA"/>
-                </a:gs>
-                <a:gs pos="100000">
-                  <a:srgbClr val="FFFFFE"/>
-                </a:gs>
-              </a:gsLst>
-              <a:lin ang="16200000" scaled="0"/>
-            </a:gradFill>
-            <a:ln w="38100" cmpd="sng">
-              <a:solidFill>
-                <a:schemeClr val="tx2">
-                  <a:lumMod val="25000"/>
-                </a:schemeClr>
-              </a:solidFill>
-              <a:miter lim="800000"/>
-            </a:ln>
-            <a:effectLst>
-              <a:innerShdw blurRad="63500" dist="88900" dir="14100000">
-                <a:srgbClr val="000000">
-                  <a:alpha val="30000"/>
-                </a:srgbClr>
-              </a:innerShdw>
-            </a:effectLst>
-            <a:scene3d>
-              <a:camera prst="orthographicFront"/>
-              <a:lightRig rig="threePt" dir="t"/>
-            </a:scene3d>
-            <a:sp3d>
-              <a:bevelT prst="relaxedInset"/>
-            </a:sp3d>
-          </p:spPr>
-          <p:style>
-            <a:lnRef idx="1">
-              <a:schemeClr val="accent1"/>
-            </a:lnRef>
-            <a:fillRef idx="3">
-              <a:schemeClr val="accent1"/>
-            </a:fillRef>
-            <a:effectRef idx="2">
-              <a:schemeClr val="accent1"/>
-            </a:effectRef>
-            <a:fontRef idx="minor">
-              <a:schemeClr val="lt1"/>
-            </a:fontRef>
-          </p:style>
-          <p:txBody>
-            <a:bodyPr rtlCol="0" anchor="ctr"/>
-            <a:lstStyle/>
-            <a:p>
-              <a:pPr algn="ctr"/>
-              <a:endParaRPr lang="en-US"/>
-            </a:p>
-          </p:txBody>
-        </p:sp>
-      </p:grpSp>
-      <p:pic>
-        <p:nvPicPr>
-          <p:cNvPr id="4" name="Tijdelijke aanduiding voor inhoud 3">
-            <a:extLst>
-              <a:ext uri="{FF2B5EF4-FFF2-40B4-BE49-F238E27FC236}">
-                <a16:creationId xmlns:a16="http://schemas.microsoft.com/office/drawing/2014/main" id="{802C7981-80B0-4D8F-8126-AF4F5E413F39}"/>
-              </a:ext>
-            </a:extLst>
-          </p:cNvPr>
-          <p:cNvPicPr>
-            <a:picLocks noChangeAspect="1"/>
-          </p:cNvPicPr>
-          <p:nvPr/>
-        </p:nvPicPr>
-        <p:blipFill rotWithShape="1">
-          <a:blip r:embed="rId4"/>
-          <a:srcRect l="2350" r="-4" b="-4"/>
-          <a:stretch/>
-        </p:blipFill>
-        <p:spPr>
-          <a:xfrm>
-            <a:off x="7555450" y="1116345"/>
-            <a:ext cx="3360025" cy="3866172"/>
-          </a:xfrm>
-          <a:prstGeom prst="rect">
-            <a:avLst/>
-          </a:prstGeom>
-        </p:spPr>
-      </p:pic>
-    </p:spTree>
-    <p:extLst>
-      <p:ext uri="{BB962C8B-B14F-4D97-AF65-F5344CB8AC3E}">
-        <p14:creationId xmlns:p14="http://schemas.microsoft.com/office/powerpoint/2010/main" val="3021819359"/>
-      </p:ext>
-    </p:extLst>
-  </p:cSld>
-  <p:clrMapOvr>
-    <a:masterClrMapping/>
-  </p:clrMapOvr>
-</p:sld>
-</file>
-
-<file path=ppt/slides/slide7.xml><?xml version="1.0" encoding="utf-8"?>
-<p:sld xmlns:a="http://schemas.openxmlformats.org/drawingml/2006/main" xmlns:r="http://schemas.openxmlformats.org/officeDocument/2006/relationships" xmlns:p="http://schemas.openxmlformats.org/presentationml/2006/main">
-  <p:cSld>
-    <p:bg>
-      <p:bgPr>
-        <a:gradFill rotWithShape="1">
-          <a:gsLst>
-            <a:gs pos="0">
-              <a:schemeClr val="bg1">
-                <a:tint val="94000"/>
-                <a:satMod val="80000"/>
-                <a:lumMod val="106000"/>
-              </a:schemeClr>
-            </a:gs>
-            <a:gs pos="100000">
-              <a:schemeClr val="bg1">
-                <a:shade val="80000"/>
-              </a:schemeClr>
-            </a:gs>
-          </a:gsLst>
-          <a:path path="circle">
-            <a:fillToRect l="43000" r="43000" b="100000"/>
-          </a:path>
-        </a:gradFill>
-        <a:effectLst/>
-      </p:bgPr>
-    </p:bg>
-    <p:spTree>
-      <p:nvGrpSpPr>
-        <p:cNvPr id="1" name=""/>
-        <p:cNvGrpSpPr/>
-        <p:nvPr/>
-      </p:nvGrpSpPr>
-      <p:grpSpPr>
-        <a:xfrm>
-          <a:off x="0" y="0"/>
-          <a:ext cx="0" cy="0"/>
-          <a:chOff x="0" y="0"/>
-          <a:chExt cx="0" cy="0"/>
-        </a:xfrm>
-      </p:grpSpPr>
-      <p:sp>
-        <p:nvSpPr>
-          <p:cNvPr id="2" name="Titel 1">
-            <a:extLst>
-              <a:ext uri="{FF2B5EF4-FFF2-40B4-BE49-F238E27FC236}">
-                <a16:creationId xmlns:a16="http://schemas.microsoft.com/office/drawing/2014/main" id="{8EDE602D-7504-42CF-A276-FE1173F975AB}"/>
-              </a:ext>
-            </a:extLst>
-          </p:cNvPr>
-          <p:cNvSpPr>
-            <a:spLocks noGrp="1"/>
-          </p:cNvSpPr>
-          <p:nvPr>
-            <p:ph type="title"/>
-          </p:nvPr>
-        </p:nvSpPr>
-        <p:spPr>
-          <a:xfrm>
-            <a:off x="1451580" y="804520"/>
-            <a:ext cx="3530157" cy="1049235"/>
-          </a:xfrm>
-        </p:spPr>
-        <p:txBody>
-          <a:bodyPr>
-            <a:normAutofit/>
-          </a:bodyPr>
-          <a:lstStyle/>
-          <a:p>
-            <a:r>
-              <a:rPr lang="en-US" sz="1800"/>
-              <a:t>Het prototype 3d ontwerp van de dispenser</a:t>
-            </a:r>
-            <a:br>
-              <a:rPr lang="en-US" sz="1800"/>
-            </a:br>
-            <a:endParaRPr lang="nl-NL" sz="1800"/>
-          </a:p>
-        </p:txBody>
-      </p:sp>
-      <p:sp>
-        <p:nvSpPr>
-          <p:cNvPr id="1028" name="Content Placeholder 1029">
-            <a:extLst>
-              <a:ext uri="{FF2B5EF4-FFF2-40B4-BE49-F238E27FC236}">
-                <a16:creationId xmlns:a16="http://schemas.microsoft.com/office/drawing/2014/main" id="{402CF58D-2836-4443-BEBD-29A2E8B862BE}"/>
-              </a:ext>
-            </a:extLst>
-          </p:cNvPr>
-          <p:cNvSpPr>
-            <a:spLocks noGrp="1"/>
-          </p:cNvSpPr>
-          <p:nvPr>
-            <p:ph idx="1"/>
-          </p:nvPr>
-        </p:nvSpPr>
-        <p:spPr>
-          <a:xfrm>
-            <a:off x="1451581" y="2015732"/>
-            <a:ext cx="3526523" cy="3450613"/>
-          </a:xfrm>
-        </p:spPr>
-        <p:txBody>
-          <a:bodyPr>
-            <a:normAutofit/>
-          </a:bodyPr>
-          <a:lstStyle/>
-          <a:p>
-            <a:r>
-              <a:rPr lang="en-US" dirty="0"/>
-              <a:t>Biljet </a:t>
-            </a:r>
-            <a:r>
-              <a:rPr lang="nl-NL" dirty="0"/>
-              <a:t>9.9 x 5.1cm</a:t>
-            </a:r>
-          </a:p>
-          <a:p>
-            <a:r>
-              <a:rPr lang="nl-NL" dirty="0">
-                <a:hlinkClick r:id="rId2" tooltip="https://www.tinkercad.com/things/2aWaPZDOyaX-fakeatm-geld"/>
-              </a:rPr>
-              <a:t>https://www.tinkercad.com/things/2aWaPZDOyaX-fakeatm-geld</a:t>
-            </a:r>
-            <a:endParaRPr lang="en-US" dirty="0"/>
-          </a:p>
-        </p:txBody>
-      </p:sp>
-      <p:grpSp>
-        <p:nvGrpSpPr>
-          <p:cNvPr id="137" name="Group 136">
-            <a:extLst>
-              <a:ext uri="{FF2B5EF4-FFF2-40B4-BE49-F238E27FC236}">
-                <a16:creationId xmlns:a16="http://schemas.microsoft.com/office/drawing/2014/main" id="{9604219D-896F-415B-9C37-37C3D815D6B4}"/>
-              </a:ext>
-              <a:ext uri="{C183D7F6-B498-43B3-948B-1728B52AA6E4}">
-                <adec:decorative xmlns:adec="http://schemas.microsoft.com/office/drawing/2017/decorative" val="1"/>
-              </a:ext>
-            </a:extLst>
-          </p:cNvPr>
-          <p:cNvGrpSpPr>
-            <a:grpSpLocks noGrp="1" noUngrp="1" noRot="1" noChangeAspect="1" noMove="1" noResize="1"/>
-          </p:cNvGrpSpPr>
-          <p:nvPr>
-            <p:extLst>
-              <p:ext uri="{386F3935-93C4-4BCD-93E2-E3B085C9AB24}">
-                <p16:designElem xmlns:p16="http://schemas.microsoft.com/office/powerpoint/2015/main" val="1"/>
-              </p:ext>
-            </p:extLst>
-          </p:nvPr>
-        </p:nvGrpSpPr>
-        <p:grpSpPr>
-          <a:xfrm>
-            <a:off x="5460131" y="482171"/>
-            <a:ext cx="6091791" cy="5149101"/>
-            <a:chOff x="5460131" y="482171"/>
-            <a:chExt cx="6091791" cy="5149101"/>
-          </a:xfrm>
-        </p:grpSpPr>
-        <p:sp>
-          <p:nvSpPr>
-            <p:cNvPr id="138" name="Rectangle 137">
-              <a:extLst>
-                <a:ext uri="{FF2B5EF4-FFF2-40B4-BE49-F238E27FC236}">
-                  <a16:creationId xmlns:a16="http://schemas.microsoft.com/office/drawing/2014/main" id="{14E9ACF6-3144-4686-85D1-16E3BC2E29A6}"/>
-                </a:ext>
-                <a:ext uri="{C183D7F6-B498-43B3-948B-1728B52AA6E4}">
-                  <adec:decorative xmlns:adec="http://schemas.microsoft.com/office/drawing/2017/decorative" val="1"/>
-                </a:ext>
-              </a:extLst>
-            </p:cNvPr>
-            <p:cNvSpPr/>
-            <p:nvPr>
-              <p:extLst>
-                <p:ext uri="{386F3935-93C4-4BCD-93E2-E3B085C9AB24}">
-                  <p16:designElem xmlns:p16="http://schemas.microsoft.com/office/powerpoint/2015/main" val="1"/>
-                </p:ext>
-              </p:extLst>
-            </p:nvPr>
-          </p:nvSpPr>
-          <p:spPr>
-            <a:xfrm>
-              <a:off x="5460131" y="482171"/>
-              <a:ext cx="6091791" cy="5149101"/>
-            </a:xfrm>
-            <a:prstGeom prst="rect">
-              <a:avLst/>
-            </a:prstGeom>
-            <a:blipFill dpi="0" rotWithShape="1">
-              <a:blip r:embed="rId3">
-                <a:alphaModFix amt="30000"/>
-              </a:blip>
-              <a:srcRect/>
-              <a:tile tx="0" ty="0" sx="100000" sy="100000" flip="none" algn="ctr"/>
-            </a:blipFill>
-            <a:ln w="76200" cmpd="sng">
-              <a:noFill/>
-              <a:miter lim="800000"/>
-            </a:ln>
-            <a:effectLst>
-              <a:outerShdw blurRad="127000" dist="228600" dir="4740000" sx="98000" sy="98000" algn="tl" rotWithShape="0">
-                <a:srgbClr val="000000">
-                  <a:alpha val="34000"/>
-                </a:srgbClr>
-              </a:outerShdw>
-            </a:effectLst>
-            <a:scene3d>
-              <a:camera prst="orthographicFront"/>
-              <a:lightRig rig="threePt" dir="t"/>
-            </a:scene3d>
-            <a:sp3d extrusionH="76200" contourW="12700" prstMaterial="matte">
-              <a:bevelT w="152400" h="50800" prst="softRound"/>
-              <a:extrusionClr>
-                <a:schemeClr val="tx2"/>
-              </a:extrusionClr>
-              <a:contourClr>
-                <a:schemeClr val="bg2"/>
-              </a:contourClr>
-            </a:sp3d>
-          </p:spPr>
-          <p:style>
-            <a:lnRef idx="1">
-              <a:schemeClr val="accent1"/>
-            </a:lnRef>
-            <a:fillRef idx="3">
-              <a:schemeClr val="accent1"/>
-            </a:fillRef>
-            <a:effectRef idx="2">
-              <a:schemeClr val="accent1"/>
-            </a:effectRef>
-            <a:fontRef idx="minor">
-              <a:schemeClr val="lt1"/>
-            </a:fontRef>
-          </p:style>
-          <p:txBody>
-            <a:bodyPr rtlCol="0" anchor="ctr"/>
-            <a:lstStyle/>
-            <a:p>
-              <a:pPr algn="ctr"/>
-              <a:endParaRPr lang="en-US"/>
-            </a:p>
-          </p:txBody>
-        </p:sp>
-        <p:sp>
-          <p:nvSpPr>
-            <p:cNvPr id="139" name="Rectangle 138">
-              <a:extLst>
-                <a:ext uri="{FF2B5EF4-FFF2-40B4-BE49-F238E27FC236}">
-                  <a16:creationId xmlns:a16="http://schemas.microsoft.com/office/drawing/2014/main" id="{C6A238AC-6BAF-49C2-B29F-0C42A28F60C6}"/>
-                </a:ext>
-                <a:ext uri="{C183D7F6-B498-43B3-948B-1728B52AA6E4}">
-                  <adec:decorative xmlns:adec="http://schemas.microsoft.com/office/drawing/2017/decorative" val="1"/>
-                </a:ext>
-              </a:extLst>
-            </p:cNvPr>
-            <p:cNvSpPr/>
-            <p:nvPr>
-              <p:extLst>
-                <p:ext uri="{386F3935-93C4-4BCD-93E2-E3B085C9AB24}">
-                  <p16:designElem xmlns:p16="http://schemas.microsoft.com/office/powerpoint/2015/main" val="1"/>
-                </p:ext>
-              </p:extLst>
-            </p:nvPr>
-          </p:nvSpPr>
-          <p:spPr>
-            <a:xfrm>
-              <a:off x="5778956" y="812507"/>
-              <a:ext cx="5461780" cy="4466452"/>
-            </a:xfrm>
-            <a:prstGeom prst="rect">
-              <a:avLst/>
-            </a:prstGeom>
-            <a:gradFill>
-              <a:gsLst>
-                <a:gs pos="0">
-                  <a:srgbClr val="DADADA"/>
-                </a:gs>
-                <a:gs pos="100000">
-                  <a:srgbClr val="FFFFFE"/>
-                </a:gs>
-              </a:gsLst>
-              <a:lin ang="16200000" scaled="0"/>
-            </a:gradFill>
-            <a:ln w="38100" cmpd="sng">
-              <a:solidFill>
-                <a:schemeClr val="tx2">
-                  <a:lumMod val="25000"/>
-                </a:schemeClr>
-              </a:solidFill>
-              <a:miter lim="800000"/>
-            </a:ln>
-            <a:effectLst>
-              <a:innerShdw blurRad="63500" dist="88900" dir="14100000">
-                <a:srgbClr val="000000">
-                  <a:alpha val="30000"/>
-                </a:srgbClr>
-              </a:innerShdw>
-            </a:effectLst>
-            <a:scene3d>
-              <a:camera prst="orthographicFront"/>
-              <a:lightRig rig="threePt" dir="t"/>
-            </a:scene3d>
-            <a:sp3d>
-              <a:bevelT prst="relaxedInset"/>
-            </a:sp3d>
-          </p:spPr>
-          <p:style>
-            <a:lnRef idx="1">
-              <a:schemeClr val="accent1"/>
-            </a:lnRef>
-            <a:fillRef idx="3">
-              <a:schemeClr val="accent1"/>
-            </a:fillRef>
-            <a:effectRef idx="2">
-              <a:schemeClr val="accent1"/>
-            </a:effectRef>
-            <a:fontRef idx="minor">
-              <a:schemeClr val="lt1"/>
-            </a:fontRef>
-          </p:style>
-          <p:txBody>
-            <a:bodyPr rtlCol="0" anchor="ctr"/>
-            <a:lstStyle/>
-            <a:p>
-              <a:pPr algn="ctr"/>
-              <a:endParaRPr lang="en-US"/>
-            </a:p>
-          </p:txBody>
-        </p:sp>
-      </p:grpSp>
-      <p:sp>
-        <p:nvSpPr>
-          <p:cNvPr id="141" name="Rectangle 140">
-            <a:extLst>
-              <a:ext uri="{FF2B5EF4-FFF2-40B4-BE49-F238E27FC236}">
-                <a16:creationId xmlns:a16="http://schemas.microsoft.com/office/drawing/2014/main" id="{708C352B-BA75-4968-BC2B-5E8FA0717E46}"/>
-              </a:ext>
-              <a:ext uri="{C183D7F6-B498-43B3-948B-1728B52AA6E4}">
-                <adec:decorative xmlns:adec="http://schemas.microsoft.com/office/drawing/2017/decorative" val="1"/>
-              </a:ext>
-            </a:extLst>
-          </p:cNvPr>
-          <p:cNvSpPr>
-            <a:spLocks noGrp="1" noRot="1" noChangeAspect="1" noMove="1" noResize="1" noEditPoints="1" noAdjustHandles="1" noChangeArrowheads="1" noChangeShapeType="1" noTextEdit="1"/>
-          </p:cNvSpPr>
-          <p:nvPr>
-            <p:extLst>
-              <p:ext uri="{386F3935-93C4-4BCD-93E2-E3B085C9AB24}">
-                <p16:designElem xmlns:p16="http://schemas.microsoft.com/office/powerpoint/2015/main" val="1"/>
-              </p:ext>
-            </p:extLst>
-          </p:nvPr>
-        </p:nvSpPr>
-        <p:spPr>
-          <a:xfrm>
-            <a:off x="5942378" y="977099"/>
-            <a:ext cx="5123274" cy="4138331"/>
-          </a:xfrm>
-          <a:prstGeom prst="rect">
-            <a:avLst/>
-          </a:prstGeom>
-          <a:solidFill>
-            <a:srgbClr val="FFFFFE"/>
-          </a:solidFill>
-          <a:ln w="6350">
-            <a:solidFill>
-              <a:schemeClr val="tx2"/>
-            </a:solidFill>
-          </a:ln>
-        </p:spPr>
-        <p:style>
-          <a:lnRef idx="2">
-            <a:schemeClr val="accent1">
-              <a:shade val="50000"/>
-            </a:schemeClr>
-          </a:lnRef>
-          <a:fillRef idx="1">
-            <a:schemeClr val="accent1"/>
-          </a:fillRef>
-          <a:effectRef idx="0">
-            <a:schemeClr val="accent1"/>
-          </a:effectRef>
-          <a:fontRef idx="minor">
-            <a:schemeClr val="lt1"/>
-          </a:fontRef>
-        </p:style>
-        <p:txBody>
-          <a:bodyPr rtlCol="0" anchor="ctr"/>
-          <a:lstStyle/>
-          <a:p>
-            <a:pPr algn="ctr"/>
-            <a:endParaRPr lang="en-US"/>
-          </a:p>
-        </p:txBody>
-      </p:sp>
-      <p:pic>
-        <p:nvPicPr>
-          <p:cNvPr id="1026" name="Picture 2">
-            <a:extLst>
-              <a:ext uri="{FF2B5EF4-FFF2-40B4-BE49-F238E27FC236}">
-                <a16:creationId xmlns:a16="http://schemas.microsoft.com/office/drawing/2014/main" id="{5C92127C-4BDC-4F52-B539-68424AEF2085}"/>
-              </a:ext>
-            </a:extLst>
-          </p:cNvPr>
-          <p:cNvPicPr>
-            <a:picLocks noChangeAspect="1" noChangeArrowheads="1"/>
-          </p:cNvPicPr>
-          <p:nvPr/>
-        </p:nvPicPr>
-        <p:blipFill>
-          <a:blip r:embed="rId4">
-            <a:extLst>
-              <a:ext uri="{28A0092B-C50C-407E-A947-70E740481C1C}">
-                <a14:useLocalDpi xmlns:a14="http://schemas.microsoft.com/office/drawing/2010/main" val="0"/>
-              </a:ext>
-            </a:extLst>
-          </a:blip>
-          <a:stretch>
-            <a:fillRect/>
-          </a:stretch>
-        </p:blipFill>
-        <p:spPr bwMode="auto">
-          <a:xfrm>
-            <a:off x="6093997" y="1994320"/>
-            <a:ext cx="1085643" cy="1930032"/>
-          </a:xfrm>
-          <a:prstGeom prst="rect">
-            <a:avLst/>
-          </a:prstGeom>
-          <a:noFill/>
-          <a:extLst>
-            <a:ext uri="{909E8E84-426E-40DD-AFC4-6F175D3DCCD1}">
-              <a14:hiddenFill xmlns:a14="http://schemas.microsoft.com/office/drawing/2010/main">
-                <a:solidFill>
-                  <a:srgbClr val="FFFFFF"/>
-                </a:solidFill>
-              </a14:hiddenFill>
-            </a:ext>
-          </a:extLst>
-        </p:spPr>
-      </p:pic>
-      <p:pic>
-        <p:nvPicPr>
-          <p:cNvPr id="4" name="Tijdelijke aanduiding voor inhoud 3">
-            <a:extLst>
-              <a:ext uri="{FF2B5EF4-FFF2-40B4-BE49-F238E27FC236}">
-                <a16:creationId xmlns:a16="http://schemas.microsoft.com/office/drawing/2014/main" id="{ED497BC3-8F06-4140-8F6F-BDFE40A66850}"/>
-              </a:ext>
-            </a:extLst>
-          </p:cNvPr>
-          <p:cNvPicPr>
-            <a:picLocks noChangeAspect="1"/>
-          </p:cNvPicPr>
-          <p:nvPr/>
-        </p:nvPicPr>
-        <p:blipFill>
-          <a:blip r:embed="rId5"/>
-          <a:stretch>
-            <a:fillRect/>
-          </a:stretch>
-        </p:blipFill>
-        <p:spPr>
-          <a:xfrm>
-            <a:off x="7331259" y="1720653"/>
-            <a:ext cx="3660461" cy="2672135"/>
-          </a:xfrm>
-          <a:prstGeom prst="rect">
-            <a:avLst/>
-          </a:prstGeom>
-        </p:spPr>
-      </p:pic>
-    </p:spTree>
-    <p:extLst>
-      <p:ext uri="{BB962C8B-B14F-4D97-AF65-F5344CB8AC3E}">
-        <p14:creationId xmlns:p14="http://schemas.microsoft.com/office/powerpoint/2010/main" val="3566131501"/>
-      </p:ext>
-    </p:extLst>
-  </p:cSld>
-  <p:clrMapOvr>
-    <a:masterClrMapping/>
-  </p:clrMapOvr>
-</p:sld>
-</file>
-
-<file path=ppt/slides/slide8.xml><?xml version="1.0" encoding="utf-8"?>
-<p:sld xmlns:a="http://schemas.openxmlformats.org/drawingml/2006/main" xmlns:r="http://schemas.openxmlformats.org/officeDocument/2006/relationships" xmlns:p="http://schemas.openxmlformats.org/presentationml/2006/main">
-  <p:cSld>
-    <p:bg>
-      <p:bgPr>
-        <a:gradFill rotWithShape="1">
-          <a:gsLst>
-            <a:gs pos="0">
-              <a:schemeClr val="bg2">
-                <a:tint val="94000"/>
-                <a:satMod val="80000"/>
-                <a:lumMod val="106000"/>
-              </a:schemeClr>
-            </a:gs>
-            <a:gs pos="100000">
-              <a:schemeClr val="bg2">
-                <a:shade val="80000"/>
-              </a:schemeClr>
-            </a:gs>
-          </a:gsLst>
-          <a:path path="circle">
-            <a:fillToRect l="43000" r="43000" b="100000"/>
-          </a:path>
-        </a:gradFill>
-        <a:effectLst/>
-      </p:bgPr>
-    </p:bg>
-    <p:spTree>
-      <p:nvGrpSpPr>
-        <p:cNvPr id="1" name=""/>
-        <p:cNvGrpSpPr/>
-        <p:nvPr/>
-      </p:nvGrpSpPr>
-      <p:grpSpPr>
-        <a:xfrm>
-          <a:off x="0" y="0"/>
-          <a:ext cx="0" cy="0"/>
-          <a:chOff x="0" y="0"/>
-          <a:chExt cx="0" cy="0"/>
-        </a:xfrm>
-      </p:grpSpPr>
-      <p:sp>
-        <p:nvSpPr>
-          <p:cNvPr id="138" name="Rectangle 137">
-            <a:extLst>
-              <a:ext uri="{FF2B5EF4-FFF2-40B4-BE49-F238E27FC236}">
-                <a16:creationId xmlns:a16="http://schemas.microsoft.com/office/drawing/2014/main" id="{CDDE5CDF-1512-4CDA-B956-23D223F8DE44}"/>
-              </a:ext>
-              <a:ext uri="{C183D7F6-B498-43B3-948B-1728B52AA6E4}">
-                <adec:decorative xmlns:adec="http://schemas.microsoft.com/office/drawing/2017/decorative" val="1"/>
-              </a:ext>
-            </a:extLst>
-          </p:cNvPr>
-          <p:cNvSpPr>
-            <a:spLocks noGrp="1" noRot="1" noChangeAspect="1" noMove="1" noResize="1" noEditPoints="1" noAdjustHandles="1" noChangeArrowheads="1" noChangeShapeType="1" noTextEdit="1"/>
-          </p:cNvSpPr>
-          <p:nvPr>
-            <p:extLst>
-              <p:ext uri="{386F3935-93C4-4BCD-93E2-E3B085C9AB24}">
-                <p16:designElem xmlns:p16="http://schemas.microsoft.com/office/powerpoint/2015/main" val="1"/>
-              </p:ext>
-            </p:extLst>
-          </p:nvPr>
-        </p:nvSpPr>
-        <p:spPr>
-          <a:xfrm>
-            <a:off x="0" y="2019476"/>
-            <a:ext cx="12192000" cy="4105941"/>
-          </a:xfrm>
-          <a:prstGeom prst="rect">
-            <a:avLst/>
-          </a:prstGeom>
-          <a:gradFill flip="none" rotWithShape="1">
-            <a:gsLst>
-              <a:gs pos="0">
-                <a:schemeClr val="bg2">
-                  <a:alpha val="0"/>
-                </a:schemeClr>
-              </a:gs>
-              <a:gs pos="100000">
-                <a:schemeClr val="bg2"/>
-              </a:gs>
-            </a:gsLst>
-            <a:lin ang="5400000" scaled="0"/>
-            <a:tileRect/>
-          </a:gradFill>
-          <a:ln>
-            <a:noFill/>
-          </a:ln>
-        </p:spPr>
-        <p:style>
-          <a:lnRef idx="2">
-            <a:schemeClr val="accent1">
-              <a:shade val="50000"/>
-            </a:schemeClr>
-          </a:lnRef>
-          <a:fillRef idx="1">
-            <a:schemeClr val="accent1"/>
-          </a:fillRef>
-          <a:effectRef idx="0">
-            <a:schemeClr val="accent1"/>
-          </a:effectRef>
-          <a:fontRef idx="minor">
-            <a:schemeClr val="lt1"/>
-          </a:fontRef>
-        </p:style>
-      </p:sp>
-      <p:pic>
-        <p:nvPicPr>
-          <p:cNvPr id="140" name="Picture 139">
-            <a:extLst>
-              <a:ext uri="{FF2B5EF4-FFF2-40B4-BE49-F238E27FC236}">
-                <a16:creationId xmlns:a16="http://schemas.microsoft.com/office/drawing/2014/main" id="{B029D7D8-5A6B-4C76-94C8-15798C6C5ADB}"/>
-              </a:ext>
-              <a:ext uri="{C183D7F6-B498-43B3-948B-1728B52AA6E4}">
-                <adec:decorative xmlns:adec="http://schemas.microsoft.com/office/drawing/2017/decorative" val="1"/>
-              </a:ext>
-            </a:extLst>
-          </p:cNvPr>
-          <p:cNvPicPr>
-            <a:picLocks noGrp="1" noRot="1" noChangeAspect="1" noMove="1" noResize="1" noEditPoints="1" noAdjustHandles="1" noChangeArrowheads="1" noChangeShapeType="1" noCrop="1"/>
-          </p:cNvPicPr>
-          <p:nvPr>
-            <p:extLst>
-              <p:ext uri="{386F3935-93C4-4BCD-93E2-E3B085C9AB24}">
-                <p16:designElem xmlns:p16="http://schemas.microsoft.com/office/powerpoint/2015/main" val="1"/>
-              </p:ext>
-            </p:extLst>
-          </p:nvPr>
-        </p:nvPicPr>
-        <p:blipFill rotWithShape="1">
-          <a:blip r:embed="rId2">
-            <a:extLst>
-              <a:ext uri="{28A0092B-C50C-407E-A947-70E740481C1C}">
-                <a14:useLocalDpi xmlns:a14="http://schemas.microsoft.com/office/drawing/2010/main" val="0"/>
-              </a:ext>
-            </a:extLst>
-          </a:blip>
-          <a:srcRect t="1538" b="-1538"/>
-          <a:stretch/>
-        </p:blipFill>
-        <p:spPr bwMode="black">
-          <a:xfrm>
-            <a:off x="0" y="6126480"/>
-            <a:ext cx="12192000" cy="742950"/>
-          </a:xfrm>
-          <a:prstGeom prst="rect">
-            <a:avLst/>
-          </a:prstGeom>
-        </p:spPr>
-      </p:pic>
-      <p:cxnSp>
-        <p:nvCxnSpPr>
-          <p:cNvPr id="142" name="Straight Connector 141">
-            <a:extLst>
-              <a:ext uri="{FF2B5EF4-FFF2-40B4-BE49-F238E27FC236}">
-                <a16:creationId xmlns:a16="http://schemas.microsoft.com/office/drawing/2014/main" id="{A5C9319C-E20D-4884-952F-60B6A58C3E34}"/>
-              </a:ext>
-              <a:ext uri="{C183D7F6-B498-43B3-948B-1728B52AA6E4}">
-                <adec:decorative xmlns:adec="http://schemas.microsoft.com/office/drawing/2017/decorative" val="1"/>
-              </a:ext>
-            </a:extLst>
-          </p:cNvPr>
-          <p:cNvCxnSpPr>
-            <a:cxnSpLocks noGrp="1" noRot="1" noChangeAspect="1" noMove="1" noResize="1" noEditPoints="1" noAdjustHandles="1" noChangeArrowheads="1" noChangeShapeType="1"/>
-          </p:cNvCxnSpPr>
-          <p:nvPr>
-            <p:extLst>
-              <p:ext uri="{386F3935-93C4-4BCD-93E2-E3B085C9AB24}">
-                <p16:designElem xmlns:p16="http://schemas.microsoft.com/office/powerpoint/2015/main" val="1"/>
-              </p:ext>
-            </p:extLst>
-          </p:nvPr>
-        </p:nvCxnSpPr>
-        <p:spPr>
-          <a:xfrm>
-            <a:off x="0" y="6128413"/>
-            <a:ext cx="12192000" cy="0"/>
-          </a:xfrm>
-          <a:prstGeom prst="line">
-            <a:avLst/>
-          </a:prstGeom>
-          <a:ln w="12700">
-            <a:solidFill>
-              <a:srgbClr val="000001">
-                <a:alpha val="20000"/>
-              </a:srgbClr>
-            </a:solidFill>
-          </a:ln>
-        </p:spPr>
-        <p:style>
-          <a:lnRef idx="1">
-            <a:schemeClr val="accent1"/>
-          </a:lnRef>
-          <a:fillRef idx="0">
-            <a:schemeClr val="accent1"/>
-          </a:fillRef>
-          <a:effectRef idx="0">
-            <a:schemeClr val="accent1"/>
-          </a:effectRef>
-          <a:fontRef idx="minor">
-            <a:schemeClr val="tx1"/>
-          </a:fontRef>
-        </p:style>
-      </p:cxnSp>
-      <p:sp>
-        <p:nvSpPr>
-          <p:cNvPr id="144" name="Rectangle 143">
-            <a:extLst>
-              <a:ext uri="{FF2B5EF4-FFF2-40B4-BE49-F238E27FC236}">
-                <a16:creationId xmlns:a16="http://schemas.microsoft.com/office/drawing/2014/main" id="{B6E6531A-0776-43BA-A852-5FB5C77534D5}"/>
-              </a:ext>
-              <a:ext uri="{C183D7F6-B498-43B3-948B-1728B52AA6E4}">
-                <adec:decorative xmlns:adec="http://schemas.microsoft.com/office/drawing/2017/decorative" val="1"/>
-              </a:ext>
-            </a:extLst>
-          </p:cNvPr>
-          <p:cNvSpPr>
-            <a:spLocks noGrp="1" noRot="1" noChangeAspect="1" noMove="1" noResize="1" noEditPoints="1" noAdjustHandles="1" noChangeArrowheads="1" noChangeShapeType="1" noTextEdit="1"/>
-          </p:cNvSpPr>
-          <p:nvPr>
-            <p:extLst>
-              <p:ext uri="{386F3935-93C4-4BCD-93E2-E3B085C9AB24}">
-                <p16:designElem xmlns:p16="http://schemas.microsoft.com/office/powerpoint/2015/main" val="1"/>
-              </p:ext>
-            </p:extLst>
-          </p:nvPr>
-        </p:nvSpPr>
-        <p:spPr>
-          <a:xfrm>
-            <a:off x="1556085" y="533400"/>
-            <a:ext cx="9079832" cy="5077326"/>
-          </a:xfrm>
-          <a:prstGeom prst="rect">
-            <a:avLst/>
-          </a:prstGeom>
-          <a:gradFill>
-            <a:gsLst>
-              <a:gs pos="0">
-                <a:srgbClr val="000001"/>
-              </a:gs>
-              <a:gs pos="100000">
-                <a:srgbClr val="191919"/>
-              </a:gs>
-            </a:gsLst>
-          </a:gradFill>
-          <a:ln w="76200" cmpd="sng">
-            <a:noFill/>
-            <a:miter lim="800000"/>
-          </a:ln>
-          <a:effectLst>
-            <a:outerShdw blurRad="127000" dist="228600" dir="4740000" sx="98000" sy="98000" algn="tl" rotWithShape="0">
-              <a:srgbClr val="000000">
-                <a:alpha val="34000"/>
-              </a:srgbClr>
-            </a:outerShdw>
-          </a:effectLst>
-          <a:scene3d>
-            <a:camera prst="orthographicFront"/>
-            <a:lightRig rig="threePt" dir="t"/>
-          </a:scene3d>
-          <a:sp3d>
-            <a:bevelT w="152400" h="50800" prst="softRound"/>
-          </a:sp3d>
-        </p:spPr>
-        <p:style>
-          <a:lnRef idx="1">
-            <a:schemeClr val="accent1"/>
-          </a:lnRef>
-          <a:fillRef idx="3">
-            <a:schemeClr val="accent1"/>
-          </a:fillRef>
-          <a:effectRef idx="2">
-            <a:schemeClr val="accent1"/>
-          </a:effectRef>
-          <a:fontRef idx="minor">
-            <a:schemeClr val="lt1"/>
-          </a:fontRef>
-        </p:style>
-        <p:txBody>
-          <a:bodyPr rtlCol="0" anchor="ctr"/>
-          <a:lstStyle/>
-          <a:p>
-            <a:pPr algn="ctr"/>
-            <a:endParaRPr lang="en-US"/>
-          </a:p>
-        </p:txBody>
-      </p:sp>
-      <p:sp>
-        <p:nvSpPr>
-          <p:cNvPr id="146" name="Rectangle 145">
-            <a:extLst>
-              <a:ext uri="{FF2B5EF4-FFF2-40B4-BE49-F238E27FC236}">
-                <a16:creationId xmlns:a16="http://schemas.microsoft.com/office/drawing/2014/main" id="{F8C5273F-2B84-46BF-A94F-1A20E13B3AA1}"/>
-              </a:ext>
-              <a:ext uri="{C183D7F6-B498-43B3-948B-1728B52AA6E4}">
-                <adec:decorative xmlns:adec="http://schemas.microsoft.com/office/drawing/2017/decorative" val="1"/>
-              </a:ext>
-            </a:extLst>
-          </p:cNvPr>
-          <p:cNvSpPr>
-            <a:spLocks noGrp="1" noRot="1" noChangeAspect="1" noMove="1" noResize="1" noEditPoints="1" noAdjustHandles="1" noChangeArrowheads="1" noChangeShapeType="1" noTextEdit="1"/>
-          </p:cNvSpPr>
-          <p:nvPr>
-            <p:extLst>
-              <p:ext uri="{386F3935-93C4-4BCD-93E2-E3B085C9AB24}">
-                <p16:designElem xmlns:p16="http://schemas.microsoft.com/office/powerpoint/2015/main" val="1"/>
-              </p:ext>
-            </p:extLst>
-          </p:nvPr>
-        </p:nvSpPr>
-        <p:spPr>
-          <a:xfrm>
-            <a:off x="1784605" y="763203"/>
-            <a:ext cx="8622792" cy="4617720"/>
-          </a:xfrm>
-          <a:prstGeom prst="rect">
-            <a:avLst/>
-          </a:prstGeom>
-          <a:gradFill>
-            <a:gsLst>
-              <a:gs pos="0">
-                <a:srgbClr val="DADADA"/>
-              </a:gs>
-              <a:gs pos="100000">
-                <a:srgbClr val="FFFFFE"/>
-              </a:gs>
-            </a:gsLst>
-            <a:lin ang="16200000" scaled="0"/>
-          </a:gradFill>
-          <a:ln w="50800" cmpd="sng">
-            <a:solidFill>
-              <a:srgbClr val="191919"/>
-            </a:solidFill>
-            <a:miter lim="800000"/>
-          </a:ln>
-          <a:effectLst>
-            <a:innerShdw blurRad="63500" dist="88900" dir="14100000">
-              <a:srgbClr val="000000">
-                <a:alpha val="30000"/>
-              </a:srgbClr>
-            </a:innerShdw>
-          </a:effectLst>
-          <a:scene3d>
-            <a:camera prst="orthographicFront"/>
-            <a:lightRig rig="threePt" dir="t"/>
-          </a:scene3d>
-          <a:sp3d>
-            <a:bevelT prst="relaxedInset"/>
-          </a:sp3d>
-        </p:spPr>
-        <p:style>
-          <a:lnRef idx="1">
-            <a:schemeClr val="accent1"/>
-          </a:lnRef>
-          <a:fillRef idx="3">
-            <a:schemeClr val="accent1"/>
-          </a:fillRef>
-          <a:effectRef idx="2">
-            <a:schemeClr val="accent1"/>
-          </a:effectRef>
-          <a:fontRef idx="minor">
-            <a:schemeClr val="lt1"/>
-          </a:fontRef>
-        </p:style>
-        <p:txBody>
-          <a:bodyPr rtlCol="0" anchor="ctr"/>
-          <a:lstStyle/>
-          <a:p>
-            <a:pPr algn="ctr"/>
-            <a:endParaRPr lang="en-US"/>
-          </a:p>
-        </p:txBody>
-      </p:sp>
-      <p:pic>
-        <p:nvPicPr>
-          <p:cNvPr id="1026" name="Picture 2">
-            <a:extLst>
-              <a:ext uri="{FF2B5EF4-FFF2-40B4-BE49-F238E27FC236}">
-                <a16:creationId xmlns:a16="http://schemas.microsoft.com/office/drawing/2014/main" id="{B33FBA7E-9159-4D0F-AA10-A956D13AAE6C}"/>
-              </a:ext>
-            </a:extLst>
-          </p:cNvPr>
-          <p:cNvPicPr>
-            <a:picLocks noChangeAspect="1" noChangeArrowheads="1"/>
-          </p:cNvPicPr>
-          <p:nvPr/>
-        </p:nvPicPr>
-        <p:blipFill rotWithShape="1">
-          <a:blip r:embed="rId3">
-            <a:extLst>
-              <a:ext uri="{28A0092B-C50C-407E-A947-70E740481C1C}">
-                <a14:useLocalDpi xmlns:a14="http://schemas.microsoft.com/office/drawing/2010/main" val="0"/>
-              </a:ext>
-            </a:extLst>
-          </a:blip>
-          <a:srcRect r="1" b="8881"/>
-          <a:stretch/>
-        </p:blipFill>
-        <p:spPr bwMode="auto">
-          <a:xfrm>
-            <a:off x="3820992" y="1247835"/>
-            <a:ext cx="4550017" cy="3648456"/>
-          </a:xfrm>
-          <a:prstGeom prst="rect">
-            <a:avLst/>
-          </a:prstGeom>
-          <a:noFill/>
-          <a:extLst>
-            <a:ext uri="{909E8E84-426E-40DD-AFC4-6F175D3DCCD1}">
-              <a14:hiddenFill xmlns:a14="http://schemas.microsoft.com/office/drawing/2010/main">
-                <a:solidFill>
-                  <a:srgbClr val="FFFFFF"/>
-                </a:solidFill>
-              </a14:hiddenFill>
-            </a:ext>
-          </a:extLst>
-        </p:spPr>
-      </p:pic>
-    </p:spTree>
-    <p:extLst>
-      <p:ext uri="{BB962C8B-B14F-4D97-AF65-F5344CB8AC3E}">
-        <p14:creationId xmlns:p14="http://schemas.microsoft.com/office/powerpoint/2010/main" val="4268216158"/>
-      </p:ext>
-    </p:extLst>
-  </p:cSld>
-  <p:clrMapOvr>
-    <a:masterClrMapping/>
-  </p:clrMapOvr>
-</p:sld>
-</file>
-
-<file path=ppt/slides/slide9.xml><?xml version="1.0" encoding="utf-8"?>
 <p:sld xmlns:a="http://schemas.openxmlformats.org/drawingml/2006/main" xmlns:r="http://schemas.openxmlformats.org/officeDocument/2006/relationships" xmlns:p="http://schemas.openxmlformats.org/presentationml/2006/main">
   <p:cSld>
     <p:bg>
@@ -10180,6 +8452,3725 @@
 </p:sld>
 </file>
 
+<file path=ppt/slides/slide11.xml><?xml version="1.0" encoding="utf-8"?>
+<p:sld xmlns:a="http://schemas.openxmlformats.org/drawingml/2006/main" xmlns:r="http://schemas.openxmlformats.org/officeDocument/2006/relationships" xmlns:p="http://schemas.openxmlformats.org/presentationml/2006/main">
+  <p:cSld>
+    <p:bg>
+      <p:bgPr>
+        <a:gradFill rotWithShape="1">
+          <a:gsLst>
+            <a:gs pos="0">
+              <a:schemeClr val="bg1">
+                <a:tint val="94000"/>
+                <a:satMod val="80000"/>
+                <a:lumMod val="106000"/>
+              </a:schemeClr>
+            </a:gs>
+            <a:gs pos="100000">
+              <a:schemeClr val="bg1">
+                <a:shade val="80000"/>
+              </a:schemeClr>
+            </a:gs>
+          </a:gsLst>
+          <a:path path="circle">
+            <a:fillToRect l="43000" r="43000" b="100000"/>
+          </a:path>
+        </a:gradFill>
+        <a:effectLst/>
+      </p:bgPr>
+    </p:bg>
+    <p:spTree>
+      <p:nvGrpSpPr>
+        <p:cNvPr id="1" name=""/>
+        <p:cNvGrpSpPr/>
+        <p:nvPr/>
+      </p:nvGrpSpPr>
+      <p:grpSpPr>
+        <a:xfrm>
+          <a:off x="0" y="0"/>
+          <a:ext cx="0" cy="0"/>
+          <a:chOff x="0" y="0"/>
+          <a:chExt cx="0" cy="0"/>
+        </a:xfrm>
+      </p:grpSpPr>
+      <p:sp>
+        <p:nvSpPr>
+          <p:cNvPr id="2" name="Titel 1">
+            <a:extLst>
+              <a:ext uri="{FF2B5EF4-FFF2-40B4-BE49-F238E27FC236}">
+                <a16:creationId xmlns:a16="http://schemas.microsoft.com/office/drawing/2014/main" id="{426676A9-F6CC-4023-BB2F-4E5CEF771164}"/>
+              </a:ext>
+            </a:extLst>
+          </p:cNvPr>
+          <p:cNvSpPr>
+            <a:spLocks noGrp="1"/>
+          </p:cNvSpPr>
+          <p:nvPr>
+            <p:ph type="title"/>
+          </p:nvPr>
+        </p:nvSpPr>
+        <p:spPr>
+          <a:xfrm>
+            <a:off x="1451579" y="804519"/>
+            <a:ext cx="9291215" cy="1049235"/>
+          </a:xfrm>
+        </p:spPr>
+        <p:txBody>
+          <a:bodyPr>
+            <a:normAutofit/>
+          </a:bodyPr>
+          <a:lstStyle/>
+          <a:p>
+            <a:r>
+              <a:rPr lang="en-US" dirty="0" err="1"/>
+              <a:t>nieuwe</a:t>
+            </a:r>
+            <a:r>
+              <a:rPr lang="en-US" dirty="0"/>
+              <a:t> </a:t>
+            </a:r>
+            <a:r>
+              <a:rPr lang="en-US" dirty="0" err="1"/>
+              <a:t>Presentatie</a:t>
+            </a:r>
+            <a:r>
+              <a:rPr lang="en-US" dirty="0"/>
+              <a:t> Sprint Backlog</a:t>
+            </a:r>
+            <a:endParaRPr lang="nl-NL" dirty="0"/>
+          </a:p>
+        </p:txBody>
+      </p:sp>
+      <p:graphicFrame>
+        <p:nvGraphicFramePr>
+          <p:cNvPr id="4" name="Tijdelijke aanduiding voor inhoud 3">
+            <a:extLst>
+              <a:ext uri="{FF2B5EF4-FFF2-40B4-BE49-F238E27FC236}">
+                <a16:creationId xmlns:a16="http://schemas.microsoft.com/office/drawing/2014/main" id="{0DFDC6BC-E714-44B4-85E6-1E6BD69710E2}"/>
+              </a:ext>
+            </a:extLst>
+          </p:cNvPr>
+          <p:cNvGraphicFramePr>
+            <a:graphicFrameLocks noGrp="1"/>
+          </p:cNvGraphicFramePr>
+          <p:nvPr>
+            <p:ph idx="1"/>
+            <p:extLst>
+              <p:ext uri="{D42A27DB-BD31-4B8C-83A1-F6EECF244321}">
+                <p14:modId xmlns:p14="http://schemas.microsoft.com/office/powerpoint/2010/main" val="2352606656"/>
+              </p:ext>
+            </p:extLst>
+          </p:nvPr>
+        </p:nvGraphicFramePr>
+        <p:xfrm>
+          <a:off x="770021" y="2011679"/>
+          <a:ext cx="10751418" cy="3425681"/>
+        </p:xfrm>
+        <a:graphic>
+          <a:graphicData uri="http://schemas.openxmlformats.org/drawingml/2006/table">
+            <a:tbl>
+              <a:tblPr firstRow="1" firstCol="1" bandRow="1">
+                <a:tableStyleId>{5C22544A-7EE6-4342-B048-85BDC9FD1C3A}</a:tableStyleId>
+              </a:tblPr>
+              <a:tblGrid>
+                <a:gridCol w="838581">
+                  <a:extLst>
+                    <a:ext uri="{9D8B030D-6E8A-4147-A177-3AD203B41FA5}">
+                      <a16:colId xmlns:a16="http://schemas.microsoft.com/office/drawing/2014/main" val="2006555766"/>
+                    </a:ext>
+                  </a:extLst>
+                </a:gridCol>
+                <a:gridCol w="987013">
+                  <a:extLst>
+                    <a:ext uri="{9D8B030D-6E8A-4147-A177-3AD203B41FA5}">
+                      <a16:colId xmlns:a16="http://schemas.microsoft.com/office/drawing/2014/main" val="1437825450"/>
+                    </a:ext>
+                  </a:extLst>
+                </a:gridCol>
+                <a:gridCol w="1223753">
+                  <a:extLst>
+                    <a:ext uri="{9D8B030D-6E8A-4147-A177-3AD203B41FA5}">
+                      <a16:colId xmlns:a16="http://schemas.microsoft.com/office/drawing/2014/main" val="3297612562"/>
+                    </a:ext>
+                  </a:extLst>
+                </a:gridCol>
+                <a:gridCol w="1689717">
+                  <a:extLst>
+                    <a:ext uri="{9D8B030D-6E8A-4147-A177-3AD203B41FA5}">
+                      <a16:colId xmlns:a16="http://schemas.microsoft.com/office/drawing/2014/main" val="1674290093"/>
+                    </a:ext>
+                  </a:extLst>
+                </a:gridCol>
+                <a:gridCol w="2118104">
+                  <a:extLst>
+                    <a:ext uri="{9D8B030D-6E8A-4147-A177-3AD203B41FA5}">
+                      <a16:colId xmlns:a16="http://schemas.microsoft.com/office/drawing/2014/main" val="1533383482"/>
+                    </a:ext>
+                  </a:extLst>
+                </a:gridCol>
+                <a:gridCol w="1124172">
+                  <a:extLst>
+                    <a:ext uri="{9D8B030D-6E8A-4147-A177-3AD203B41FA5}">
+                      <a16:colId xmlns:a16="http://schemas.microsoft.com/office/drawing/2014/main" val="1472663277"/>
+                    </a:ext>
+                  </a:extLst>
+                </a:gridCol>
+                <a:gridCol w="2770078">
+                  <a:extLst>
+                    <a:ext uri="{9D8B030D-6E8A-4147-A177-3AD203B41FA5}">
+                      <a16:colId xmlns:a16="http://schemas.microsoft.com/office/drawing/2014/main" val="1997208279"/>
+                    </a:ext>
+                  </a:extLst>
+                </a:gridCol>
+              </a:tblGrid>
+              <a:tr h="462014">
+                <a:tc>
+                  <a:txBody>
+                    <a:bodyPr/>
+                    <a:lstStyle/>
+                    <a:p>
+                      <a:r>
+                        <a:rPr lang="nl-NL" sz="1000">
+                          <a:effectLst/>
+                        </a:rPr>
+                        <a:t>Features</a:t>
+                      </a:r>
+                      <a:endParaRPr lang="nl-NL" sz="1000">
+                        <a:effectLst/>
+                        <a:latin typeface="Calibri" panose="020F0502020204030204" pitchFamily="34" charset="0"/>
+                        <a:ea typeface="Calibri" panose="020F0502020204030204" pitchFamily="34" charset="0"/>
+                        <a:cs typeface="Arial" panose="020B0604020202020204" pitchFamily="34" charset="0"/>
+                      </a:endParaRPr>
+                    </a:p>
+                  </a:txBody>
+                  <a:tcPr marL="57739" marR="57739" marT="0" marB="0"/>
+                </a:tc>
+                <a:tc>
+                  <a:txBody>
+                    <a:bodyPr/>
+                    <a:lstStyle/>
+                    <a:p>
+                      <a:r>
+                        <a:rPr lang="nl-NL" sz="1000">
+                          <a:effectLst/>
+                        </a:rPr>
+                        <a:t>Wil ik</a:t>
+                      </a:r>
+                      <a:endParaRPr lang="nl-NL" sz="1000">
+                        <a:effectLst/>
+                        <a:latin typeface="Calibri" panose="020F0502020204030204" pitchFamily="34" charset="0"/>
+                        <a:ea typeface="Calibri" panose="020F0502020204030204" pitchFamily="34" charset="0"/>
+                        <a:cs typeface="Arial" panose="020B0604020202020204" pitchFamily="34" charset="0"/>
+                      </a:endParaRPr>
+                    </a:p>
+                  </a:txBody>
+                  <a:tcPr marL="57739" marR="57739" marT="0" marB="0"/>
+                </a:tc>
+                <a:tc>
+                  <a:txBody>
+                    <a:bodyPr/>
+                    <a:lstStyle/>
+                    <a:p>
+                      <a:r>
+                        <a:rPr lang="nl-NL" sz="1000">
+                          <a:effectLst/>
+                        </a:rPr>
+                        <a:t>Als gebruiker</a:t>
+                      </a:r>
+                      <a:endParaRPr lang="nl-NL" sz="1000">
+                        <a:effectLst/>
+                        <a:latin typeface="Calibri" panose="020F0502020204030204" pitchFamily="34" charset="0"/>
+                        <a:ea typeface="Calibri" panose="020F0502020204030204" pitchFamily="34" charset="0"/>
+                        <a:cs typeface="Arial" panose="020B0604020202020204" pitchFamily="34" charset="0"/>
+                      </a:endParaRPr>
+                    </a:p>
+                  </a:txBody>
+                  <a:tcPr marL="57739" marR="57739" marT="0" marB="0"/>
+                </a:tc>
+                <a:tc>
+                  <a:txBody>
+                    <a:bodyPr/>
+                    <a:lstStyle/>
+                    <a:p>
+                      <a:r>
+                        <a:rPr lang="nl-NL" sz="1000">
+                          <a:effectLst/>
+                        </a:rPr>
+                        <a:t>Waarom</a:t>
+                      </a:r>
+                      <a:endParaRPr lang="nl-NL" sz="1000">
+                        <a:effectLst/>
+                        <a:latin typeface="Calibri" panose="020F0502020204030204" pitchFamily="34" charset="0"/>
+                        <a:ea typeface="Calibri" panose="020F0502020204030204" pitchFamily="34" charset="0"/>
+                        <a:cs typeface="Arial" panose="020B0604020202020204" pitchFamily="34" charset="0"/>
+                      </a:endParaRPr>
+                    </a:p>
+                  </a:txBody>
+                  <a:tcPr marL="57739" marR="57739" marT="0" marB="0"/>
+                </a:tc>
+                <a:tc>
+                  <a:txBody>
+                    <a:bodyPr/>
+                    <a:lstStyle/>
+                    <a:p>
+                      <a:r>
+                        <a:rPr lang="nl-NL" sz="1000" dirty="0">
+                          <a:effectLst/>
+                        </a:rPr>
+                        <a:t>Taken</a:t>
+                      </a:r>
+                      <a:endParaRPr lang="nl-NL" sz="1000" dirty="0">
+                        <a:effectLst/>
+                        <a:latin typeface="Calibri" panose="020F0502020204030204" pitchFamily="34" charset="0"/>
+                        <a:ea typeface="Calibri" panose="020F0502020204030204" pitchFamily="34" charset="0"/>
+                        <a:cs typeface="Arial" panose="020B0604020202020204" pitchFamily="34" charset="0"/>
+                      </a:endParaRPr>
+                    </a:p>
+                  </a:txBody>
+                  <a:tcPr marL="57739" marR="57739" marT="0" marB="0"/>
+                </a:tc>
+                <a:tc>
+                  <a:txBody>
+                    <a:bodyPr/>
+                    <a:lstStyle/>
+                    <a:p>
+                      <a:r>
+                        <a:rPr lang="nl-NL" sz="1000">
+                          <a:effectLst/>
+                        </a:rPr>
+                        <a:t>Moeilijkheids-graad</a:t>
+                      </a:r>
+                      <a:endParaRPr lang="nl-NL" sz="1000">
+                        <a:effectLst/>
+                        <a:latin typeface="Calibri" panose="020F0502020204030204" pitchFamily="34" charset="0"/>
+                        <a:ea typeface="Calibri" panose="020F0502020204030204" pitchFamily="34" charset="0"/>
+                        <a:cs typeface="Arial" panose="020B0604020202020204" pitchFamily="34" charset="0"/>
+                      </a:endParaRPr>
+                    </a:p>
+                  </a:txBody>
+                  <a:tcPr marL="57739" marR="57739" marT="0" marB="0"/>
+                </a:tc>
+                <a:tc>
+                  <a:txBody>
+                    <a:bodyPr/>
+                    <a:lstStyle/>
+                    <a:p>
+                      <a:r>
+                        <a:rPr lang="nl-NL" sz="1000">
+                          <a:effectLst/>
+                        </a:rPr>
+                        <a:t>Acceptance criteria</a:t>
+                      </a:r>
+                      <a:endParaRPr lang="nl-NL" sz="1000">
+                        <a:effectLst/>
+                        <a:latin typeface="Calibri" panose="020F0502020204030204" pitchFamily="34" charset="0"/>
+                        <a:ea typeface="Calibri" panose="020F0502020204030204" pitchFamily="34" charset="0"/>
+                        <a:cs typeface="Arial" panose="020B0604020202020204" pitchFamily="34" charset="0"/>
+                      </a:endParaRPr>
+                    </a:p>
+                  </a:txBody>
+                  <a:tcPr marL="57739" marR="57739" marT="0" marB="0"/>
+                </a:tc>
+                <a:extLst>
+                  <a:ext uri="{0D108BD9-81ED-4DB2-BD59-A6C34878D82A}">
+                    <a16:rowId xmlns:a16="http://schemas.microsoft.com/office/drawing/2014/main" val="3813367114"/>
+                  </a:ext>
+                </a:extLst>
+              </a:tr>
+              <a:tr h="1441047">
+                <a:tc>
+                  <a:txBody>
+                    <a:bodyPr/>
+                    <a:lstStyle/>
+                    <a:p>
+                      <a:r>
+                        <a:rPr lang="nl-NL" sz="1000">
+                          <a:effectLst/>
+                        </a:rPr>
+                        <a:t>7</a:t>
+                      </a:r>
+                      <a:endParaRPr lang="nl-NL" sz="1000">
+                        <a:effectLst/>
+                        <a:latin typeface="Calibri" panose="020F0502020204030204" pitchFamily="34" charset="0"/>
+                        <a:ea typeface="Calibri" panose="020F0502020204030204" pitchFamily="34" charset="0"/>
+                        <a:cs typeface="Arial" panose="020B0604020202020204" pitchFamily="34" charset="0"/>
+                      </a:endParaRPr>
+                    </a:p>
+                  </a:txBody>
+                  <a:tcPr marL="57739" marR="57739" marT="0" marB="0"/>
+                </a:tc>
+                <a:tc>
+                  <a:txBody>
+                    <a:bodyPr/>
+                    <a:lstStyle/>
+                    <a:p>
+                      <a:r>
+                        <a:rPr lang="nl-NL" sz="1000">
+                          <a:effectLst/>
+                        </a:rPr>
+                        <a:t>Prototype maken van de ATM</a:t>
+                      </a:r>
+                      <a:endParaRPr lang="nl-NL" sz="1000">
+                        <a:effectLst/>
+                        <a:latin typeface="Calibri" panose="020F0502020204030204" pitchFamily="34" charset="0"/>
+                        <a:ea typeface="Calibri" panose="020F0502020204030204" pitchFamily="34" charset="0"/>
+                        <a:cs typeface="Arial" panose="020B0604020202020204" pitchFamily="34" charset="0"/>
+                      </a:endParaRPr>
+                    </a:p>
+                  </a:txBody>
+                  <a:tcPr marL="57739" marR="57739" marT="0" marB="0"/>
+                </a:tc>
+                <a:tc>
+                  <a:txBody>
+                    <a:bodyPr/>
+                    <a:lstStyle/>
+                    <a:p>
+                      <a:r>
+                        <a:rPr lang="nl-NL" sz="1000">
+                          <a:effectLst/>
+                        </a:rPr>
+                        <a:t>De werknemer</a:t>
+                      </a:r>
+                      <a:endParaRPr lang="nl-NL" sz="1000">
+                        <a:effectLst/>
+                        <a:latin typeface="Calibri" panose="020F0502020204030204" pitchFamily="34" charset="0"/>
+                        <a:ea typeface="Calibri" panose="020F0502020204030204" pitchFamily="34" charset="0"/>
+                        <a:cs typeface="Arial" panose="020B0604020202020204" pitchFamily="34" charset="0"/>
+                      </a:endParaRPr>
+                    </a:p>
+                  </a:txBody>
+                  <a:tcPr marL="57739" marR="57739" marT="0" marB="0"/>
+                </a:tc>
+                <a:tc>
+                  <a:txBody>
+                    <a:bodyPr/>
+                    <a:lstStyle/>
+                    <a:p>
+                      <a:r>
+                        <a:rPr lang="nl-NL" sz="1000">
+                          <a:effectLst/>
+                        </a:rPr>
+                        <a:t>Zodat de werknemer alle hardware componenten kunnen testen</a:t>
+                      </a:r>
+                      <a:endParaRPr lang="nl-NL" sz="1000">
+                        <a:effectLst/>
+                        <a:latin typeface="Calibri" panose="020F0502020204030204" pitchFamily="34" charset="0"/>
+                        <a:ea typeface="Calibri" panose="020F0502020204030204" pitchFamily="34" charset="0"/>
+                        <a:cs typeface="Arial" panose="020B0604020202020204" pitchFamily="34" charset="0"/>
+                      </a:endParaRPr>
+                    </a:p>
+                  </a:txBody>
+                  <a:tcPr marL="57739" marR="57739" marT="0" marB="0"/>
+                </a:tc>
+                <a:tc>
+                  <a:txBody>
+                    <a:bodyPr/>
+                    <a:lstStyle/>
+                    <a:p>
+                      <a:r>
+                        <a:rPr lang="nl-NL" sz="1000">
+                          <a:effectLst/>
+                        </a:rPr>
+                        <a:t>Ontwerp bovenkant lasersnijden met afmetingen</a:t>
+                      </a:r>
+                      <a:endParaRPr lang="nl-NL" sz="1000">
+                        <a:effectLst/>
+                        <a:latin typeface="Calibri" panose="020F0502020204030204" pitchFamily="34" charset="0"/>
+                        <a:ea typeface="Calibri" panose="020F0502020204030204" pitchFamily="34" charset="0"/>
+                        <a:cs typeface="Arial" panose="020B0604020202020204" pitchFamily="34" charset="0"/>
+                      </a:endParaRPr>
+                    </a:p>
+                  </a:txBody>
+                  <a:tcPr marL="57739" marR="57739" marT="0" marB="0"/>
+                </a:tc>
+                <a:tc>
+                  <a:txBody>
+                    <a:bodyPr/>
+                    <a:lstStyle/>
+                    <a:p>
+                      <a:r>
+                        <a:rPr lang="nl-NL" sz="1000">
+                          <a:effectLst/>
+                        </a:rPr>
+                        <a:t>10</a:t>
+                      </a:r>
+                      <a:endParaRPr lang="nl-NL" sz="1000">
+                        <a:effectLst/>
+                        <a:latin typeface="Calibri" panose="020F0502020204030204" pitchFamily="34" charset="0"/>
+                        <a:ea typeface="Calibri" panose="020F0502020204030204" pitchFamily="34" charset="0"/>
+                        <a:cs typeface="Arial" panose="020B0604020202020204" pitchFamily="34" charset="0"/>
+                      </a:endParaRPr>
+                    </a:p>
+                  </a:txBody>
+                  <a:tcPr marL="57739" marR="57739" marT="0" marB="0"/>
+                </a:tc>
+                <a:tc>
+                  <a:txBody>
+                    <a:bodyPr/>
+                    <a:lstStyle/>
+                    <a:p>
+                      <a:r>
+                        <a:rPr lang="nl-NL" sz="1000">
+                          <a:effectLst/>
+                        </a:rPr>
+                        <a:t>Ontwerp bovenkant moet gaten bevatten voor 8 knoppen, Pin ingang, Bon uitgang, numpad, Laptop scherm stand. </a:t>
+                      </a:r>
+                      <a:endParaRPr lang="nl-NL" sz="1000">
+                        <a:effectLst/>
+                        <a:latin typeface="Calibri" panose="020F0502020204030204" pitchFamily="34" charset="0"/>
+                        <a:ea typeface="Calibri" panose="020F0502020204030204" pitchFamily="34" charset="0"/>
+                        <a:cs typeface="Arial" panose="020B0604020202020204" pitchFamily="34" charset="0"/>
+                      </a:endParaRPr>
+                    </a:p>
+                  </a:txBody>
+                  <a:tcPr marL="57739" marR="57739" marT="0" marB="0"/>
+                </a:tc>
+                <a:extLst>
+                  <a:ext uri="{0D108BD9-81ED-4DB2-BD59-A6C34878D82A}">
+                    <a16:rowId xmlns:a16="http://schemas.microsoft.com/office/drawing/2014/main" val="676537862"/>
+                  </a:ext>
+                </a:extLst>
+              </a:tr>
+              <a:tr h="761310">
+                <a:tc>
+                  <a:txBody>
+                    <a:bodyPr/>
+                    <a:lstStyle/>
+                    <a:p>
+                      <a:r>
+                        <a:rPr lang="nl-NL" sz="1000">
+                          <a:effectLst/>
+                        </a:rPr>
+                        <a:t> </a:t>
+                      </a:r>
+                      <a:endParaRPr lang="nl-NL" sz="1000">
+                        <a:effectLst/>
+                        <a:latin typeface="Calibri" panose="020F0502020204030204" pitchFamily="34" charset="0"/>
+                        <a:ea typeface="Calibri" panose="020F0502020204030204" pitchFamily="34" charset="0"/>
+                        <a:cs typeface="Arial" panose="020B0604020202020204" pitchFamily="34" charset="0"/>
+                      </a:endParaRPr>
+                    </a:p>
+                  </a:txBody>
+                  <a:tcPr marL="57739" marR="57739" marT="0" marB="0"/>
+                </a:tc>
+                <a:tc>
+                  <a:txBody>
+                    <a:bodyPr/>
+                    <a:lstStyle/>
+                    <a:p>
+                      <a:r>
+                        <a:rPr lang="nl-NL" sz="1000">
+                          <a:effectLst/>
+                        </a:rPr>
+                        <a:t> </a:t>
+                      </a:r>
+                      <a:endParaRPr lang="nl-NL" sz="1000">
+                        <a:effectLst/>
+                        <a:latin typeface="Calibri" panose="020F0502020204030204" pitchFamily="34" charset="0"/>
+                        <a:ea typeface="Calibri" panose="020F0502020204030204" pitchFamily="34" charset="0"/>
+                        <a:cs typeface="Arial" panose="020B0604020202020204" pitchFamily="34" charset="0"/>
+                      </a:endParaRPr>
+                    </a:p>
+                  </a:txBody>
+                  <a:tcPr marL="57739" marR="57739" marT="0" marB="0"/>
+                </a:tc>
+                <a:tc>
+                  <a:txBody>
+                    <a:bodyPr/>
+                    <a:lstStyle/>
+                    <a:p>
+                      <a:r>
+                        <a:rPr lang="nl-NL" sz="1000">
+                          <a:effectLst/>
+                        </a:rPr>
+                        <a:t> </a:t>
+                      </a:r>
+                      <a:endParaRPr lang="nl-NL" sz="1000">
+                        <a:effectLst/>
+                        <a:latin typeface="Calibri" panose="020F0502020204030204" pitchFamily="34" charset="0"/>
+                        <a:ea typeface="Calibri" panose="020F0502020204030204" pitchFamily="34" charset="0"/>
+                        <a:cs typeface="Arial" panose="020B0604020202020204" pitchFamily="34" charset="0"/>
+                      </a:endParaRPr>
+                    </a:p>
+                  </a:txBody>
+                  <a:tcPr marL="57739" marR="57739" marT="0" marB="0"/>
+                </a:tc>
+                <a:tc>
+                  <a:txBody>
+                    <a:bodyPr/>
+                    <a:lstStyle/>
+                    <a:p>
+                      <a:r>
+                        <a:rPr lang="nl-NL" sz="1000">
+                          <a:effectLst/>
+                        </a:rPr>
+                        <a:t> </a:t>
+                      </a:r>
+                      <a:endParaRPr lang="nl-NL" sz="1000">
+                        <a:effectLst/>
+                        <a:latin typeface="Calibri" panose="020F0502020204030204" pitchFamily="34" charset="0"/>
+                        <a:ea typeface="Calibri" panose="020F0502020204030204" pitchFamily="34" charset="0"/>
+                        <a:cs typeface="Arial" panose="020B0604020202020204" pitchFamily="34" charset="0"/>
+                      </a:endParaRPr>
+                    </a:p>
+                  </a:txBody>
+                  <a:tcPr marL="57739" marR="57739" marT="0" marB="0"/>
+                </a:tc>
+                <a:tc>
+                  <a:txBody>
+                    <a:bodyPr/>
+                    <a:lstStyle/>
+                    <a:p>
+                      <a:r>
+                        <a:rPr lang="nl-NL" sz="1000">
+                          <a:effectLst/>
+                        </a:rPr>
+                        <a:t>Ontwerp onderkant laser cutten met afmetingen</a:t>
+                      </a:r>
+                      <a:endParaRPr lang="nl-NL" sz="1000">
+                        <a:effectLst/>
+                        <a:latin typeface="Calibri" panose="020F0502020204030204" pitchFamily="34" charset="0"/>
+                        <a:ea typeface="Calibri" panose="020F0502020204030204" pitchFamily="34" charset="0"/>
+                        <a:cs typeface="Arial" panose="020B0604020202020204" pitchFamily="34" charset="0"/>
+                      </a:endParaRPr>
+                    </a:p>
+                  </a:txBody>
+                  <a:tcPr marL="57739" marR="57739" marT="0" marB="0"/>
+                </a:tc>
+                <a:tc>
+                  <a:txBody>
+                    <a:bodyPr/>
+                    <a:lstStyle/>
+                    <a:p>
+                      <a:r>
+                        <a:rPr lang="nl-NL" sz="1000">
+                          <a:effectLst/>
+                        </a:rPr>
+                        <a:t> </a:t>
+                      </a:r>
+                      <a:endParaRPr lang="nl-NL" sz="1000">
+                        <a:effectLst/>
+                        <a:latin typeface="Calibri" panose="020F0502020204030204" pitchFamily="34" charset="0"/>
+                        <a:ea typeface="Calibri" panose="020F0502020204030204" pitchFamily="34" charset="0"/>
+                        <a:cs typeface="Arial" panose="020B0604020202020204" pitchFamily="34" charset="0"/>
+                      </a:endParaRPr>
+                    </a:p>
+                  </a:txBody>
+                  <a:tcPr marL="57739" marR="57739" marT="0" marB="0"/>
+                </a:tc>
+                <a:tc>
+                  <a:txBody>
+                    <a:bodyPr/>
+                    <a:lstStyle/>
+                    <a:p>
+                      <a:r>
+                        <a:rPr lang="nl-NL" sz="1000">
+                          <a:effectLst/>
+                        </a:rPr>
+                        <a:t>Ontwerp onderkant moet gaten bevatten voor de biljetten dispenser.</a:t>
+                      </a:r>
+                      <a:endParaRPr lang="nl-NL" sz="1000">
+                        <a:effectLst/>
+                        <a:latin typeface="Calibri" panose="020F0502020204030204" pitchFamily="34" charset="0"/>
+                        <a:ea typeface="Calibri" panose="020F0502020204030204" pitchFamily="34" charset="0"/>
+                        <a:cs typeface="Arial" panose="020B0604020202020204" pitchFamily="34" charset="0"/>
+                      </a:endParaRPr>
+                    </a:p>
+                  </a:txBody>
+                  <a:tcPr marL="57739" marR="57739" marT="0" marB="0"/>
+                </a:tc>
+                <a:extLst>
+                  <a:ext uri="{0D108BD9-81ED-4DB2-BD59-A6C34878D82A}">
+                    <a16:rowId xmlns:a16="http://schemas.microsoft.com/office/drawing/2014/main" val="3961819994"/>
+                  </a:ext>
+                </a:extLst>
+              </a:tr>
+              <a:tr h="761310">
+                <a:tc>
+                  <a:txBody>
+                    <a:bodyPr/>
+                    <a:lstStyle/>
+                    <a:p>
+                      <a:r>
+                        <a:rPr lang="nl-NL" sz="1000">
+                          <a:effectLst/>
+                        </a:rPr>
+                        <a:t> </a:t>
+                      </a:r>
+                      <a:endParaRPr lang="nl-NL" sz="1000">
+                        <a:effectLst/>
+                        <a:latin typeface="Calibri" panose="020F0502020204030204" pitchFamily="34" charset="0"/>
+                        <a:ea typeface="Calibri" panose="020F0502020204030204" pitchFamily="34" charset="0"/>
+                        <a:cs typeface="Arial" panose="020B0604020202020204" pitchFamily="34" charset="0"/>
+                      </a:endParaRPr>
+                    </a:p>
+                  </a:txBody>
+                  <a:tcPr marL="57739" marR="57739" marT="0" marB="0"/>
+                </a:tc>
+                <a:tc>
+                  <a:txBody>
+                    <a:bodyPr/>
+                    <a:lstStyle/>
+                    <a:p>
+                      <a:r>
+                        <a:rPr lang="nl-NL" sz="1000">
+                          <a:effectLst/>
+                        </a:rPr>
+                        <a:t> </a:t>
+                      </a:r>
+                      <a:endParaRPr lang="nl-NL" sz="1000">
+                        <a:effectLst/>
+                        <a:latin typeface="Calibri" panose="020F0502020204030204" pitchFamily="34" charset="0"/>
+                        <a:ea typeface="Calibri" panose="020F0502020204030204" pitchFamily="34" charset="0"/>
+                        <a:cs typeface="Arial" panose="020B0604020202020204" pitchFamily="34" charset="0"/>
+                      </a:endParaRPr>
+                    </a:p>
+                  </a:txBody>
+                  <a:tcPr marL="57739" marR="57739" marT="0" marB="0"/>
+                </a:tc>
+                <a:tc>
+                  <a:txBody>
+                    <a:bodyPr/>
+                    <a:lstStyle/>
+                    <a:p>
+                      <a:r>
+                        <a:rPr lang="nl-NL" sz="1000">
+                          <a:effectLst/>
+                        </a:rPr>
+                        <a:t> </a:t>
+                      </a:r>
+                      <a:endParaRPr lang="nl-NL" sz="1000">
+                        <a:effectLst/>
+                        <a:latin typeface="Calibri" panose="020F0502020204030204" pitchFamily="34" charset="0"/>
+                        <a:ea typeface="Calibri" panose="020F0502020204030204" pitchFamily="34" charset="0"/>
+                        <a:cs typeface="Arial" panose="020B0604020202020204" pitchFamily="34" charset="0"/>
+                      </a:endParaRPr>
+                    </a:p>
+                  </a:txBody>
+                  <a:tcPr marL="57739" marR="57739" marT="0" marB="0"/>
+                </a:tc>
+                <a:tc>
+                  <a:txBody>
+                    <a:bodyPr/>
+                    <a:lstStyle/>
+                    <a:p>
+                      <a:r>
+                        <a:rPr lang="nl-NL" sz="1000">
+                          <a:effectLst/>
+                        </a:rPr>
+                        <a:t> </a:t>
+                      </a:r>
+                      <a:endParaRPr lang="nl-NL" sz="1000">
+                        <a:effectLst/>
+                        <a:latin typeface="Calibri" panose="020F0502020204030204" pitchFamily="34" charset="0"/>
+                        <a:ea typeface="Calibri" panose="020F0502020204030204" pitchFamily="34" charset="0"/>
+                        <a:cs typeface="Arial" panose="020B0604020202020204" pitchFamily="34" charset="0"/>
+                      </a:endParaRPr>
+                    </a:p>
+                  </a:txBody>
+                  <a:tcPr marL="57739" marR="57739" marT="0" marB="0"/>
+                </a:tc>
+                <a:tc>
+                  <a:txBody>
+                    <a:bodyPr/>
+                    <a:lstStyle/>
+                    <a:p>
+                      <a:r>
+                        <a:rPr lang="nl-NL" sz="1000">
+                          <a:effectLst/>
+                        </a:rPr>
+                        <a:t>Dispenser ontwerp laser cutten met afmetingen</a:t>
+                      </a:r>
+                      <a:endParaRPr lang="nl-NL" sz="1000">
+                        <a:effectLst/>
+                        <a:latin typeface="Calibri" panose="020F0502020204030204" pitchFamily="34" charset="0"/>
+                        <a:ea typeface="Calibri" panose="020F0502020204030204" pitchFamily="34" charset="0"/>
+                        <a:cs typeface="Arial" panose="020B0604020202020204" pitchFamily="34" charset="0"/>
+                      </a:endParaRPr>
+                    </a:p>
+                  </a:txBody>
+                  <a:tcPr marL="57739" marR="57739" marT="0" marB="0"/>
+                </a:tc>
+                <a:tc>
+                  <a:txBody>
+                    <a:bodyPr/>
+                    <a:lstStyle/>
+                    <a:p>
+                      <a:r>
+                        <a:rPr lang="nl-NL" sz="1000">
+                          <a:effectLst/>
+                        </a:rPr>
+                        <a:t> </a:t>
+                      </a:r>
+                      <a:endParaRPr lang="nl-NL" sz="1000">
+                        <a:effectLst/>
+                        <a:latin typeface="Calibri" panose="020F0502020204030204" pitchFamily="34" charset="0"/>
+                        <a:ea typeface="Calibri" panose="020F0502020204030204" pitchFamily="34" charset="0"/>
+                        <a:cs typeface="Arial" panose="020B0604020202020204" pitchFamily="34" charset="0"/>
+                      </a:endParaRPr>
+                    </a:p>
+                  </a:txBody>
+                  <a:tcPr marL="57739" marR="57739" marT="0" marB="0"/>
+                </a:tc>
+                <a:tc>
+                  <a:txBody>
+                    <a:bodyPr/>
+                    <a:lstStyle/>
+                    <a:p>
+                      <a:r>
+                        <a:rPr lang="nl-NL" sz="1000" dirty="0">
+                          <a:effectLst/>
+                        </a:rPr>
+                        <a:t>Dispenser moet 3 dispenser bakken bevatten om de biljetten uit te werpen.</a:t>
+                      </a:r>
+                      <a:endParaRPr lang="nl-NL" sz="1000" dirty="0">
+                        <a:effectLst/>
+                        <a:latin typeface="Calibri" panose="020F0502020204030204" pitchFamily="34" charset="0"/>
+                        <a:ea typeface="Calibri" panose="020F0502020204030204" pitchFamily="34" charset="0"/>
+                        <a:cs typeface="Arial" panose="020B0604020202020204" pitchFamily="34" charset="0"/>
+                      </a:endParaRPr>
+                    </a:p>
+                  </a:txBody>
+                  <a:tcPr marL="57739" marR="57739" marT="0" marB="0"/>
+                </a:tc>
+                <a:extLst>
+                  <a:ext uri="{0D108BD9-81ED-4DB2-BD59-A6C34878D82A}">
+                    <a16:rowId xmlns:a16="http://schemas.microsoft.com/office/drawing/2014/main" val="1694577492"/>
+                  </a:ext>
+                </a:extLst>
+              </a:tr>
+            </a:tbl>
+          </a:graphicData>
+        </a:graphic>
+      </p:graphicFrame>
+    </p:spTree>
+    <p:extLst>
+      <p:ext uri="{BB962C8B-B14F-4D97-AF65-F5344CB8AC3E}">
+        <p14:creationId xmlns:p14="http://schemas.microsoft.com/office/powerpoint/2010/main" val="1553816805"/>
+      </p:ext>
+    </p:extLst>
+  </p:cSld>
+  <p:clrMapOvr>
+    <a:masterClrMapping/>
+  </p:clrMapOvr>
+</p:sld>
+</file>
+
+<file path=ppt/slides/slide12.xml><?xml version="1.0" encoding="utf-8"?>
+<p:sld xmlns:a="http://schemas.openxmlformats.org/drawingml/2006/main" xmlns:r="http://schemas.openxmlformats.org/officeDocument/2006/relationships" xmlns:p="http://schemas.openxmlformats.org/presentationml/2006/main">
+  <p:cSld>
+    <p:spTree>
+      <p:nvGrpSpPr>
+        <p:cNvPr id="1" name=""/>
+        <p:cNvGrpSpPr/>
+        <p:nvPr/>
+      </p:nvGrpSpPr>
+      <p:grpSpPr>
+        <a:xfrm>
+          <a:off x="0" y="0"/>
+          <a:ext cx="0" cy="0"/>
+          <a:chOff x="0" y="0"/>
+          <a:chExt cx="0" cy="0"/>
+        </a:xfrm>
+      </p:grpSpPr>
+      <p:sp>
+        <p:nvSpPr>
+          <p:cNvPr id="2" name="Title 1">
+            <a:extLst>
+              <a:ext uri="{FF2B5EF4-FFF2-40B4-BE49-F238E27FC236}">
+                <a16:creationId xmlns:a16="http://schemas.microsoft.com/office/drawing/2014/main" id="{D4FE6C12-B335-447F-8A53-36D3F5B4FF92}"/>
+              </a:ext>
+            </a:extLst>
+          </p:cNvPr>
+          <p:cNvSpPr>
+            <a:spLocks noGrp="1"/>
+          </p:cNvSpPr>
+          <p:nvPr>
+            <p:ph type="title"/>
+          </p:nvPr>
+        </p:nvSpPr>
+        <p:spPr/>
+        <p:txBody>
+          <a:bodyPr/>
+          <a:lstStyle/>
+          <a:p>
+            <a:r>
+              <a:rPr lang="en-US" dirty="0"/>
+              <a:t>Retrospective </a:t>
+            </a:r>
+          </a:p>
+        </p:txBody>
+      </p:sp>
+      <p:sp>
+        <p:nvSpPr>
+          <p:cNvPr id="3" name="Content Placeholder 2">
+            <a:extLst>
+              <a:ext uri="{FF2B5EF4-FFF2-40B4-BE49-F238E27FC236}">
+                <a16:creationId xmlns:a16="http://schemas.microsoft.com/office/drawing/2014/main" id="{E4530438-DEF7-4C5D-B4AA-D63BB9EE1AE1}"/>
+              </a:ext>
+            </a:extLst>
+          </p:cNvPr>
+          <p:cNvSpPr>
+            <a:spLocks noGrp="1"/>
+          </p:cNvSpPr>
+          <p:nvPr>
+            <p:ph idx="1"/>
+          </p:nvPr>
+        </p:nvSpPr>
+        <p:spPr>
+          <a:xfrm>
+            <a:off x="1451580" y="2015732"/>
+            <a:ext cx="9781102" cy="3450613"/>
+          </a:xfrm>
+        </p:spPr>
+        <p:txBody>
+          <a:bodyPr/>
+          <a:lstStyle/>
+          <a:p>
+            <a:pPr lvl="1"/>
+            <a:r>
+              <a:rPr lang="en-US" dirty="0"/>
+              <a:t>Wat </a:t>
+            </a:r>
+            <a:r>
+              <a:rPr lang="en-US" dirty="0" err="1"/>
+              <a:t>kan</a:t>
+            </a:r>
+            <a:r>
+              <a:rPr lang="en-US" dirty="0"/>
+              <a:t> er </a:t>
+            </a:r>
+            <a:r>
+              <a:rPr lang="en-US" dirty="0" err="1"/>
+              <a:t>beter</a:t>
+            </a:r>
+            <a:r>
+              <a:rPr lang="en-US" dirty="0"/>
+              <a:t>?</a:t>
+            </a:r>
+          </a:p>
+          <a:p>
+            <a:pPr lvl="1"/>
+            <a:r>
+              <a:rPr lang="en-US" dirty="0"/>
+              <a:t>Meer </a:t>
+            </a:r>
+            <a:r>
+              <a:rPr lang="en-US" dirty="0" err="1"/>
+              <a:t>userstories</a:t>
+            </a:r>
+            <a:endParaRPr lang="en-US" dirty="0"/>
+          </a:p>
+          <a:p>
+            <a:pPr lvl="1"/>
+            <a:endParaRPr lang="en-US" dirty="0"/>
+          </a:p>
+        </p:txBody>
+      </p:sp>
+    </p:spTree>
+    <p:extLst>
+      <p:ext uri="{BB962C8B-B14F-4D97-AF65-F5344CB8AC3E}">
+        <p14:creationId xmlns:p14="http://schemas.microsoft.com/office/powerpoint/2010/main" val="2243324124"/>
+      </p:ext>
+    </p:extLst>
+  </p:cSld>
+  <p:clrMapOvr>
+    <a:masterClrMapping/>
+  </p:clrMapOvr>
+</p:sld>
+</file>
+
+<file path=ppt/slides/slide2.xml><?xml version="1.0" encoding="utf-8"?>
+<p:sld xmlns:a="http://schemas.openxmlformats.org/drawingml/2006/main" xmlns:r="http://schemas.openxmlformats.org/officeDocument/2006/relationships" xmlns:p="http://schemas.openxmlformats.org/presentationml/2006/main">
+  <p:cSld>
+    <p:spTree>
+      <p:nvGrpSpPr>
+        <p:cNvPr id="1" name=""/>
+        <p:cNvGrpSpPr/>
+        <p:nvPr/>
+      </p:nvGrpSpPr>
+      <p:grpSpPr>
+        <a:xfrm>
+          <a:off x="0" y="0"/>
+          <a:ext cx="0" cy="0"/>
+          <a:chOff x="0" y="0"/>
+          <a:chExt cx="0" cy="0"/>
+        </a:xfrm>
+      </p:grpSpPr>
+      <p:sp>
+        <p:nvSpPr>
+          <p:cNvPr id="2" name="Title 1">
+            <a:extLst>
+              <a:ext uri="{FF2B5EF4-FFF2-40B4-BE49-F238E27FC236}">
+                <a16:creationId xmlns:a16="http://schemas.microsoft.com/office/drawing/2014/main" id="{721E9B45-1128-4059-9B93-384E159D1301}"/>
+              </a:ext>
+            </a:extLst>
+          </p:cNvPr>
+          <p:cNvSpPr>
+            <a:spLocks noGrp="1"/>
+          </p:cNvSpPr>
+          <p:nvPr>
+            <p:ph type="title"/>
+          </p:nvPr>
+        </p:nvSpPr>
+        <p:spPr/>
+        <p:txBody>
+          <a:bodyPr/>
+          <a:lstStyle/>
+          <a:p>
+            <a:r>
+              <a:rPr lang="en-US" dirty="0"/>
+              <a:t>Sprint review </a:t>
+            </a:r>
+          </a:p>
+        </p:txBody>
+      </p:sp>
+      <p:sp>
+        <p:nvSpPr>
+          <p:cNvPr id="7" name="Content Placeholder 6">
+            <a:extLst>
+              <a:ext uri="{FF2B5EF4-FFF2-40B4-BE49-F238E27FC236}">
+                <a16:creationId xmlns:a16="http://schemas.microsoft.com/office/drawing/2014/main" id="{8ECCE279-D9AF-46BC-975F-66D4432D2DE4}"/>
+              </a:ext>
+            </a:extLst>
+          </p:cNvPr>
+          <p:cNvSpPr>
+            <a:spLocks noGrp="1"/>
+          </p:cNvSpPr>
+          <p:nvPr>
+            <p:ph idx="1"/>
+          </p:nvPr>
+        </p:nvSpPr>
+        <p:spPr/>
+        <p:txBody>
+          <a:bodyPr/>
+          <a:lstStyle/>
+          <a:p>
+            <a:r>
+              <a:rPr lang="en-US" dirty="0" err="1"/>
+              <a:t>Nieuwe</a:t>
+            </a:r>
+            <a:r>
+              <a:rPr lang="en-US" dirty="0"/>
+              <a:t> DFD</a:t>
+            </a:r>
+          </a:p>
+          <a:p>
+            <a:r>
+              <a:rPr lang="en-US" dirty="0" err="1"/>
+              <a:t>Nieuwe</a:t>
+            </a:r>
+            <a:r>
+              <a:rPr lang="en-US" dirty="0"/>
+              <a:t> Flowchart</a:t>
+            </a:r>
+          </a:p>
+          <a:p>
+            <a:r>
+              <a:rPr lang="en-US" dirty="0" err="1"/>
+              <a:t>Kleuren</a:t>
+            </a:r>
+            <a:r>
+              <a:rPr lang="en-US" dirty="0"/>
+              <a:t> </a:t>
+            </a:r>
+            <a:r>
+              <a:rPr lang="en-US" dirty="0" err="1"/>
+              <a:t>keuzes</a:t>
+            </a:r>
+            <a:endParaRPr lang="en-US" dirty="0"/>
+          </a:p>
+          <a:p>
+            <a:r>
+              <a:rPr lang="en-US" dirty="0"/>
+              <a:t>Het prototype 3d ontwerp van de ATM</a:t>
+            </a:r>
+          </a:p>
+          <a:p>
+            <a:r>
+              <a:rPr lang="en-US" dirty="0"/>
+              <a:t>Het prototype 3d ontwerp van de dispenser</a:t>
+            </a:r>
+          </a:p>
+          <a:p>
+            <a:endParaRPr lang="en-US" dirty="0"/>
+          </a:p>
+          <a:p>
+            <a:endParaRPr lang="en-US" dirty="0"/>
+          </a:p>
+        </p:txBody>
+      </p:sp>
+    </p:spTree>
+    <p:extLst>
+      <p:ext uri="{BB962C8B-B14F-4D97-AF65-F5344CB8AC3E}">
+        <p14:creationId xmlns:p14="http://schemas.microsoft.com/office/powerpoint/2010/main" val="84021674"/>
+      </p:ext>
+    </p:extLst>
+  </p:cSld>
+  <p:clrMapOvr>
+    <a:masterClrMapping/>
+  </p:clrMapOvr>
+</p:sld>
+</file>
+
+<file path=ppt/slides/slide3.xml><?xml version="1.0" encoding="utf-8"?>
+<p:sld xmlns:a="http://schemas.openxmlformats.org/drawingml/2006/main" xmlns:r="http://schemas.openxmlformats.org/officeDocument/2006/relationships" xmlns:p="http://schemas.openxmlformats.org/presentationml/2006/main">
+  <p:cSld>
+    <p:bg>
+      <p:bgPr>
+        <a:gradFill rotWithShape="1">
+          <a:gsLst>
+            <a:gs pos="0">
+              <a:schemeClr val="bg1">
+                <a:tint val="94000"/>
+                <a:satMod val="80000"/>
+                <a:lumMod val="106000"/>
+              </a:schemeClr>
+            </a:gs>
+            <a:gs pos="100000">
+              <a:schemeClr val="bg1">
+                <a:shade val="80000"/>
+              </a:schemeClr>
+            </a:gs>
+          </a:gsLst>
+          <a:path path="circle">
+            <a:fillToRect l="43000" r="43000" b="100000"/>
+          </a:path>
+        </a:gradFill>
+        <a:effectLst/>
+      </p:bgPr>
+    </p:bg>
+    <p:spTree>
+      <p:nvGrpSpPr>
+        <p:cNvPr id="1" name=""/>
+        <p:cNvGrpSpPr/>
+        <p:nvPr/>
+      </p:nvGrpSpPr>
+      <p:grpSpPr>
+        <a:xfrm>
+          <a:off x="0" y="0"/>
+          <a:ext cx="0" cy="0"/>
+          <a:chOff x="0" y="0"/>
+          <a:chExt cx="0" cy="0"/>
+        </a:xfrm>
+      </p:grpSpPr>
+      <p:sp>
+        <p:nvSpPr>
+          <p:cNvPr id="10" name="Rectangle 9">
+            <a:extLst>
+              <a:ext uri="{FF2B5EF4-FFF2-40B4-BE49-F238E27FC236}">
+                <a16:creationId xmlns:a16="http://schemas.microsoft.com/office/drawing/2014/main" id="{6B25638D-3D06-41D1-8060-4D2707C60AE8}"/>
+              </a:ext>
+              <a:ext uri="{C183D7F6-B498-43B3-948B-1728B52AA6E4}">
+                <adec:decorative xmlns:adec="http://schemas.microsoft.com/office/drawing/2017/decorative" val="1"/>
+              </a:ext>
+            </a:extLst>
+          </p:cNvPr>
+          <p:cNvSpPr>
+            <a:spLocks noGrp="1" noRot="1" noChangeAspect="1" noMove="1" noResize="1" noEditPoints="1" noAdjustHandles="1" noChangeArrowheads="1" noChangeShapeType="1" noTextEdit="1"/>
+          </p:cNvSpPr>
+          <p:nvPr>
+            <p:extLst>
+              <p:ext uri="{386F3935-93C4-4BCD-93E2-E3B085C9AB24}">
+                <p16:designElem xmlns:p16="http://schemas.microsoft.com/office/powerpoint/2015/main" val="1"/>
+              </p:ext>
+            </p:extLst>
+          </p:nvPr>
+        </p:nvSpPr>
+        <p:spPr>
+          <a:xfrm>
+            <a:off x="0" y="3622291"/>
+            <a:ext cx="12192000" cy="2505984"/>
+          </a:xfrm>
+          <a:prstGeom prst="rect">
+            <a:avLst/>
+          </a:prstGeom>
+          <a:gradFill flip="none" rotWithShape="1">
+            <a:gsLst>
+              <a:gs pos="0">
+                <a:schemeClr val="bg2">
+                  <a:alpha val="0"/>
+                </a:schemeClr>
+              </a:gs>
+              <a:gs pos="100000">
+                <a:schemeClr val="bg2">
+                  <a:alpha val="80000"/>
+                </a:schemeClr>
+              </a:gs>
+            </a:gsLst>
+            <a:lin ang="5400000" scaled="0"/>
+            <a:tileRect/>
+          </a:gradFill>
+          <a:ln>
+            <a:noFill/>
+          </a:ln>
+        </p:spPr>
+        <p:style>
+          <a:lnRef idx="2">
+            <a:schemeClr val="accent1">
+              <a:shade val="50000"/>
+            </a:schemeClr>
+          </a:lnRef>
+          <a:fillRef idx="1">
+            <a:schemeClr val="accent1"/>
+          </a:fillRef>
+          <a:effectRef idx="0">
+            <a:schemeClr val="accent1"/>
+          </a:effectRef>
+          <a:fontRef idx="minor">
+            <a:schemeClr val="lt1"/>
+          </a:fontRef>
+        </p:style>
+      </p:sp>
+      <p:pic>
+        <p:nvPicPr>
+          <p:cNvPr id="12" name="Picture 11">
+            <a:extLst>
+              <a:ext uri="{FF2B5EF4-FFF2-40B4-BE49-F238E27FC236}">
+                <a16:creationId xmlns:a16="http://schemas.microsoft.com/office/drawing/2014/main" id="{8161BB1E-0062-4056-AB94-121EF614D5FB}"/>
+              </a:ext>
+              <a:ext uri="{C183D7F6-B498-43B3-948B-1728B52AA6E4}">
+                <adec:decorative xmlns:adec="http://schemas.microsoft.com/office/drawing/2017/decorative" val="1"/>
+              </a:ext>
+            </a:extLst>
+          </p:cNvPr>
+          <p:cNvPicPr>
+            <a:picLocks noGrp="1" noRot="1" noChangeAspect="1" noMove="1" noResize="1" noEditPoints="1" noAdjustHandles="1" noChangeArrowheads="1" noChangeShapeType="1" noCrop="1"/>
+          </p:cNvPicPr>
+          <p:nvPr>
+            <p:extLst>
+              <p:ext uri="{386F3935-93C4-4BCD-93E2-E3B085C9AB24}">
+                <p16:designElem xmlns:p16="http://schemas.microsoft.com/office/powerpoint/2015/main" val="1"/>
+              </p:ext>
+            </p:extLst>
+          </p:nvPr>
+        </p:nvPicPr>
+        <p:blipFill rotWithShape="1">
+          <a:blip r:embed="rId2">
+            <a:extLst>
+              <a:ext uri="{28A0092B-C50C-407E-A947-70E740481C1C}">
+                <a14:useLocalDpi xmlns:a14="http://schemas.microsoft.com/office/drawing/2010/main" val="0"/>
+              </a:ext>
+            </a:extLst>
+          </a:blip>
+          <a:srcRect t="1538" b="-1538"/>
+          <a:stretch/>
+        </p:blipFill>
+        <p:spPr>
+          <a:xfrm>
+            <a:off x="0" y="6129338"/>
+            <a:ext cx="12192000" cy="742950"/>
+          </a:xfrm>
+          <a:prstGeom prst="rect">
+            <a:avLst/>
+          </a:prstGeom>
+        </p:spPr>
+      </p:pic>
+      <p:cxnSp>
+        <p:nvCxnSpPr>
+          <p:cNvPr id="14" name="Straight Connector 13">
+            <a:extLst>
+              <a:ext uri="{FF2B5EF4-FFF2-40B4-BE49-F238E27FC236}">
+                <a16:creationId xmlns:a16="http://schemas.microsoft.com/office/drawing/2014/main" id="{8FBC01E2-D629-4319-B5CB-BFA461B8CF30}"/>
+              </a:ext>
+              <a:ext uri="{C183D7F6-B498-43B3-948B-1728B52AA6E4}">
+                <adec:decorative xmlns:adec="http://schemas.microsoft.com/office/drawing/2017/decorative" val="1"/>
+              </a:ext>
+            </a:extLst>
+          </p:cNvPr>
+          <p:cNvCxnSpPr>
+            <a:cxnSpLocks noGrp="1" noRot="1" noChangeAspect="1" noMove="1" noResize="1" noEditPoints="1" noAdjustHandles="1" noChangeArrowheads="1" noChangeShapeType="1"/>
+          </p:cNvCxnSpPr>
+          <p:nvPr>
+            <p:extLst>
+              <p:ext uri="{386F3935-93C4-4BCD-93E2-E3B085C9AB24}">
+                <p16:designElem xmlns:p16="http://schemas.microsoft.com/office/powerpoint/2015/main" val="1"/>
+              </p:ext>
+            </p:extLst>
+          </p:nvPr>
+        </p:nvCxnSpPr>
+        <p:spPr>
+          <a:xfrm>
+            <a:off x="0" y="6138142"/>
+            <a:ext cx="12192000" cy="0"/>
+          </a:xfrm>
+          <a:prstGeom prst="line">
+            <a:avLst/>
+          </a:prstGeom>
+          <a:ln w="12700">
+            <a:solidFill>
+              <a:srgbClr val="000001">
+                <a:alpha val="20000"/>
+              </a:srgbClr>
+            </a:solidFill>
+          </a:ln>
+        </p:spPr>
+        <p:style>
+          <a:lnRef idx="1">
+            <a:schemeClr val="accent1"/>
+          </a:lnRef>
+          <a:fillRef idx="0">
+            <a:schemeClr val="accent1"/>
+          </a:fillRef>
+          <a:effectRef idx="0">
+            <a:schemeClr val="accent1"/>
+          </a:effectRef>
+          <a:fontRef idx="minor">
+            <a:schemeClr val="tx1"/>
+          </a:fontRef>
+        </p:style>
+      </p:cxnSp>
+      <p:sp>
+        <p:nvSpPr>
+          <p:cNvPr id="2" name="Titel 1">
+            <a:extLst>
+              <a:ext uri="{FF2B5EF4-FFF2-40B4-BE49-F238E27FC236}">
+                <a16:creationId xmlns:a16="http://schemas.microsoft.com/office/drawing/2014/main" id="{6E33B369-E502-4FDB-A5D2-97A2CB9DBDC2}"/>
+              </a:ext>
+            </a:extLst>
+          </p:cNvPr>
+          <p:cNvSpPr>
+            <a:spLocks noGrp="1"/>
+          </p:cNvSpPr>
+          <p:nvPr>
+            <p:ph type="title"/>
+          </p:nvPr>
+        </p:nvSpPr>
+        <p:spPr>
+          <a:xfrm>
+            <a:off x="659301" y="1474968"/>
+            <a:ext cx="2823919" cy="1959037"/>
+          </a:xfrm>
+        </p:spPr>
+        <p:txBody>
+          <a:bodyPr vert="horz" lIns="91440" tIns="45720" rIns="91440" bIns="0" rtlCol="0" anchor="b">
+            <a:normAutofit/>
+          </a:bodyPr>
+          <a:lstStyle/>
+          <a:p>
+            <a:r>
+              <a:rPr lang="en-US" sz="2500"/>
+              <a:t>Nieuwe Data flowdiagram</a:t>
+            </a:r>
+          </a:p>
+        </p:txBody>
+      </p:sp>
+      <p:grpSp>
+        <p:nvGrpSpPr>
+          <p:cNvPr id="16" name="Group 15">
+            <a:extLst>
+              <a:ext uri="{FF2B5EF4-FFF2-40B4-BE49-F238E27FC236}">
+                <a16:creationId xmlns:a16="http://schemas.microsoft.com/office/drawing/2014/main" id="{2A7F3A7D-1232-4BDE-ACB6-F7CDEF0668CF}"/>
+              </a:ext>
+              <a:ext uri="{C183D7F6-B498-43B3-948B-1728B52AA6E4}">
+                <adec:decorative xmlns:adec="http://schemas.microsoft.com/office/drawing/2017/decorative" val="1"/>
+              </a:ext>
+            </a:extLst>
+          </p:cNvPr>
+          <p:cNvGrpSpPr>
+            <a:grpSpLocks noGrp="1" noUngrp="1" noRot="1" noChangeAspect="1" noMove="1" noResize="1"/>
+          </p:cNvGrpSpPr>
+          <p:nvPr>
+            <p:extLst>
+              <p:ext uri="{386F3935-93C4-4BCD-93E2-E3B085C9AB24}">
+                <p16:designElem xmlns:p16="http://schemas.microsoft.com/office/powerpoint/2015/main" val="1"/>
+              </p:ext>
+            </p:extLst>
+          </p:nvPr>
+        </p:nvGrpSpPr>
+        <p:grpSpPr>
+          <a:xfrm>
+            <a:off x="3979389" y="482171"/>
+            <a:ext cx="7560115" cy="5149101"/>
+            <a:chOff x="3979389" y="482171"/>
+            <a:chExt cx="7560115" cy="5149101"/>
+          </a:xfrm>
+        </p:grpSpPr>
+        <p:sp>
+          <p:nvSpPr>
+            <p:cNvPr id="17" name="Rectangle 16">
+              <a:extLst>
+                <a:ext uri="{FF2B5EF4-FFF2-40B4-BE49-F238E27FC236}">
+                  <a16:creationId xmlns:a16="http://schemas.microsoft.com/office/drawing/2014/main" id="{EBC09455-A53B-4264-85C6-E119FCA7F0B3}"/>
+                </a:ext>
+                <a:ext uri="{C183D7F6-B498-43B3-948B-1728B52AA6E4}">
+                  <adec:decorative xmlns:adec="http://schemas.microsoft.com/office/drawing/2017/decorative" val="1"/>
+                </a:ext>
+              </a:extLst>
+            </p:cNvPr>
+            <p:cNvSpPr/>
+            <p:nvPr>
+              <p:extLst>
+                <p:ext uri="{386F3935-93C4-4BCD-93E2-E3B085C9AB24}">
+                  <p16:designElem xmlns:p16="http://schemas.microsoft.com/office/powerpoint/2015/main" val="1"/>
+                </p:ext>
+              </p:extLst>
+            </p:nvPr>
+          </p:nvSpPr>
+          <p:spPr>
+            <a:xfrm>
+              <a:off x="3979389" y="482171"/>
+              <a:ext cx="7560115" cy="5149101"/>
+            </a:xfrm>
+            <a:prstGeom prst="rect">
+              <a:avLst/>
+            </a:prstGeom>
+            <a:blipFill dpi="0" rotWithShape="1">
+              <a:blip r:embed="rId3">
+                <a:alphaModFix amt="30000"/>
+              </a:blip>
+              <a:srcRect/>
+              <a:tile tx="0" ty="0" sx="100000" sy="100000" flip="none" algn="ctr"/>
+            </a:blipFill>
+            <a:ln w="76200" cmpd="sng">
+              <a:noFill/>
+              <a:miter lim="800000"/>
+            </a:ln>
+            <a:effectLst>
+              <a:outerShdw blurRad="127000" dist="228600" dir="4740000" sx="98000" sy="98000" algn="tl" rotWithShape="0">
+                <a:srgbClr val="000000">
+                  <a:alpha val="34000"/>
+                </a:srgbClr>
+              </a:outerShdw>
+            </a:effectLst>
+            <a:scene3d>
+              <a:camera prst="orthographicFront"/>
+              <a:lightRig rig="threePt" dir="t"/>
+            </a:scene3d>
+            <a:sp3d extrusionH="76200" contourW="12700" prstMaterial="matte">
+              <a:bevelT w="152400" h="50800" prst="softRound"/>
+              <a:extrusionClr>
+                <a:schemeClr val="tx2"/>
+              </a:extrusionClr>
+              <a:contourClr>
+                <a:schemeClr val="bg2"/>
+              </a:contourClr>
+            </a:sp3d>
+          </p:spPr>
+          <p:style>
+            <a:lnRef idx="1">
+              <a:schemeClr val="accent1"/>
+            </a:lnRef>
+            <a:fillRef idx="3">
+              <a:schemeClr val="accent1"/>
+            </a:fillRef>
+            <a:effectRef idx="2">
+              <a:schemeClr val="accent1"/>
+            </a:effectRef>
+            <a:fontRef idx="minor">
+              <a:schemeClr val="lt1"/>
+            </a:fontRef>
+          </p:style>
+          <p:txBody>
+            <a:bodyPr rtlCol="0" anchor="ctr"/>
+            <a:lstStyle/>
+            <a:p>
+              <a:pPr algn="ctr"/>
+              <a:endParaRPr lang="en-US"/>
+            </a:p>
+          </p:txBody>
+        </p:sp>
+        <p:sp>
+          <p:nvSpPr>
+            <p:cNvPr id="18" name="Rectangle 17">
+              <a:extLst>
+                <a:ext uri="{FF2B5EF4-FFF2-40B4-BE49-F238E27FC236}">
+                  <a16:creationId xmlns:a16="http://schemas.microsoft.com/office/drawing/2014/main" id="{81446D1B-DF15-4E6B-A24E-4148357B9953}"/>
+                </a:ext>
+                <a:ext uri="{C183D7F6-B498-43B3-948B-1728B52AA6E4}">
+                  <adec:decorative xmlns:adec="http://schemas.microsoft.com/office/drawing/2017/decorative" val="1"/>
+                </a:ext>
+              </a:extLst>
+            </p:cNvPr>
+            <p:cNvSpPr/>
+            <p:nvPr>
+              <p:extLst>
+                <p:ext uri="{386F3935-93C4-4BCD-93E2-E3B085C9AB24}">
+                  <p16:designElem xmlns:p16="http://schemas.microsoft.com/office/powerpoint/2015/main" val="1"/>
+                </p:ext>
+              </p:extLst>
+            </p:nvPr>
+          </p:nvSpPr>
+          <p:spPr>
+            <a:xfrm>
+              <a:off x="4292448" y="812507"/>
+              <a:ext cx="6928279" cy="4466452"/>
+            </a:xfrm>
+            <a:prstGeom prst="rect">
+              <a:avLst/>
+            </a:prstGeom>
+            <a:gradFill>
+              <a:gsLst>
+                <a:gs pos="0">
+                  <a:srgbClr val="DADADA"/>
+                </a:gs>
+                <a:gs pos="100000">
+                  <a:srgbClr val="FFFFFE"/>
+                </a:gs>
+              </a:gsLst>
+              <a:lin ang="16200000" scaled="0"/>
+            </a:gradFill>
+            <a:ln w="38100" cmpd="sng">
+              <a:solidFill>
+                <a:schemeClr val="tx2">
+                  <a:lumMod val="25000"/>
+                </a:schemeClr>
+              </a:solidFill>
+              <a:miter lim="800000"/>
+            </a:ln>
+            <a:effectLst>
+              <a:innerShdw blurRad="63500" dist="88900" dir="14100000">
+                <a:srgbClr val="000000">
+                  <a:alpha val="30000"/>
+                </a:srgbClr>
+              </a:innerShdw>
+            </a:effectLst>
+            <a:scene3d>
+              <a:camera prst="orthographicFront"/>
+              <a:lightRig rig="threePt" dir="t"/>
+            </a:scene3d>
+            <a:sp3d>
+              <a:bevelT prst="relaxedInset"/>
+            </a:sp3d>
+          </p:spPr>
+          <p:style>
+            <a:lnRef idx="1">
+              <a:schemeClr val="accent1"/>
+            </a:lnRef>
+            <a:fillRef idx="3">
+              <a:schemeClr val="accent1"/>
+            </a:fillRef>
+            <a:effectRef idx="2">
+              <a:schemeClr val="accent1"/>
+            </a:effectRef>
+            <a:fontRef idx="minor">
+              <a:schemeClr val="lt1"/>
+            </a:fontRef>
+          </p:style>
+          <p:txBody>
+            <a:bodyPr rtlCol="0" anchor="ctr"/>
+            <a:lstStyle/>
+            <a:p>
+              <a:pPr algn="ctr"/>
+              <a:endParaRPr lang="en-US"/>
+            </a:p>
+          </p:txBody>
+        </p:sp>
+      </p:grpSp>
+      <p:sp>
+        <p:nvSpPr>
+          <p:cNvPr id="20" name="Rectangle 19">
+            <a:extLst>
+              <a:ext uri="{FF2B5EF4-FFF2-40B4-BE49-F238E27FC236}">
+                <a16:creationId xmlns:a16="http://schemas.microsoft.com/office/drawing/2014/main" id="{773D9643-4BC8-486D-8267-3577C8F0842D}"/>
+              </a:ext>
+              <a:ext uri="{C183D7F6-B498-43B3-948B-1728B52AA6E4}">
+                <adec:decorative xmlns:adec="http://schemas.microsoft.com/office/drawing/2017/decorative" val="1"/>
+              </a:ext>
+            </a:extLst>
+          </p:cNvPr>
+          <p:cNvSpPr>
+            <a:spLocks noGrp="1" noRot="1" noChangeAspect="1" noMove="1" noResize="1" noEditPoints="1" noAdjustHandles="1" noChangeArrowheads="1" noChangeShapeType="1" noTextEdit="1"/>
+          </p:cNvSpPr>
+          <p:nvPr>
+            <p:extLst>
+              <p:ext uri="{386F3935-93C4-4BCD-93E2-E3B085C9AB24}">
+                <p16:designElem xmlns:p16="http://schemas.microsoft.com/office/powerpoint/2015/main" val="1"/>
+              </p:ext>
+            </p:extLst>
+          </p:nvPr>
+        </p:nvSpPr>
+        <p:spPr>
+          <a:xfrm>
+            <a:off x="4456174" y="977099"/>
+            <a:ext cx="6620836" cy="4137268"/>
+          </a:xfrm>
+          <a:prstGeom prst="rect">
+            <a:avLst/>
+          </a:prstGeom>
+          <a:solidFill>
+            <a:srgbClr val="FFFFFE"/>
+          </a:solidFill>
+          <a:ln w="6350">
+            <a:solidFill>
+              <a:schemeClr val="tx2"/>
+            </a:solidFill>
+          </a:ln>
+        </p:spPr>
+        <p:style>
+          <a:lnRef idx="2">
+            <a:schemeClr val="accent1">
+              <a:shade val="50000"/>
+            </a:schemeClr>
+          </a:lnRef>
+          <a:fillRef idx="1">
+            <a:schemeClr val="accent1"/>
+          </a:fillRef>
+          <a:effectRef idx="0">
+            <a:schemeClr val="accent1"/>
+          </a:effectRef>
+          <a:fontRef idx="minor">
+            <a:schemeClr val="lt1"/>
+          </a:fontRef>
+        </p:style>
+        <p:txBody>
+          <a:bodyPr rtlCol="0" anchor="ctr"/>
+          <a:lstStyle/>
+          <a:p>
+            <a:pPr algn="ctr"/>
+            <a:endParaRPr lang="en-US"/>
+          </a:p>
+        </p:txBody>
+      </p:sp>
+      <p:pic>
+        <p:nvPicPr>
+          <p:cNvPr id="5" name="Tijdelijke aanduiding voor inhoud 4">
+            <a:extLst>
+              <a:ext uri="{FF2B5EF4-FFF2-40B4-BE49-F238E27FC236}">
+                <a16:creationId xmlns:a16="http://schemas.microsoft.com/office/drawing/2014/main" id="{C3D67972-9B44-4537-81B8-8102A48FD3A0}"/>
+              </a:ext>
+            </a:extLst>
+          </p:cNvPr>
+          <p:cNvPicPr>
+            <a:picLocks noGrp="1" noChangeAspect="1"/>
+          </p:cNvPicPr>
+          <p:nvPr>
+            <p:ph idx="1"/>
+          </p:nvPr>
+        </p:nvPicPr>
+        <p:blipFill>
+          <a:blip r:embed="rId4">
+            <a:extLst>
+              <a:ext uri="{28A0092B-C50C-407E-A947-70E740481C1C}">
+                <a14:useLocalDpi xmlns:a14="http://schemas.microsoft.com/office/drawing/2010/main" val="0"/>
+              </a:ext>
+            </a:extLst>
+          </a:blip>
+          <a:stretch>
+            <a:fillRect/>
+          </a:stretch>
+        </p:blipFill>
+        <p:spPr>
+          <a:xfrm>
+            <a:off x="5380651" y="1116345"/>
+            <a:ext cx="4758365" cy="3866172"/>
+          </a:xfrm>
+          <a:prstGeom prst="rect">
+            <a:avLst/>
+          </a:prstGeom>
+        </p:spPr>
+      </p:pic>
+    </p:spTree>
+    <p:extLst>
+      <p:ext uri="{BB962C8B-B14F-4D97-AF65-F5344CB8AC3E}">
+        <p14:creationId xmlns:p14="http://schemas.microsoft.com/office/powerpoint/2010/main" val="9513270"/>
+      </p:ext>
+    </p:extLst>
+  </p:cSld>
+  <p:clrMapOvr>
+    <a:masterClrMapping/>
+  </p:clrMapOvr>
+</p:sld>
+</file>
+
+<file path=ppt/slides/slide4.xml><?xml version="1.0" encoding="utf-8"?>
+<p:sld xmlns:a="http://schemas.openxmlformats.org/drawingml/2006/main" xmlns:r="http://schemas.openxmlformats.org/officeDocument/2006/relationships" xmlns:p="http://schemas.openxmlformats.org/presentationml/2006/main">
+  <p:cSld>
+    <p:bg>
+      <p:bgPr>
+        <a:gradFill rotWithShape="1">
+          <a:gsLst>
+            <a:gs pos="0">
+              <a:schemeClr val="bg1">
+                <a:tint val="94000"/>
+                <a:satMod val="80000"/>
+                <a:lumMod val="106000"/>
+              </a:schemeClr>
+            </a:gs>
+            <a:gs pos="100000">
+              <a:schemeClr val="bg1">
+                <a:shade val="80000"/>
+              </a:schemeClr>
+            </a:gs>
+          </a:gsLst>
+          <a:path path="circle">
+            <a:fillToRect l="43000" r="43000" b="100000"/>
+          </a:path>
+        </a:gradFill>
+        <a:effectLst/>
+      </p:bgPr>
+    </p:bg>
+    <p:spTree>
+      <p:nvGrpSpPr>
+        <p:cNvPr id="1" name=""/>
+        <p:cNvGrpSpPr/>
+        <p:nvPr/>
+      </p:nvGrpSpPr>
+      <p:grpSpPr>
+        <a:xfrm>
+          <a:off x="0" y="0"/>
+          <a:ext cx="0" cy="0"/>
+          <a:chOff x="0" y="0"/>
+          <a:chExt cx="0" cy="0"/>
+        </a:xfrm>
+      </p:grpSpPr>
+      <p:sp>
+        <p:nvSpPr>
+          <p:cNvPr id="10" name="Rectangle 9">
+            <a:extLst>
+              <a:ext uri="{FF2B5EF4-FFF2-40B4-BE49-F238E27FC236}">
+                <a16:creationId xmlns:a16="http://schemas.microsoft.com/office/drawing/2014/main" id="{6B25638D-3D06-41D1-8060-4D2707C60AE8}"/>
+              </a:ext>
+              <a:ext uri="{C183D7F6-B498-43B3-948B-1728B52AA6E4}">
+                <adec:decorative xmlns:adec="http://schemas.microsoft.com/office/drawing/2017/decorative" val="1"/>
+              </a:ext>
+            </a:extLst>
+          </p:cNvPr>
+          <p:cNvSpPr>
+            <a:spLocks noGrp="1" noRot="1" noChangeAspect="1" noMove="1" noResize="1" noEditPoints="1" noAdjustHandles="1" noChangeArrowheads="1" noChangeShapeType="1" noTextEdit="1"/>
+          </p:cNvSpPr>
+          <p:nvPr>
+            <p:extLst>
+              <p:ext uri="{386F3935-93C4-4BCD-93E2-E3B085C9AB24}">
+                <p16:designElem xmlns:p16="http://schemas.microsoft.com/office/powerpoint/2015/main" val="1"/>
+              </p:ext>
+            </p:extLst>
+          </p:nvPr>
+        </p:nvSpPr>
+        <p:spPr>
+          <a:xfrm>
+            <a:off x="0" y="3622291"/>
+            <a:ext cx="12192000" cy="2505984"/>
+          </a:xfrm>
+          <a:prstGeom prst="rect">
+            <a:avLst/>
+          </a:prstGeom>
+          <a:gradFill flip="none" rotWithShape="1">
+            <a:gsLst>
+              <a:gs pos="0">
+                <a:schemeClr val="bg2">
+                  <a:alpha val="0"/>
+                </a:schemeClr>
+              </a:gs>
+              <a:gs pos="100000">
+                <a:schemeClr val="bg2">
+                  <a:alpha val="80000"/>
+                </a:schemeClr>
+              </a:gs>
+            </a:gsLst>
+            <a:lin ang="5400000" scaled="0"/>
+            <a:tileRect/>
+          </a:gradFill>
+          <a:ln>
+            <a:noFill/>
+          </a:ln>
+        </p:spPr>
+        <p:style>
+          <a:lnRef idx="2">
+            <a:schemeClr val="accent1">
+              <a:shade val="50000"/>
+            </a:schemeClr>
+          </a:lnRef>
+          <a:fillRef idx="1">
+            <a:schemeClr val="accent1"/>
+          </a:fillRef>
+          <a:effectRef idx="0">
+            <a:schemeClr val="accent1"/>
+          </a:effectRef>
+          <a:fontRef idx="minor">
+            <a:schemeClr val="lt1"/>
+          </a:fontRef>
+        </p:style>
+      </p:sp>
+      <p:pic>
+        <p:nvPicPr>
+          <p:cNvPr id="12" name="Picture 11">
+            <a:extLst>
+              <a:ext uri="{FF2B5EF4-FFF2-40B4-BE49-F238E27FC236}">
+                <a16:creationId xmlns:a16="http://schemas.microsoft.com/office/drawing/2014/main" id="{8161BB1E-0062-4056-AB94-121EF614D5FB}"/>
+              </a:ext>
+              <a:ext uri="{C183D7F6-B498-43B3-948B-1728B52AA6E4}">
+                <adec:decorative xmlns:adec="http://schemas.microsoft.com/office/drawing/2017/decorative" val="1"/>
+              </a:ext>
+            </a:extLst>
+          </p:cNvPr>
+          <p:cNvPicPr>
+            <a:picLocks noGrp="1" noRot="1" noChangeAspect="1" noMove="1" noResize="1" noEditPoints="1" noAdjustHandles="1" noChangeArrowheads="1" noChangeShapeType="1" noCrop="1"/>
+          </p:cNvPicPr>
+          <p:nvPr>
+            <p:extLst>
+              <p:ext uri="{386F3935-93C4-4BCD-93E2-E3B085C9AB24}">
+                <p16:designElem xmlns:p16="http://schemas.microsoft.com/office/powerpoint/2015/main" val="1"/>
+              </p:ext>
+            </p:extLst>
+          </p:nvPr>
+        </p:nvPicPr>
+        <p:blipFill rotWithShape="1">
+          <a:blip r:embed="rId2">
+            <a:extLst>
+              <a:ext uri="{28A0092B-C50C-407E-A947-70E740481C1C}">
+                <a14:useLocalDpi xmlns:a14="http://schemas.microsoft.com/office/drawing/2010/main" val="0"/>
+              </a:ext>
+            </a:extLst>
+          </a:blip>
+          <a:srcRect t="1538" b="-1538"/>
+          <a:stretch/>
+        </p:blipFill>
+        <p:spPr>
+          <a:xfrm>
+            <a:off x="0" y="6129338"/>
+            <a:ext cx="12192000" cy="742950"/>
+          </a:xfrm>
+          <a:prstGeom prst="rect">
+            <a:avLst/>
+          </a:prstGeom>
+        </p:spPr>
+      </p:pic>
+      <p:cxnSp>
+        <p:nvCxnSpPr>
+          <p:cNvPr id="14" name="Straight Connector 13">
+            <a:extLst>
+              <a:ext uri="{FF2B5EF4-FFF2-40B4-BE49-F238E27FC236}">
+                <a16:creationId xmlns:a16="http://schemas.microsoft.com/office/drawing/2014/main" id="{8FBC01E2-D629-4319-B5CB-BFA461B8CF30}"/>
+              </a:ext>
+              <a:ext uri="{C183D7F6-B498-43B3-948B-1728B52AA6E4}">
+                <adec:decorative xmlns:adec="http://schemas.microsoft.com/office/drawing/2017/decorative" val="1"/>
+              </a:ext>
+            </a:extLst>
+          </p:cNvPr>
+          <p:cNvCxnSpPr>
+            <a:cxnSpLocks noGrp="1" noRot="1" noChangeAspect="1" noMove="1" noResize="1" noEditPoints="1" noAdjustHandles="1" noChangeArrowheads="1" noChangeShapeType="1"/>
+          </p:cNvCxnSpPr>
+          <p:nvPr>
+            <p:extLst>
+              <p:ext uri="{386F3935-93C4-4BCD-93E2-E3B085C9AB24}">
+                <p16:designElem xmlns:p16="http://schemas.microsoft.com/office/powerpoint/2015/main" val="1"/>
+              </p:ext>
+            </p:extLst>
+          </p:nvPr>
+        </p:nvCxnSpPr>
+        <p:spPr>
+          <a:xfrm>
+            <a:off x="0" y="6138142"/>
+            <a:ext cx="12192000" cy="0"/>
+          </a:xfrm>
+          <a:prstGeom prst="line">
+            <a:avLst/>
+          </a:prstGeom>
+          <a:ln w="12700">
+            <a:solidFill>
+              <a:srgbClr val="000001">
+                <a:alpha val="20000"/>
+              </a:srgbClr>
+            </a:solidFill>
+          </a:ln>
+        </p:spPr>
+        <p:style>
+          <a:lnRef idx="1">
+            <a:schemeClr val="accent1"/>
+          </a:lnRef>
+          <a:fillRef idx="0">
+            <a:schemeClr val="accent1"/>
+          </a:fillRef>
+          <a:effectRef idx="0">
+            <a:schemeClr val="accent1"/>
+          </a:effectRef>
+          <a:fontRef idx="minor">
+            <a:schemeClr val="tx1"/>
+          </a:fontRef>
+        </p:style>
+      </p:cxnSp>
+      <p:sp>
+        <p:nvSpPr>
+          <p:cNvPr id="2" name="Titel 1">
+            <a:extLst>
+              <a:ext uri="{FF2B5EF4-FFF2-40B4-BE49-F238E27FC236}">
+                <a16:creationId xmlns:a16="http://schemas.microsoft.com/office/drawing/2014/main" id="{A56CFDB0-3CD1-4C0F-90D8-98156E248794}"/>
+              </a:ext>
+            </a:extLst>
+          </p:cNvPr>
+          <p:cNvSpPr>
+            <a:spLocks noGrp="1"/>
+          </p:cNvSpPr>
+          <p:nvPr>
+            <p:ph type="title"/>
+          </p:nvPr>
+        </p:nvSpPr>
+        <p:spPr>
+          <a:xfrm>
+            <a:off x="659301" y="1474968"/>
+            <a:ext cx="2823919" cy="1959037"/>
+          </a:xfrm>
+        </p:spPr>
+        <p:txBody>
+          <a:bodyPr vert="horz" lIns="91440" tIns="45720" rIns="91440" bIns="0" rtlCol="0" anchor="b">
+            <a:normAutofit/>
+          </a:bodyPr>
+          <a:lstStyle/>
+          <a:p>
+            <a:r>
+              <a:rPr lang="en-US" sz="3300" dirty="0" err="1"/>
+              <a:t>Nieuwe</a:t>
+            </a:r>
+            <a:r>
+              <a:rPr lang="en-US" sz="3300" dirty="0"/>
+              <a:t> flowchart</a:t>
+            </a:r>
+          </a:p>
+        </p:txBody>
+      </p:sp>
+      <p:grpSp>
+        <p:nvGrpSpPr>
+          <p:cNvPr id="16" name="Group 15">
+            <a:extLst>
+              <a:ext uri="{FF2B5EF4-FFF2-40B4-BE49-F238E27FC236}">
+                <a16:creationId xmlns:a16="http://schemas.microsoft.com/office/drawing/2014/main" id="{2A7F3A7D-1232-4BDE-ACB6-F7CDEF0668CF}"/>
+              </a:ext>
+              <a:ext uri="{C183D7F6-B498-43B3-948B-1728B52AA6E4}">
+                <adec:decorative xmlns:adec="http://schemas.microsoft.com/office/drawing/2017/decorative" val="1"/>
+              </a:ext>
+            </a:extLst>
+          </p:cNvPr>
+          <p:cNvGrpSpPr>
+            <a:grpSpLocks noGrp="1" noUngrp="1" noRot="1" noChangeAspect="1" noMove="1" noResize="1"/>
+          </p:cNvGrpSpPr>
+          <p:nvPr>
+            <p:extLst>
+              <p:ext uri="{386F3935-93C4-4BCD-93E2-E3B085C9AB24}">
+                <p16:designElem xmlns:p16="http://schemas.microsoft.com/office/powerpoint/2015/main" val="1"/>
+              </p:ext>
+            </p:extLst>
+          </p:nvPr>
+        </p:nvGrpSpPr>
+        <p:grpSpPr>
+          <a:xfrm>
+            <a:off x="3979389" y="482171"/>
+            <a:ext cx="7560115" cy="5149101"/>
+            <a:chOff x="3979389" y="482171"/>
+            <a:chExt cx="7560115" cy="5149101"/>
+          </a:xfrm>
+        </p:grpSpPr>
+        <p:sp>
+          <p:nvSpPr>
+            <p:cNvPr id="17" name="Rectangle 16">
+              <a:extLst>
+                <a:ext uri="{FF2B5EF4-FFF2-40B4-BE49-F238E27FC236}">
+                  <a16:creationId xmlns:a16="http://schemas.microsoft.com/office/drawing/2014/main" id="{EBC09455-A53B-4264-85C6-E119FCA7F0B3}"/>
+                </a:ext>
+                <a:ext uri="{C183D7F6-B498-43B3-948B-1728B52AA6E4}">
+                  <adec:decorative xmlns:adec="http://schemas.microsoft.com/office/drawing/2017/decorative" val="1"/>
+                </a:ext>
+              </a:extLst>
+            </p:cNvPr>
+            <p:cNvSpPr/>
+            <p:nvPr>
+              <p:extLst>
+                <p:ext uri="{386F3935-93C4-4BCD-93E2-E3B085C9AB24}">
+                  <p16:designElem xmlns:p16="http://schemas.microsoft.com/office/powerpoint/2015/main" val="1"/>
+                </p:ext>
+              </p:extLst>
+            </p:nvPr>
+          </p:nvSpPr>
+          <p:spPr>
+            <a:xfrm>
+              <a:off x="3979389" y="482171"/>
+              <a:ext cx="7560115" cy="5149101"/>
+            </a:xfrm>
+            <a:prstGeom prst="rect">
+              <a:avLst/>
+            </a:prstGeom>
+            <a:blipFill dpi="0" rotWithShape="1">
+              <a:blip r:embed="rId3">
+                <a:alphaModFix amt="30000"/>
+              </a:blip>
+              <a:srcRect/>
+              <a:tile tx="0" ty="0" sx="100000" sy="100000" flip="none" algn="ctr"/>
+            </a:blipFill>
+            <a:ln w="76200" cmpd="sng">
+              <a:noFill/>
+              <a:miter lim="800000"/>
+            </a:ln>
+            <a:effectLst>
+              <a:outerShdw blurRad="127000" dist="228600" dir="4740000" sx="98000" sy="98000" algn="tl" rotWithShape="0">
+                <a:srgbClr val="000000">
+                  <a:alpha val="34000"/>
+                </a:srgbClr>
+              </a:outerShdw>
+            </a:effectLst>
+            <a:scene3d>
+              <a:camera prst="orthographicFront"/>
+              <a:lightRig rig="threePt" dir="t"/>
+            </a:scene3d>
+            <a:sp3d extrusionH="76200" contourW="12700" prstMaterial="matte">
+              <a:bevelT w="152400" h="50800" prst="softRound"/>
+              <a:extrusionClr>
+                <a:schemeClr val="tx2"/>
+              </a:extrusionClr>
+              <a:contourClr>
+                <a:schemeClr val="bg2"/>
+              </a:contourClr>
+            </a:sp3d>
+          </p:spPr>
+          <p:style>
+            <a:lnRef idx="1">
+              <a:schemeClr val="accent1"/>
+            </a:lnRef>
+            <a:fillRef idx="3">
+              <a:schemeClr val="accent1"/>
+            </a:fillRef>
+            <a:effectRef idx="2">
+              <a:schemeClr val="accent1"/>
+            </a:effectRef>
+            <a:fontRef idx="minor">
+              <a:schemeClr val="lt1"/>
+            </a:fontRef>
+          </p:style>
+          <p:txBody>
+            <a:bodyPr rtlCol="0" anchor="ctr"/>
+            <a:lstStyle/>
+            <a:p>
+              <a:pPr algn="ctr"/>
+              <a:endParaRPr lang="en-US"/>
+            </a:p>
+          </p:txBody>
+        </p:sp>
+        <p:sp>
+          <p:nvSpPr>
+            <p:cNvPr id="18" name="Rectangle 17">
+              <a:extLst>
+                <a:ext uri="{FF2B5EF4-FFF2-40B4-BE49-F238E27FC236}">
+                  <a16:creationId xmlns:a16="http://schemas.microsoft.com/office/drawing/2014/main" id="{81446D1B-DF15-4E6B-A24E-4148357B9953}"/>
+                </a:ext>
+                <a:ext uri="{C183D7F6-B498-43B3-948B-1728B52AA6E4}">
+                  <adec:decorative xmlns:adec="http://schemas.microsoft.com/office/drawing/2017/decorative" val="1"/>
+                </a:ext>
+              </a:extLst>
+            </p:cNvPr>
+            <p:cNvSpPr/>
+            <p:nvPr>
+              <p:extLst>
+                <p:ext uri="{386F3935-93C4-4BCD-93E2-E3B085C9AB24}">
+                  <p16:designElem xmlns:p16="http://schemas.microsoft.com/office/powerpoint/2015/main" val="1"/>
+                </p:ext>
+              </p:extLst>
+            </p:nvPr>
+          </p:nvSpPr>
+          <p:spPr>
+            <a:xfrm>
+              <a:off x="4292448" y="812507"/>
+              <a:ext cx="6928279" cy="4466452"/>
+            </a:xfrm>
+            <a:prstGeom prst="rect">
+              <a:avLst/>
+            </a:prstGeom>
+            <a:gradFill>
+              <a:gsLst>
+                <a:gs pos="0">
+                  <a:srgbClr val="DADADA"/>
+                </a:gs>
+                <a:gs pos="100000">
+                  <a:srgbClr val="FFFFFE"/>
+                </a:gs>
+              </a:gsLst>
+              <a:lin ang="16200000" scaled="0"/>
+            </a:gradFill>
+            <a:ln w="38100" cmpd="sng">
+              <a:solidFill>
+                <a:schemeClr val="tx2">
+                  <a:lumMod val="25000"/>
+                </a:schemeClr>
+              </a:solidFill>
+              <a:miter lim="800000"/>
+            </a:ln>
+            <a:effectLst>
+              <a:innerShdw blurRad="63500" dist="88900" dir="14100000">
+                <a:srgbClr val="000000">
+                  <a:alpha val="30000"/>
+                </a:srgbClr>
+              </a:innerShdw>
+            </a:effectLst>
+            <a:scene3d>
+              <a:camera prst="orthographicFront"/>
+              <a:lightRig rig="threePt" dir="t"/>
+            </a:scene3d>
+            <a:sp3d>
+              <a:bevelT prst="relaxedInset"/>
+            </a:sp3d>
+          </p:spPr>
+          <p:style>
+            <a:lnRef idx="1">
+              <a:schemeClr val="accent1"/>
+            </a:lnRef>
+            <a:fillRef idx="3">
+              <a:schemeClr val="accent1"/>
+            </a:fillRef>
+            <a:effectRef idx="2">
+              <a:schemeClr val="accent1"/>
+            </a:effectRef>
+            <a:fontRef idx="minor">
+              <a:schemeClr val="lt1"/>
+            </a:fontRef>
+          </p:style>
+          <p:txBody>
+            <a:bodyPr rtlCol="0" anchor="ctr"/>
+            <a:lstStyle/>
+            <a:p>
+              <a:pPr algn="ctr"/>
+              <a:endParaRPr lang="en-US"/>
+            </a:p>
+          </p:txBody>
+        </p:sp>
+      </p:grpSp>
+      <p:sp>
+        <p:nvSpPr>
+          <p:cNvPr id="20" name="Rectangle 19">
+            <a:extLst>
+              <a:ext uri="{FF2B5EF4-FFF2-40B4-BE49-F238E27FC236}">
+                <a16:creationId xmlns:a16="http://schemas.microsoft.com/office/drawing/2014/main" id="{773D9643-4BC8-486D-8267-3577C8F0842D}"/>
+              </a:ext>
+              <a:ext uri="{C183D7F6-B498-43B3-948B-1728B52AA6E4}">
+                <adec:decorative xmlns:adec="http://schemas.microsoft.com/office/drawing/2017/decorative" val="1"/>
+              </a:ext>
+            </a:extLst>
+          </p:cNvPr>
+          <p:cNvSpPr>
+            <a:spLocks noGrp="1" noRot="1" noChangeAspect="1" noMove="1" noResize="1" noEditPoints="1" noAdjustHandles="1" noChangeArrowheads="1" noChangeShapeType="1" noTextEdit="1"/>
+          </p:cNvSpPr>
+          <p:nvPr>
+            <p:extLst>
+              <p:ext uri="{386F3935-93C4-4BCD-93E2-E3B085C9AB24}">
+                <p16:designElem xmlns:p16="http://schemas.microsoft.com/office/powerpoint/2015/main" val="1"/>
+              </p:ext>
+            </p:extLst>
+          </p:nvPr>
+        </p:nvSpPr>
+        <p:spPr>
+          <a:xfrm>
+            <a:off x="4456174" y="977099"/>
+            <a:ext cx="6620836" cy="4137268"/>
+          </a:xfrm>
+          <a:prstGeom prst="rect">
+            <a:avLst/>
+          </a:prstGeom>
+          <a:solidFill>
+            <a:srgbClr val="FFFFFE"/>
+          </a:solidFill>
+          <a:ln w="6350">
+            <a:solidFill>
+              <a:schemeClr val="tx2"/>
+            </a:solidFill>
+          </a:ln>
+        </p:spPr>
+        <p:style>
+          <a:lnRef idx="2">
+            <a:schemeClr val="accent1">
+              <a:shade val="50000"/>
+            </a:schemeClr>
+          </a:lnRef>
+          <a:fillRef idx="1">
+            <a:schemeClr val="accent1"/>
+          </a:fillRef>
+          <a:effectRef idx="0">
+            <a:schemeClr val="accent1"/>
+          </a:effectRef>
+          <a:fontRef idx="minor">
+            <a:schemeClr val="lt1"/>
+          </a:fontRef>
+        </p:style>
+        <p:txBody>
+          <a:bodyPr rtlCol="0" anchor="ctr"/>
+          <a:lstStyle/>
+          <a:p>
+            <a:pPr algn="ctr"/>
+            <a:endParaRPr lang="en-US"/>
+          </a:p>
+        </p:txBody>
+      </p:sp>
+      <p:pic>
+        <p:nvPicPr>
+          <p:cNvPr id="5" name="Tijdelijke aanduiding voor inhoud 4">
+            <a:extLst>
+              <a:ext uri="{FF2B5EF4-FFF2-40B4-BE49-F238E27FC236}">
+                <a16:creationId xmlns:a16="http://schemas.microsoft.com/office/drawing/2014/main" id="{7CB17CA0-175B-4042-880E-0973FC2C8975}"/>
+              </a:ext>
+            </a:extLst>
+          </p:cNvPr>
+          <p:cNvPicPr>
+            <a:picLocks noGrp="1" noChangeAspect="1"/>
+          </p:cNvPicPr>
+          <p:nvPr>
+            <p:ph idx="1"/>
+          </p:nvPr>
+        </p:nvPicPr>
+        <p:blipFill>
+          <a:blip r:embed="rId4">
+            <a:extLst>
+              <a:ext uri="{28A0092B-C50C-407E-A947-70E740481C1C}">
+                <a14:useLocalDpi xmlns:a14="http://schemas.microsoft.com/office/drawing/2010/main" val="0"/>
+              </a:ext>
+            </a:extLst>
+          </a:blip>
+          <a:stretch>
+            <a:fillRect/>
+          </a:stretch>
+        </p:blipFill>
+        <p:spPr>
+          <a:xfrm>
+            <a:off x="4456173" y="976036"/>
+            <a:ext cx="6620835" cy="4137268"/>
+          </a:xfrm>
+          <a:prstGeom prst="rect">
+            <a:avLst/>
+          </a:prstGeom>
+        </p:spPr>
+      </p:pic>
+    </p:spTree>
+    <p:extLst>
+      <p:ext uri="{BB962C8B-B14F-4D97-AF65-F5344CB8AC3E}">
+        <p14:creationId xmlns:p14="http://schemas.microsoft.com/office/powerpoint/2010/main" val="2990778844"/>
+      </p:ext>
+    </p:extLst>
+  </p:cSld>
+  <p:clrMapOvr>
+    <a:masterClrMapping/>
+  </p:clrMapOvr>
+</p:sld>
+</file>
+
+<file path=ppt/slides/slide5.xml><?xml version="1.0" encoding="utf-8"?>
+<p:sld xmlns:a="http://schemas.openxmlformats.org/drawingml/2006/main" xmlns:r="http://schemas.openxmlformats.org/officeDocument/2006/relationships" xmlns:p="http://schemas.openxmlformats.org/presentationml/2006/main">
+  <p:cSld>
+    <p:spTree>
+      <p:nvGrpSpPr>
+        <p:cNvPr id="1" name=""/>
+        <p:cNvGrpSpPr/>
+        <p:nvPr/>
+      </p:nvGrpSpPr>
+      <p:grpSpPr>
+        <a:xfrm>
+          <a:off x="0" y="0"/>
+          <a:ext cx="0" cy="0"/>
+          <a:chOff x="0" y="0"/>
+          <a:chExt cx="0" cy="0"/>
+        </a:xfrm>
+      </p:grpSpPr>
+      <p:sp>
+        <p:nvSpPr>
+          <p:cNvPr id="2" name="Titel 1">
+            <a:extLst>
+              <a:ext uri="{FF2B5EF4-FFF2-40B4-BE49-F238E27FC236}">
+                <a16:creationId xmlns:a16="http://schemas.microsoft.com/office/drawing/2014/main" id="{43D64BA9-A589-45A8-A360-C95104E80865}"/>
+              </a:ext>
+            </a:extLst>
+          </p:cNvPr>
+          <p:cNvSpPr>
+            <a:spLocks noGrp="1"/>
+          </p:cNvSpPr>
+          <p:nvPr>
+            <p:ph type="title"/>
+          </p:nvPr>
+        </p:nvSpPr>
+        <p:spPr/>
+        <p:txBody>
+          <a:bodyPr/>
+          <a:lstStyle/>
+          <a:p>
+            <a:r>
+              <a:rPr lang="en-US" dirty="0" err="1"/>
+              <a:t>Kleuren</a:t>
+            </a:r>
+            <a:r>
+              <a:rPr lang="en-US" dirty="0"/>
+              <a:t> </a:t>
+            </a:r>
+            <a:r>
+              <a:rPr lang="en-US" dirty="0" err="1"/>
+              <a:t>keuze</a:t>
+            </a:r>
+            <a:endParaRPr lang="nl-NL" dirty="0"/>
+          </a:p>
+        </p:txBody>
+      </p:sp>
+      <p:graphicFrame>
+        <p:nvGraphicFramePr>
+          <p:cNvPr id="4" name="Tijdelijke aanduiding voor inhoud 3">
+            <a:extLst>
+              <a:ext uri="{FF2B5EF4-FFF2-40B4-BE49-F238E27FC236}">
+                <a16:creationId xmlns:a16="http://schemas.microsoft.com/office/drawing/2014/main" id="{C4DFF530-8D28-4399-985C-EA9905A5EA5C}"/>
+              </a:ext>
+            </a:extLst>
+          </p:cNvPr>
+          <p:cNvGraphicFramePr>
+            <a:graphicFrameLocks noGrp="1"/>
+          </p:cNvGraphicFramePr>
+          <p:nvPr>
+            <p:ph idx="1"/>
+            <p:extLst>
+              <p:ext uri="{D42A27DB-BD31-4B8C-83A1-F6EECF244321}">
+                <p14:modId xmlns:p14="http://schemas.microsoft.com/office/powerpoint/2010/main" val="2478711530"/>
+              </p:ext>
+            </p:extLst>
+          </p:nvPr>
+        </p:nvGraphicFramePr>
+        <p:xfrm>
+          <a:off x="5071621" y="2012323"/>
+          <a:ext cx="6915330" cy="3794588"/>
+        </p:xfrm>
+        <a:graphic>
+          <a:graphicData uri="http://schemas.openxmlformats.org/drawingml/2006/chart">
+            <c:chart xmlns:c="http://schemas.openxmlformats.org/drawingml/2006/chart" xmlns:r="http://schemas.openxmlformats.org/officeDocument/2006/relationships" r:id="rId2"/>
+          </a:graphicData>
+        </a:graphic>
+      </p:graphicFrame>
+      <p:graphicFrame>
+        <p:nvGraphicFramePr>
+          <p:cNvPr id="5" name="Grafiek 4">
+            <a:extLst>
+              <a:ext uri="{FF2B5EF4-FFF2-40B4-BE49-F238E27FC236}">
+                <a16:creationId xmlns:a16="http://schemas.microsoft.com/office/drawing/2014/main" id="{39E81DD4-8D6C-4169-8301-D65531652738}"/>
+              </a:ext>
+            </a:extLst>
+          </p:cNvPr>
+          <p:cNvGraphicFramePr>
+            <a:graphicFrameLocks/>
+          </p:cNvGraphicFramePr>
+          <p:nvPr>
+            <p:extLst>
+              <p:ext uri="{D42A27DB-BD31-4B8C-83A1-F6EECF244321}">
+                <p14:modId xmlns:p14="http://schemas.microsoft.com/office/powerpoint/2010/main" val="911149878"/>
+              </p:ext>
+            </p:extLst>
+          </p:nvPr>
+        </p:nvGraphicFramePr>
+        <p:xfrm>
+          <a:off x="129635" y="2337611"/>
+          <a:ext cx="4791075" cy="2880360"/>
+        </p:xfrm>
+        <a:graphic>
+          <a:graphicData uri="http://schemas.openxmlformats.org/drawingml/2006/chart">
+            <c:chart xmlns:c="http://schemas.openxmlformats.org/drawingml/2006/chart" xmlns:r="http://schemas.openxmlformats.org/officeDocument/2006/relationships" r:id="rId3"/>
+          </a:graphicData>
+        </a:graphic>
+      </p:graphicFrame>
+    </p:spTree>
+    <p:extLst>
+      <p:ext uri="{BB962C8B-B14F-4D97-AF65-F5344CB8AC3E}">
+        <p14:creationId xmlns:p14="http://schemas.microsoft.com/office/powerpoint/2010/main" val="3269703968"/>
+      </p:ext>
+    </p:extLst>
+  </p:cSld>
+  <p:clrMapOvr>
+    <a:masterClrMapping/>
+  </p:clrMapOvr>
+</p:sld>
+</file>
+
+<file path=ppt/slides/slide6.xml><?xml version="1.0" encoding="utf-8"?>
+<p:sld xmlns:a="http://schemas.openxmlformats.org/drawingml/2006/main" xmlns:r="http://schemas.openxmlformats.org/officeDocument/2006/relationships" xmlns:p="http://schemas.openxmlformats.org/presentationml/2006/main">
+  <p:cSld>
+    <p:spTree>
+      <p:nvGrpSpPr>
+        <p:cNvPr id="1" name=""/>
+        <p:cNvGrpSpPr/>
+        <p:nvPr/>
+      </p:nvGrpSpPr>
+      <p:grpSpPr>
+        <a:xfrm>
+          <a:off x="0" y="0"/>
+          <a:ext cx="0" cy="0"/>
+          <a:chOff x="0" y="0"/>
+          <a:chExt cx="0" cy="0"/>
+        </a:xfrm>
+      </p:grpSpPr>
+      <p:sp>
+        <p:nvSpPr>
+          <p:cNvPr id="2" name="Titel 1">
+            <a:extLst>
+              <a:ext uri="{FF2B5EF4-FFF2-40B4-BE49-F238E27FC236}">
+                <a16:creationId xmlns:a16="http://schemas.microsoft.com/office/drawing/2014/main" id="{862E2F21-EB0F-40A3-9668-0A474A94E662}"/>
+              </a:ext>
+            </a:extLst>
+          </p:cNvPr>
+          <p:cNvSpPr>
+            <a:spLocks noGrp="1"/>
+          </p:cNvSpPr>
+          <p:nvPr>
+            <p:ph type="title"/>
+          </p:nvPr>
+        </p:nvSpPr>
+        <p:spPr/>
+        <p:txBody>
+          <a:bodyPr/>
+          <a:lstStyle/>
+          <a:p>
+            <a:r>
+              <a:rPr lang="en-US" dirty="0" err="1"/>
+              <a:t>Kleuren</a:t>
+            </a:r>
+            <a:r>
+              <a:rPr lang="en-US" dirty="0"/>
+              <a:t> </a:t>
+            </a:r>
+            <a:r>
+              <a:rPr lang="en-US" dirty="0" err="1"/>
+              <a:t>keuzes</a:t>
+            </a:r>
+            <a:endParaRPr lang="nl-NL" dirty="0"/>
+          </a:p>
+        </p:txBody>
+      </p:sp>
+      <p:graphicFrame>
+        <p:nvGraphicFramePr>
+          <p:cNvPr id="6" name="Tijdelijke aanduiding voor inhoud 5">
+            <a:extLst>
+              <a:ext uri="{FF2B5EF4-FFF2-40B4-BE49-F238E27FC236}">
+                <a16:creationId xmlns:a16="http://schemas.microsoft.com/office/drawing/2014/main" id="{BBCE714F-7586-44B5-A987-4A91795F6542}"/>
+              </a:ext>
+            </a:extLst>
+          </p:cNvPr>
+          <p:cNvGraphicFramePr>
+            <a:graphicFrameLocks noGrp="1"/>
+          </p:cNvGraphicFramePr>
+          <p:nvPr>
+            <p:ph idx="1"/>
+            <p:extLst>
+              <p:ext uri="{D42A27DB-BD31-4B8C-83A1-F6EECF244321}">
+                <p14:modId xmlns:p14="http://schemas.microsoft.com/office/powerpoint/2010/main" val="309869686"/>
+              </p:ext>
+            </p:extLst>
+          </p:nvPr>
+        </p:nvGraphicFramePr>
+        <p:xfrm>
+          <a:off x="4927382" y="2603843"/>
+          <a:ext cx="7264618" cy="3449638"/>
+        </p:xfrm>
+        <a:graphic>
+          <a:graphicData uri="http://schemas.openxmlformats.org/drawingml/2006/chart">
+            <c:chart xmlns:c="http://schemas.openxmlformats.org/drawingml/2006/chart" xmlns:r="http://schemas.openxmlformats.org/officeDocument/2006/relationships" r:id="rId2"/>
+          </a:graphicData>
+        </a:graphic>
+      </p:graphicFrame>
+      <p:graphicFrame>
+        <p:nvGraphicFramePr>
+          <p:cNvPr id="20" name="Grafiek 19">
+            <a:extLst>
+              <a:ext uri="{FF2B5EF4-FFF2-40B4-BE49-F238E27FC236}">
+                <a16:creationId xmlns:a16="http://schemas.microsoft.com/office/drawing/2014/main" id="{B0E3D21C-FB88-4DF3-9507-DBC776F4A44D}"/>
+              </a:ext>
+            </a:extLst>
+          </p:cNvPr>
+          <p:cNvGraphicFramePr>
+            <a:graphicFrameLocks/>
+          </p:cNvGraphicFramePr>
+          <p:nvPr>
+            <p:extLst>
+              <p:ext uri="{D42A27DB-BD31-4B8C-83A1-F6EECF244321}">
+                <p14:modId xmlns:p14="http://schemas.microsoft.com/office/powerpoint/2010/main" val="690937469"/>
+              </p:ext>
+            </p:extLst>
+          </p:nvPr>
+        </p:nvGraphicFramePr>
+        <p:xfrm>
+          <a:off x="166771" y="2947537"/>
+          <a:ext cx="4620260" cy="2762250"/>
+        </p:xfrm>
+        <a:graphic>
+          <a:graphicData uri="http://schemas.openxmlformats.org/drawingml/2006/chart">
+            <c:chart xmlns:c="http://schemas.openxmlformats.org/drawingml/2006/chart" xmlns:r="http://schemas.openxmlformats.org/officeDocument/2006/relationships" r:id="rId3"/>
+          </a:graphicData>
+        </a:graphic>
+      </p:graphicFrame>
+    </p:spTree>
+    <p:extLst>
+      <p:ext uri="{BB962C8B-B14F-4D97-AF65-F5344CB8AC3E}">
+        <p14:creationId xmlns:p14="http://schemas.microsoft.com/office/powerpoint/2010/main" val="4147201347"/>
+      </p:ext>
+    </p:extLst>
+  </p:cSld>
+  <p:clrMapOvr>
+    <a:masterClrMapping/>
+  </p:clrMapOvr>
+</p:sld>
+</file>
+
+<file path=ppt/slides/slide7.xml><?xml version="1.0" encoding="utf-8"?>
+<p:sld xmlns:a="http://schemas.openxmlformats.org/drawingml/2006/main" xmlns:r="http://schemas.openxmlformats.org/officeDocument/2006/relationships" xmlns:p="http://schemas.openxmlformats.org/presentationml/2006/main">
+  <p:cSld>
+    <p:bg>
+      <p:bgPr>
+        <a:gradFill rotWithShape="1">
+          <a:gsLst>
+            <a:gs pos="0">
+              <a:schemeClr val="bg1">
+                <a:tint val="94000"/>
+                <a:satMod val="80000"/>
+                <a:lumMod val="106000"/>
+              </a:schemeClr>
+            </a:gs>
+            <a:gs pos="100000">
+              <a:schemeClr val="bg1">
+                <a:shade val="80000"/>
+              </a:schemeClr>
+            </a:gs>
+          </a:gsLst>
+          <a:path path="circle">
+            <a:fillToRect l="43000" r="43000" b="100000"/>
+          </a:path>
+        </a:gradFill>
+        <a:effectLst/>
+      </p:bgPr>
+    </p:bg>
+    <p:spTree>
+      <p:nvGrpSpPr>
+        <p:cNvPr id="1" name=""/>
+        <p:cNvGrpSpPr/>
+        <p:nvPr/>
+      </p:nvGrpSpPr>
+      <p:grpSpPr>
+        <a:xfrm>
+          <a:off x="0" y="0"/>
+          <a:ext cx="0" cy="0"/>
+          <a:chOff x="0" y="0"/>
+          <a:chExt cx="0" cy="0"/>
+        </a:xfrm>
+      </p:grpSpPr>
+      <p:sp>
+        <p:nvSpPr>
+          <p:cNvPr id="2" name="Titel 1">
+            <a:extLst>
+              <a:ext uri="{FF2B5EF4-FFF2-40B4-BE49-F238E27FC236}">
+                <a16:creationId xmlns:a16="http://schemas.microsoft.com/office/drawing/2014/main" id="{1E056D36-EA81-4B46-94CB-EDA59DAABAA3}"/>
+              </a:ext>
+            </a:extLst>
+          </p:cNvPr>
+          <p:cNvSpPr>
+            <a:spLocks noGrp="1"/>
+          </p:cNvSpPr>
+          <p:nvPr>
+            <p:ph type="title"/>
+          </p:nvPr>
+        </p:nvSpPr>
+        <p:spPr>
+          <a:xfrm>
+            <a:off x="1451581" y="804520"/>
+            <a:ext cx="4958419" cy="1049235"/>
+          </a:xfrm>
+        </p:spPr>
+        <p:txBody>
+          <a:bodyPr>
+            <a:normAutofit/>
+          </a:bodyPr>
+          <a:lstStyle/>
+          <a:p>
+            <a:r>
+              <a:rPr lang="en-US" sz="2200" dirty="0"/>
+              <a:t>Het prototype 3d ontwerp van de ATM</a:t>
+            </a:r>
+            <a:br>
+              <a:rPr lang="en-US" sz="2200" dirty="0"/>
+            </a:br>
+            <a:endParaRPr lang="nl-NL" sz="2200" dirty="0"/>
+          </a:p>
+        </p:txBody>
+      </p:sp>
+      <p:sp>
+        <p:nvSpPr>
+          <p:cNvPr id="8" name="Content Placeholder 7">
+            <a:extLst>
+              <a:ext uri="{FF2B5EF4-FFF2-40B4-BE49-F238E27FC236}">
+                <a16:creationId xmlns:a16="http://schemas.microsoft.com/office/drawing/2014/main" id="{45C6C9A7-A99D-494F-BB94-54F1B7DEFECC}"/>
+              </a:ext>
+            </a:extLst>
+          </p:cNvPr>
+          <p:cNvSpPr>
+            <a:spLocks noGrp="1"/>
+          </p:cNvSpPr>
+          <p:nvPr>
+            <p:ph idx="1"/>
+          </p:nvPr>
+        </p:nvSpPr>
+        <p:spPr>
+          <a:xfrm>
+            <a:off x="1451581" y="2015732"/>
+            <a:ext cx="4958419" cy="3450613"/>
+          </a:xfrm>
+        </p:spPr>
+        <p:txBody>
+          <a:bodyPr>
+            <a:normAutofit/>
+          </a:bodyPr>
+          <a:lstStyle/>
+          <a:p>
+            <a:r>
+              <a:rPr lang="nl-NL" dirty="0">
+                <a:hlinkClick r:id="rId2" tooltip="https://www.tinkercad.com/things/dkPImavJFoT-fakeatm"/>
+              </a:rPr>
+              <a:t>https://www.tinkercad.com/things/dkPImavJFoT-fakeatm</a:t>
+            </a:r>
+            <a:endParaRPr lang="en-US" dirty="0"/>
+          </a:p>
+        </p:txBody>
+      </p:sp>
+      <p:grpSp>
+        <p:nvGrpSpPr>
+          <p:cNvPr id="11" name="Group 10">
+            <a:extLst>
+              <a:ext uri="{FF2B5EF4-FFF2-40B4-BE49-F238E27FC236}">
+                <a16:creationId xmlns:a16="http://schemas.microsoft.com/office/drawing/2014/main" id="{A1DF00D8-05F3-44F6-A739-39FDAECC42A4}"/>
+              </a:ext>
+              <a:ext uri="{C183D7F6-B498-43B3-948B-1728B52AA6E4}">
+                <adec:decorative xmlns:adec="http://schemas.microsoft.com/office/drawing/2017/decorative" val="1"/>
+              </a:ext>
+            </a:extLst>
+          </p:cNvPr>
+          <p:cNvGrpSpPr>
+            <a:grpSpLocks noGrp="1" noUngrp="1" noRot="1" noChangeAspect="1" noMove="1" noResize="1"/>
+          </p:cNvGrpSpPr>
+          <p:nvPr>
+            <p:extLst>
+              <p:ext uri="{386F3935-93C4-4BCD-93E2-E3B085C9AB24}">
+                <p16:designElem xmlns:p16="http://schemas.microsoft.com/office/powerpoint/2015/main" val="1"/>
+              </p:ext>
+            </p:extLst>
+          </p:nvPr>
+        </p:nvGrpSpPr>
+        <p:grpSpPr>
+          <a:xfrm>
+            <a:off x="6899254" y="482171"/>
+            <a:ext cx="4652668" cy="5149101"/>
+            <a:chOff x="6899254" y="482171"/>
+            <a:chExt cx="4652668" cy="5149101"/>
+          </a:xfrm>
+        </p:grpSpPr>
+        <p:sp>
+          <p:nvSpPr>
+            <p:cNvPr id="12" name="Rectangle 11">
+              <a:extLst>
+                <a:ext uri="{FF2B5EF4-FFF2-40B4-BE49-F238E27FC236}">
+                  <a16:creationId xmlns:a16="http://schemas.microsoft.com/office/drawing/2014/main" id="{90BE039F-BBF8-403F-8DCA-0880DB819FE0}"/>
+                </a:ext>
+                <a:ext uri="{C183D7F6-B498-43B3-948B-1728B52AA6E4}">
+                  <adec:decorative xmlns:adec="http://schemas.microsoft.com/office/drawing/2017/decorative" val="1"/>
+                </a:ext>
+              </a:extLst>
+            </p:cNvPr>
+            <p:cNvSpPr/>
+            <p:nvPr>
+              <p:extLst>
+                <p:ext uri="{386F3935-93C4-4BCD-93E2-E3B085C9AB24}">
+                  <p16:designElem xmlns:p16="http://schemas.microsoft.com/office/powerpoint/2015/main" val="1"/>
+                </p:ext>
+              </p:extLst>
+            </p:nvPr>
+          </p:nvSpPr>
+          <p:spPr>
+            <a:xfrm>
+              <a:off x="6899254" y="482171"/>
+              <a:ext cx="4652668" cy="5149101"/>
+            </a:xfrm>
+            <a:prstGeom prst="rect">
+              <a:avLst/>
+            </a:prstGeom>
+            <a:blipFill dpi="0" rotWithShape="1">
+              <a:blip r:embed="rId3">
+                <a:alphaModFix amt="30000"/>
+              </a:blip>
+              <a:srcRect/>
+              <a:tile tx="0" ty="0" sx="100000" sy="100000" flip="none" algn="ctr"/>
+            </a:blipFill>
+            <a:ln w="76200" cmpd="sng">
+              <a:noFill/>
+              <a:miter lim="800000"/>
+            </a:ln>
+            <a:effectLst>
+              <a:outerShdw blurRad="127000" dist="228600" dir="4740000" sx="98000" sy="98000" algn="tl" rotWithShape="0">
+                <a:srgbClr val="000000">
+                  <a:alpha val="34000"/>
+                </a:srgbClr>
+              </a:outerShdw>
+            </a:effectLst>
+            <a:scene3d>
+              <a:camera prst="orthographicFront"/>
+              <a:lightRig rig="threePt" dir="t"/>
+            </a:scene3d>
+            <a:sp3d extrusionH="76200" contourW="12700" prstMaterial="matte">
+              <a:bevelT w="152400" h="50800" prst="softRound"/>
+              <a:extrusionClr>
+                <a:schemeClr val="tx2"/>
+              </a:extrusionClr>
+              <a:contourClr>
+                <a:schemeClr val="bg2"/>
+              </a:contourClr>
+            </a:sp3d>
+          </p:spPr>
+          <p:style>
+            <a:lnRef idx="1">
+              <a:schemeClr val="accent1"/>
+            </a:lnRef>
+            <a:fillRef idx="3">
+              <a:schemeClr val="accent1"/>
+            </a:fillRef>
+            <a:effectRef idx="2">
+              <a:schemeClr val="accent1"/>
+            </a:effectRef>
+            <a:fontRef idx="minor">
+              <a:schemeClr val="lt1"/>
+            </a:fontRef>
+          </p:style>
+          <p:txBody>
+            <a:bodyPr rtlCol="0" anchor="ctr"/>
+            <a:lstStyle/>
+            <a:p>
+              <a:pPr algn="ctr"/>
+              <a:endParaRPr lang="en-US"/>
+            </a:p>
+          </p:txBody>
+        </p:sp>
+        <p:sp>
+          <p:nvSpPr>
+            <p:cNvPr id="13" name="Rectangle 12">
+              <a:extLst>
+                <a:ext uri="{FF2B5EF4-FFF2-40B4-BE49-F238E27FC236}">
+                  <a16:creationId xmlns:a16="http://schemas.microsoft.com/office/drawing/2014/main" id="{9CD9F7AD-4C3D-4F91-87A4-9CF96BA11E5F}"/>
+                </a:ext>
+                <a:ext uri="{C183D7F6-B498-43B3-948B-1728B52AA6E4}">
+                  <adec:decorative xmlns:adec="http://schemas.microsoft.com/office/drawing/2017/decorative" val="1"/>
+                </a:ext>
+              </a:extLst>
+            </p:cNvPr>
+            <p:cNvSpPr/>
+            <p:nvPr>
+              <p:extLst>
+                <p:ext uri="{386F3935-93C4-4BCD-93E2-E3B085C9AB24}">
+                  <p16:designElem xmlns:p16="http://schemas.microsoft.com/office/powerpoint/2015/main" val="1"/>
+                </p:ext>
+              </p:extLst>
+            </p:nvPr>
+          </p:nvSpPr>
+          <p:spPr>
+            <a:xfrm>
+              <a:off x="7239487" y="812507"/>
+              <a:ext cx="4001249" cy="4466452"/>
+            </a:xfrm>
+            <a:prstGeom prst="rect">
+              <a:avLst/>
+            </a:prstGeom>
+            <a:gradFill>
+              <a:gsLst>
+                <a:gs pos="0">
+                  <a:srgbClr val="DADADA"/>
+                </a:gs>
+                <a:gs pos="100000">
+                  <a:srgbClr val="FFFFFE"/>
+                </a:gs>
+              </a:gsLst>
+              <a:lin ang="16200000" scaled="0"/>
+            </a:gradFill>
+            <a:ln w="38100" cmpd="sng">
+              <a:solidFill>
+                <a:schemeClr val="tx2">
+                  <a:lumMod val="25000"/>
+                </a:schemeClr>
+              </a:solidFill>
+              <a:miter lim="800000"/>
+            </a:ln>
+            <a:effectLst>
+              <a:innerShdw blurRad="63500" dist="88900" dir="14100000">
+                <a:srgbClr val="000000">
+                  <a:alpha val="30000"/>
+                </a:srgbClr>
+              </a:innerShdw>
+            </a:effectLst>
+            <a:scene3d>
+              <a:camera prst="orthographicFront"/>
+              <a:lightRig rig="threePt" dir="t"/>
+            </a:scene3d>
+            <a:sp3d>
+              <a:bevelT prst="relaxedInset"/>
+            </a:sp3d>
+          </p:spPr>
+          <p:style>
+            <a:lnRef idx="1">
+              <a:schemeClr val="accent1"/>
+            </a:lnRef>
+            <a:fillRef idx="3">
+              <a:schemeClr val="accent1"/>
+            </a:fillRef>
+            <a:effectRef idx="2">
+              <a:schemeClr val="accent1"/>
+            </a:effectRef>
+            <a:fontRef idx="minor">
+              <a:schemeClr val="lt1"/>
+            </a:fontRef>
+          </p:style>
+          <p:txBody>
+            <a:bodyPr rtlCol="0" anchor="ctr"/>
+            <a:lstStyle/>
+            <a:p>
+              <a:pPr algn="ctr"/>
+              <a:endParaRPr lang="en-US"/>
+            </a:p>
+          </p:txBody>
+        </p:sp>
+      </p:grpSp>
+      <p:pic>
+        <p:nvPicPr>
+          <p:cNvPr id="4" name="Tijdelijke aanduiding voor inhoud 3">
+            <a:extLst>
+              <a:ext uri="{FF2B5EF4-FFF2-40B4-BE49-F238E27FC236}">
+                <a16:creationId xmlns:a16="http://schemas.microsoft.com/office/drawing/2014/main" id="{802C7981-80B0-4D8F-8126-AF4F5E413F39}"/>
+              </a:ext>
+            </a:extLst>
+          </p:cNvPr>
+          <p:cNvPicPr>
+            <a:picLocks noChangeAspect="1"/>
+          </p:cNvPicPr>
+          <p:nvPr/>
+        </p:nvPicPr>
+        <p:blipFill rotWithShape="1">
+          <a:blip r:embed="rId4"/>
+          <a:srcRect l="2350" r="-4" b="-4"/>
+          <a:stretch/>
+        </p:blipFill>
+        <p:spPr>
+          <a:xfrm>
+            <a:off x="7555450" y="1116345"/>
+            <a:ext cx="3360025" cy="3866172"/>
+          </a:xfrm>
+          <a:prstGeom prst="rect">
+            <a:avLst/>
+          </a:prstGeom>
+        </p:spPr>
+      </p:pic>
+    </p:spTree>
+    <p:extLst>
+      <p:ext uri="{BB962C8B-B14F-4D97-AF65-F5344CB8AC3E}">
+        <p14:creationId xmlns:p14="http://schemas.microsoft.com/office/powerpoint/2010/main" val="3021819359"/>
+      </p:ext>
+    </p:extLst>
+  </p:cSld>
+  <p:clrMapOvr>
+    <a:masterClrMapping/>
+  </p:clrMapOvr>
+</p:sld>
+</file>
+
+<file path=ppt/slides/slide8.xml><?xml version="1.0" encoding="utf-8"?>
+<p:sld xmlns:a="http://schemas.openxmlformats.org/drawingml/2006/main" xmlns:r="http://schemas.openxmlformats.org/officeDocument/2006/relationships" xmlns:p="http://schemas.openxmlformats.org/presentationml/2006/main">
+  <p:cSld>
+    <p:bg>
+      <p:bgPr>
+        <a:gradFill rotWithShape="1">
+          <a:gsLst>
+            <a:gs pos="0">
+              <a:schemeClr val="bg1">
+                <a:tint val="94000"/>
+                <a:satMod val="80000"/>
+                <a:lumMod val="106000"/>
+              </a:schemeClr>
+            </a:gs>
+            <a:gs pos="100000">
+              <a:schemeClr val="bg1">
+                <a:shade val="80000"/>
+              </a:schemeClr>
+            </a:gs>
+          </a:gsLst>
+          <a:path path="circle">
+            <a:fillToRect l="43000" r="43000" b="100000"/>
+          </a:path>
+        </a:gradFill>
+        <a:effectLst/>
+      </p:bgPr>
+    </p:bg>
+    <p:spTree>
+      <p:nvGrpSpPr>
+        <p:cNvPr id="1" name=""/>
+        <p:cNvGrpSpPr/>
+        <p:nvPr/>
+      </p:nvGrpSpPr>
+      <p:grpSpPr>
+        <a:xfrm>
+          <a:off x="0" y="0"/>
+          <a:ext cx="0" cy="0"/>
+          <a:chOff x="0" y="0"/>
+          <a:chExt cx="0" cy="0"/>
+        </a:xfrm>
+      </p:grpSpPr>
+      <p:sp>
+        <p:nvSpPr>
+          <p:cNvPr id="2" name="Titel 1">
+            <a:extLst>
+              <a:ext uri="{FF2B5EF4-FFF2-40B4-BE49-F238E27FC236}">
+                <a16:creationId xmlns:a16="http://schemas.microsoft.com/office/drawing/2014/main" id="{8EDE602D-7504-42CF-A276-FE1173F975AB}"/>
+              </a:ext>
+            </a:extLst>
+          </p:cNvPr>
+          <p:cNvSpPr>
+            <a:spLocks noGrp="1"/>
+          </p:cNvSpPr>
+          <p:nvPr>
+            <p:ph type="title"/>
+          </p:nvPr>
+        </p:nvSpPr>
+        <p:spPr>
+          <a:xfrm>
+            <a:off x="1451580" y="804520"/>
+            <a:ext cx="3530157" cy="1049235"/>
+          </a:xfrm>
+        </p:spPr>
+        <p:txBody>
+          <a:bodyPr>
+            <a:normAutofit/>
+          </a:bodyPr>
+          <a:lstStyle/>
+          <a:p>
+            <a:r>
+              <a:rPr lang="en-US" sz="1800"/>
+              <a:t>Het prototype 3d ontwerp van de dispenser</a:t>
+            </a:r>
+            <a:br>
+              <a:rPr lang="en-US" sz="1800"/>
+            </a:br>
+            <a:endParaRPr lang="nl-NL" sz="1800"/>
+          </a:p>
+        </p:txBody>
+      </p:sp>
+      <p:sp>
+        <p:nvSpPr>
+          <p:cNvPr id="1028" name="Content Placeholder 1029">
+            <a:extLst>
+              <a:ext uri="{FF2B5EF4-FFF2-40B4-BE49-F238E27FC236}">
+                <a16:creationId xmlns:a16="http://schemas.microsoft.com/office/drawing/2014/main" id="{402CF58D-2836-4443-BEBD-29A2E8B862BE}"/>
+              </a:ext>
+            </a:extLst>
+          </p:cNvPr>
+          <p:cNvSpPr>
+            <a:spLocks noGrp="1"/>
+          </p:cNvSpPr>
+          <p:nvPr>
+            <p:ph idx="1"/>
+          </p:nvPr>
+        </p:nvSpPr>
+        <p:spPr>
+          <a:xfrm>
+            <a:off x="1451581" y="2015732"/>
+            <a:ext cx="3526523" cy="3450613"/>
+          </a:xfrm>
+        </p:spPr>
+        <p:txBody>
+          <a:bodyPr>
+            <a:normAutofit/>
+          </a:bodyPr>
+          <a:lstStyle/>
+          <a:p>
+            <a:r>
+              <a:rPr lang="en-US" dirty="0"/>
+              <a:t>Biljet </a:t>
+            </a:r>
+            <a:r>
+              <a:rPr lang="nl-NL" dirty="0"/>
+              <a:t>9.9 x 5.1cm</a:t>
+            </a:r>
+          </a:p>
+          <a:p>
+            <a:r>
+              <a:rPr lang="nl-NL" dirty="0">
+                <a:hlinkClick r:id="rId2" tooltip="https://www.tinkercad.com/things/2aWaPZDOyaX-fakeatm-geld"/>
+              </a:rPr>
+              <a:t>https://www.tinkercad.com/things/2aWaPZDOyaX-fakeatm-geld</a:t>
+            </a:r>
+            <a:endParaRPr lang="en-US" dirty="0"/>
+          </a:p>
+        </p:txBody>
+      </p:sp>
+      <p:grpSp>
+        <p:nvGrpSpPr>
+          <p:cNvPr id="137" name="Group 136">
+            <a:extLst>
+              <a:ext uri="{FF2B5EF4-FFF2-40B4-BE49-F238E27FC236}">
+                <a16:creationId xmlns:a16="http://schemas.microsoft.com/office/drawing/2014/main" id="{9604219D-896F-415B-9C37-37C3D815D6B4}"/>
+              </a:ext>
+              <a:ext uri="{C183D7F6-B498-43B3-948B-1728B52AA6E4}">
+                <adec:decorative xmlns:adec="http://schemas.microsoft.com/office/drawing/2017/decorative" val="1"/>
+              </a:ext>
+            </a:extLst>
+          </p:cNvPr>
+          <p:cNvGrpSpPr>
+            <a:grpSpLocks noGrp="1" noUngrp="1" noRot="1" noChangeAspect="1" noMove="1" noResize="1"/>
+          </p:cNvGrpSpPr>
+          <p:nvPr>
+            <p:extLst>
+              <p:ext uri="{386F3935-93C4-4BCD-93E2-E3B085C9AB24}">
+                <p16:designElem xmlns:p16="http://schemas.microsoft.com/office/powerpoint/2015/main" val="1"/>
+              </p:ext>
+            </p:extLst>
+          </p:nvPr>
+        </p:nvGrpSpPr>
+        <p:grpSpPr>
+          <a:xfrm>
+            <a:off x="5460131" y="482171"/>
+            <a:ext cx="6091791" cy="5149101"/>
+            <a:chOff x="5460131" y="482171"/>
+            <a:chExt cx="6091791" cy="5149101"/>
+          </a:xfrm>
+        </p:grpSpPr>
+        <p:sp>
+          <p:nvSpPr>
+            <p:cNvPr id="138" name="Rectangle 137">
+              <a:extLst>
+                <a:ext uri="{FF2B5EF4-FFF2-40B4-BE49-F238E27FC236}">
+                  <a16:creationId xmlns:a16="http://schemas.microsoft.com/office/drawing/2014/main" id="{14E9ACF6-3144-4686-85D1-16E3BC2E29A6}"/>
+                </a:ext>
+                <a:ext uri="{C183D7F6-B498-43B3-948B-1728B52AA6E4}">
+                  <adec:decorative xmlns:adec="http://schemas.microsoft.com/office/drawing/2017/decorative" val="1"/>
+                </a:ext>
+              </a:extLst>
+            </p:cNvPr>
+            <p:cNvSpPr/>
+            <p:nvPr>
+              <p:extLst>
+                <p:ext uri="{386F3935-93C4-4BCD-93E2-E3B085C9AB24}">
+                  <p16:designElem xmlns:p16="http://schemas.microsoft.com/office/powerpoint/2015/main" val="1"/>
+                </p:ext>
+              </p:extLst>
+            </p:nvPr>
+          </p:nvSpPr>
+          <p:spPr>
+            <a:xfrm>
+              <a:off x="5460131" y="482171"/>
+              <a:ext cx="6091791" cy="5149101"/>
+            </a:xfrm>
+            <a:prstGeom prst="rect">
+              <a:avLst/>
+            </a:prstGeom>
+            <a:blipFill dpi="0" rotWithShape="1">
+              <a:blip r:embed="rId3">
+                <a:alphaModFix amt="30000"/>
+              </a:blip>
+              <a:srcRect/>
+              <a:tile tx="0" ty="0" sx="100000" sy="100000" flip="none" algn="ctr"/>
+            </a:blipFill>
+            <a:ln w="76200" cmpd="sng">
+              <a:noFill/>
+              <a:miter lim="800000"/>
+            </a:ln>
+            <a:effectLst>
+              <a:outerShdw blurRad="127000" dist="228600" dir="4740000" sx="98000" sy="98000" algn="tl" rotWithShape="0">
+                <a:srgbClr val="000000">
+                  <a:alpha val="34000"/>
+                </a:srgbClr>
+              </a:outerShdw>
+            </a:effectLst>
+            <a:scene3d>
+              <a:camera prst="orthographicFront"/>
+              <a:lightRig rig="threePt" dir="t"/>
+            </a:scene3d>
+            <a:sp3d extrusionH="76200" contourW="12700" prstMaterial="matte">
+              <a:bevelT w="152400" h="50800" prst="softRound"/>
+              <a:extrusionClr>
+                <a:schemeClr val="tx2"/>
+              </a:extrusionClr>
+              <a:contourClr>
+                <a:schemeClr val="bg2"/>
+              </a:contourClr>
+            </a:sp3d>
+          </p:spPr>
+          <p:style>
+            <a:lnRef idx="1">
+              <a:schemeClr val="accent1"/>
+            </a:lnRef>
+            <a:fillRef idx="3">
+              <a:schemeClr val="accent1"/>
+            </a:fillRef>
+            <a:effectRef idx="2">
+              <a:schemeClr val="accent1"/>
+            </a:effectRef>
+            <a:fontRef idx="minor">
+              <a:schemeClr val="lt1"/>
+            </a:fontRef>
+          </p:style>
+          <p:txBody>
+            <a:bodyPr rtlCol="0" anchor="ctr"/>
+            <a:lstStyle/>
+            <a:p>
+              <a:pPr algn="ctr"/>
+              <a:endParaRPr lang="en-US"/>
+            </a:p>
+          </p:txBody>
+        </p:sp>
+        <p:sp>
+          <p:nvSpPr>
+            <p:cNvPr id="139" name="Rectangle 138">
+              <a:extLst>
+                <a:ext uri="{FF2B5EF4-FFF2-40B4-BE49-F238E27FC236}">
+                  <a16:creationId xmlns:a16="http://schemas.microsoft.com/office/drawing/2014/main" id="{C6A238AC-6BAF-49C2-B29F-0C42A28F60C6}"/>
+                </a:ext>
+                <a:ext uri="{C183D7F6-B498-43B3-948B-1728B52AA6E4}">
+                  <adec:decorative xmlns:adec="http://schemas.microsoft.com/office/drawing/2017/decorative" val="1"/>
+                </a:ext>
+              </a:extLst>
+            </p:cNvPr>
+            <p:cNvSpPr/>
+            <p:nvPr>
+              <p:extLst>
+                <p:ext uri="{386F3935-93C4-4BCD-93E2-E3B085C9AB24}">
+                  <p16:designElem xmlns:p16="http://schemas.microsoft.com/office/powerpoint/2015/main" val="1"/>
+                </p:ext>
+              </p:extLst>
+            </p:nvPr>
+          </p:nvSpPr>
+          <p:spPr>
+            <a:xfrm>
+              <a:off x="5778956" y="812507"/>
+              <a:ext cx="5461780" cy="4466452"/>
+            </a:xfrm>
+            <a:prstGeom prst="rect">
+              <a:avLst/>
+            </a:prstGeom>
+            <a:gradFill>
+              <a:gsLst>
+                <a:gs pos="0">
+                  <a:srgbClr val="DADADA"/>
+                </a:gs>
+                <a:gs pos="100000">
+                  <a:srgbClr val="FFFFFE"/>
+                </a:gs>
+              </a:gsLst>
+              <a:lin ang="16200000" scaled="0"/>
+            </a:gradFill>
+            <a:ln w="38100" cmpd="sng">
+              <a:solidFill>
+                <a:schemeClr val="tx2">
+                  <a:lumMod val="25000"/>
+                </a:schemeClr>
+              </a:solidFill>
+              <a:miter lim="800000"/>
+            </a:ln>
+            <a:effectLst>
+              <a:innerShdw blurRad="63500" dist="88900" dir="14100000">
+                <a:srgbClr val="000000">
+                  <a:alpha val="30000"/>
+                </a:srgbClr>
+              </a:innerShdw>
+            </a:effectLst>
+            <a:scene3d>
+              <a:camera prst="orthographicFront"/>
+              <a:lightRig rig="threePt" dir="t"/>
+            </a:scene3d>
+            <a:sp3d>
+              <a:bevelT prst="relaxedInset"/>
+            </a:sp3d>
+          </p:spPr>
+          <p:style>
+            <a:lnRef idx="1">
+              <a:schemeClr val="accent1"/>
+            </a:lnRef>
+            <a:fillRef idx="3">
+              <a:schemeClr val="accent1"/>
+            </a:fillRef>
+            <a:effectRef idx="2">
+              <a:schemeClr val="accent1"/>
+            </a:effectRef>
+            <a:fontRef idx="minor">
+              <a:schemeClr val="lt1"/>
+            </a:fontRef>
+          </p:style>
+          <p:txBody>
+            <a:bodyPr rtlCol="0" anchor="ctr"/>
+            <a:lstStyle/>
+            <a:p>
+              <a:pPr algn="ctr"/>
+              <a:endParaRPr lang="en-US"/>
+            </a:p>
+          </p:txBody>
+        </p:sp>
+      </p:grpSp>
+      <p:sp>
+        <p:nvSpPr>
+          <p:cNvPr id="141" name="Rectangle 140">
+            <a:extLst>
+              <a:ext uri="{FF2B5EF4-FFF2-40B4-BE49-F238E27FC236}">
+                <a16:creationId xmlns:a16="http://schemas.microsoft.com/office/drawing/2014/main" id="{708C352B-BA75-4968-BC2B-5E8FA0717E46}"/>
+              </a:ext>
+              <a:ext uri="{C183D7F6-B498-43B3-948B-1728B52AA6E4}">
+                <adec:decorative xmlns:adec="http://schemas.microsoft.com/office/drawing/2017/decorative" val="1"/>
+              </a:ext>
+            </a:extLst>
+          </p:cNvPr>
+          <p:cNvSpPr>
+            <a:spLocks noGrp="1" noRot="1" noChangeAspect="1" noMove="1" noResize="1" noEditPoints="1" noAdjustHandles="1" noChangeArrowheads="1" noChangeShapeType="1" noTextEdit="1"/>
+          </p:cNvSpPr>
+          <p:nvPr>
+            <p:extLst>
+              <p:ext uri="{386F3935-93C4-4BCD-93E2-E3B085C9AB24}">
+                <p16:designElem xmlns:p16="http://schemas.microsoft.com/office/powerpoint/2015/main" val="1"/>
+              </p:ext>
+            </p:extLst>
+          </p:nvPr>
+        </p:nvSpPr>
+        <p:spPr>
+          <a:xfrm>
+            <a:off x="5942378" y="977099"/>
+            <a:ext cx="5123274" cy="4138331"/>
+          </a:xfrm>
+          <a:prstGeom prst="rect">
+            <a:avLst/>
+          </a:prstGeom>
+          <a:solidFill>
+            <a:srgbClr val="FFFFFE"/>
+          </a:solidFill>
+          <a:ln w="6350">
+            <a:solidFill>
+              <a:schemeClr val="tx2"/>
+            </a:solidFill>
+          </a:ln>
+        </p:spPr>
+        <p:style>
+          <a:lnRef idx="2">
+            <a:schemeClr val="accent1">
+              <a:shade val="50000"/>
+            </a:schemeClr>
+          </a:lnRef>
+          <a:fillRef idx="1">
+            <a:schemeClr val="accent1"/>
+          </a:fillRef>
+          <a:effectRef idx="0">
+            <a:schemeClr val="accent1"/>
+          </a:effectRef>
+          <a:fontRef idx="minor">
+            <a:schemeClr val="lt1"/>
+          </a:fontRef>
+        </p:style>
+        <p:txBody>
+          <a:bodyPr rtlCol="0" anchor="ctr"/>
+          <a:lstStyle/>
+          <a:p>
+            <a:pPr algn="ctr"/>
+            <a:endParaRPr lang="en-US"/>
+          </a:p>
+        </p:txBody>
+      </p:sp>
+      <p:pic>
+        <p:nvPicPr>
+          <p:cNvPr id="1026" name="Picture 2">
+            <a:extLst>
+              <a:ext uri="{FF2B5EF4-FFF2-40B4-BE49-F238E27FC236}">
+                <a16:creationId xmlns:a16="http://schemas.microsoft.com/office/drawing/2014/main" id="{5C92127C-4BDC-4F52-B539-68424AEF2085}"/>
+              </a:ext>
+            </a:extLst>
+          </p:cNvPr>
+          <p:cNvPicPr>
+            <a:picLocks noChangeAspect="1" noChangeArrowheads="1"/>
+          </p:cNvPicPr>
+          <p:nvPr/>
+        </p:nvPicPr>
+        <p:blipFill>
+          <a:blip r:embed="rId4">
+            <a:extLst>
+              <a:ext uri="{28A0092B-C50C-407E-A947-70E740481C1C}">
+                <a14:useLocalDpi xmlns:a14="http://schemas.microsoft.com/office/drawing/2010/main" val="0"/>
+              </a:ext>
+            </a:extLst>
+          </a:blip>
+          <a:stretch>
+            <a:fillRect/>
+          </a:stretch>
+        </p:blipFill>
+        <p:spPr bwMode="auto">
+          <a:xfrm>
+            <a:off x="6093997" y="1994320"/>
+            <a:ext cx="1085643" cy="1930032"/>
+          </a:xfrm>
+          <a:prstGeom prst="rect">
+            <a:avLst/>
+          </a:prstGeom>
+          <a:noFill/>
+          <a:extLst>
+            <a:ext uri="{909E8E84-426E-40DD-AFC4-6F175D3DCCD1}">
+              <a14:hiddenFill xmlns:a14="http://schemas.microsoft.com/office/drawing/2010/main">
+                <a:solidFill>
+                  <a:srgbClr val="FFFFFF"/>
+                </a:solidFill>
+              </a14:hiddenFill>
+            </a:ext>
+          </a:extLst>
+        </p:spPr>
+      </p:pic>
+      <p:pic>
+        <p:nvPicPr>
+          <p:cNvPr id="4" name="Tijdelijke aanduiding voor inhoud 3">
+            <a:extLst>
+              <a:ext uri="{FF2B5EF4-FFF2-40B4-BE49-F238E27FC236}">
+                <a16:creationId xmlns:a16="http://schemas.microsoft.com/office/drawing/2014/main" id="{ED497BC3-8F06-4140-8F6F-BDFE40A66850}"/>
+              </a:ext>
+            </a:extLst>
+          </p:cNvPr>
+          <p:cNvPicPr>
+            <a:picLocks noChangeAspect="1"/>
+          </p:cNvPicPr>
+          <p:nvPr/>
+        </p:nvPicPr>
+        <p:blipFill>
+          <a:blip r:embed="rId5"/>
+          <a:stretch>
+            <a:fillRect/>
+          </a:stretch>
+        </p:blipFill>
+        <p:spPr>
+          <a:xfrm>
+            <a:off x="7331259" y="1720653"/>
+            <a:ext cx="3660461" cy="2672135"/>
+          </a:xfrm>
+          <a:prstGeom prst="rect">
+            <a:avLst/>
+          </a:prstGeom>
+        </p:spPr>
+      </p:pic>
+    </p:spTree>
+    <p:extLst>
+      <p:ext uri="{BB962C8B-B14F-4D97-AF65-F5344CB8AC3E}">
+        <p14:creationId xmlns:p14="http://schemas.microsoft.com/office/powerpoint/2010/main" val="3566131501"/>
+      </p:ext>
+    </p:extLst>
+  </p:cSld>
+  <p:clrMapOvr>
+    <a:masterClrMapping/>
+  </p:clrMapOvr>
+</p:sld>
+</file>
+
+<file path=ppt/slides/slide9.xml><?xml version="1.0" encoding="utf-8"?>
+<p:sld xmlns:a="http://schemas.openxmlformats.org/drawingml/2006/main" xmlns:r="http://schemas.openxmlformats.org/officeDocument/2006/relationships" xmlns:p="http://schemas.openxmlformats.org/presentationml/2006/main">
+  <p:cSld>
+    <p:bg>
+      <p:bgPr>
+        <a:gradFill rotWithShape="1">
+          <a:gsLst>
+            <a:gs pos="0">
+              <a:schemeClr val="bg2">
+                <a:tint val="94000"/>
+                <a:satMod val="80000"/>
+                <a:lumMod val="106000"/>
+              </a:schemeClr>
+            </a:gs>
+            <a:gs pos="100000">
+              <a:schemeClr val="bg2">
+                <a:shade val="80000"/>
+              </a:schemeClr>
+            </a:gs>
+          </a:gsLst>
+          <a:path path="circle">
+            <a:fillToRect l="43000" r="43000" b="100000"/>
+          </a:path>
+        </a:gradFill>
+        <a:effectLst/>
+      </p:bgPr>
+    </p:bg>
+    <p:spTree>
+      <p:nvGrpSpPr>
+        <p:cNvPr id="1" name=""/>
+        <p:cNvGrpSpPr/>
+        <p:nvPr/>
+      </p:nvGrpSpPr>
+      <p:grpSpPr>
+        <a:xfrm>
+          <a:off x="0" y="0"/>
+          <a:ext cx="0" cy="0"/>
+          <a:chOff x="0" y="0"/>
+          <a:chExt cx="0" cy="0"/>
+        </a:xfrm>
+      </p:grpSpPr>
+      <p:sp>
+        <p:nvSpPr>
+          <p:cNvPr id="138" name="Rectangle 137">
+            <a:extLst>
+              <a:ext uri="{FF2B5EF4-FFF2-40B4-BE49-F238E27FC236}">
+                <a16:creationId xmlns:a16="http://schemas.microsoft.com/office/drawing/2014/main" id="{CDDE5CDF-1512-4CDA-B956-23D223F8DE44}"/>
+              </a:ext>
+              <a:ext uri="{C183D7F6-B498-43B3-948B-1728B52AA6E4}">
+                <adec:decorative xmlns:adec="http://schemas.microsoft.com/office/drawing/2017/decorative" val="1"/>
+              </a:ext>
+            </a:extLst>
+          </p:cNvPr>
+          <p:cNvSpPr>
+            <a:spLocks noGrp="1" noRot="1" noChangeAspect="1" noMove="1" noResize="1" noEditPoints="1" noAdjustHandles="1" noChangeArrowheads="1" noChangeShapeType="1" noTextEdit="1"/>
+          </p:cNvSpPr>
+          <p:nvPr>
+            <p:extLst>
+              <p:ext uri="{386F3935-93C4-4BCD-93E2-E3B085C9AB24}">
+                <p16:designElem xmlns:p16="http://schemas.microsoft.com/office/powerpoint/2015/main" val="1"/>
+              </p:ext>
+            </p:extLst>
+          </p:nvPr>
+        </p:nvSpPr>
+        <p:spPr>
+          <a:xfrm>
+            <a:off x="0" y="2019476"/>
+            <a:ext cx="12192000" cy="4105941"/>
+          </a:xfrm>
+          <a:prstGeom prst="rect">
+            <a:avLst/>
+          </a:prstGeom>
+          <a:gradFill flip="none" rotWithShape="1">
+            <a:gsLst>
+              <a:gs pos="0">
+                <a:schemeClr val="bg2">
+                  <a:alpha val="0"/>
+                </a:schemeClr>
+              </a:gs>
+              <a:gs pos="100000">
+                <a:schemeClr val="bg2"/>
+              </a:gs>
+            </a:gsLst>
+            <a:lin ang="5400000" scaled="0"/>
+            <a:tileRect/>
+          </a:gradFill>
+          <a:ln>
+            <a:noFill/>
+          </a:ln>
+        </p:spPr>
+        <p:style>
+          <a:lnRef idx="2">
+            <a:schemeClr val="accent1">
+              <a:shade val="50000"/>
+            </a:schemeClr>
+          </a:lnRef>
+          <a:fillRef idx="1">
+            <a:schemeClr val="accent1"/>
+          </a:fillRef>
+          <a:effectRef idx="0">
+            <a:schemeClr val="accent1"/>
+          </a:effectRef>
+          <a:fontRef idx="minor">
+            <a:schemeClr val="lt1"/>
+          </a:fontRef>
+        </p:style>
+      </p:sp>
+      <p:pic>
+        <p:nvPicPr>
+          <p:cNvPr id="140" name="Picture 139">
+            <a:extLst>
+              <a:ext uri="{FF2B5EF4-FFF2-40B4-BE49-F238E27FC236}">
+                <a16:creationId xmlns:a16="http://schemas.microsoft.com/office/drawing/2014/main" id="{B029D7D8-5A6B-4C76-94C8-15798C6C5ADB}"/>
+              </a:ext>
+              <a:ext uri="{C183D7F6-B498-43B3-948B-1728B52AA6E4}">
+                <adec:decorative xmlns:adec="http://schemas.microsoft.com/office/drawing/2017/decorative" val="1"/>
+              </a:ext>
+            </a:extLst>
+          </p:cNvPr>
+          <p:cNvPicPr>
+            <a:picLocks noGrp="1" noRot="1" noChangeAspect="1" noMove="1" noResize="1" noEditPoints="1" noAdjustHandles="1" noChangeArrowheads="1" noChangeShapeType="1" noCrop="1"/>
+          </p:cNvPicPr>
+          <p:nvPr>
+            <p:extLst>
+              <p:ext uri="{386F3935-93C4-4BCD-93E2-E3B085C9AB24}">
+                <p16:designElem xmlns:p16="http://schemas.microsoft.com/office/powerpoint/2015/main" val="1"/>
+              </p:ext>
+            </p:extLst>
+          </p:nvPr>
+        </p:nvPicPr>
+        <p:blipFill rotWithShape="1">
+          <a:blip r:embed="rId2">
+            <a:extLst>
+              <a:ext uri="{28A0092B-C50C-407E-A947-70E740481C1C}">
+                <a14:useLocalDpi xmlns:a14="http://schemas.microsoft.com/office/drawing/2010/main" val="0"/>
+              </a:ext>
+            </a:extLst>
+          </a:blip>
+          <a:srcRect t="1538" b="-1538"/>
+          <a:stretch/>
+        </p:blipFill>
+        <p:spPr bwMode="black">
+          <a:xfrm>
+            <a:off x="0" y="6126480"/>
+            <a:ext cx="12192000" cy="742950"/>
+          </a:xfrm>
+          <a:prstGeom prst="rect">
+            <a:avLst/>
+          </a:prstGeom>
+        </p:spPr>
+      </p:pic>
+      <p:cxnSp>
+        <p:nvCxnSpPr>
+          <p:cNvPr id="142" name="Straight Connector 141">
+            <a:extLst>
+              <a:ext uri="{FF2B5EF4-FFF2-40B4-BE49-F238E27FC236}">
+                <a16:creationId xmlns:a16="http://schemas.microsoft.com/office/drawing/2014/main" id="{A5C9319C-E20D-4884-952F-60B6A58C3E34}"/>
+              </a:ext>
+              <a:ext uri="{C183D7F6-B498-43B3-948B-1728B52AA6E4}">
+                <adec:decorative xmlns:adec="http://schemas.microsoft.com/office/drawing/2017/decorative" val="1"/>
+              </a:ext>
+            </a:extLst>
+          </p:cNvPr>
+          <p:cNvCxnSpPr>
+            <a:cxnSpLocks noGrp="1" noRot="1" noChangeAspect="1" noMove="1" noResize="1" noEditPoints="1" noAdjustHandles="1" noChangeArrowheads="1" noChangeShapeType="1"/>
+          </p:cNvCxnSpPr>
+          <p:nvPr>
+            <p:extLst>
+              <p:ext uri="{386F3935-93C4-4BCD-93E2-E3B085C9AB24}">
+                <p16:designElem xmlns:p16="http://schemas.microsoft.com/office/powerpoint/2015/main" val="1"/>
+              </p:ext>
+            </p:extLst>
+          </p:nvPr>
+        </p:nvCxnSpPr>
+        <p:spPr>
+          <a:xfrm>
+            <a:off x="0" y="6128413"/>
+            <a:ext cx="12192000" cy="0"/>
+          </a:xfrm>
+          <a:prstGeom prst="line">
+            <a:avLst/>
+          </a:prstGeom>
+          <a:ln w="12700">
+            <a:solidFill>
+              <a:srgbClr val="000001">
+                <a:alpha val="20000"/>
+              </a:srgbClr>
+            </a:solidFill>
+          </a:ln>
+        </p:spPr>
+        <p:style>
+          <a:lnRef idx="1">
+            <a:schemeClr val="accent1"/>
+          </a:lnRef>
+          <a:fillRef idx="0">
+            <a:schemeClr val="accent1"/>
+          </a:fillRef>
+          <a:effectRef idx="0">
+            <a:schemeClr val="accent1"/>
+          </a:effectRef>
+          <a:fontRef idx="minor">
+            <a:schemeClr val="tx1"/>
+          </a:fontRef>
+        </p:style>
+      </p:cxnSp>
+      <p:sp>
+        <p:nvSpPr>
+          <p:cNvPr id="144" name="Rectangle 143">
+            <a:extLst>
+              <a:ext uri="{FF2B5EF4-FFF2-40B4-BE49-F238E27FC236}">
+                <a16:creationId xmlns:a16="http://schemas.microsoft.com/office/drawing/2014/main" id="{B6E6531A-0776-43BA-A852-5FB5C77534D5}"/>
+              </a:ext>
+              <a:ext uri="{C183D7F6-B498-43B3-948B-1728B52AA6E4}">
+                <adec:decorative xmlns:adec="http://schemas.microsoft.com/office/drawing/2017/decorative" val="1"/>
+              </a:ext>
+            </a:extLst>
+          </p:cNvPr>
+          <p:cNvSpPr>
+            <a:spLocks noGrp="1" noRot="1" noChangeAspect="1" noMove="1" noResize="1" noEditPoints="1" noAdjustHandles="1" noChangeArrowheads="1" noChangeShapeType="1" noTextEdit="1"/>
+          </p:cNvSpPr>
+          <p:nvPr>
+            <p:extLst>
+              <p:ext uri="{386F3935-93C4-4BCD-93E2-E3B085C9AB24}">
+                <p16:designElem xmlns:p16="http://schemas.microsoft.com/office/powerpoint/2015/main" val="1"/>
+              </p:ext>
+            </p:extLst>
+          </p:nvPr>
+        </p:nvSpPr>
+        <p:spPr>
+          <a:xfrm>
+            <a:off x="1556085" y="533400"/>
+            <a:ext cx="9079832" cy="5077326"/>
+          </a:xfrm>
+          <a:prstGeom prst="rect">
+            <a:avLst/>
+          </a:prstGeom>
+          <a:gradFill>
+            <a:gsLst>
+              <a:gs pos="0">
+                <a:srgbClr val="000001"/>
+              </a:gs>
+              <a:gs pos="100000">
+                <a:srgbClr val="191919"/>
+              </a:gs>
+            </a:gsLst>
+          </a:gradFill>
+          <a:ln w="76200" cmpd="sng">
+            <a:noFill/>
+            <a:miter lim="800000"/>
+          </a:ln>
+          <a:effectLst>
+            <a:outerShdw blurRad="127000" dist="228600" dir="4740000" sx="98000" sy="98000" algn="tl" rotWithShape="0">
+              <a:srgbClr val="000000">
+                <a:alpha val="34000"/>
+              </a:srgbClr>
+            </a:outerShdw>
+          </a:effectLst>
+          <a:scene3d>
+            <a:camera prst="orthographicFront"/>
+            <a:lightRig rig="threePt" dir="t"/>
+          </a:scene3d>
+          <a:sp3d>
+            <a:bevelT w="152400" h="50800" prst="softRound"/>
+          </a:sp3d>
+        </p:spPr>
+        <p:style>
+          <a:lnRef idx="1">
+            <a:schemeClr val="accent1"/>
+          </a:lnRef>
+          <a:fillRef idx="3">
+            <a:schemeClr val="accent1"/>
+          </a:fillRef>
+          <a:effectRef idx="2">
+            <a:schemeClr val="accent1"/>
+          </a:effectRef>
+          <a:fontRef idx="minor">
+            <a:schemeClr val="lt1"/>
+          </a:fontRef>
+        </p:style>
+        <p:txBody>
+          <a:bodyPr rtlCol="0" anchor="ctr"/>
+          <a:lstStyle/>
+          <a:p>
+            <a:pPr algn="ctr"/>
+            <a:endParaRPr lang="en-US"/>
+          </a:p>
+        </p:txBody>
+      </p:sp>
+      <p:sp>
+        <p:nvSpPr>
+          <p:cNvPr id="146" name="Rectangle 145">
+            <a:extLst>
+              <a:ext uri="{FF2B5EF4-FFF2-40B4-BE49-F238E27FC236}">
+                <a16:creationId xmlns:a16="http://schemas.microsoft.com/office/drawing/2014/main" id="{F8C5273F-2B84-46BF-A94F-1A20E13B3AA1}"/>
+              </a:ext>
+              <a:ext uri="{C183D7F6-B498-43B3-948B-1728B52AA6E4}">
+                <adec:decorative xmlns:adec="http://schemas.microsoft.com/office/drawing/2017/decorative" val="1"/>
+              </a:ext>
+            </a:extLst>
+          </p:cNvPr>
+          <p:cNvSpPr>
+            <a:spLocks noGrp="1" noRot="1" noChangeAspect="1" noMove="1" noResize="1" noEditPoints="1" noAdjustHandles="1" noChangeArrowheads="1" noChangeShapeType="1" noTextEdit="1"/>
+          </p:cNvSpPr>
+          <p:nvPr>
+            <p:extLst>
+              <p:ext uri="{386F3935-93C4-4BCD-93E2-E3B085C9AB24}">
+                <p16:designElem xmlns:p16="http://schemas.microsoft.com/office/powerpoint/2015/main" val="1"/>
+              </p:ext>
+            </p:extLst>
+          </p:nvPr>
+        </p:nvSpPr>
+        <p:spPr>
+          <a:xfrm>
+            <a:off x="1784605" y="763203"/>
+            <a:ext cx="8622792" cy="4617720"/>
+          </a:xfrm>
+          <a:prstGeom prst="rect">
+            <a:avLst/>
+          </a:prstGeom>
+          <a:gradFill>
+            <a:gsLst>
+              <a:gs pos="0">
+                <a:srgbClr val="DADADA"/>
+              </a:gs>
+              <a:gs pos="100000">
+                <a:srgbClr val="FFFFFE"/>
+              </a:gs>
+            </a:gsLst>
+            <a:lin ang="16200000" scaled="0"/>
+          </a:gradFill>
+          <a:ln w="50800" cmpd="sng">
+            <a:solidFill>
+              <a:srgbClr val="191919"/>
+            </a:solidFill>
+            <a:miter lim="800000"/>
+          </a:ln>
+          <a:effectLst>
+            <a:innerShdw blurRad="63500" dist="88900" dir="14100000">
+              <a:srgbClr val="000000">
+                <a:alpha val="30000"/>
+              </a:srgbClr>
+            </a:innerShdw>
+          </a:effectLst>
+          <a:scene3d>
+            <a:camera prst="orthographicFront"/>
+            <a:lightRig rig="threePt" dir="t"/>
+          </a:scene3d>
+          <a:sp3d>
+            <a:bevelT prst="relaxedInset"/>
+          </a:sp3d>
+        </p:spPr>
+        <p:style>
+          <a:lnRef idx="1">
+            <a:schemeClr val="accent1"/>
+          </a:lnRef>
+          <a:fillRef idx="3">
+            <a:schemeClr val="accent1"/>
+          </a:fillRef>
+          <a:effectRef idx="2">
+            <a:schemeClr val="accent1"/>
+          </a:effectRef>
+          <a:fontRef idx="minor">
+            <a:schemeClr val="lt1"/>
+          </a:fontRef>
+        </p:style>
+        <p:txBody>
+          <a:bodyPr rtlCol="0" anchor="ctr"/>
+          <a:lstStyle/>
+          <a:p>
+            <a:pPr algn="ctr"/>
+            <a:endParaRPr lang="en-US"/>
+          </a:p>
+        </p:txBody>
+      </p:sp>
+      <p:pic>
+        <p:nvPicPr>
+          <p:cNvPr id="1026" name="Picture 2">
+            <a:extLst>
+              <a:ext uri="{FF2B5EF4-FFF2-40B4-BE49-F238E27FC236}">
+                <a16:creationId xmlns:a16="http://schemas.microsoft.com/office/drawing/2014/main" id="{B33FBA7E-9159-4D0F-AA10-A956D13AAE6C}"/>
+              </a:ext>
+            </a:extLst>
+          </p:cNvPr>
+          <p:cNvPicPr>
+            <a:picLocks noChangeAspect="1" noChangeArrowheads="1"/>
+          </p:cNvPicPr>
+          <p:nvPr/>
+        </p:nvPicPr>
+        <p:blipFill rotWithShape="1">
+          <a:blip r:embed="rId3">
+            <a:extLst>
+              <a:ext uri="{28A0092B-C50C-407E-A947-70E740481C1C}">
+                <a14:useLocalDpi xmlns:a14="http://schemas.microsoft.com/office/drawing/2010/main" val="0"/>
+              </a:ext>
+            </a:extLst>
+          </a:blip>
+          <a:srcRect r="1" b="8881"/>
+          <a:stretch/>
+        </p:blipFill>
+        <p:spPr bwMode="auto">
+          <a:xfrm>
+            <a:off x="3820992" y="1247835"/>
+            <a:ext cx="4550017" cy="3648456"/>
+          </a:xfrm>
+          <a:prstGeom prst="rect">
+            <a:avLst/>
+          </a:prstGeom>
+          <a:noFill/>
+          <a:extLst>
+            <a:ext uri="{909E8E84-426E-40DD-AFC4-6F175D3DCCD1}">
+              <a14:hiddenFill xmlns:a14="http://schemas.microsoft.com/office/drawing/2010/main">
+                <a:solidFill>
+                  <a:srgbClr val="FFFFFF"/>
+                </a:solidFill>
+              </a14:hiddenFill>
+            </a:ext>
+          </a:extLst>
+        </p:spPr>
+      </p:pic>
+    </p:spTree>
+    <p:extLst>
+      <p:ext uri="{BB962C8B-B14F-4D97-AF65-F5344CB8AC3E}">
+        <p14:creationId xmlns:p14="http://schemas.microsoft.com/office/powerpoint/2010/main" val="4268216158"/>
+      </p:ext>
+    </p:extLst>
+  </p:cSld>
+  <p:clrMapOvr>
+    <a:masterClrMapping/>
+  </p:clrMapOvr>
+</p:sld>
+</file>
+
 <file path=ppt/theme/theme1.xml><?xml version="1.0" encoding="utf-8"?>
 <a:theme xmlns:a="http://schemas.openxmlformats.org/drawingml/2006/main" name="Gallery">
   <a:themeElements>
